--- a/semaine2/semaine2-3.pptx
+++ b/semaine2/semaine2-3.pptx
@@ -5,29 +5,26 @@
     <p:sldMasterId id="2147483649" r:id="rId1"/>
   </p:sldMasterIdLst>
   <p:notesMasterIdLst>
-    <p:notesMasterId r:id="rId19"/>
+    <p:notesMasterId r:id="rId16"/>
   </p:notesMasterIdLst>
   <p:handoutMasterIdLst>
-    <p:handoutMasterId r:id="rId20"/>
+    <p:handoutMasterId r:id="rId17"/>
   </p:handoutMasterIdLst>
   <p:sldIdLst>
-    <p:sldId id="888" r:id="rId2"/>
-    <p:sldId id="279" r:id="rId3"/>
-    <p:sldId id="296" r:id="rId4"/>
-    <p:sldId id="297" r:id="rId5"/>
-    <p:sldId id="658" r:id="rId6"/>
-    <p:sldId id="298" r:id="rId7"/>
-    <p:sldId id="294" r:id="rId8"/>
-    <p:sldId id="889" r:id="rId9"/>
-    <p:sldId id="890" r:id="rId10"/>
-    <p:sldId id="891" r:id="rId11"/>
-    <p:sldId id="892" r:id="rId12"/>
-    <p:sldId id="893" r:id="rId13"/>
-    <p:sldId id="894" r:id="rId14"/>
-    <p:sldId id="895" r:id="rId15"/>
-    <p:sldId id="896" r:id="rId16"/>
-    <p:sldId id="897" r:id="rId17"/>
-    <p:sldId id="898" r:id="rId18"/>
+    <p:sldId id="298" r:id="rId2"/>
+    <p:sldId id="899" r:id="rId3"/>
+    <p:sldId id="901" r:id="rId4"/>
+    <p:sldId id="902" r:id="rId5"/>
+    <p:sldId id="889" r:id="rId6"/>
+    <p:sldId id="890" r:id="rId7"/>
+    <p:sldId id="891" r:id="rId8"/>
+    <p:sldId id="892" r:id="rId9"/>
+    <p:sldId id="893" r:id="rId10"/>
+    <p:sldId id="894" r:id="rId11"/>
+    <p:sldId id="895" r:id="rId12"/>
+    <p:sldId id="896" r:id="rId13"/>
+    <p:sldId id="897" r:id="rId14"/>
+    <p:sldId id="898" r:id="rId15"/>
   </p:sldIdLst>
   <p:sldSz cx="9144000" cy="6858000" type="screen4x3"/>
   <p:notesSz cx="7099300" cy="10234613"/>
@@ -161,13 +158,10 @@
       <p14:sectionLst xmlns:p14="http://schemas.microsoft.com/office/powerpoint/2010/main">
         <p14:section name="Section par défaut" id="{28C650F0-13B2-49C9-9ED4-D40CD07835D6}">
           <p14:sldIdLst>
-            <p14:sldId id="888"/>
-            <p14:sldId id="279"/>
-            <p14:sldId id="296"/>
-            <p14:sldId id="297"/>
-            <p14:sldId id="658"/>
             <p14:sldId id="298"/>
-            <p14:sldId id="294"/>
+            <p14:sldId id="899"/>
+            <p14:sldId id="901"/>
+            <p14:sldId id="902"/>
             <p14:sldId id="889"/>
             <p14:sldId id="890"/>
             <p14:sldId id="891"/>
@@ -977,25 +971,7 @@
           <a:bodyPr/>
           <a:lstStyle/>
           <a:p>
-            <a:r>
-              <a:rPr lang="fr-FR" dirty="0" smtClean="0"/>
-              <a:t>Immutable est un néologisme</a:t>
-            </a:r>
-            <a:r>
-              <a:rPr lang="fr-FR" baseline="0" dirty="0" smtClean="0"/>
-              <a:t> (immuable en français), mais il permet </a:t>
-            </a:r>
-          </a:p>
-          <a:p>
-            <a:r>
-              <a:rPr lang="fr-FR" baseline="0" dirty="0" smtClean="0"/>
-              <a:t>Un </a:t>
-            </a:r>
-            <a:r>
-              <a:rPr lang="fr-FR" baseline="0" smtClean="0"/>
-              <a:t>meilleur parallèle avec la doc anglaise. </a:t>
-            </a:r>
-            <a:endParaRPr lang="fr-FR"/>
+            <a:endParaRPr lang="fr-FR" dirty="0"/>
           </a:p>
         </p:txBody>
       </p:sp>
@@ -1022,7 +998,7 @@
               <a:pPr>
                 <a:defRPr/>
               </a:pPr>
-              <a:t>1</a:t>
+              <a:t>2</a:t>
             </a:fld>
             <a:endParaRPr lang="en-US"/>
           </a:p>
@@ -1031,7 +1007,7 @@
     </p:spTree>
     <p:extLst>
       <p:ext uri="{BB962C8B-B14F-4D97-AF65-F5344CB8AC3E}">
-        <p14:creationId xmlns:p14="http://schemas.microsoft.com/office/powerpoint/2010/main" val="2223407433"/>
+        <p14:creationId xmlns:p14="http://schemas.microsoft.com/office/powerpoint/2010/main" val="2336146"/>
       </p:ext>
     </p:extLst>
   </p:cSld>
@@ -1085,7 +1061,7 @@
           <a:bodyPr/>
           <a:lstStyle/>
           <a:p>
-            <a:endParaRPr lang="fr-FR" baseline="0" dirty="0" smtClean="0"/>
+            <a:endParaRPr lang="fr-FR" dirty="0"/>
           </a:p>
         </p:txBody>
       </p:sp>
@@ -1121,7 +1097,7 @@
     </p:spTree>
     <p:extLst>
       <p:ext uri="{BB962C8B-B14F-4D97-AF65-F5344CB8AC3E}">
-        <p14:creationId xmlns:p14="http://schemas.microsoft.com/office/powerpoint/2010/main" val="1196484856"/>
+        <p14:creationId xmlns:p14="http://schemas.microsoft.com/office/powerpoint/2010/main" val="2572911368"/>
       </p:ext>
     </p:extLst>
   </p:cSld>
@@ -1175,88 +1151,6 @@
           <a:bodyPr/>
           <a:lstStyle/>
           <a:p>
-            <a:r>
-              <a:rPr lang="fr-FR" dirty="0" err="1" smtClean="0"/>
-              <a:t>Shallow</a:t>
-            </a:r>
-            <a:r>
-              <a:rPr lang="fr-FR" dirty="0" smtClean="0"/>
-              <a:t> copie</a:t>
-            </a:r>
-            <a:r>
-              <a:rPr lang="fr-FR" baseline="0" dirty="0" smtClean="0"/>
-              <a:t> ne copie pas les éléments de la séquence, mais pointe vers ceux de S</a:t>
-            </a:r>
-          </a:p>
-          <a:p>
-            <a:r>
-              <a:rPr lang="fr-FR" baseline="0" dirty="0" smtClean="0"/>
-              <a:t>Donc </a:t>
-            </a:r>
-          </a:p>
-          <a:p>
-            <a:r>
-              <a:rPr lang="fr-FR" baseline="0" dirty="0" smtClean="0"/>
-              <a:t>a=[[]]</a:t>
-            </a:r>
-          </a:p>
-          <a:p>
-            <a:r>
-              <a:rPr lang="fr-FR" baseline="0" dirty="0" smtClean="0"/>
-              <a:t>b=a*3</a:t>
-            </a:r>
-          </a:p>
-          <a:p>
-            <a:r>
-              <a:rPr lang="fr-FR" baseline="0" dirty="0" smtClean="0"/>
-              <a:t>a[0].append(10)</a:t>
-            </a:r>
-          </a:p>
-          <a:p>
-            <a:r>
-              <a:rPr lang="fr-FR" baseline="0" dirty="0" err="1" smtClean="0"/>
-              <a:t>print</a:t>
-            </a:r>
-            <a:r>
-              <a:rPr lang="fr-FR" baseline="0" dirty="0" smtClean="0"/>
-              <a:t> b</a:t>
-            </a:r>
-          </a:p>
-          <a:p>
-            <a:r>
-              <a:rPr lang="fr-FR" baseline="0" dirty="0" smtClean="0"/>
-              <a:t>[[10], [10], [10]]</a:t>
-            </a:r>
-          </a:p>
-          <a:p>
-            <a:endParaRPr lang="fr-FR" baseline="0" dirty="0" smtClean="0"/>
-          </a:p>
-          <a:p>
-            <a:r>
-              <a:rPr lang="fr-FR" baseline="0" dirty="0" smtClean="0"/>
-              <a:t>On reparle des </a:t>
-            </a:r>
-            <a:r>
-              <a:rPr lang="fr-FR" baseline="0" dirty="0" err="1" smtClean="0"/>
-              <a:t>shallow</a:t>
-            </a:r>
-            <a:r>
-              <a:rPr lang="fr-FR" baseline="0" dirty="0" smtClean="0"/>
-              <a:t> copy dans la partie référence partagée (vers </a:t>
-            </a:r>
-            <a:r>
-              <a:rPr lang="fr-FR" baseline="0" dirty="0" err="1" smtClean="0"/>
-              <a:t>slide</a:t>
-            </a:r>
-            <a:r>
-              <a:rPr lang="fr-FR" baseline="0" dirty="0" smtClean="0"/>
-              <a:t> 83)</a:t>
-            </a:r>
-          </a:p>
-          <a:p>
-            <a:endParaRPr lang="fr-FR" baseline="0" dirty="0" smtClean="0"/>
-          </a:p>
-          <a:p>
             <a:endParaRPr lang="fr-FR" dirty="0"/>
           </a:p>
         </p:txBody>
@@ -1284,7 +1178,7 @@
               <a:pPr>
                 <a:defRPr/>
               </a:pPr>
-              <a:t>5</a:t>
+              <a:t>4</a:t>
             </a:fld>
             <a:endParaRPr lang="en-US"/>
           </a:p>
@@ -1293,7 +1187,7 @@
     </p:spTree>
     <p:extLst>
       <p:ext uri="{BB962C8B-B14F-4D97-AF65-F5344CB8AC3E}">
-        <p14:creationId xmlns:p14="http://schemas.microsoft.com/office/powerpoint/2010/main" val="3522722059"/>
+        <p14:creationId xmlns:p14="http://schemas.microsoft.com/office/powerpoint/2010/main" val="3975810160"/>
       </p:ext>
     </p:extLst>
   </p:cSld>
@@ -1347,223 +1241,6 @@
           <a:bodyPr/>
           <a:lstStyle/>
           <a:p>
-            <a:r>
-              <a:rPr lang="fr-FR" sz="1200" dirty="0" smtClean="0">
-                <a:latin typeface="Courier New" pitchFamily="49" charset="0"/>
-                <a:cs typeface="Courier New" pitchFamily="49" charset="0"/>
-              </a:rPr>
-              <a:t>&gt;&gt;&gt;S=‘HELLO’</a:t>
-            </a:r>
-          </a:p>
-          <a:p>
-            <a:r>
-              <a:rPr lang="en-US" sz="1200" dirty="0" smtClean="0">
-                <a:latin typeface="Courier New" pitchFamily="49" charset="0"/>
-                <a:cs typeface="Courier New" pitchFamily="49" charset="0"/>
-              </a:rPr>
-              <a:t>&gt;&gt;&gt; S[-1]</a:t>
-            </a:r>
-          </a:p>
-          <a:p>
-            <a:r>
-              <a:rPr lang="en-US" sz="1200" dirty="0" smtClean="0">
-                <a:latin typeface="Courier New" pitchFamily="49" charset="0"/>
-                <a:cs typeface="Courier New" pitchFamily="49" charset="0"/>
-              </a:rPr>
-              <a:t>'O'</a:t>
-            </a:r>
-          </a:p>
-          <a:p>
-            <a:r>
-              <a:rPr lang="en-US" sz="1200" dirty="0" smtClean="0">
-                <a:latin typeface="Courier New" pitchFamily="49" charset="0"/>
-                <a:cs typeface="Courier New" pitchFamily="49" charset="0"/>
-              </a:rPr>
-              <a:t>&gt;&gt;&gt; S[-2]</a:t>
-            </a:r>
-          </a:p>
-          <a:p>
-            <a:r>
-              <a:rPr lang="en-US" sz="1200" dirty="0" smtClean="0">
-                <a:latin typeface="Courier New" pitchFamily="49" charset="0"/>
-                <a:cs typeface="Courier New" pitchFamily="49" charset="0"/>
-              </a:rPr>
-              <a:t>'L'</a:t>
-            </a:r>
-          </a:p>
-          <a:p>
-            <a:r>
-              <a:rPr lang="en-US" sz="1200" dirty="0" smtClean="0">
-                <a:latin typeface="Courier New" pitchFamily="49" charset="0"/>
-                <a:cs typeface="Courier New" pitchFamily="49" charset="0"/>
-              </a:rPr>
-              <a:t>&gt;&gt;&gt; S[-2:]</a:t>
-            </a:r>
-          </a:p>
-          <a:p>
-            <a:r>
-              <a:rPr lang="en-US" sz="1200" dirty="0" smtClean="0">
-                <a:latin typeface="Courier New" pitchFamily="49" charset="0"/>
-                <a:cs typeface="Courier New" pitchFamily="49" charset="0"/>
-              </a:rPr>
-              <a:t>'LO'</a:t>
-            </a:r>
-          </a:p>
-          <a:p>
-            <a:r>
-              <a:rPr lang="en-US" sz="1200" dirty="0" smtClean="0">
-                <a:latin typeface="Courier New" pitchFamily="49" charset="0"/>
-                <a:cs typeface="Courier New" pitchFamily="49" charset="0"/>
-              </a:rPr>
-              <a:t>&gt;&gt;&gt; S[-2:-1]</a:t>
-            </a:r>
-          </a:p>
-          <a:p>
-            <a:r>
-              <a:rPr lang="en-US" sz="1200" dirty="0" smtClean="0">
-                <a:latin typeface="Courier New" pitchFamily="49" charset="0"/>
-                <a:cs typeface="Courier New" pitchFamily="49" charset="0"/>
-              </a:rPr>
-              <a:t>'L‘</a:t>
-            </a:r>
-          </a:p>
-          <a:p>
-            <a:r>
-              <a:rPr lang="en-US" sz="1200" dirty="0" smtClean="0">
-                <a:latin typeface="Courier New" pitchFamily="49" charset="0"/>
-                <a:cs typeface="Courier New" pitchFamily="49" charset="0"/>
-              </a:rPr>
-              <a:t>&gt;&gt;&gt; S[0:1]</a:t>
-            </a:r>
-          </a:p>
-          <a:p>
-            <a:r>
-              <a:rPr lang="en-US" sz="1200" dirty="0" smtClean="0">
-                <a:latin typeface="Courier New" pitchFamily="49" charset="0"/>
-                <a:cs typeface="Courier New" pitchFamily="49" charset="0"/>
-              </a:rPr>
-              <a:t>'H'</a:t>
-            </a:r>
-          </a:p>
-          <a:p>
-            <a:r>
-              <a:rPr lang="en-US" sz="1200" dirty="0" smtClean="0">
-                <a:latin typeface="Courier New" pitchFamily="49" charset="0"/>
-                <a:cs typeface="Courier New" pitchFamily="49" charset="0"/>
-              </a:rPr>
-              <a:t>&gt;&gt;&gt; S[2:]</a:t>
-            </a:r>
-          </a:p>
-          <a:p>
-            <a:r>
-              <a:rPr lang="en-US" sz="1200" dirty="0" smtClean="0">
-                <a:latin typeface="Courier New" pitchFamily="49" charset="0"/>
-                <a:cs typeface="Courier New" pitchFamily="49" charset="0"/>
-              </a:rPr>
-              <a:t>'LLO'</a:t>
-            </a:r>
-          </a:p>
-          <a:p>
-            <a:r>
-              <a:rPr lang="en-US" sz="1200" dirty="0" smtClean="0">
-                <a:latin typeface="Courier New" pitchFamily="49" charset="0"/>
-                <a:cs typeface="Courier New" pitchFamily="49" charset="0"/>
-              </a:rPr>
-              <a:t>&gt;&gt;&gt; S[:-3]</a:t>
-            </a:r>
-          </a:p>
-          <a:p>
-            <a:r>
-              <a:rPr lang="en-US" sz="1200" dirty="0" smtClean="0">
-                <a:latin typeface="Courier New" pitchFamily="49" charset="0"/>
-                <a:cs typeface="Courier New" pitchFamily="49" charset="0"/>
-              </a:rPr>
-              <a:t>'HE'</a:t>
-            </a:r>
-          </a:p>
-          <a:p>
-            <a:r>
-              <a:rPr lang="en-US" sz="1200" dirty="0" smtClean="0">
-                <a:latin typeface="Courier New" pitchFamily="49" charset="0"/>
-                <a:cs typeface="Courier New" pitchFamily="49" charset="0"/>
-              </a:rPr>
-              <a:t>&gt;&gt;&gt; S[3:100]</a:t>
-            </a:r>
-          </a:p>
-          <a:p>
-            <a:r>
-              <a:rPr lang="en-US" sz="1200" dirty="0" smtClean="0">
-                <a:latin typeface="Courier New" pitchFamily="49" charset="0"/>
-                <a:cs typeface="Courier New" pitchFamily="49" charset="0"/>
-              </a:rPr>
-              <a:t>'LO'</a:t>
-            </a:r>
-          </a:p>
-          <a:p>
-            <a:r>
-              <a:rPr lang="en-US" sz="1200" dirty="0" smtClean="0">
-                <a:latin typeface="Courier New" pitchFamily="49" charset="0"/>
-                <a:cs typeface="Courier New" pitchFamily="49" charset="0"/>
-              </a:rPr>
-              <a:t>&gt;&gt;&gt; S[100]</a:t>
-            </a:r>
-          </a:p>
-          <a:p>
-            <a:r>
-              <a:rPr lang="en-US" sz="1200" dirty="0" err="1" smtClean="0">
-                <a:latin typeface="Courier New" pitchFamily="49" charset="0"/>
-                <a:cs typeface="Courier New" pitchFamily="49" charset="0"/>
-              </a:rPr>
-              <a:t>Traceback</a:t>
-            </a:r>
-            <a:r>
-              <a:rPr lang="en-US" sz="1200" dirty="0" smtClean="0">
-                <a:latin typeface="Courier New" pitchFamily="49" charset="0"/>
-                <a:cs typeface="Courier New" pitchFamily="49" charset="0"/>
-              </a:rPr>
-              <a:t> (most recent call last):</a:t>
-            </a:r>
-          </a:p>
-          <a:p>
-            <a:r>
-              <a:rPr lang="en-US" sz="1200" dirty="0" smtClean="0">
-                <a:latin typeface="Courier New" pitchFamily="49" charset="0"/>
-                <a:cs typeface="Courier New" pitchFamily="49" charset="0"/>
-              </a:rPr>
-              <a:t>  File "&lt;</a:t>
-            </a:r>
-            <a:r>
-              <a:rPr lang="en-US" sz="1200" dirty="0" err="1" smtClean="0">
-                <a:latin typeface="Courier New" pitchFamily="49" charset="0"/>
-                <a:cs typeface="Courier New" pitchFamily="49" charset="0"/>
-              </a:rPr>
-              <a:t>stdin</a:t>
-            </a:r>
-            <a:r>
-              <a:rPr lang="en-US" sz="1200" dirty="0" smtClean="0">
-                <a:latin typeface="Courier New" pitchFamily="49" charset="0"/>
-                <a:cs typeface="Courier New" pitchFamily="49" charset="0"/>
-              </a:rPr>
-              <a:t>&gt;", line 1, in &lt;module&gt;</a:t>
-            </a:r>
-          </a:p>
-          <a:p>
-            <a:r>
-              <a:rPr lang="en-US" sz="1200" dirty="0" err="1" smtClean="0">
-                <a:latin typeface="Courier New" pitchFamily="49" charset="0"/>
-                <a:cs typeface="Courier New" pitchFamily="49" charset="0"/>
-              </a:rPr>
-              <a:t>IndexError</a:t>
-            </a:r>
-            <a:r>
-              <a:rPr lang="en-US" sz="1200" dirty="0" smtClean="0">
-                <a:latin typeface="Courier New" pitchFamily="49" charset="0"/>
-                <a:cs typeface="Courier New" pitchFamily="49" charset="0"/>
-              </a:rPr>
-              <a:t>: string index out of range</a:t>
-            </a:r>
-          </a:p>
-          <a:p>
             <a:endParaRPr lang="fr-FR" dirty="0"/>
           </a:p>
         </p:txBody>
@@ -1591,97 +1268,7 @@
               <a:pPr>
                 <a:defRPr/>
               </a:pPr>
-              <a:t>7</a:t>
-            </a:fld>
-            <a:endParaRPr lang="en-US"/>
-          </a:p>
-        </p:txBody>
-      </p:sp>
-    </p:spTree>
-    <p:extLst>
-      <p:ext uri="{BB962C8B-B14F-4D97-AF65-F5344CB8AC3E}">
-        <p14:creationId xmlns:p14="http://schemas.microsoft.com/office/powerpoint/2010/main" val="488884771"/>
-      </p:ext>
-    </p:extLst>
-  </p:cSld>
-  <p:clrMapOvr>
-    <a:masterClrMapping/>
-  </p:clrMapOvr>
-</p:notes>
-</file>
-
-<file path=ppt/notesSlides/notesSlide5.xml><?xml version="1.0" encoding="utf-8"?>
-<p:notes xmlns:a="http://schemas.openxmlformats.org/drawingml/2006/main" xmlns:r="http://schemas.openxmlformats.org/officeDocument/2006/relationships" xmlns:p="http://schemas.openxmlformats.org/presentationml/2006/main">
-  <p:cSld>
-    <p:spTree>
-      <p:nvGrpSpPr>
-        <p:cNvPr id="1" name=""/>
-        <p:cNvGrpSpPr/>
-        <p:nvPr/>
-      </p:nvGrpSpPr>
-      <p:grpSpPr>
-        <a:xfrm>
-          <a:off x="0" y="0"/>
-          <a:ext cx="0" cy="0"/>
-          <a:chOff x="0" y="0"/>
-          <a:chExt cx="0" cy="0"/>
-        </a:xfrm>
-      </p:grpSpPr>
-      <p:sp>
-        <p:nvSpPr>
-          <p:cNvPr id="2" name="Espace réservé de l'image des diapositives 1"/>
-          <p:cNvSpPr>
-            <a:spLocks noGrp="1" noRot="1" noChangeAspect="1"/>
-          </p:cNvSpPr>
-          <p:nvPr>
-            <p:ph type="sldImg"/>
-          </p:nvPr>
-        </p:nvSpPr>
-        <p:spPr/>
-      </p:sp>
-      <p:sp>
-        <p:nvSpPr>
-          <p:cNvPr id="3" name="Espace réservé des commentaires 2"/>
-          <p:cNvSpPr>
-            <a:spLocks noGrp="1"/>
-          </p:cNvSpPr>
-          <p:nvPr>
-            <p:ph type="body" idx="1"/>
-          </p:nvPr>
-        </p:nvSpPr>
-        <p:spPr/>
-        <p:txBody>
-          <a:bodyPr/>
-          <a:lstStyle/>
-          <a:p>
-            <a:endParaRPr lang="fr-FR" dirty="0"/>
-          </a:p>
-        </p:txBody>
-      </p:sp>
-      <p:sp>
-        <p:nvSpPr>
-          <p:cNvPr id="4" name="Espace réservé du numéro de diapositive 3"/>
-          <p:cNvSpPr>
-            <a:spLocks noGrp="1"/>
-          </p:cNvSpPr>
-          <p:nvPr>
-            <p:ph type="sldNum" sz="quarter" idx="10"/>
-          </p:nvPr>
-        </p:nvSpPr>
-        <p:spPr/>
-        <p:txBody>
-          <a:bodyPr/>
-          <a:lstStyle/>
-          <a:p>
-            <a:pPr>
-              <a:defRPr/>
-            </a:pPr>
-            <a:fld id="{9E8EB9F5-F2F7-4A48-A943-9B409357C15C}" type="slidenum">
-              <a:rPr lang="en-US" smtClean="0"/>
-              <a:pPr>
-                <a:defRPr/>
-              </a:pPr>
-              <a:t>16</a:t>
+              <a:t>13</a:t>
             </a:fld>
             <a:endParaRPr lang="en-US"/>
           </a:p>
@@ -5064,11 +4651,7 @@
           <a:bodyPr/>
           <a:lstStyle/>
           <a:p>
-            <a:r>
-              <a:rPr lang="fr-FR" dirty="0" smtClean="0"/>
-              <a:t>Types de base</a:t>
-            </a:r>
-            <a:endParaRPr lang="fr-FR" dirty="0"/>
+            <a:endParaRPr lang="fr-FR" dirty="0" smtClean="0"/>
           </a:p>
         </p:txBody>
       </p:sp>
@@ -5084,8 +4667,8 @@
         </p:nvSpPr>
         <p:spPr>
           <a:xfrm>
-            <a:off x="457200" y="1417638"/>
-            <a:ext cx="8229600" cy="4708525"/>
+            <a:off x="457199" y="1600200"/>
+            <a:ext cx="8686801" cy="4525963"/>
           </a:xfrm>
         </p:spPr>
         <p:txBody>
@@ -5093,266 +4676,92 @@
           <a:lstStyle/>
           <a:p>
             <a:r>
-              <a:rPr lang="fr-FR" sz="2800" dirty="0" smtClean="0">
-                <a:solidFill>
-                  <a:schemeClr val="bg1">
-                    <a:lumMod val="75000"/>
-                  </a:schemeClr>
-                </a:solidFill>
-              </a:rPr>
-              <a:t>Nombres</a:t>
-            </a:r>
-          </a:p>
-          <a:p>
-            <a:pPr lvl="1"/>
-            <a:r>
-              <a:rPr lang="fr-FR" sz="2400" dirty="0" err="1">
-                <a:solidFill>
-                  <a:schemeClr val="bg1">
-                    <a:lumMod val="75000"/>
-                  </a:schemeClr>
-                </a:solidFill>
-                <a:latin typeface="Courier New" pitchFamily="49" charset="0"/>
-                <a:cs typeface="Courier New" pitchFamily="49" charset="0"/>
-              </a:rPr>
-              <a:t>i</a:t>
-            </a:r>
-            <a:r>
-              <a:rPr lang="fr-FR" sz="2400" dirty="0" err="1" smtClean="0">
-                <a:solidFill>
-                  <a:schemeClr val="bg1">
-                    <a:lumMod val="75000"/>
-                  </a:schemeClr>
-                </a:solidFill>
-                <a:latin typeface="Courier New" pitchFamily="49" charset="0"/>
-                <a:cs typeface="Courier New" pitchFamily="49" charset="0"/>
-              </a:rPr>
-              <a:t>nt</a:t>
-            </a:r>
-            <a:r>
-              <a:rPr lang="fr-FR" sz="2400" dirty="0" smtClean="0">
-                <a:solidFill>
-                  <a:schemeClr val="bg1">
-                    <a:lumMod val="75000"/>
-                  </a:schemeClr>
-                </a:solidFill>
-                <a:latin typeface="Courier New" pitchFamily="49" charset="0"/>
-                <a:cs typeface="Courier New" pitchFamily="49" charset="0"/>
-              </a:rPr>
-              <a:t>, long, </a:t>
-            </a:r>
-            <a:r>
-              <a:rPr lang="fr-FR" sz="2400" dirty="0" err="1" smtClean="0">
-                <a:solidFill>
-                  <a:schemeClr val="bg1">
-                    <a:lumMod val="75000"/>
-                  </a:schemeClr>
-                </a:solidFill>
-                <a:latin typeface="Courier New" pitchFamily="49" charset="0"/>
-                <a:cs typeface="Courier New" pitchFamily="49" charset="0"/>
-              </a:rPr>
-              <a:t>float</a:t>
-            </a:r>
-            <a:r>
-              <a:rPr lang="fr-FR" sz="2400" dirty="0" smtClean="0">
-                <a:solidFill>
-                  <a:schemeClr val="bg1">
-                    <a:lumMod val="75000"/>
-                  </a:schemeClr>
-                </a:solidFill>
-                <a:latin typeface="Courier New" pitchFamily="49" charset="0"/>
-                <a:cs typeface="Courier New" pitchFamily="49" charset="0"/>
-              </a:rPr>
-              <a:t>, </a:t>
-            </a:r>
-            <a:r>
-              <a:rPr lang="fr-FR" sz="2400" dirty="0" err="1" smtClean="0">
-                <a:solidFill>
-                  <a:schemeClr val="bg1">
-                    <a:lumMod val="75000"/>
-                  </a:schemeClr>
-                </a:solidFill>
-                <a:latin typeface="Courier New" pitchFamily="49" charset="0"/>
-                <a:cs typeface="Courier New" pitchFamily="49" charset="0"/>
-              </a:rPr>
-              <a:t>complex</a:t>
-            </a:r>
-            <a:r>
-              <a:rPr lang="fr-FR" sz="2400" dirty="0" smtClean="0">
-                <a:solidFill>
-                  <a:schemeClr val="bg1">
-                    <a:lumMod val="75000"/>
-                  </a:schemeClr>
-                </a:solidFill>
-                <a:latin typeface="Courier New" pitchFamily="49" charset="0"/>
-                <a:cs typeface="Courier New" pitchFamily="49" charset="0"/>
-              </a:rPr>
-              <a:t>, </a:t>
-            </a:r>
-            <a:r>
-              <a:rPr lang="fr-FR" sz="2400" dirty="0" err="1" smtClean="0">
-                <a:solidFill>
-                  <a:schemeClr val="bg1">
-                    <a:lumMod val="75000"/>
-                  </a:schemeClr>
-                </a:solidFill>
-                <a:latin typeface="Courier New" pitchFamily="49" charset="0"/>
-                <a:cs typeface="Courier New" pitchFamily="49" charset="0"/>
-              </a:rPr>
-              <a:t>bool</a:t>
-            </a:r>
-            <a:endParaRPr lang="fr-FR" sz="2400" dirty="0" smtClean="0">
-              <a:solidFill>
-                <a:schemeClr val="bg1">
-                  <a:lumMod val="75000"/>
-                </a:schemeClr>
-              </a:solidFill>
-              <a:latin typeface="Courier New" pitchFamily="49" charset="0"/>
-              <a:cs typeface="Courier New" pitchFamily="49" charset="0"/>
-            </a:endParaRPr>
-          </a:p>
-          <a:p>
-            <a:r>
-              <a:rPr lang="fr-FR" sz="2800" dirty="0" smtClean="0">
+              <a:rPr lang="fr-FR" dirty="0" smtClean="0">
+                <a:latin typeface="Courier New" pitchFamily="49" charset="0"/>
+                <a:cs typeface="Courier New" pitchFamily="49" charset="0"/>
+              </a:rPr>
+              <a:t>S[</a:t>
+            </a:r>
+            <a:r>
+              <a:rPr lang="fr-FR" dirty="0" err="1" smtClean="0">
+                <a:latin typeface="Courier New" pitchFamily="49" charset="0"/>
+                <a:cs typeface="Courier New" pitchFamily="49" charset="0"/>
+              </a:rPr>
+              <a:t>i:j</a:t>
+            </a:r>
+            <a:r>
+              <a:rPr lang="fr-FR" dirty="0" smtClean="0">
+                <a:latin typeface="Courier New" pitchFamily="49" charset="0"/>
+                <a:cs typeface="Courier New" pitchFamily="49" charset="0"/>
+              </a:rPr>
+              <a:t>]</a:t>
+            </a:r>
+            <a:r>
+              <a:rPr lang="fr-FR" dirty="0" smtClean="0"/>
+              <a:t> retourne </a:t>
+            </a:r>
+            <a:r>
+              <a:rPr lang="fr-FR" dirty="0" smtClean="0">
                 <a:solidFill>
                   <a:srgbClr val="FF0000"/>
                 </a:solidFill>
               </a:rPr>
-              <a:t>Types séquence</a:t>
-            </a:r>
-          </a:p>
-          <a:p>
-            <a:pPr lvl="1"/>
-            <a:r>
-              <a:rPr lang="fr-FR" sz="2400" dirty="0" smtClean="0">
+              <a:t>une nouvelle séquence </a:t>
+            </a:r>
+            <a:r>
+              <a:rPr lang="fr-FR" dirty="0" smtClean="0"/>
+              <a:t>de même type prenant tous les éléments de l’indice i à l’indice j-1</a:t>
+            </a:r>
+          </a:p>
+          <a:p>
+            <a:r>
+              <a:rPr lang="fr-FR" dirty="0" smtClean="0">
+                <a:latin typeface="Courier New" pitchFamily="49" charset="0"/>
+                <a:cs typeface="Courier New" pitchFamily="49" charset="0"/>
+              </a:rPr>
+              <a:t>S[</a:t>
+            </a:r>
+            <a:r>
+              <a:rPr lang="fr-FR" dirty="0" err="1" smtClean="0">
+                <a:latin typeface="Courier New" pitchFamily="49" charset="0"/>
+                <a:cs typeface="Courier New" pitchFamily="49" charset="0"/>
+              </a:rPr>
+              <a:t>i:j:k</a:t>
+            </a:r>
+            <a:r>
+              <a:rPr lang="fr-FR" dirty="0" smtClean="0">
+                <a:latin typeface="Courier New" pitchFamily="49" charset="0"/>
+                <a:cs typeface="Courier New" pitchFamily="49" charset="0"/>
+              </a:rPr>
+              <a:t>]</a:t>
+            </a:r>
+            <a:r>
+              <a:rPr lang="fr-FR" dirty="0" smtClean="0"/>
+              <a:t> retourne </a:t>
+            </a:r>
+            <a:r>
+              <a:rPr lang="fr-FR" dirty="0" smtClean="0">
                 <a:solidFill>
                   <a:srgbClr val="FF0000"/>
                 </a:solidFill>
               </a:rPr>
-              <a:t>Mutable : </a:t>
-            </a:r>
-            <a:r>
-              <a:rPr lang="fr-FR" sz="2400" dirty="0" err="1" smtClean="0">
-                <a:solidFill>
-                  <a:srgbClr val="FF0000"/>
-                </a:solidFill>
-                <a:latin typeface="Courier New" pitchFamily="49" charset="0"/>
-                <a:cs typeface="Courier New" pitchFamily="49" charset="0"/>
-              </a:rPr>
-              <a:t>list</a:t>
-            </a:r>
-            <a:r>
-              <a:rPr lang="fr-FR" sz="2400" dirty="0" smtClean="0">
-                <a:solidFill>
-                  <a:srgbClr val="FF0000"/>
-                </a:solidFill>
-                <a:latin typeface="Courier New" pitchFamily="49" charset="0"/>
-                <a:cs typeface="Courier New" pitchFamily="49" charset="0"/>
-              </a:rPr>
-              <a:t>, </a:t>
-            </a:r>
-            <a:r>
-              <a:rPr lang="fr-FR" sz="2400" dirty="0" err="1" smtClean="0">
-                <a:solidFill>
-                  <a:srgbClr val="FF0000"/>
-                </a:solidFill>
-                <a:latin typeface="Courier New" pitchFamily="49" charset="0"/>
-                <a:cs typeface="Courier New" pitchFamily="49" charset="0"/>
-              </a:rPr>
-              <a:t>bytearray</a:t>
-            </a:r>
-            <a:endParaRPr lang="fr-FR" sz="2400" dirty="0" smtClean="0">
-              <a:solidFill>
-                <a:srgbClr val="FF0000"/>
-              </a:solidFill>
-              <a:latin typeface="Courier New" pitchFamily="49" charset="0"/>
-              <a:cs typeface="Courier New" pitchFamily="49" charset="0"/>
-            </a:endParaRPr>
+              <a:t>une nouvelle séquence </a:t>
+            </a:r>
+            <a:r>
+              <a:rPr lang="fr-FR" dirty="0" smtClean="0"/>
+              <a:t>de même type prenant tous les éléments de l’indice i à l’indice j-1, par sauts de k éléments</a:t>
+            </a:r>
           </a:p>
           <a:p>
             <a:pPr lvl="1"/>
-            <a:r>
-              <a:rPr lang="fr-FR" sz="2400" dirty="0" smtClean="0">
-                <a:solidFill>
-                  <a:srgbClr val="FF0000"/>
-                </a:solidFill>
-              </a:rPr>
-              <a:t>Immutable : </a:t>
-            </a:r>
-            <a:r>
-              <a:rPr lang="fr-FR" sz="2400" dirty="0" err="1">
-                <a:solidFill>
-                  <a:srgbClr val="FF0000"/>
-                </a:solidFill>
-                <a:latin typeface="Courier New" pitchFamily="49" charset="0"/>
-                <a:cs typeface="Courier New" pitchFamily="49" charset="0"/>
-              </a:rPr>
-              <a:t>s</a:t>
-            </a:r>
-            <a:r>
-              <a:rPr lang="fr-FR" sz="2400" dirty="0" err="1" smtClean="0">
-                <a:solidFill>
-                  <a:srgbClr val="FF0000"/>
-                </a:solidFill>
-                <a:latin typeface="Courier New" pitchFamily="49" charset="0"/>
-                <a:cs typeface="Courier New" pitchFamily="49" charset="0"/>
-              </a:rPr>
-              <a:t>tr</a:t>
-            </a:r>
-            <a:r>
-              <a:rPr lang="fr-FR" sz="2400" dirty="0" smtClean="0">
-                <a:solidFill>
-                  <a:srgbClr val="FF0000"/>
-                </a:solidFill>
-                <a:latin typeface="Courier New" pitchFamily="49" charset="0"/>
-                <a:cs typeface="Courier New" pitchFamily="49" charset="0"/>
-              </a:rPr>
-              <a:t>, </a:t>
-            </a:r>
-            <a:r>
-              <a:rPr lang="fr-FR" sz="2400" dirty="0" err="1" smtClean="0">
-                <a:solidFill>
-                  <a:srgbClr val="FF0000"/>
-                </a:solidFill>
-                <a:latin typeface="Courier New" pitchFamily="49" charset="0"/>
-                <a:cs typeface="Courier New" pitchFamily="49" charset="0"/>
-              </a:rPr>
-              <a:t>unicode</a:t>
-            </a:r>
-            <a:r>
-              <a:rPr lang="fr-FR" sz="2400" dirty="0" smtClean="0">
-                <a:solidFill>
-                  <a:srgbClr val="FF0000"/>
-                </a:solidFill>
-                <a:latin typeface="Courier New" pitchFamily="49" charset="0"/>
-                <a:cs typeface="Courier New" pitchFamily="49" charset="0"/>
-              </a:rPr>
-              <a:t>, </a:t>
-            </a:r>
-            <a:r>
-              <a:rPr lang="fr-FR" sz="2400" dirty="0" err="1" smtClean="0">
-                <a:solidFill>
-                  <a:srgbClr val="FF0000"/>
-                </a:solidFill>
-                <a:latin typeface="Courier New" pitchFamily="49" charset="0"/>
-                <a:cs typeface="Courier New" pitchFamily="49" charset="0"/>
-              </a:rPr>
-              <a:t>tuple</a:t>
-            </a:r>
-            <a:endParaRPr lang="fr-FR" sz="2400" dirty="0" smtClean="0">
-              <a:solidFill>
-                <a:srgbClr val="FF0000"/>
-              </a:solidFill>
-              <a:latin typeface="Courier New" pitchFamily="49" charset="0"/>
-              <a:cs typeface="Courier New" pitchFamily="49" charset="0"/>
-            </a:endParaRPr>
+            <a:endParaRPr lang="fr-FR" dirty="0" smtClean="0"/>
           </a:p>
         </p:txBody>
       </p:sp>
     </p:spTree>
     <p:extLst>
       <p:ext uri="{BB962C8B-B14F-4D97-AF65-F5344CB8AC3E}">
-        <p14:creationId xmlns:p14="http://schemas.microsoft.com/office/powerpoint/2010/main" val="2641448352"/>
+        <p14:creationId xmlns:p14="http://schemas.microsoft.com/office/powerpoint/2010/main" val="447755858"/>
       </p:ext>
     </p:extLst>
   </p:cSld>
@@ -5403,7 +4812,7 @@
           <a:p>
             <a:r>
               <a:rPr lang="fr-FR" dirty="0" smtClean="0"/>
-              <a:t>Modification des listes</a:t>
+              <a:t>Méthodes sur les listes</a:t>
             </a:r>
             <a:endParaRPr lang="fr-FR" dirty="0"/>
           </a:p>
@@ -5421,224 +4830,104 @@
         </p:nvSpPr>
         <p:spPr>
           <a:xfrm>
-            <a:off x="457200" y="1600200"/>
-            <a:ext cx="8432800" cy="4525963"/>
+            <a:off x="457199" y="1600200"/>
+            <a:ext cx="8686801" cy="4525963"/>
           </a:xfrm>
         </p:spPr>
         <p:txBody>
           <a:bodyPr/>
           <a:lstStyle/>
           <a:p>
-            <a:pPr marL="0" lvl="0" indent="0">
-              <a:buNone/>
-            </a:pPr>
-            <a:r>
-              <a:rPr lang="fr-FR" sz="2000" dirty="0" smtClean="0">
-                <a:solidFill>
-                  <a:srgbClr val="000000"/>
-                </a:solidFill>
-                <a:latin typeface="Courier New" pitchFamily="49" charset="0"/>
-                <a:cs typeface="Courier New" pitchFamily="49" charset="0"/>
-              </a:rPr>
-              <a:t>&gt;&gt;&gt; L[2:]=[6,7,8,'alice']</a:t>
-            </a:r>
-          </a:p>
-          <a:p>
-            <a:pPr marL="0" lvl="0" indent="0">
-              <a:buNone/>
-            </a:pPr>
-            <a:r>
-              <a:rPr lang="fr-FR" sz="2000" dirty="0" smtClean="0">
-                <a:solidFill>
-                  <a:srgbClr val="000000"/>
-                </a:solidFill>
-                <a:latin typeface="Courier New" pitchFamily="49" charset="0"/>
-                <a:cs typeface="Courier New" pitchFamily="49" charset="0"/>
-              </a:rPr>
-              <a:t>&gt;&gt;&gt; L</a:t>
-            </a:r>
-          </a:p>
-          <a:p>
-            <a:pPr marL="0" lvl="0" indent="0">
-              <a:buNone/>
-            </a:pPr>
-            <a:r>
-              <a:rPr lang="fr-FR" sz="2000" dirty="0" smtClean="0">
-                <a:solidFill>
-                  <a:srgbClr val="000000"/>
-                </a:solidFill>
-                <a:latin typeface="Courier New" pitchFamily="49" charset="0"/>
-                <a:cs typeface="Courier New" pitchFamily="49" charset="0"/>
-              </a:rPr>
-              <a:t>[4, 'bob', 6, 7, 8, '</a:t>
-            </a:r>
-            <a:r>
-              <a:rPr lang="fr-FR" sz="2000" dirty="0" err="1" smtClean="0">
-                <a:solidFill>
-                  <a:srgbClr val="000000"/>
-                </a:solidFill>
-                <a:latin typeface="Courier New" pitchFamily="49" charset="0"/>
-                <a:cs typeface="Courier New" pitchFamily="49" charset="0"/>
-              </a:rPr>
-              <a:t>alice</a:t>
-            </a:r>
-            <a:r>
-              <a:rPr lang="fr-FR" sz="2000" dirty="0" smtClean="0">
-                <a:solidFill>
-                  <a:srgbClr val="000000"/>
-                </a:solidFill>
-                <a:latin typeface="Courier New" pitchFamily="49" charset="0"/>
-                <a:cs typeface="Courier New" pitchFamily="49" charset="0"/>
-              </a:rPr>
-              <a:t>']</a:t>
-            </a:r>
-          </a:p>
-          <a:p>
-            <a:pPr marL="0" lvl="0" indent="0">
-              <a:buNone/>
-            </a:pPr>
-            <a:r>
-              <a:rPr lang="fr-FR" sz="2000" dirty="0" smtClean="0">
-                <a:solidFill>
-                  <a:srgbClr val="000000"/>
-                </a:solidFill>
-                <a:latin typeface="Courier New" pitchFamily="49" charset="0"/>
-                <a:cs typeface="Courier New" pitchFamily="49" charset="0"/>
-              </a:rPr>
-              <a:t>&gt;&gt;&gt; L[1:4]=[]</a:t>
-            </a:r>
-          </a:p>
-          <a:p>
-            <a:pPr marL="0" lvl="0" indent="0">
-              <a:buNone/>
-            </a:pPr>
-            <a:r>
-              <a:rPr lang="fr-FR" sz="2000" dirty="0" smtClean="0">
-                <a:solidFill>
-                  <a:srgbClr val="000000"/>
-                </a:solidFill>
-                <a:latin typeface="Courier New" pitchFamily="49" charset="0"/>
-                <a:cs typeface="Courier New" pitchFamily="49" charset="0"/>
-              </a:rPr>
-              <a:t>&gt;&gt;&gt; L</a:t>
-            </a:r>
-          </a:p>
-          <a:p>
-            <a:pPr marL="0" lvl="0" indent="0">
-              <a:buNone/>
-            </a:pPr>
-            <a:r>
-              <a:rPr lang="fr-FR" sz="2000" dirty="0" smtClean="0">
-                <a:solidFill>
-                  <a:srgbClr val="000000"/>
-                </a:solidFill>
-                <a:latin typeface="Courier New" pitchFamily="49" charset="0"/>
-                <a:cs typeface="Courier New" pitchFamily="49" charset="0"/>
-              </a:rPr>
-              <a:t>[4, 8, '</a:t>
-            </a:r>
-            <a:r>
-              <a:rPr lang="fr-FR" sz="2000" dirty="0" err="1" smtClean="0">
-                <a:solidFill>
-                  <a:srgbClr val="000000"/>
-                </a:solidFill>
-                <a:latin typeface="Courier New" pitchFamily="49" charset="0"/>
-                <a:cs typeface="Courier New" pitchFamily="49" charset="0"/>
-              </a:rPr>
-              <a:t>alice</a:t>
-            </a:r>
-            <a:r>
-              <a:rPr lang="fr-FR" sz="2000" dirty="0" smtClean="0">
-                <a:solidFill>
-                  <a:srgbClr val="000000"/>
-                </a:solidFill>
-                <a:latin typeface="Courier New" pitchFamily="49" charset="0"/>
-                <a:cs typeface="Courier New" pitchFamily="49" charset="0"/>
-              </a:rPr>
-              <a:t>']</a:t>
-            </a:r>
-          </a:p>
-          <a:p>
-            <a:r>
-              <a:rPr lang="fr-FR" sz="2400" dirty="0" smtClean="0">
-                <a:solidFill>
-                  <a:srgbClr val="FF0000"/>
-                </a:solidFill>
-                <a:cs typeface="Courier New" pitchFamily="49" charset="0"/>
-              </a:rPr>
-              <a:t>Attention</a:t>
-            </a:r>
-          </a:p>
-          <a:p>
             <a:pPr lvl="1"/>
             <a:r>
-              <a:rPr lang="fr-FR" sz="2000" dirty="0" smtClean="0">
-                <a:solidFill>
-                  <a:srgbClr val="000000"/>
-                </a:solidFill>
-                <a:latin typeface="Courier New" pitchFamily="49" charset="0"/>
-                <a:cs typeface="Courier New" pitchFamily="49" charset="0"/>
-              </a:rPr>
-              <a:t>L[i] = L2 </a:t>
-            </a:r>
-            <a:r>
-              <a:rPr lang="fr-FR" sz="2000" dirty="0" smtClean="0">
-                <a:solidFill>
-                  <a:srgbClr val="000000"/>
-                </a:solidFill>
-                <a:cs typeface="Courier New" pitchFamily="49" charset="0"/>
-              </a:rPr>
-              <a:t>insère la liste L2 à la place de l’élément i de L</a:t>
+              <a:rPr lang="fr-FR" dirty="0" err="1" smtClean="0">
+                <a:latin typeface="Courier New" pitchFamily="49" charset="0"/>
+                <a:cs typeface="Courier New" pitchFamily="49" charset="0"/>
+              </a:rPr>
+              <a:t>L.pop</a:t>
+            </a:r>
+            <a:r>
+              <a:rPr lang="fr-FR" dirty="0" smtClean="0">
+                <a:latin typeface="Courier New" pitchFamily="49" charset="0"/>
+                <a:cs typeface="Courier New" pitchFamily="49" charset="0"/>
+              </a:rPr>
+              <a:t>(i)</a:t>
+            </a:r>
+            <a:r>
+              <a:rPr lang="fr-FR" dirty="0" smtClean="0"/>
+              <a:t> supprime l’élément à la position i, si i n’est pas fourni, supprime le dernier élément. La fonction retourne l’élément supprimé</a:t>
+            </a:r>
+          </a:p>
+          <a:p>
+            <a:pPr lvl="2"/>
+            <a:r>
+              <a:rPr lang="fr-FR" dirty="0" smtClean="0"/>
+              <a:t>Utilisé pour faire une pile d’éléments</a:t>
             </a:r>
           </a:p>
           <a:p>
             <a:pPr lvl="1"/>
             <a:r>
-              <a:rPr lang="fr-FR" sz="2000" dirty="0" smtClean="0">
-                <a:solidFill>
-                  <a:srgbClr val="000000"/>
-                </a:solidFill>
-                <a:latin typeface="Courier New" pitchFamily="49" charset="0"/>
-                <a:cs typeface="Courier New" pitchFamily="49" charset="0"/>
-              </a:rPr>
-              <a:t>L[</a:t>
-            </a:r>
-            <a:r>
-              <a:rPr lang="fr-FR" sz="2000" dirty="0" err="1" smtClean="0">
-                <a:solidFill>
-                  <a:srgbClr val="000000"/>
-                </a:solidFill>
-                <a:latin typeface="Courier New" pitchFamily="49" charset="0"/>
-                <a:cs typeface="Courier New" pitchFamily="49" charset="0"/>
-              </a:rPr>
-              <a:t>i:j</a:t>
-            </a:r>
-            <a:r>
-              <a:rPr lang="fr-FR" sz="2000" dirty="0" smtClean="0">
-                <a:solidFill>
-                  <a:srgbClr val="000000"/>
-                </a:solidFill>
-                <a:latin typeface="Courier New" pitchFamily="49" charset="0"/>
-                <a:cs typeface="Courier New" pitchFamily="49" charset="0"/>
-              </a:rPr>
-              <a:t>] = L2 </a:t>
-            </a:r>
-            <a:r>
-              <a:rPr lang="fr-FR" sz="2000" dirty="0" smtClean="0">
-                <a:solidFill>
-                  <a:srgbClr val="000000"/>
-                </a:solidFill>
-                <a:cs typeface="Courier New" pitchFamily="49" charset="0"/>
-              </a:rPr>
-              <a:t>insère tous les éléments de la liste L2 à la position i après avoir supprimé les éléments i jusqu’à j-1 dans L</a:t>
-            </a:r>
+              <a:rPr lang="fr-FR" dirty="0" err="1" smtClean="0">
+                <a:latin typeface="Courier New" pitchFamily="49" charset="0"/>
+                <a:cs typeface="Courier New" pitchFamily="49" charset="0"/>
+              </a:rPr>
+              <a:t>L.remove</a:t>
+            </a:r>
+            <a:r>
+              <a:rPr lang="fr-FR" dirty="0" smtClean="0">
+                <a:latin typeface="Courier New" pitchFamily="49" charset="0"/>
+                <a:cs typeface="Courier New" pitchFamily="49" charset="0"/>
+              </a:rPr>
+              <a:t>(x)</a:t>
+            </a:r>
+            <a:r>
+              <a:rPr lang="fr-FR" dirty="0" smtClean="0"/>
+              <a:t> supprime la première occurrence de x dans L. S’il n’y a pas de x, une exception est retournée</a:t>
+            </a:r>
+          </a:p>
+          <a:p>
+            <a:pPr lvl="1"/>
+            <a:r>
+              <a:rPr lang="fr-FR" dirty="0" err="1" smtClean="0">
+                <a:latin typeface="Courier New" pitchFamily="49" charset="0"/>
+                <a:cs typeface="Courier New" pitchFamily="49" charset="0"/>
+              </a:rPr>
+              <a:t>del</a:t>
+            </a:r>
+            <a:r>
+              <a:rPr lang="fr-FR" dirty="0" smtClean="0">
+                <a:latin typeface="Courier New" pitchFamily="49" charset="0"/>
+                <a:cs typeface="Courier New" pitchFamily="49" charset="0"/>
+              </a:rPr>
+              <a:t> L[</a:t>
+            </a:r>
+            <a:r>
+              <a:rPr lang="fr-FR" dirty="0" err="1" smtClean="0">
+                <a:latin typeface="Courier New" pitchFamily="49" charset="0"/>
+                <a:cs typeface="Courier New" pitchFamily="49" charset="0"/>
+              </a:rPr>
+              <a:t>i:j:k</a:t>
+            </a:r>
+            <a:r>
+              <a:rPr lang="fr-FR" dirty="0" smtClean="0">
+                <a:latin typeface="Courier New" pitchFamily="49" charset="0"/>
+                <a:cs typeface="Courier New" pitchFamily="49" charset="0"/>
+              </a:rPr>
+              <a:t>] </a:t>
+            </a:r>
+            <a:r>
+              <a:rPr lang="fr-FR" dirty="0" smtClean="0"/>
+              <a:t>supprime tous les éléments entre i et j-1 par pas de k éléments, si i=j supprime l’élément i</a:t>
+            </a:r>
+            <a:endParaRPr lang="fr-FR" dirty="0"/>
           </a:p>
         </p:txBody>
       </p:sp>
     </p:spTree>
     <p:extLst>
       <p:ext uri="{BB962C8B-B14F-4D97-AF65-F5344CB8AC3E}">
-        <p14:creationId xmlns:p14="http://schemas.microsoft.com/office/powerpoint/2010/main" val="3834541014"/>
+        <p14:creationId xmlns:p14="http://schemas.microsoft.com/office/powerpoint/2010/main" val="374515545"/>
       </p:ext>
     </p:extLst>
   </p:cSld>
@@ -5689,13 +4978,8 @@
           <a:p>
             <a:r>
               <a:rPr lang="fr-FR" dirty="0"/>
-              <a:t>Modification des </a:t>
-            </a:r>
-            <a:r>
-              <a:rPr lang="fr-FR" dirty="0" smtClean="0"/>
-              <a:t>listes</a:t>
-            </a:r>
-            <a:endParaRPr lang="fr-FR" dirty="0"/>
+              <a:t>Méthodes sur les listes</a:t>
+            </a:r>
           </a:p>
         </p:txBody>
       </p:sp>
@@ -5714,186 +4998,196 @@
           <a:bodyPr/>
           <a:lstStyle/>
           <a:p>
-            <a:pPr marL="0" lvl="0" indent="0">
+            <a:pPr marL="0" indent="0">
               <a:buNone/>
             </a:pPr>
             <a:r>
               <a:rPr lang="fr-FR" sz="2000" dirty="0">
-                <a:solidFill>
-                  <a:srgbClr val="000000"/>
-                </a:solidFill>
-                <a:latin typeface="Courier New" pitchFamily="49" charset="0"/>
-                <a:cs typeface="Courier New" pitchFamily="49" charset="0"/>
-              </a:rPr>
-              <a:t>&gt;&gt;&gt; </a:t>
-            </a:r>
-            <a:r>
-              <a:rPr lang="fr-FR" sz="2000" dirty="0" smtClean="0">
-                <a:solidFill>
-                  <a:srgbClr val="000000"/>
-                </a:solidFill>
-                <a:latin typeface="Courier New" pitchFamily="49" charset="0"/>
-                <a:cs typeface="Courier New" pitchFamily="49" charset="0"/>
-              </a:rPr>
-              <a:t>L = </a:t>
-            </a:r>
-            <a:r>
-              <a:rPr lang="fr-FR" sz="2000" dirty="0">
-                <a:solidFill>
-                  <a:srgbClr val="000000"/>
-                </a:solidFill>
-                <a:latin typeface="Courier New" pitchFamily="49" charset="0"/>
-                <a:cs typeface="Courier New" pitchFamily="49" charset="0"/>
-              </a:rPr>
-              <a:t>[1, 2, 3, 4, 5</a:t>
-            </a:r>
-            <a:r>
-              <a:rPr lang="fr-FR" sz="2000" dirty="0" smtClean="0">
-                <a:solidFill>
-                  <a:srgbClr val="000000"/>
-                </a:solidFill>
-                <a:latin typeface="Courier New" pitchFamily="49" charset="0"/>
-                <a:cs typeface="Courier New" pitchFamily="49" charset="0"/>
-              </a:rPr>
-              <a:t>]</a:t>
-            </a:r>
-          </a:p>
-          <a:p>
-            <a:pPr marL="0" lvl="0" indent="0">
+                <a:latin typeface="Courier New" pitchFamily="49" charset="0"/>
+                <a:cs typeface="Courier New" pitchFamily="49" charset="0"/>
+              </a:rPr>
+              <a:t>&gt;&gt;&gt; L=[2,4,1,6,3]</a:t>
+            </a:r>
+          </a:p>
+          <a:p>
+            <a:pPr marL="0" indent="0">
               <a:buNone/>
             </a:pPr>
             <a:r>
-              <a:rPr lang="fr-FR" sz="2000" dirty="0" smtClean="0">
-                <a:solidFill>
-                  <a:srgbClr val="000000"/>
-                </a:solidFill>
+              <a:rPr lang="fr-FR" sz="2000" dirty="0">
                 <a:latin typeface="Courier New" pitchFamily="49" charset="0"/>
                 <a:cs typeface="Courier New" pitchFamily="49" charset="0"/>
               </a:rPr>
               <a:t>&gt;&gt;&gt; </a:t>
             </a:r>
             <a:r>
+              <a:rPr lang="fr-FR" sz="2000" dirty="0" err="1">
+                <a:latin typeface="Courier New" pitchFamily="49" charset="0"/>
+                <a:cs typeface="Courier New" pitchFamily="49" charset="0"/>
+              </a:rPr>
+              <a:t>L.append</a:t>
+            </a:r>
+            <a:r>
               <a:rPr lang="fr-FR" sz="2000" dirty="0">
-                <a:solidFill>
-                  <a:srgbClr val="000000"/>
-                </a:solidFill>
-                <a:latin typeface="Courier New" pitchFamily="49" charset="0"/>
-                <a:cs typeface="Courier New" pitchFamily="49" charset="0"/>
-              </a:rPr>
-              <a:t>L</a:t>
-            </a:r>
-          </a:p>
-          <a:p>
-            <a:pPr marL="0" lvl="0" indent="0">
+                <a:latin typeface="Courier New" pitchFamily="49" charset="0"/>
+                <a:cs typeface="Courier New" pitchFamily="49" charset="0"/>
+              </a:rPr>
+              <a:t>(9)</a:t>
+            </a:r>
+          </a:p>
+          <a:p>
+            <a:pPr marL="0" indent="0">
               <a:buNone/>
             </a:pPr>
             <a:r>
               <a:rPr lang="fr-FR" sz="2000" dirty="0">
-                <a:solidFill>
-                  <a:srgbClr val="000000"/>
-                </a:solidFill>
-                <a:latin typeface="Courier New" pitchFamily="49" charset="0"/>
-                <a:cs typeface="Courier New" pitchFamily="49" charset="0"/>
-              </a:rPr>
-              <a:t>[1, 2, 3, 4, 5]</a:t>
-            </a:r>
-          </a:p>
-          <a:p>
-            <a:pPr marL="0" lvl="0" indent="0">
+                <a:latin typeface="Courier New" pitchFamily="49" charset="0"/>
+                <a:cs typeface="Courier New" pitchFamily="49" charset="0"/>
+              </a:rPr>
+              <a:t>&gt;&gt;&gt; L</a:t>
+            </a:r>
+          </a:p>
+          <a:p>
+            <a:pPr marL="0" indent="0">
               <a:buNone/>
             </a:pPr>
             <a:r>
               <a:rPr lang="fr-FR" sz="2000" dirty="0">
-                <a:solidFill>
-                  <a:srgbClr val="000000"/>
-                </a:solidFill>
-                <a:latin typeface="Courier New" pitchFamily="49" charset="0"/>
-                <a:cs typeface="Courier New" pitchFamily="49" charset="0"/>
-              </a:rPr>
-              <a:t>&gt;&gt;&gt; L[2:4] = [10,11,12,13]</a:t>
-            </a:r>
-          </a:p>
-          <a:p>
-            <a:pPr marL="0" lvl="0" indent="0">
+                <a:latin typeface="Courier New" pitchFamily="49" charset="0"/>
+                <a:cs typeface="Courier New" pitchFamily="49" charset="0"/>
+              </a:rPr>
+              <a:t>[2, 4, 1, 6, 3, 9]</a:t>
+            </a:r>
+          </a:p>
+          <a:p>
+            <a:pPr marL="0" indent="0">
               <a:buNone/>
             </a:pPr>
             <a:r>
               <a:rPr lang="fr-FR" sz="2000" dirty="0">
-                <a:solidFill>
-                  <a:srgbClr val="000000"/>
-                </a:solidFill>
-                <a:latin typeface="Courier New" pitchFamily="49" charset="0"/>
-                <a:cs typeface="Courier New" pitchFamily="49" charset="0"/>
-              </a:rPr>
-              <a:t>&gt;&gt;&gt; L</a:t>
-            </a:r>
-          </a:p>
-          <a:p>
-            <a:pPr marL="0" lvl="0" indent="0">
+                <a:latin typeface="Courier New" pitchFamily="49" charset="0"/>
+                <a:cs typeface="Courier New" pitchFamily="49" charset="0"/>
+              </a:rPr>
+              <a:t>&gt;&gt;&gt; </a:t>
+            </a:r>
+            <a:r>
+              <a:rPr lang="fr-FR" sz="2000" dirty="0" err="1">
+                <a:latin typeface="Courier New" pitchFamily="49" charset="0"/>
+                <a:cs typeface="Courier New" pitchFamily="49" charset="0"/>
+              </a:rPr>
+              <a:t>L.extend</a:t>
+            </a:r>
+            <a:r>
+              <a:rPr lang="fr-FR" sz="2000" dirty="0">
+                <a:latin typeface="Courier New" pitchFamily="49" charset="0"/>
+                <a:cs typeface="Courier New" pitchFamily="49" charset="0"/>
+              </a:rPr>
+              <a:t>([1,2])</a:t>
+            </a:r>
+          </a:p>
+          <a:p>
+            <a:pPr marL="0" indent="0">
               <a:buNone/>
             </a:pPr>
             <a:r>
               <a:rPr lang="fr-FR" sz="2000" dirty="0">
-                <a:solidFill>
-                  <a:srgbClr val="000000"/>
-                </a:solidFill>
-                <a:latin typeface="Courier New" pitchFamily="49" charset="0"/>
-                <a:cs typeface="Courier New" pitchFamily="49" charset="0"/>
-              </a:rPr>
-              <a:t>[1, 2, 10, 11, 12, 13, 5]</a:t>
-            </a:r>
-          </a:p>
-          <a:p>
-            <a:pPr marL="0" lvl="0" indent="0">
+                <a:latin typeface="Courier New" pitchFamily="49" charset="0"/>
+                <a:cs typeface="Courier New" pitchFamily="49" charset="0"/>
+              </a:rPr>
+              <a:t>&gt;&gt;&gt; L</a:t>
+            </a:r>
+          </a:p>
+          <a:p>
+            <a:pPr marL="0" indent="0">
               <a:buNone/>
             </a:pPr>
             <a:r>
               <a:rPr lang="fr-FR" sz="2000" dirty="0">
-                <a:solidFill>
-                  <a:srgbClr val="000000"/>
-                </a:solidFill>
-                <a:latin typeface="Courier New" pitchFamily="49" charset="0"/>
-                <a:cs typeface="Courier New" pitchFamily="49" charset="0"/>
-              </a:rPr>
-              <a:t>&gt;&gt;&gt; L[3] = [3,4]</a:t>
-            </a:r>
-          </a:p>
-          <a:p>
-            <a:pPr marL="0" lvl="0" indent="0">
+                <a:latin typeface="Courier New" pitchFamily="49" charset="0"/>
+                <a:cs typeface="Courier New" pitchFamily="49" charset="0"/>
+              </a:rPr>
+              <a:t>[2, 4, 1, 6, 3, 9, 1, 2]</a:t>
+            </a:r>
+          </a:p>
+          <a:p>
+            <a:pPr marL="0" indent="0">
               <a:buNone/>
             </a:pPr>
             <a:r>
               <a:rPr lang="fr-FR" sz="2000" dirty="0">
-                <a:solidFill>
-                  <a:srgbClr val="000000"/>
-                </a:solidFill>
-                <a:latin typeface="Courier New" pitchFamily="49" charset="0"/>
-                <a:cs typeface="Courier New" pitchFamily="49" charset="0"/>
-              </a:rPr>
-              <a:t>&gt;&gt;&gt; L</a:t>
-            </a:r>
-          </a:p>
-          <a:p>
-            <a:pPr marL="0" lvl="0" indent="0">
+                <a:latin typeface="Courier New" pitchFamily="49" charset="0"/>
+                <a:cs typeface="Courier New" pitchFamily="49" charset="0"/>
+              </a:rPr>
+              <a:t>&gt;&gt;&gt; </a:t>
+            </a:r>
+            <a:r>
+              <a:rPr lang="fr-FR" sz="2000" dirty="0" err="1">
+                <a:latin typeface="Courier New" pitchFamily="49" charset="0"/>
+                <a:cs typeface="Courier New" pitchFamily="49" charset="0"/>
+              </a:rPr>
+              <a:t>L.pop</a:t>
+            </a:r>
+            <a:r>
+              <a:rPr lang="fr-FR" sz="2000" dirty="0">
+                <a:latin typeface="Courier New" pitchFamily="49" charset="0"/>
+                <a:cs typeface="Courier New" pitchFamily="49" charset="0"/>
+              </a:rPr>
+              <a:t>()</a:t>
+            </a:r>
+          </a:p>
+          <a:p>
+            <a:pPr marL="0" indent="0">
               <a:buNone/>
             </a:pPr>
             <a:r>
               <a:rPr lang="fr-FR" sz="2000" dirty="0">
-                <a:solidFill>
-                  <a:srgbClr val="000000"/>
-                </a:solidFill>
-                <a:latin typeface="Courier New" pitchFamily="49" charset="0"/>
-                <a:cs typeface="Courier New" pitchFamily="49" charset="0"/>
-              </a:rPr>
-              <a:t>[1, 2, 10, [3, 4], 12, 13, 5]</a:t>
-            </a:r>
+                <a:latin typeface="Courier New" pitchFamily="49" charset="0"/>
+                <a:cs typeface="Courier New" pitchFamily="49" charset="0"/>
+              </a:rPr>
+              <a:t>2</a:t>
+            </a:r>
+          </a:p>
+          <a:p>
+            <a:pPr marL="0" indent="0">
+              <a:buNone/>
+            </a:pPr>
+            <a:r>
+              <a:rPr lang="fr-FR" sz="2000" dirty="0">
+                <a:latin typeface="Courier New" pitchFamily="49" charset="0"/>
+                <a:cs typeface="Courier New" pitchFamily="49" charset="0"/>
+              </a:rPr>
+              <a:t>&gt;&gt;&gt; L</a:t>
+            </a:r>
+          </a:p>
+          <a:p>
+            <a:pPr marL="0" indent="0">
+              <a:buNone/>
+            </a:pPr>
+            <a:r>
+              <a:rPr lang="fr-FR" sz="2000" dirty="0">
+                <a:latin typeface="Courier New" pitchFamily="49" charset="0"/>
+                <a:cs typeface="Courier New" pitchFamily="49" charset="0"/>
+              </a:rPr>
+              <a:t>[2, 4, 1, 6, 3, 9, 1</a:t>
+            </a:r>
+            <a:r>
+              <a:rPr lang="fr-FR" sz="2000" dirty="0" smtClean="0">
+                <a:latin typeface="Courier New" pitchFamily="49" charset="0"/>
+                <a:cs typeface="Courier New" pitchFamily="49" charset="0"/>
+              </a:rPr>
+              <a:t>]</a:t>
+            </a:r>
+            <a:endParaRPr lang="fr-FR" sz="2000" dirty="0">
+              <a:latin typeface="Courier New" pitchFamily="49" charset="0"/>
+              <a:cs typeface="Courier New" pitchFamily="49" charset="0"/>
+            </a:endParaRPr>
           </a:p>
         </p:txBody>
       </p:sp>
     </p:spTree>
     <p:extLst>
       <p:ext uri="{BB962C8B-B14F-4D97-AF65-F5344CB8AC3E}">
-        <p14:creationId xmlns:p14="http://schemas.microsoft.com/office/powerpoint/2010/main" val="3679711706"/>
+        <p14:creationId xmlns:p14="http://schemas.microsoft.com/office/powerpoint/2010/main" val="2087602865"/>
       </p:ext>
     </p:extLst>
   </p:cSld>
@@ -5943,10 +5237,9 @@
           <a:lstStyle/>
           <a:p>
             <a:r>
-              <a:rPr lang="fr-FR" dirty="0" smtClean="0"/>
+              <a:rPr lang="fr-FR" dirty="0"/>
               <a:t>Méthodes sur les listes</a:t>
             </a:r>
-            <a:endParaRPr lang="fr-FR" dirty="0"/>
           </a:p>
         </p:txBody>
       </p:sp>
@@ -5960,180 +5253,285 @@
             <p:ph idx="1"/>
           </p:nvPr>
         </p:nvSpPr>
-        <p:spPr>
-          <a:xfrm>
-            <a:off x="457199" y="1600200"/>
-            <a:ext cx="8686801" cy="4525963"/>
-          </a:xfrm>
-        </p:spPr>
+        <p:spPr/>
         <p:txBody>
           <a:bodyPr/>
           <a:lstStyle/>
           <a:p>
+            <a:pPr marL="0" lvl="0" indent="0">
+              <a:buNone/>
+            </a:pPr>
+            <a:r>
+              <a:rPr lang="fr-FR" sz="2000" dirty="0">
+                <a:solidFill>
+                  <a:srgbClr val="000000"/>
+                </a:solidFill>
+                <a:latin typeface="Courier New" pitchFamily="49" charset="0"/>
+                <a:cs typeface="Courier New" pitchFamily="49" charset="0"/>
+              </a:rPr>
+              <a:t>&gt;&gt;&gt; </a:t>
+            </a:r>
+            <a:r>
+              <a:rPr lang="fr-FR" sz="2000" dirty="0" err="1">
+                <a:solidFill>
+                  <a:srgbClr val="000000"/>
+                </a:solidFill>
+                <a:latin typeface="Courier New" pitchFamily="49" charset="0"/>
+                <a:cs typeface="Courier New" pitchFamily="49" charset="0"/>
+              </a:rPr>
+              <a:t>L.remove</a:t>
+            </a:r>
+            <a:r>
+              <a:rPr lang="fr-FR" sz="2000" dirty="0">
+                <a:solidFill>
+                  <a:srgbClr val="000000"/>
+                </a:solidFill>
+                <a:latin typeface="Courier New" pitchFamily="49" charset="0"/>
+                <a:cs typeface="Courier New" pitchFamily="49" charset="0"/>
+              </a:rPr>
+              <a:t>(1)</a:t>
+            </a:r>
+          </a:p>
+          <a:p>
+            <a:pPr marL="0" lvl="0" indent="0">
+              <a:buNone/>
+            </a:pPr>
+            <a:r>
+              <a:rPr lang="fr-FR" sz="2000" dirty="0">
+                <a:solidFill>
+                  <a:srgbClr val="000000"/>
+                </a:solidFill>
+                <a:latin typeface="Courier New" pitchFamily="49" charset="0"/>
+                <a:cs typeface="Courier New" pitchFamily="49" charset="0"/>
+              </a:rPr>
+              <a:t>&gt;&gt;&gt; L</a:t>
+            </a:r>
+          </a:p>
+          <a:p>
+            <a:pPr marL="0" lvl="0" indent="0">
+              <a:buNone/>
+            </a:pPr>
+            <a:r>
+              <a:rPr lang="fr-FR" sz="2000" dirty="0">
+                <a:solidFill>
+                  <a:srgbClr val="000000"/>
+                </a:solidFill>
+                <a:latin typeface="Courier New" pitchFamily="49" charset="0"/>
+                <a:cs typeface="Courier New" pitchFamily="49" charset="0"/>
+              </a:rPr>
+              <a:t>[2, 4, 6, 3, 9, 1]</a:t>
+            </a:r>
+          </a:p>
+          <a:p>
+            <a:pPr marL="0" lvl="0" indent="0">
+              <a:buNone/>
+            </a:pPr>
+            <a:r>
+              <a:rPr lang="fr-FR" sz="2000" dirty="0">
+                <a:solidFill>
+                  <a:srgbClr val="000000"/>
+                </a:solidFill>
+                <a:latin typeface="Courier New" pitchFamily="49" charset="0"/>
+                <a:cs typeface="Courier New" pitchFamily="49" charset="0"/>
+              </a:rPr>
+              <a:t>&gt;&gt;&gt; </a:t>
+            </a:r>
+            <a:r>
+              <a:rPr lang="fr-FR" sz="2000" dirty="0" err="1">
+                <a:solidFill>
+                  <a:srgbClr val="000000"/>
+                </a:solidFill>
+                <a:latin typeface="Courier New" pitchFamily="49" charset="0"/>
+                <a:cs typeface="Courier New" pitchFamily="49" charset="0"/>
+              </a:rPr>
+              <a:t>L.sort</a:t>
+            </a:r>
+            <a:r>
+              <a:rPr lang="fr-FR" sz="2000" dirty="0">
+                <a:solidFill>
+                  <a:srgbClr val="000000"/>
+                </a:solidFill>
+                <a:latin typeface="Courier New" pitchFamily="49" charset="0"/>
+                <a:cs typeface="Courier New" pitchFamily="49" charset="0"/>
+              </a:rPr>
+              <a:t>()</a:t>
+            </a:r>
+          </a:p>
+          <a:p>
+            <a:pPr marL="0" lvl="0" indent="0">
+              <a:buNone/>
+            </a:pPr>
+            <a:r>
+              <a:rPr lang="fr-FR" sz="2000" dirty="0">
+                <a:solidFill>
+                  <a:srgbClr val="000000"/>
+                </a:solidFill>
+                <a:latin typeface="Courier New" pitchFamily="49" charset="0"/>
+                <a:cs typeface="Courier New" pitchFamily="49" charset="0"/>
+              </a:rPr>
+              <a:t>&gt;&gt;&gt; L</a:t>
+            </a:r>
+          </a:p>
+          <a:p>
+            <a:pPr marL="0" lvl="0" indent="0">
+              <a:buNone/>
+            </a:pPr>
+            <a:r>
+              <a:rPr lang="fr-FR" sz="2000" dirty="0">
+                <a:solidFill>
+                  <a:srgbClr val="000000"/>
+                </a:solidFill>
+                <a:latin typeface="Courier New" pitchFamily="49" charset="0"/>
+                <a:cs typeface="Courier New" pitchFamily="49" charset="0"/>
+              </a:rPr>
+              <a:t>[1, 2, 3, 4, 6, 9]</a:t>
+            </a:r>
+          </a:p>
+          <a:p>
+            <a:pPr marL="0" lvl="0" indent="0">
+              <a:buNone/>
+            </a:pPr>
+            <a:r>
+              <a:rPr lang="fr-FR" sz="2000" dirty="0">
+                <a:solidFill>
+                  <a:srgbClr val="000000"/>
+                </a:solidFill>
+                <a:latin typeface="Courier New" pitchFamily="49" charset="0"/>
+                <a:cs typeface="Courier New" pitchFamily="49" charset="0"/>
+              </a:rPr>
+              <a:t>&gt;&gt;&gt; </a:t>
+            </a:r>
+            <a:r>
+              <a:rPr lang="fr-FR" sz="2000" dirty="0" err="1">
+                <a:solidFill>
+                  <a:srgbClr val="000000"/>
+                </a:solidFill>
+                <a:latin typeface="Courier New" pitchFamily="49" charset="0"/>
+                <a:cs typeface="Courier New" pitchFamily="49" charset="0"/>
+              </a:rPr>
+              <a:t>L.reverse</a:t>
+            </a:r>
+            <a:r>
+              <a:rPr lang="fr-FR" sz="2000" dirty="0">
+                <a:solidFill>
+                  <a:srgbClr val="000000"/>
+                </a:solidFill>
+                <a:latin typeface="Courier New" pitchFamily="49" charset="0"/>
+                <a:cs typeface="Courier New" pitchFamily="49" charset="0"/>
+              </a:rPr>
+              <a:t>()</a:t>
+            </a:r>
+          </a:p>
+          <a:p>
+            <a:pPr marL="0" lvl="0" indent="0">
+              <a:buNone/>
+            </a:pPr>
+            <a:r>
+              <a:rPr lang="fr-FR" sz="2000" dirty="0">
+                <a:solidFill>
+                  <a:srgbClr val="000000"/>
+                </a:solidFill>
+                <a:latin typeface="Courier New" pitchFamily="49" charset="0"/>
+                <a:cs typeface="Courier New" pitchFamily="49" charset="0"/>
+              </a:rPr>
+              <a:t>&gt;&gt;&gt; L</a:t>
+            </a:r>
+          </a:p>
+          <a:p>
+            <a:pPr marL="0" lvl="0" indent="0">
+              <a:buNone/>
+            </a:pPr>
+            <a:r>
+              <a:rPr lang="fr-FR" sz="2000" dirty="0">
+                <a:solidFill>
+                  <a:srgbClr val="000000"/>
+                </a:solidFill>
+                <a:latin typeface="Courier New" pitchFamily="49" charset="0"/>
+                <a:cs typeface="Courier New" pitchFamily="49" charset="0"/>
+              </a:rPr>
+              <a:t>[9, 6, 4, 3, 2, 1]</a:t>
+            </a:r>
+          </a:p>
+          <a:p>
             <a:r>
               <a:rPr lang="fr-FR" dirty="0" smtClean="0"/>
-              <a:t>Toutes les méthodes sur les séquences</a:t>
-            </a:r>
-          </a:p>
-          <a:p>
+              <a:t>Sujets avancés que l’on verra plus tard</a:t>
+            </a:r>
+          </a:p>
+          <a:p>
+            <a:pPr lvl="1"/>
+            <a:r>
+              <a:rPr lang="fr-FR" dirty="0" err="1">
+                <a:latin typeface="Courier New" pitchFamily="49" charset="0"/>
+                <a:cs typeface="Courier New" pitchFamily="49" charset="0"/>
+              </a:rPr>
+              <a:t>f</a:t>
+            </a:r>
+            <a:r>
+              <a:rPr lang="fr-FR" dirty="0" err="1" smtClean="0">
+                <a:latin typeface="Courier New" pitchFamily="49" charset="0"/>
+                <a:cs typeface="Courier New" pitchFamily="49" charset="0"/>
+              </a:rPr>
+              <a:t>ilter</a:t>
+            </a:r>
+            <a:r>
+              <a:rPr lang="fr-FR" dirty="0" smtClean="0">
+                <a:latin typeface="Courier New" pitchFamily="49" charset="0"/>
+                <a:cs typeface="Courier New" pitchFamily="49" charset="0"/>
+              </a:rPr>
+              <a:t>()</a:t>
+            </a:r>
             <a:r>
               <a:rPr lang="fr-FR" dirty="0" smtClean="0"/>
-              <a:t>Des méthodes spécifiques aux types mutables (</a:t>
+              <a:t>, </a:t>
+            </a:r>
+            <a:r>
+              <a:rPr lang="fr-FR" dirty="0" err="1" smtClean="0">
+                <a:latin typeface="Courier New" pitchFamily="49" charset="0"/>
+                <a:cs typeface="Courier New" pitchFamily="49" charset="0"/>
+              </a:rPr>
+              <a:t>map</a:t>
             </a:r>
             <a:r>
               <a:rPr lang="fr-FR" dirty="0" smtClean="0">
-                <a:solidFill>
-                  <a:srgbClr val="FF0000"/>
-                </a:solidFill>
-              </a:rPr>
-              <a:t>modifications </a:t>
+                <a:latin typeface="Courier New" pitchFamily="49" charset="0"/>
+                <a:cs typeface="Courier New" pitchFamily="49" charset="0"/>
+              </a:rPr>
+              <a:t>()</a:t>
+            </a:r>
+            <a:r>
+              <a:rPr lang="fr-FR" dirty="0" smtClean="0"/>
+              <a:t>, </a:t>
             </a:r>
             <a:r>
               <a:rPr lang="fr-FR" dirty="0" err="1" smtClean="0">
-                <a:solidFill>
-                  <a:srgbClr val="FF0000"/>
-                </a:solidFill>
-              </a:rPr>
-              <a:t>in-place</a:t>
-            </a:r>
+                <a:latin typeface="Courier New" pitchFamily="49" charset="0"/>
+                <a:cs typeface="Courier New" pitchFamily="49" charset="0"/>
+              </a:rPr>
+              <a:t>reduce</a:t>
+            </a:r>
+            <a:r>
+              <a:rPr lang="fr-FR" dirty="0" smtClean="0">
+                <a:latin typeface="Courier New" pitchFamily="49" charset="0"/>
+                <a:cs typeface="Courier New" pitchFamily="49" charset="0"/>
+              </a:rPr>
+              <a:t>()</a:t>
+            </a:r>
+          </a:p>
+          <a:p>
+            <a:pPr lvl="1"/>
             <a:r>
               <a:rPr lang="fr-FR" dirty="0" smtClean="0"/>
-              <a:t>)</a:t>
-            </a:r>
-          </a:p>
-          <a:p>
-            <a:pPr lvl="1"/>
-            <a:r>
-              <a:rPr lang="fr-FR" dirty="0" err="1" smtClean="0">
-                <a:latin typeface="Courier New" pitchFamily="49" charset="0"/>
-                <a:cs typeface="Courier New" pitchFamily="49" charset="0"/>
-              </a:rPr>
-              <a:t>L.append</a:t>
-            </a:r>
-            <a:r>
-              <a:rPr lang="fr-FR" dirty="0" smtClean="0">
-                <a:latin typeface="Courier New" pitchFamily="49" charset="0"/>
-                <a:cs typeface="Courier New" pitchFamily="49" charset="0"/>
-              </a:rPr>
-              <a:t>(x)</a:t>
-            </a:r>
-            <a:r>
-              <a:rPr lang="fr-FR" dirty="0" smtClean="0"/>
-              <a:t> ajoute x à la fin de L</a:t>
-            </a:r>
-          </a:p>
-          <a:p>
-            <a:pPr lvl="1"/>
-            <a:r>
-              <a:rPr lang="fr-FR" dirty="0" err="1" smtClean="0">
-                <a:latin typeface="Courier New" pitchFamily="49" charset="0"/>
-                <a:cs typeface="Courier New" pitchFamily="49" charset="0"/>
-              </a:rPr>
-              <a:t>L.extend</a:t>
-            </a:r>
-            <a:r>
-              <a:rPr lang="fr-FR" dirty="0" smtClean="0">
-                <a:latin typeface="Courier New" pitchFamily="49" charset="0"/>
-                <a:cs typeface="Courier New" pitchFamily="49" charset="0"/>
-              </a:rPr>
-              <a:t>(L2)</a:t>
-            </a:r>
-            <a:r>
-              <a:rPr lang="fr-FR" dirty="0" smtClean="0"/>
-              <a:t>  ajoute chaque élément de la liste L2 à la fin de L</a:t>
-            </a:r>
-          </a:p>
-          <a:p>
-            <a:pPr lvl="1"/>
-            <a:r>
-              <a:rPr lang="fr-FR" dirty="0" err="1" smtClean="0">
-                <a:latin typeface="Courier New" pitchFamily="49" charset="0"/>
-                <a:cs typeface="Courier New" pitchFamily="49" charset="0"/>
-              </a:rPr>
-              <a:t>L.insert</a:t>
-            </a:r>
-            <a:r>
-              <a:rPr lang="fr-FR" dirty="0" smtClean="0">
-                <a:latin typeface="Courier New" pitchFamily="49" charset="0"/>
-                <a:cs typeface="Courier New" pitchFamily="49" charset="0"/>
-              </a:rPr>
-              <a:t>(</a:t>
-            </a:r>
-            <a:r>
-              <a:rPr lang="fr-FR" dirty="0" err="1" smtClean="0">
-                <a:latin typeface="Courier New" pitchFamily="49" charset="0"/>
-                <a:cs typeface="Courier New" pitchFamily="49" charset="0"/>
-              </a:rPr>
-              <a:t>i,x</a:t>
-            </a:r>
-            <a:r>
-              <a:rPr lang="fr-FR" dirty="0" smtClean="0">
-                <a:latin typeface="Courier New" pitchFamily="49" charset="0"/>
-                <a:cs typeface="Courier New" pitchFamily="49" charset="0"/>
-              </a:rPr>
-              <a:t>)</a:t>
-            </a:r>
-            <a:r>
-              <a:rPr lang="fr-FR" dirty="0" smtClean="0"/>
-              <a:t> ajoute x </a:t>
-            </a:r>
-            <a:r>
-              <a:rPr lang="fr-FR" dirty="0"/>
-              <a:t>à</a:t>
-            </a:r>
-            <a:r>
-              <a:rPr lang="fr-FR" dirty="0" smtClean="0"/>
-              <a:t> la position i</a:t>
-            </a:r>
-          </a:p>
-          <a:p>
-            <a:pPr lvl="1"/>
-            <a:r>
-              <a:rPr lang="fr-FR" dirty="0" err="1" smtClean="0">
-                <a:latin typeface="Courier New" pitchFamily="49" charset="0"/>
-                <a:cs typeface="Courier New" pitchFamily="49" charset="0"/>
-              </a:rPr>
-              <a:t>L.sort</a:t>
-            </a:r>
-            <a:r>
-              <a:rPr lang="fr-FR" dirty="0" smtClean="0">
-                <a:latin typeface="Courier New" pitchFamily="49" charset="0"/>
-                <a:cs typeface="Courier New" pitchFamily="49" charset="0"/>
-              </a:rPr>
-              <a:t>()  </a:t>
-            </a:r>
-            <a:r>
-              <a:rPr lang="fr-FR" dirty="0" smtClean="0"/>
-              <a:t>trie L</a:t>
-            </a:r>
-          </a:p>
-          <a:p>
-            <a:pPr lvl="1"/>
-            <a:r>
-              <a:rPr lang="fr-FR" dirty="0" err="1" smtClean="0">
-                <a:latin typeface="Courier New" pitchFamily="49" charset="0"/>
-                <a:cs typeface="Courier New" pitchFamily="49" charset="0"/>
-              </a:rPr>
-              <a:t>L.reverse</a:t>
-            </a:r>
-            <a:r>
-              <a:rPr lang="fr-FR" dirty="0" smtClean="0">
-                <a:latin typeface="Courier New" pitchFamily="49" charset="0"/>
-                <a:cs typeface="Courier New" pitchFamily="49" charset="0"/>
-              </a:rPr>
-              <a:t>() </a:t>
-            </a:r>
-            <a:r>
-              <a:rPr lang="fr-FR" dirty="0" smtClean="0"/>
-              <a:t>renverse les éléments de L</a:t>
-            </a:r>
+              <a:t>Compréhension de listes</a:t>
+            </a:r>
+            <a:endParaRPr lang="fr-FR" dirty="0"/>
           </a:p>
         </p:txBody>
       </p:sp>
     </p:spTree>
     <p:extLst>
       <p:ext uri="{BB962C8B-B14F-4D97-AF65-F5344CB8AC3E}">
-        <p14:creationId xmlns:p14="http://schemas.microsoft.com/office/powerpoint/2010/main" val="2689533893"/>
+        <p14:creationId xmlns:p14="http://schemas.microsoft.com/office/powerpoint/2010/main" val="2205137351"/>
       </p:ext>
     </p:extLst>
   </p:cSld>
@@ -6184,7 +5582,11 @@
           <a:p>
             <a:r>
               <a:rPr lang="fr-FR" dirty="0" smtClean="0"/>
-              <a:t>Méthodes sur les listes</a:t>
+              <a:t>Les </a:t>
+            </a:r>
+            <a:r>
+              <a:rPr lang="fr-FR" dirty="0" err="1" smtClean="0"/>
+              <a:t>tuples</a:t>
             </a:r>
             <a:endParaRPr lang="fr-FR" dirty="0"/>
           </a:p>
@@ -6202,104 +5604,253 @@
         </p:nvSpPr>
         <p:spPr>
           <a:xfrm>
-            <a:off x="457199" y="1600200"/>
-            <a:ext cx="8686801" cy="4525963"/>
+            <a:off x="457200" y="1491016"/>
+            <a:ext cx="8686800" cy="4525963"/>
           </a:xfrm>
         </p:spPr>
         <p:txBody>
           <a:bodyPr/>
           <a:lstStyle/>
           <a:p>
+            <a:r>
+              <a:rPr lang="fr-FR" dirty="0" smtClean="0"/>
+              <a:t>Comme des listes, mais </a:t>
+            </a:r>
+            <a:r>
+              <a:rPr lang="fr-FR" dirty="0" smtClean="0">
+                <a:solidFill>
+                  <a:srgbClr val="FF0000"/>
+                </a:solidFill>
+              </a:rPr>
+              <a:t>immutables</a:t>
+            </a:r>
+          </a:p>
+          <a:p>
             <a:pPr lvl="1"/>
             <a:r>
+              <a:rPr lang="fr-FR" dirty="0" smtClean="0"/>
+              <a:t>Les fonctions faisant des modifications </a:t>
+            </a:r>
+            <a:r>
+              <a:rPr lang="fr-FR" dirty="0" err="1" smtClean="0"/>
+              <a:t>in-place</a:t>
+            </a:r>
+            <a:r>
+              <a:rPr lang="fr-FR" dirty="0" smtClean="0"/>
+              <a:t> ne s’appliquent donc pas aux </a:t>
+            </a:r>
+            <a:r>
+              <a:rPr lang="fr-FR" dirty="0" err="1" smtClean="0"/>
+              <a:t>tuples</a:t>
+            </a:r>
+            <a:endParaRPr lang="fr-FR" dirty="0" smtClean="0"/>
+          </a:p>
+          <a:p>
+            <a:pPr lvl="1"/>
+            <a:r>
+              <a:rPr lang="fr-FR" dirty="0" smtClean="0"/>
+              <a:t>Syntaxe pour un </a:t>
+            </a:r>
+            <a:r>
+              <a:rPr lang="fr-FR" dirty="0" err="1" smtClean="0"/>
+              <a:t>tuple</a:t>
+            </a:r>
+            <a:r>
+              <a:rPr lang="fr-FR" dirty="0" smtClean="0"/>
+              <a:t> vide</a:t>
+            </a:r>
+          </a:p>
+          <a:p>
+            <a:pPr lvl="2"/>
+            <a:r>
+              <a:rPr lang="fr-FR" dirty="0" smtClean="0">
+                <a:latin typeface="Courier New" pitchFamily="49" charset="0"/>
+                <a:cs typeface="Courier New" pitchFamily="49" charset="0"/>
+              </a:rPr>
+              <a:t>T = ()</a:t>
+            </a:r>
+          </a:p>
+          <a:p>
+            <a:pPr lvl="1"/>
+            <a:r>
+              <a:rPr lang="fr-FR" dirty="0" smtClean="0"/>
+              <a:t>Syntaxe pour un singleton</a:t>
+            </a:r>
+          </a:p>
+          <a:p>
+            <a:pPr lvl="2"/>
+            <a:r>
+              <a:rPr lang="fr-FR" dirty="0" smtClean="0">
+                <a:latin typeface="Courier New" pitchFamily="49" charset="0"/>
+                <a:cs typeface="Courier New" pitchFamily="49" charset="0"/>
+              </a:rPr>
+              <a:t>T = (4</a:t>
+            </a:r>
+            <a:r>
+              <a:rPr lang="fr-FR" dirty="0" smtClean="0">
+                <a:solidFill>
+                  <a:srgbClr val="FF0000"/>
+                </a:solidFill>
+                <a:latin typeface="Courier New" pitchFamily="49" charset="0"/>
+                <a:cs typeface="Courier New" pitchFamily="49" charset="0"/>
+              </a:rPr>
+              <a:t>,</a:t>
+            </a:r>
+            <a:r>
+              <a:rPr lang="fr-FR" dirty="0" smtClean="0">
+                <a:latin typeface="Courier New" pitchFamily="49" charset="0"/>
+                <a:cs typeface="Courier New" pitchFamily="49" charset="0"/>
+              </a:rPr>
+              <a:t>)  </a:t>
+            </a:r>
+            <a:r>
+              <a:rPr lang="fr-FR" dirty="0" smtClean="0"/>
+              <a:t>ou </a:t>
+            </a:r>
+            <a:r>
+              <a:rPr lang="fr-FR" dirty="0" smtClean="0">
+                <a:latin typeface="Courier New" pitchFamily="49" charset="0"/>
+                <a:cs typeface="Courier New" pitchFamily="49" charset="0"/>
+              </a:rPr>
+              <a:t>T = 4</a:t>
+            </a:r>
+            <a:r>
+              <a:rPr lang="fr-FR" dirty="0" smtClean="0">
+                <a:solidFill>
+                  <a:srgbClr val="FF0000"/>
+                </a:solidFill>
+                <a:latin typeface="Courier New" pitchFamily="49" charset="0"/>
+                <a:cs typeface="Courier New" pitchFamily="49" charset="0"/>
+              </a:rPr>
+              <a:t>,</a:t>
+            </a:r>
+            <a:r>
+              <a:rPr lang="fr-FR" dirty="0" smtClean="0">
+                <a:latin typeface="Courier New" pitchFamily="49" charset="0"/>
+                <a:cs typeface="Courier New" pitchFamily="49" charset="0"/>
+              </a:rPr>
+              <a:t> </a:t>
+            </a:r>
+            <a:r>
+              <a:rPr lang="fr-FR" dirty="0" smtClean="0"/>
+              <a:t>Attention (4) est un entier et (4,) est un </a:t>
+            </a:r>
+            <a:r>
+              <a:rPr lang="fr-FR" dirty="0" err="1" smtClean="0"/>
+              <a:t>tuple</a:t>
+            </a:r>
+            <a:endParaRPr lang="fr-FR" dirty="0" smtClean="0"/>
+          </a:p>
+          <a:p>
+            <a:pPr lvl="1"/>
+            <a:r>
+              <a:rPr lang="fr-FR" dirty="0" smtClean="0"/>
+              <a:t>Syntaxe pour plusieurs éléments</a:t>
+            </a:r>
+          </a:p>
+          <a:p>
+            <a:pPr lvl="2"/>
+            <a:r>
+              <a:rPr lang="fr-FR" dirty="0" smtClean="0">
+                <a:latin typeface="Courier New" pitchFamily="49" charset="0"/>
+                <a:cs typeface="Courier New" pitchFamily="49" charset="0"/>
+              </a:rPr>
+              <a:t>T = (3,5,</a:t>
+            </a:r>
+            <a:r>
+              <a:rPr lang="fr-FR" dirty="0" smtClean="0">
+                <a:solidFill>
+                  <a:srgbClr val="000000"/>
+                </a:solidFill>
+                <a:latin typeface="Courier New" pitchFamily="49" charset="0"/>
+                <a:cs typeface="Courier New" pitchFamily="49" charset="0"/>
+              </a:rPr>
+              <a:t>'</a:t>
+            </a:r>
+            <a:r>
+              <a:rPr lang="fr-FR" dirty="0" smtClean="0">
+                <a:latin typeface="Courier New" pitchFamily="49" charset="0"/>
+                <a:cs typeface="Courier New" pitchFamily="49" charset="0"/>
+              </a:rPr>
+              <a:t>alice</a:t>
+            </a:r>
+            <a:r>
+              <a:rPr lang="fr-FR" dirty="0" smtClean="0">
+                <a:solidFill>
+                  <a:srgbClr val="000000"/>
+                </a:solidFill>
+                <a:latin typeface="Courier New" pitchFamily="49" charset="0"/>
+                <a:cs typeface="Courier New" pitchFamily="49" charset="0"/>
+              </a:rPr>
+              <a:t>'</a:t>
+            </a:r>
+            <a:r>
+              <a:rPr lang="fr-FR" dirty="0" smtClean="0">
+                <a:latin typeface="Courier New" pitchFamily="49" charset="0"/>
+                <a:cs typeface="Courier New" pitchFamily="49" charset="0"/>
+              </a:rPr>
+              <a:t>) </a:t>
+            </a:r>
+            <a:r>
+              <a:rPr lang="fr-FR" dirty="0" smtClean="0"/>
+              <a:t>ou </a:t>
+            </a:r>
+            <a:r>
+              <a:rPr lang="fr-FR" dirty="0" smtClean="0">
+                <a:latin typeface="Courier New" pitchFamily="49" charset="0"/>
+                <a:cs typeface="Courier New" pitchFamily="49" charset="0"/>
+              </a:rPr>
+              <a:t>T =  3, 5, </a:t>
+            </a:r>
+            <a:r>
+              <a:rPr lang="fr-FR" dirty="0" smtClean="0">
+                <a:solidFill>
+                  <a:srgbClr val="000000"/>
+                </a:solidFill>
+                <a:latin typeface="Courier New" pitchFamily="49" charset="0"/>
+                <a:cs typeface="Courier New" pitchFamily="49" charset="0"/>
+              </a:rPr>
+              <a:t>'</a:t>
+            </a:r>
+            <a:r>
               <a:rPr lang="fr-FR" dirty="0" err="1" smtClean="0">
                 <a:latin typeface="Courier New" pitchFamily="49" charset="0"/>
                 <a:cs typeface="Courier New" pitchFamily="49" charset="0"/>
               </a:rPr>
-              <a:t>L.pop</a:t>
+              <a:t>alice</a:t>
             </a:r>
             <a:r>
               <a:rPr lang="fr-FR" dirty="0" smtClean="0">
-                <a:latin typeface="Courier New" pitchFamily="49" charset="0"/>
-                <a:cs typeface="Courier New" pitchFamily="49" charset="0"/>
-              </a:rPr>
-              <a:t>(i)</a:t>
+                <a:solidFill>
+                  <a:srgbClr val="000000"/>
+                </a:solidFill>
+                <a:latin typeface="Courier New" pitchFamily="49" charset="0"/>
+                <a:cs typeface="Courier New" pitchFamily="49" charset="0"/>
+              </a:rPr>
+              <a:t>'</a:t>
             </a:r>
             <a:r>
               <a:rPr lang="fr-FR" dirty="0" smtClean="0"/>
-              <a:t> supprime l’élément à la position i, si i n’est pas fourni, supprime le dernier élément. La fonction retourne l’élément supprimé</a:t>
+              <a:t> </a:t>
             </a:r>
           </a:p>
           <a:p>
             <a:pPr lvl="2"/>
             <a:r>
-              <a:rPr lang="fr-FR" dirty="0" smtClean="0"/>
-              <a:t>Utilisé pour faire une pile d’éléments</a:t>
-            </a:r>
-          </a:p>
-          <a:p>
-            <a:pPr lvl="1"/>
-            <a:r>
-              <a:rPr lang="fr-FR" dirty="0" err="1" smtClean="0">
-                <a:latin typeface="Courier New" pitchFamily="49" charset="0"/>
-                <a:cs typeface="Courier New" pitchFamily="49" charset="0"/>
-              </a:rPr>
-              <a:t>L.remove</a:t>
-            </a:r>
-            <a:r>
               <a:rPr lang="fr-FR" dirty="0" smtClean="0">
-                <a:latin typeface="Courier New" pitchFamily="49" charset="0"/>
-                <a:cs typeface="Courier New" pitchFamily="49" charset="0"/>
-              </a:rPr>
-              <a:t>(x)</a:t>
-            </a:r>
-            <a:r>
-              <a:rPr lang="fr-FR" dirty="0" smtClean="0"/>
-              <a:t> supprime la première occurrence de x dans L. S’il n’y a pas de x, une exception est retournée</a:t>
-            </a:r>
-          </a:p>
-          <a:p>
-            <a:pPr lvl="1"/>
-            <a:r>
-              <a:rPr lang="fr-FR" dirty="0" err="1" smtClean="0">
-                <a:latin typeface="Courier New" pitchFamily="49" charset="0"/>
-                <a:cs typeface="Courier New" pitchFamily="49" charset="0"/>
-              </a:rPr>
-              <a:t>del</a:t>
-            </a:r>
-            <a:r>
-              <a:rPr lang="fr-FR" dirty="0" smtClean="0">
-                <a:latin typeface="Courier New" pitchFamily="49" charset="0"/>
-                <a:cs typeface="Courier New" pitchFamily="49" charset="0"/>
-              </a:rPr>
-              <a:t> L[</a:t>
-            </a:r>
-            <a:r>
-              <a:rPr lang="fr-FR" dirty="0" err="1" smtClean="0">
-                <a:latin typeface="Courier New" pitchFamily="49" charset="0"/>
-                <a:cs typeface="Courier New" pitchFamily="49" charset="0"/>
-              </a:rPr>
-              <a:t>i:j:k</a:t>
-            </a:r>
-            <a:r>
-              <a:rPr lang="fr-FR" dirty="0" smtClean="0">
-                <a:latin typeface="Courier New" pitchFamily="49" charset="0"/>
-                <a:cs typeface="Courier New" pitchFamily="49" charset="0"/>
-              </a:rPr>
-              <a:t>] </a:t>
-            </a:r>
-            <a:r>
-              <a:rPr lang="fr-FR" dirty="0" smtClean="0"/>
-              <a:t>supprime tous les éléments entre i et j-1 par pas de k éléments, si i=j supprime l’élément i</a:t>
-            </a:r>
-            <a:endParaRPr lang="fr-FR" dirty="0"/>
+                <a:solidFill>
+                  <a:srgbClr val="FF0000"/>
+                </a:solidFill>
+              </a:rPr>
+              <a:t>On peut omettre les ()</a:t>
+            </a:r>
           </a:p>
         </p:txBody>
       </p:sp>
     </p:spTree>
     <p:extLst>
       <p:ext uri="{BB962C8B-B14F-4D97-AF65-F5344CB8AC3E}">
-        <p14:creationId xmlns:p14="http://schemas.microsoft.com/office/powerpoint/2010/main" val="374515545"/>
+        <p14:creationId xmlns:p14="http://schemas.microsoft.com/office/powerpoint/2010/main" val="831146555"/>
       </p:ext>
     </p:extLst>
   </p:cSld>
@@ -6349,929 +5900,6 @@
           <a:lstStyle/>
           <a:p>
             <a:r>
-              <a:rPr lang="fr-FR" dirty="0"/>
-              <a:t>Méthodes sur les listes</a:t>
-            </a:r>
-          </a:p>
-        </p:txBody>
-      </p:sp>
-      <p:sp>
-        <p:nvSpPr>
-          <p:cNvPr id="3" name="Espace réservé du contenu 2"/>
-          <p:cNvSpPr>
-            <a:spLocks noGrp="1"/>
-          </p:cNvSpPr>
-          <p:nvPr>
-            <p:ph idx="1"/>
-          </p:nvPr>
-        </p:nvSpPr>
-        <p:spPr/>
-        <p:txBody>
-          <a:bodyPr/>
-          <a:lstStyle/>
-          <a:p>
-            <a:pPr marL="0" indent="0">
-              <a:buNone/>
-            </a:pPr>
-            <a:r>
-              <a:rPr lang="fr-FR" sz="2000" dirty="0">
-                <a:latin typeface="Courier New" pitchFamily="49" charset="0"/>
-                <a:cs typeface="Courier New" pitchFamily="49" charset="0"/>
-              </a:rPr>
-              <a:t>&gt;&gt;&gt; L=[2,4,1,6,3]</a:t>
-            </a:r>
-          </a:p>
-          <a:p>
-            <a:pPr marL="0" indent="0">
-              <a:buNone/>
-            </a:pPr>
-            <a:r>
-              <a:rPr lang="fr-FR" sz="2000" dirty="0">
-                <a:latin typeface="Courier New" pitchFamily="49" charset="0"/>
-                <a:cs typeface="Courier New" pitchFamily="49" charset="0"/>
-              </a:rPr>
-              <a:t>&gt;&gt;&gt; </a:t>
-            </a:r>
-            <a:r>
-              <a:rPr lang="fr-FR" sz="2000" dirty="0" err="1">
-                <a:latin typeface="Courier New" pitchFamily="49" charset="0"/>
-                <a:cs typeface="Courier New" pitchFamily="49" charset="0"/>
-              </a:rPr>
-              <a:t>L.append</a:t>
-            </a:r>
-            <a:r>
-              <a:rPr lang="fr-FR" sz="2000" dirty="0">
-                <a:latin typeface="Courier New" pitchFamily="49" charset="0"/>
-                <a:cs typeface="Courier New" pitchFamily="49" charset="0"/>
-              </a:rPr>
-              <a:t>(9)</a:t>
-            </a:r>
-          </a:p>
-          <a:p>
-            <a:pPr marL="0" indent="0">
-              <a:buNone/>
-            </a:pPr>
-            <a:r>
-              <a:rPr lang="fr-FR" sz="2000" dirty="0">
-                <a:latin typeface="Courier New" pitchFamily="49" charset="0"/>
-                <a:cs typeface="Courier New" pitchFamily="49" charset="0"/>
-              </a:rPr>
-              <a:t>&gt;&gt;&gt; L</a:t>
-            </a:r>
-          </a:p>
-          <a:p>
-            <a:pPr marL="0" indent="0">
-              <a:buNone/>
-            </a:pPr>
-            <a:r>
-              <a:rPr lang="fr-FR" sz="2000" dirty="0">
-                <a:latin typeface="Courier New" pitchFamily="49" charset="0"/>
-                <a:cs typeface="Courier New" pitchFamily="49" charset="0"/>
-              </a:rPr>
-              <a:t>[2, 4, 1, 6, 3, 9]</a:t>
-            </a:r>
-          </a:p>
-          <a:p>
-            <a:pPr marL="0" indent="0">
-              <a:buNone/>
-            </a:pPr>
-            <a:r>
-              <a:rPr lang="fr-FR" sz="2000" dirty="0">
-                <a:latin typeface="Courier New" pitchFamily="49" charset="0"/>
-                <a:cs typeface="Courier New" pitchFamily="49" charset="0"/>
-              </a:rPr>
-              <a:t>&gt;&gt;&gt; </a:t>
-            </a:r>
-            <a:r>
-              <a:rPr lang="fr-FR" sz="2000" dirty="0" err="1">
-                <a:latin typeface="Courier New" pitchFamily="49" charset="0"/>
-                <a:cs typeface="Courier New" pitchFamily="49" charset="0"/>
-              </a:rPr>
-              <a:t>L.extend</a:t>
-            </a:r>
-            <a:r>
-              <a:rPr lang="fr-FR" sz="2000" dirty="0">
-                <a:latin typeface="Courier New" pitchFamily="49" charset="0"/>
-                <a:cs typeface="Courier New" pitchFamily="49" charset="0"/>
-              </a:rPr>
-              <a:t>([1,2])</a:t>
-            </a:r>
-          </a:p>
-          <a:p>
-            <a:pPr marL="0" indent="0">
-              <a:buNone/>
-            </a:pPr>
-            <a:r>
-              <a:rPr lang="fr-FR" sz="2000" dirty="0">
-                <a:latin typeface="Courier New" pitchFamily="49" charset="0"/>
-                <a:cs typeface="Courier New" pitchFamily="49" charset="0"/>
-              </a:rPr>
-              <a:t>&gt;&gt;&gt; L</a:t>
-            </a:r>
-          </a:p>
-          <a:p>
-            <a:pPr marL="0" indent="0">
-              <a:buNone/>
-            </a:pPr>
-            <a:r>
-              <a:rPr lang="fr-FR" sz="2000" dirty="0">
-                <a:latin typeface="Courier New" pitchFamily="49" charset="0"/>
-                <a:cs typeface="Courier New" pitchFamily="49" charset="0"/>
-              </a:rPr>
-              <a:t>[2, 4, 1, 6, 3, 9, 1, 2]</a:t>
-            </a:r>
-          </a:p>
-          <a:p>
-            <a:pPr marL="0" indent="0">
-              <a:buNone/>
-            </a:pPr>
-            <a:r>
-              <a:rPr lang="fr-FR" sz="2000" dirty="0">
-                <a:latin typeface="Courier New" pitchFamily="49" charset="0"/>
-                <a:cs typeface="Courier New" pitchFamily="49" charset="0"/>
-              </a:rPr>
-              <a:t>&gt;&gt;&gt; </a:t>
-            </a:r>
-            <a:r>
-              <a:rPr lang="fr-FR" sz="2000" dirty="0" err="1">
-                <a:latin typeface="Courier New" pitchFamily="49" charset="0"/>
-                <a:cs typeface="Courier New" pitchFamily="49" charset="0"/>
-              </a:rPr>
-              <a:t>L.pop</a:t>
-            </a:r>
-            <a:r>
-              <a:rPr lang="fr-FR" sz="2000" dirty="0">
-                <a:latin typeface="Courier New" pitchFamily="49" charset="0"/>
-                <a:cs typeface="Courier New" pitchFamily="49" charset="0"/>
-              </a:rPr>
-              <a:t>()</a:t>
-            </a:r>
-          </a:p>
-          <a:p>
-            <a:pPr marL="0" indent="0">
-              <a:buNone/>
-            </a:pPr>
-            <a:r>
-              <a:rPr lang="fr-FR" sz="2000" dirty="0">
-                <a:latin typeface="Courier New" pitchFamily="49" charset="0"/>
-                <a:cs typeface="Courier New" pitchFamily="49" charset="0"/>
-              </a:rPr>
-              <a:t>2</a:t>
-            </a:r>
-          </a:p>
-          <a:p>
-            <a:pPr marL="0" indent="0">
-              <a:buNone/>
-            </a:pPr>
-            <a:r>
-              <a:rPr lang="fr-FR" sz="2000" dirty="0">
-                <a:latin typeface="Courier New" pitchFamily="49" charset="0"/>
-                <a:cs typeface="Courier New" pitchFamily="49" charset="0"/>
-              </a:rPr>
-              <a:t>&gt;&gt;&gt; L</a:t>
-            </a:r>
-          </a:p>
-          <a:p>
-            <a:pPr marL="0" indent="0">
-              <a:buNone/>
-            </a:pPr>
-            <a:r>
-              <a:rPr lang="fr-FR" sz="2000" dirty="0">
-                <a:latin typeface="Courier New" pitchFamily="49" charset="0"/>
-                <a:cs typeface="Courier New" pitchFamily="49" charset="0"/>
-              </a:rPr>
-              <a:t>[2, 4, 1, 6, 3, 9, 1</a:t>
-            </a:r>
-            <a:r>
-              <a:rPr lang="fr-FR" sz="2000" dirty="0" smtClean="0">
-                <a:latin typeface="Courier New" pitchFamily="49" charset="0"/>
-                <a:cs typeface="Courier New" pitchFamily="49" charset="0"/>
-              </a:rPr>
-              <a:t>]</a:t>
-            </a:r>
-            <a:endParaRPr lang="fr-FR" sz="2000" dirty="0">
-              <a:latin typeface="Courier New" pitchFamily="49" charset="0"/>
-              <a:cs typeface="Courier New" pitchFamily="49" charset="0"/>
-            </a:endParaRPr>
-          </a:p>
-        </p:txBody>
-      </p:sp>
-    </p:spTree>
-    <p:extLst>
-      <p:ext uri="{BB962C8B-B14F-4D97-AF65-F5344CB8AC3E}">
-        <p14:creationId xmlns:p14="http://schemas.microsoft.com/office/powerpoint/2010/main" val="2087602865"/>
-      </p:ext>
-    </p:extLst>
-  </p:cSld>
-  <p:clrMapOvr>
-    <a:masterClrMapping/>
-  </p:clrMapOvr>
-  <p:timing>
-    <p:tnLst>
-      <p:par>
-        <p:cTn id="1" dur="indefinite" restart="never" nodeType="tmRoot"/>
-      </p:par>
-    </p:tnLst>
-  </p:timing>
-</p:sld>
-</file>
-
-<file path=ppt/slides/slide15.xml><?xml version="1.0" encoding="utf-8"?>
-<p:sld xmlns:a="http://schemas.openxmlformats.org/drawingml/2006/main" xmlns:r="http://schemas.openxmlformats.org/officeDocument/2006/relationships" xmlns:p="http://schemas.openxmlformats.org/presentationml/2006/main">
-  <p:cSld>
-    <p:spTree>
-      <p:nvGrpSpPr>
-        <p:cNvPr id="1" name=""/>
-        <p:cNvGrpSpPr/>
-        <p:nvPr/>
-      </p:nvGrpSpPr>
-      <p:grpSpPr>
-        <a:xfrm>
-          <a:off x="0" y="0"/>
-          <a:ext cx="0" cy="0"/>
-          <a:chOff x="0" y="0"/>
-          <a:chExt cx="0" cy="0"/>
-        </a:xfrm>
-      </p:grpSpPr>
-      <p:sp>
-        <p:nvSpPr>
-          <p:cNvPr id="2" name="Titre 1"/>
-          <p:cNvSpPr>
-            <a:spLocks noGrp="1"/>
-          </p:cNvSpPr>
-          <p:nvPr>
-            <p:ph type="title"/>
-          </p:nvPr>
-        </p:nvSpPr>
-        <p:spPr/>
-        <p:txBody>
-          <a:bodyPr/>
-          <a:lstStyle/>
-          <a:p>
-            <a:r>
-              <a:rPr lang="fr-FR" dirty="0"/>
-              <a:t>Méthodes sur les listes</a:t>
-            </a:r>
-          </a:p>
-        </p:txBody>
-      </p:sp>
-      <p:sp>
-        <p:nvSpPr>
-          <p:cNvPr id="3" name="Espace réservé du contenu 2"/>
-          <p:cNvSpPr>
-            <a:spLocks noGrp="1"/>
-          </p:cNvSpPr>
-          <p:nvPr>
-            <p:ph idx="1"/>
-          </p:nvPr>
-        </p:nvSpPr>
-        <p:spPr/>
-        <p:txBody>
-          <a:bodyPr/>
-          <a:lstStyle/>
-          <a:p>
-            <a:pPr marL="0" lvl="0" indent="0">
-              <a:buNone/>
-            </a:pPr>
-            <a:r>
-              <a:rPr lang="fr-FR" sz="2000" dirty="0">
-                <a:solidFill>
-                  <a:srgbClr val="000000"/>
-                </a:solidFill>
-                <a:latin typeface="Courier New" pitchFamily="49" charset="0"/>
-                <a:cs typeface="Courier New" pitchFamily="49" charset="0"/>
-              </a:rPr>
-              <a:t>&gt;&gt;&gt; </a:t>
-            </a:r>
-            <a:r>
-              <a:rPr lang="fr-FR" sz="2000" dirty="0" err="1">
-                <a:solidFill>
-                  <a:srgbClr val="000000"/>
-                </a:solidFill>
-                <a:latin typeface="Courier New" pitchFamily="49" charset="0"/>
-                <a:cs typeface="Courier New" pitchFamily="49" charset="0"/>
-              </a:rPr>
-              <a:t>L.remove</a:t>
-            </a:r>
-            <a:r>
-              <a:rPr lang="fr-FR" sz="2000" dirty="0">
-                <a:solidFill>
-                  <a:srgbClr val="000000"/>
-                </a:solidFill>
-                <a:latin typeface="Courier New" pitchFamily="49" charset="0"/>
-                <a:cs typeface="Courier New" pitchFamily="49" charset="0"/>
-              </a:rPr>
-              <a:t>(1)</a:t>
-            </a:r>
-          </a:p>
-          <a:p>
-            <a:pPr marL="0" lvl="0" indent="0">
-              <a:buNone/>
-            </a:pPr>
-            <a:r>
-              <a:rPr lang="fr-FR" sz="2000" dirty="0">
-                <a:solidFill>
-                  <a:srgbClr val="000000"/>
-                </a:solidFill>
-                <a:latin typeface="Courier New" pitchFamily="49" charset="0"/>
-                <a:cs typeface="Courier New" pitchFamily="49" charset="0"/>
-              </a:rPr>
-              <a:t>&gt;&gt;&gt; L</a:t>
-            </a:r>
-          </a:p>
-          <a:p>
-            <a:pPr marL="0" lvl="0" indent="0">
-              <a:buNone/>
-            </a:pPr>
-            <a:r>
-              <a:rPr lang="fr-FR" sz="2000" dirty="0">
-                <a:solidFill>
-                  <a:srgbClr val="000000"/>
-                </a:solidFill>
-                <a:latin typeface="Courier New" pitchFamily="49" charset="0"/>
-                <a:cs typeface="Courier New" pitchFamily="49" charset="0"/>
-              </a:rPr>
-              <a:t>[2, 4, 6, 3, 9, 1]</a:t>
-            </a:r>
-          </a:p>
-          <a:p>
-            <a:pPr marL="0" lvl="0" indent="0">
-              <a:buNone/>
-            </a:pPr>
-            <a:r>
-              <a:rPr lang="fr-FR" sz="2000" dirty="0">
-                <a:solidFill>
-                  <a:srgbClr val="000000"/>
-                </a:solidFill>
-                <a:latin typeface="Courier New" pitchFamily="49" charset="0"/>
-                <a:cs typeface="Courier New" pitchFamily="49" charset="0"/>
-              </a:rPr>
-              <a:t>&gt;&gt;&gt; </a:t>
-            </a:r>
-            <a:r>
-              <a:rPr lang="fr-FR" sz="2000" dirty="0" err="1">
-                <a:solidFill>
-                  <a:srgbClr val="000000"/>
-                </a:solidFill>
-                <a:latin typeface="Courier New" pitchFamily="49" charset="0"/>
-                <a:cs typeface="Courier New" pitchFamily="49" charset="0"/>
-              </a:rPr>
-              <a:t>L.sort</a:t>
-            </a:r>
-            <a:r>
-              <a:rPr lang="fr-FR" sz="2000" dirty="0">
-                <a:solidFill>
-                  <a:srgbClr val="000000"/>
-                </a:solidFill>
-                <a:latin typeface="Courier New" pitchFamily="49" charset="0"/>
-                <a:cs typeface="Courier New" pitchFamily="49" charset="0"/>
-              </a:rPr>
-              <a:t>()</a:t>
-            </a:r>
-          </a:p>
-          <a:p>
-            <a:pPr marL="0" lvl="0" indent="0">
-              <a:buNone/>
-            </a:pPr>
-            <a:r>
-              <a:rPr lang="fr-FR" sz="2000" dirty="0">
-                <a:solidFill>
-                  <a:srgbClr val="000000"/>
-                </a:solidFill>
-                <a:latin typeface="Courier New" pitchFamily="49" charset="0"/>
-                <a:cs typeface="Courier New" pitchFamily="49" charset="0"/>
-              </a:rPr>
-              <a:t>&gt;&gt;&gt; L</a:t>
-            </a:r>
-          </a:p>
-          <a:p>
-            <a:pPr marL="0" lvl="0" indent="0">
-              <a:buNone/>
-            </a:pPr>
-            <a:r>
-              <a:rPr lang="fr-FR" sz="2000" dirty="0">
-                <a:solidFill>
-                  <a:srgbClr val="000000"/>
-                </a:solidFill>
-                <a:latin typeface="Courier New" pitchFamily="49" charset="0"/>
-                <a:cs typeface="Courier New" pitchFamily="49" charset="0"/>
-              </a:rPr>
-              <a:t>[1, 2, 3, 4, 6, 9]</a:t>
-            </a:r>
-          </a:p>
-          <a:p>
-            <a:pPr marL="0" lvl="0" indent="0">
-              <a:buNone/>
-            </a:pPr>
-            <a:r>
-              <a:rPr lang="fr-FR" sz="2000" dirty="0">
-                <a:solidFill>
-                  <a:srgbClr val="000000"/>
-                </a:solidFill>
-                <a:latin typeface="Courier New" pitchFamily="49" charset="0"/>
-                <a:cs typeface="Courier New" pitchFamily="49" charset="0"/>
-              </a:rPr>
-              <a:t>&gt;&gt;&gt; </a:t>
-            </a:r>
-            <a:r>
-              <a:rPr lang="fr-FR" sz="2000" dirty="0" err="1">
-                <a:solidFill>
-                  <a:srgbClr val="000000"/>
-                </a:solidFill>
-                <a:latin typeface="Courier New" pitchFamily="49" charset="0"/>
-                <a:cs typeface="Courier New" pitchFamily="49" charset="0"/>
-              </a:rPr>
-              <a:t>L.reverse</a:t>
-            </a:r>
-            <a:r>
-              <a:rPr lang="fr-FR" sz="2000" dirty="0">
-                <a:solidFill>
-                  <a:srgbClr val="000000"/>
-                </a:solidFill>
-                <a:latin typeface="Courier New" pitchFamily="49" charset="0"/>
-                <a:cs typeface="Courier New" pitchFamily="49" charset="0"/>
-              </a:rPr>
-              <a:t>()</a:t>
-            </a:r>
-          </a:p>
-          <a:p>
-            <a:pPr marL="0" lvl="0" indent="0">
-              <a:buNone/>
-            </a:pPr>
-            <a:r>
-              <a:rPr lang="fr-FR" sz="2000" dirty="0">
-                <a:solidFill>
-                  <a:srgbClr val="000000"/>
-                </a:solidFill>
-                <a:latin typeface="Courier New" pitchFamily="49" charset="0"/>
-                <a:cs typeface="Courier New" pitchFamily="49" charset="0"/>
-              </a:rPr>
-              <a:t>&gt;&gt;&gt; L</a:t>
-            </a:r>
-          </a:p>
-          <a:p>
-            <a:pPr marL="0" lvl="0" indent="0">
-              <a:buNone/>
-            </a:pPr>
-            <a:r>
-              <a:rPr lang="fr-FR" sz="2000" dirty="0">
-                <a:solidFill>
-                  <a:srgbClr val="000000"/>
-                </a:solidFill>
-                <a:latin typeface="Courier New" pitchFamily="49" charset="0"/>
-                <a:cs typeface="Courier New" pitchFamily="49" charset="0"/>
-              </a:rPr>
-              <a:t>[9, 6, 4, 3, 2, 1]</a:t>
-            </a:r>
-          </a:p>
-          <a:p>
-            <a:r>
-              <a:rPr lang="fr-FR" dirty="0" smtClean="0"/>
-              <a:t>Sujets avancés que l’on verra plus tard</a:t>
-            </a:r>
-          </a:p>
-          <a:p>
-            <a:pPr lvl="1"/>
-            <a:r>
-              <a:rPr lang="fr-FR" dirty="0" err="1">
-                <a:latin typeface="Courier New" pitchFamily="49" charset="0"/>
-                <a:cs typeface="Courier New" pitchFamily="49" charset="0"/>
-              </a:rPr>
-              <a:t>f</a:t>
-            </a:r>
-            <a:r>
-              <a:rPr lang="fr-FR" dirty="0" err="1" smtClean="0">
-                <a:latin typeface="Courier New" pitchFamily="49" charset="0"/>
-                <a:cs typeface="Courier New" pitchFamily="49" charset="0"/>
-              </a:rPr>
-              <a:t>ilter</a:t>
-            </a:r>
-            <a:r>
-              <a:rPr lang="fr-FR" dirty="0" smtClean="0">
-                <a:latin typeface="Courier New" pitchFamily="49" charset="0"/>
-                <a:cs typeface="Courier New" pitchFamily="49" charset="0"/>
-              </a:rPr>
-              <a:t>()</a:t>
-            </a:r>
-            <a:r>
-              <a:rPr lang="fr-FR" dirty="0" smtClean="0"/>
-              <a:t>, </a:t>
-            </a:r>
-            <a:r>
-              <a:rPr lang="fr-FR" dirty="0" err="1" smtClean="0">
-                <a:latin typeface="Courier New" pitchFamily="49" charset="0"/>
-                <a:cs typeface="Courier New" pitchFamily="49" charset="0"/>
-              </a:rPr>
-              <a:t>map</a:t>
-            </a:r>
-            <a:r>
-              <a:rPr lang="fr-FR" dirty="0" smtClean="0">
-                <a:latin typeface="Courier New" pitchFamily="49" charset="0"/>
-                <a:cs typeface="Courier New" pitchFamily="49" charset="0"/>
-              </a:rPr>
-              <a:t>()</a:t>
-            </a:r>
-            <a:r>
-              <a:rPr lang="fr-FR" dirty="0" smtClean="0"/>
-              <a:t>, </a:t>
-            </a:r>
-            <a:r>
-              <a:rPr lang="fr-FR" dirty="0" err="1" smtClean="0">
-                <a:latin typeface="Courier New" pitchFamily="49" charset="0"/>
-                <a:cs typeface="Courier New" pitchFamily="49" charset="0"/>
-              </a:rPr>
-              <a:t>reduce</a:t>
-            </a:r>
-            <a:r>
-              <a:rPr lang="fr-FR" dirty="0" smtClean="0">
-                <a:latin typeface="Courier New" pitchFamily="49" charset="0"/>
-                <a:cs typeface="Courier New" pitchFamily="49" charset="0"/>
-              </a:rPr>
-              <a:t>()</a:t>
-            </a:r>
-          </a:p>
-          <a:p>
-            <a:pPr lvl="1"/>
-            <a:r>
-              <a:rPr lang="fr-FR" dirty="0" smtClean="0"/>
-              <a:t>Compréhension de listes</a:t>
-            </a:r>
-            <a:endParaRPr lang="fr-FR" dirty="0"/>
-          </a:p>
-        </p:txBody>
-      </p:sp>
-    </p:spTree>
-    <p:extLst>
-      <p:ext uri="{BB962C8B-B14F-4D97-AF65-F5344CB8AC3E}">
-        <p14:creationId xmlns:p14="http://schemas.microsoft.com/office/powerpoint/2010/main" val="2205137351"/>
-      </p:ext>
-    </p:extLst>
-  </p:cSld>
-  <p:clrMapOvr>
-    <a:masterClrMapping/>
-  </p:clrMapOvr>
-  <p:timing>
-    <p:tnLst>
-      <p:par>
-        <p:cTn id="1" dur="indefinite" restart="never" nodeType="tmRoot"/>
-      </p:par>
-    </p:tnLst>
-  </p:timing>
-</p:sld>
-</file>
-
-<file path=ppt/slides/slide16.xml><?xml version="1.0" encoding="utf-8"?>
-<p:sld xmlns:a="http://schemas.openxmlformats.org/drawingml/2006/main" xmlns:r="http://schemas.openxmlformats.org/officeDocument/2006/relationships" xmlns:p="http://schemas.openxmlformats.org/presentationml/2006/main">
-  <p:cSld>
-    <p:spTree>
-      <p:nvGrpSpPr>
-        <p:cNvPr id="1" name=""/>
-        <p:cNvGrpSpPr/>
-        <p:nvPr/>
-      </p:nvGrpSpPr>
-      <p:grpSpPr>
-        <a:xfrm>
-          <a:off x="0" y="0"/>
-          <a:ext cx="0" cy="0"/>
-          <a:chOff x="0" y="0"/>
-          <a:chExt cx="0" cy="0"/>
-        </a:xfrm>
-      </p:grpSpPr>
-      <p:sp>
-        <p:nvSpPr>
-          <p:cNvPr id="2" name="Titre 1"/>
-          <p:cNvSpPr>
-            <a:spLocks noGrp="1"/>
-          </p:cNvSpPr>
-          <p:nvPr>
-            <p:ph type="title"/>
-          </p:nvPr>
-        </p:nvSpPr>
-        <p:spPr/>
-        <p:txBody>
-          <a:bodyPr/>
-          <a:lstStyle/>
-          <a:p>
-            <a:r>
-              <a:rPr lang="fr-FR" dirty="0" smtClean="0"/>
-              <a:t>Les </a:t>
-            </a:r>
-            <a:r>
-              <a:rPr lang="fr-FR" dirty="0" err="1" smtClean="0"/>
-              <a:t>tuples</a:t>
-            </a:r>
-            <a:endParaRPr lang="fr-FR" dirty="0"/>
-          </a:p>
-        </p:txBody>
-      </p:sp>
-      <p:sp>
-        <p:nvSpPr>
-          <p:cNvPr id="3" name="Espace réservé du contenu 2"/>
-          <p:cNvSpPr>
-            <a:spLocks noGrp="1"/>
-          </p:cNvSpPr>
-          <p:nvPr>
-            <p:ph idx="1"/>
-          </p:nvPr>
-        </p:nvSpPr>
-        <p:spPr>
-          <a:xfrm>
-            <a:off x="457200" y="1491016"/>
-            <a:ext cx="8686800" cy="4525963"/>
-          </a:xfrm>
-        </p:spPr>
-        <p:txBody>
-          <a:bodyPr/>
-          <a:lstStyle/>
-          <a:p>
-            <a:r>
-              <a:rPr lang="fr-FR" dirty="0" smtClean="0"/>
-              <a:t>Comme des listes, mais </a:t>
-            </a:r>
-            <a:r>
-              <a:rPr lang="fr-FR" dirty="0" smtClean="0">
-                <a:solidFill>
-                  <a:srgbClr val="FF0000"/>
-                </a:solidFill>
-              </a:rPr>
-              <a:t>immutables</a:t>
-            </a:r>
-          </a:p>
-          <a:p>
-            <a:pPr lvl="1"/>
-            <a:r>
-              <a:rPr lang="fr-FR" dirty="0" smtClean="0"/>
-              <a:t>Les fonctions faisant des modifications </a:t>
-            </a:r>
-            <a:r>
-              <a:rPr lang="fr-FR" dirty="0" err="1" smtClean="0"/>
-              <a:t>in-place</a:t>
-            </a:r>
-            <a:r>
-              <a:rPr lang="fr-FR" dirty="0" smtClean="0"/>
-              <a:t> ne s’appliquent donc pas aux </a:t>
-            </a:r>
-            <a:r>
-              <a:rPr lang="fr-FR" dirty="0" err="1" smtClean="0"/>
-              <a:t>tuples</a:t>
-            </a:r>
-            <a:endParaRPr lang="fr-FR" dirty="0" smtClean="0"/>
-          </a:p>
-          <a:p>
-            <a:pPr lvl="1"/>
-            <a:r>
-              <a:rPr lang="fr-FR" dirty="0" smtClean="0"/>
-              <a:t>Syntaxe pour un </a:t>
-            </a:r>
-            <a:r>
-              <a:rPr lang="fr-FR" dirty="0" err="1" smtClean="0"/>
-              <a:t>tuple</a:t>
-            </a:r>
-            <a:r>
-              <a:rPr lang="fr-FR" dirty="0" smtClean="0"/>
-              <a:t> vide</a:t>
-            </a:r>
-          </a:p>
-          <a:p>
-            <a:pPr lvl="2"/>
-            <a:r>
-              <a:rPr lang="fr-FR" dirty="0" smtClean="0">
-                <a:latin typeface="Courier New" pitchFamily="49" charset="0"/>
-                <a:cs typeface="Courier New" pitchFamily="49" charset="0"/>
-              </a:rPr>
-              <a:t>T = ()</a:t>
-            </a:r>
-          </a:p>
-          <a:p>
-            <a:pPr lvl="1"/>
-            <a:r>
-              <a:rPr lang="fr-FR" dirty="0" smtClean="0"/>
-              <a:t>Syntaxe pour un singleton</a:t>
-            </a:r>
-          </a:p>
-          <a:p>
-            <a:pPr lvl="2"/>
-            <a:r>
-              <a:rPr lang="fr-FR" dirty="0" smtClean="0">
-                <a:latin typeface="Courier New" pitchFamily="49" charset="0"/>
-                <a:cs typeface="Courier New" pitchFamily="49" charset="0"/>
-              </a:rPr>
-              <a:t>T = (4</a:t>
-            </a:r>
-            <a:r>
-              <a:rPr lang="fr-FR" dirty="0" smtClean="0">
-                <a:solidFill>
-                  <a:srgbClr val="FF0000"/>
-                </a:solidFill>
-                <a:latin typeface="Courier New" pitchFamily="49" charset="0"/>
-                <a:cs typeface="Courier New" pitchFamily="49" charset="0"/>
-              </a:rPr>
-              <a:t>,</a:t>
-            </a:r>
-            <a:r>
-              <a:rPr lang="fr-FR" dirty="0" smtClean="0">
-                <a:latin typeface="Courier New" pitchFamily="49" charset="0"/>
-                <a:cs typeface="Courier New" pitchFamily="49" charset="0"/>
-              </a:rPr>
-              <a:t>)  </a:t>
-            </a:r>
-            <a:r>
-              <a:rPr lang="fr-FR" dirty="0" smtClean="0"/>
-              <a:t>ou </a:t>
-            </a:r>
-            <a:r>
-              <a:rPr lang="fr-FR" dirty="0" smtClean="0">
-                <a:latin typeface="Courier New" pitchFamily="49" charset="0"/>
-                <a:cs typeface="Courier New" pitchFamily="49" charset="0"/>
-              </a:rPr>
-              <a:t>T = 4</a:t>
-            </a:r>
-            <a:r>
-              <a:rPr lang="fr-FR" dirty="0" smtClean="0">
-                <a:solidFill>
-                  <a:srgbClr val="FF0000"/>
-                </a:solidFill>
-                <a:latin typeface="Courier New" pitchFamily="49" charset="0"/>
-                <a:cs typeface="Courier New" pitchFamily="49" charset="0"/>
-              </a:rPr>
-              <a:t>,</a:t>
-            </a:r>
-            <a:r>
-              <a:rPr lang="fr-FR" dirty="0" smtClean="0">
-                <a:latin typeface="Courier New" pitchFamily="49" charset="0"/>
-                <a:cs typeface="Courier New" pitchFamily="49" charset="0"/>
-              </a:rPr>
-              <a:t> </a:t>
-            </a:r>
-            <a:r>
-              <a:rPr lang="fr-FR" dirty="0" smtClean="0"/>
-              <a:t>Attention (4) est un entier et (4,) est un </a:t>
-            </a:r>
-            <a:r>
-              <a:rPr lang="fr-FR" dirty="0" err="1" smtClean="0"/>
-              <a:t>tuple</a:t>
-            </a:r>
-            <a:endParaRPr lang="fr-FR" dirty="0" smtClean="0"/>
-          </a:p>
-          <a:p>
-            <a:pPr lvl="1"/>
-            <a:r>
-              <a:rPr lang="fr-FR" dirty="0" smtClean="0"/>
-              <a:t>Syntaxe pour plusieurs éléments</a:t>
-            </a:r>
-          </a:p>
-          <a:p>
-            <a:pPr lvl="2"/>
-            <a:r>
-              <a:rPr lang="fr-FR" dirty="0" smtClean="0">
-                <a:latin typeface="Courier New" pitchFamily="49" charset="0"/>
-                <a:cs typeface="Courier New" pitchFamily="49" charset="0"/>
-              </a:rPr>
-              <a:t>T = (3,5,</a:t>
-            </a:r>
-            <a:r>
-              <a:rPr lang="fr-FR" dirty="0" smtClean="0">
-                <a:solidFill>
-                  <a:srgbClr val="000000"/>
-                </a:solidFill>
-                <a:latin typeface="Courier New" pitchFamily="49" charset="0"/>
-                <a:cs typeface="Courier New" pitchFamily="49" charset="0"/>
-              </a:rPr>
-              <a:t>'</a:t>
-            </a:r>
-            <a:r>
-              <a:rPr lang="fr-FR" dirty="0" smtClean="0">
-                <a:latin typeface="Courier New" pitchFamily="49" charset="0"/>
-                <a:cs typeface="Courier New" pitchFamily="49" charset="0"/>
-              </a:rPr>
-              <a:t>alice</a:t>
-            </a:r>
-            <a:r>
-              <a:rPr lang="fr-FR" dirty="0" smtClean="0">
-                <a:solidFill>
-                  <a:srgbClr val="000000"/>
-                </a:solidFill>
-                <a:latin typeface="Courier New" pitchFamily="49" charset="0"/>
-                <a:cs typeface="Courier New" pitchFamily="49" charset="0"/>
-              </a:rPr>
-              <a:t>'</a:t>
-            </a:r>
-            <a:r>
-              <a:rPr lang="fr-FR" dirty="0" smtClean="0">
-                <a:latin typeface="Courier New" pitchFamily="49" charset="0"/>
-                <a:cs typeface="Courier New" pitchFamily="49" charset="0"/>
-              </a:rPr>
-              <a:t>) </a:t>
-            </a:r>
-            <a:r>
-              <a:rPr lang="fr-FR" dirty="0" smtClean="0"/>
-              <a:t>ou </a:t>
-            </a:r>
-            <a:r>
-              <a:rPr lang="fr-FR" dirty="0" smtClean="0">
-                <a:latin typeface="Courier New" pitchFamily="49" charset="0"/>
-                <a:cs typeface="Courier New" pitchFamily="49" charset="0"/>
-              </a:rPr>
-              <a:t>T =  3, 5, </a:t>
-            </a:r>
-            <a:r>
-              <a:rPr lang="fr-FR" dirty="0" smtClean="0">
-                <a:solidFill>
-                  <a:srgbClr val="000000"/>
-                </a:solidFill>
-                <a:latin typeface="Courier New" pitchFamily="49" charset="0"/>
-                <a:cs typeface="Courier New" pitchFamily="49" charset="0"/>
-              </a:rPr>
-              <a:t>'</a:t>
-            </a:r>
-            <a:r>
-              <a:rPr lang="fr-FR" dirty="0" err="1" smtClean="0">
-                <a:latin typeface="Courier New" pitchFamily="49" charset="0"/>
-                <a:cs typeface="Courier New" pitchFamily="49" charset="0"/>
-              </a:rPr>
-              <a:t>alice</a:t>
-            </a:r>
-            <a:r>
-              <a:rPr lang="fr-FR" dirty="0" smtClean="0">
-                <a:solidFill>
-                  <a:srgbClr val="000000"/>
-                </a:solidFill>
-                <a:latin typeface="Courier New" pitchFamily="49" charset="0"/>
-                <a:cs typeface="Courier New" pitchFamily="49" charset="0"/>
-              </a:rPr>
-              <a:t>'</a:t>
-            </a:r>
-            <a:r>
-              <a:rPr lang="fr-FR" dirty="0" smtClean="0"/>
-              <a:t> </a:t>
-            </a:r>
-          </a:p>
-          <a:p>
-            <a:pPr lvl="2"/>
-            <a:r>
-              <a:rPr lang="fr-FR" dirty="0" smtClean="0">
-                <a:solidFill>
-                  <a:srgbClr val="FF0000"/>
-                </a:solidFill>
-              </a:rPr>
-              <a:t>On peut omettre les ()</a:t>
-            </a:r>
-          </a:p>
-        </p:txBody>
-      </p:sp>
-    </p:spTree>
-    <p:extLst>
-      <p:ext uri="{BB962C8B-B14F-4D97-AF65-F5344CB8AC3E}">
-        <p14:creationId xmlns:p14="http://schemas.microsoft.com/office/powerpoint/2010/main" val="831146555"/>
-      </p:ext>
-    </p:extLst>
-  </p:cSld>
-  <p:clrMapOvr>
-    <a:masterClrMapping/>
-  </p:clrMapOvr>
-  <p:timing>
-    <p:tnLst>
-      <p:par>
-        <p:cTn id="1" dur="indefinite" restart="never" nodeType="tmRoot"/>
-      </p:par>
-    </p:tnLst>
-  </p:timing>
-</p:sld>
-</file>
-
-<file path=ppt/slides/slide17.xml><?xml version="1.0" encoding="utf-8"?>
-<p:sld xmlns:a="http://schemas.openxmlformats.org/drawingml/2006/main" xmlns:r="http://schemas.openxmlformats.org/officeDocument/2006/relationships" xmlns:p="http://schemas.openxmlformats.org/presentationml/2006/main">
-  <p:cSld>
-    <p:spTree>
-      <p:nvGrpSpPr>
-        <p:cNvPr id="1" name=""/>
-        <p:cNvGrpSpPr/>
-        <p:nvPr/>
-      </p:nvGrpSpPr>
-      <p:grpSpPr>
-        <a:xfrm>
-          <a:off x="0" y="0"/>
-          <a:ext cx="0" cy="0"/>
-          <a:chOff x="0" y="0"/>
-          <a:chExt cx="0" cy="0"/>
-        </a:xfrm>
-      </p:grpSpPr>
-      <p:sp>
-        <p:nvSpPr>
-          <p:cNvPr id="2" name="Titre 1"/>
-          <p:cNvSpPr>
-            <a:spLocks noGrp="1"/>
-          </p:cNvSpPr>
-          <p:nvPr>
-            <p:ph type="title"/>
-          </p:nvPr>
-        </p:nvSpPr>
-        <p:spPr/>
-        <p:txBody>
-          <a:bodyPr/>
-          <a:lstStyle/>
-          <a:p>
-            <a:r>
               <a:rPr lang="fr-FR" dirty="0" smtClean="0"/>
               <a:t>Les </a:t>
             </a:r>
@@ -7702,171 +6330,410 @@
       </p:grpSpPr>
       <p:sp>
         <p:nvSpPr>
-          <p:cNvPr id="2" name="Titre 1"/>
-          <p:cNvSpPr>
-            <a:spLocks noGrp="1"/>
-          </p:cNvSpPr>
-          <p:nvPr>
-            <p:ph type="title"/>
-          </p:nvPr>
+          <p:cNvPr id="4" name="ZoneTexte 3"/>
+          <p:cNvSpPr txBox="1"/>
+          <p:nvPr/>
         </p:nvSpPr>
-        <p:spPr/>
+        <p:spPr>
+          <a:xfrm>
+            <a:off x="1662545" y="768927"/>
+            <a:ext cx="7813964" cy="1569660"/>
+          </a:xfrm>
+          <a:prstGeom prst="rect">
+            <a:avLst/>
+          </a:prstGeom>
+          <a:noFill/>
+        </p:spPr>
         <p:txBody>
-          <a:bodyPr/>
+          <a:bodyPr wrap="square" rtlCol="0">
+            <a:spAutoFit/>
+          </a:bodyPr>
           <a:lstStyle/>
           <a:p>
             <a:r>
-              <a:rPr lang="fr-FR" dirty="0" smtClean="0"/>
-              <a:t>Les séquences</a:t>
-            </a:r>
-            <a:endParaRPr lang="fr-FR" dirty="0"/>
+              <a:rPr lang="fr-FR" sz="9600" dirty="0" err="1">
+                <a:latin typeface="Calibri" panose="020F0502020204030204" pitchFamily="34" charset="0"/>
+              </a:rPr>
+              <a:t>e</a:t>
+            </a:r>
+            <a:r>
+              <a:rPr lang="fr-FR" sz="9600" dirty="0" err="1" smtClean="0">
+                <a:latin typeface="Calibri" panose="020F0502020204030204" pitchFamily="34" charset="0"/>
+              </a:rPr>
+              <a:t>gg</a:t>
+            </a:r>
+            <a:r>
+              <a:rPr lang="fr-FR" sz="9600" dirty="0" smtClean="0">
+                <a:latin typeface="Calibri" panose="020F0502020204030204" pitchFamily="34" charset="0"/>
+              </a:rPr>
+              <a:t>, bacon</a:t>
+            </a:r>
+            <a:endParaRPr lang="fr-FR" sz="9600" dirty="0">
+              <a:latin typeface="Calibri" panose="020F0502020204030204" pitchFamily="34" charset="0"/>
+            </a:endParaRPr>
           </a:p>
         </p:txBody>
       </p:sp>
       <p:sp>
         <p:nvSpPr>
-          <p:cNvPr id="3" name="Espace réservé du contenu 2"/>
-          <p:cNvSpPr>
-            <a:spLocks noGrp="1"/>
-          </p:cNvSpPr>
-          <p:nvPr>
-            <p:ph idx="1"/>
-          </p:nvPr>
+          <p:cNvPr id="5" name="ZoneTexte 4"/>
+          <p:cNvSpPr txBox="1"/>
+          <p:nvPr/>
         </p:nvSpPr>
         <p:spPr>
           <a:xfrm>
-            <a:off x="457199" y="1600200"/>
-            <a:ext cx="8523027" cy="4525963"/>
+            <a:off x="0" y="2661337"/>
+            <a:ext cx="8541327" cy="4524315"/>
           </a:xfrm>
+          <a:prstGeom prst="rect">
+            <a:avLst/>
+          </a:prstGeom>
+          <a:noFill/>
         </p:spPr>
         <p:txBody>
-          <a:bodyPr/>
+          <a:bodyPr wrap="square" rtlCol="0">
+            <a:spAutoFit/>
+          </a:bodyPr>
           <a:lstStyle/>
           <a:p>
             <a:r>
-              <a:rPr lang="fr-FR" dirty="0" smtClean="0"/>
-              <a:t>Liste finie d’éléments ordonnés qui sont indexés par des entiers</a:t>
-            </a:r>
-          </a:p>
-          <a:p>
-            <a:pPr lvl="1"/>
-            <a:r>
-              <a:rPr lang="fr-FR" dirty="0" smtClean="0"/>
-              <a:t>Les indices commencent à 0</a:t>
-            </a:r>
-          </a:p>
-          <a:p>
-            <a:r>
-              <a:rPr lang="fr-FR" dirty="0" smtClean="0"/>
-              <a:t>Mutable</a:t>
-            </a:r>
-          </a:p>
-          <a:p>
-            <a:pPr lvl="1"/>
-            <a:r>
-              <a:rPr lang="fr-FR" dirty="0" err="1" smtClean="0">
-                <a:latin typeface="Courier New" pitchFamily="49" charset="0"/>
-                <a:cs typeface="Courier New" pitchFamily="49" charset="0"/>
-              </a:rPr>
-              <a:t>list</a:t>
-            </a:r>
-            <a:r>
               <a:rPr lang="fr-FR" dirty="0" smtClean="0">
-                <a:latin typeface="Courier New" pitchFamily="49" charset="0"/>
-                <a:cs typeface="Courier New" pitchFamily="49" charset="0"/>
-              </a:rPr>
-              <a:t>, </a:t>
-            </a:r>
-            <a:r>
-              <a:rPr lang="fr-FR" dirty="0" err="1" smtClean="0">
-                <a:latin typeface="Courier New" pitchFamily="49" charset="0"/>
-                <a:cs typeface="Courier New" pitchFamily="49" charset="0"/>
-              </a:rPr>
-              <a:t>bytearray</a:t>
+                <a:latin typeface="Courier New" panose="02070309020205020404" pitchFamily="49" charset="0"/>
+                <a:cs typeface="Courier New" panose="02070309020205020404" pitchFamily="49" charset="0"/>
+              </a:rPr>
+              <a:t>&gt;&gt;&gt; s </a:t>
+            </a:r>
+            <a:r>
+              <a:rPr lang="fr-FR" dirty="0">
+                <a:latin typeface="Courier New" panose="02070309020205020404" pitchFamily="49" charset="0"/>
+                <a:cs typeface="Courier New" panose="02070309020205020404" pitchFamily="49" charset="0"/>
+              </a:rPr>
+              <a:t>= '</a:t>
+            </a:r>
+            <a:r>
+              <a:rPr lang="fr-FR" dirty="0" err="1">
+                <a:latin typeface="Courier New" panose="02070309020205020404" pitchFamily="49" charset="0"/>
+                <a:cs typeface="Courier New" panose="02070309020205020404" pitchFamily="49" charset="0"/>
+              </a:rPr>
+              <a:t>egg</a:t>
+            </a:r>
+            <a:r>
+              <a:rPr lang="fr-FR" dirty="0">
+                <a:latin typeface="Courier New" panose="02070309020205020404" pitchFamily="49" charset="0"/>
+                <a:cs typeface="Courier New" panose="02070309020205020404" pitchFamily="49" charset="0"/>
+              </a:rPr>
+              <a:t>, bacon' </a:t>
             </a:r>
             <a:endParaRPr lang="fr-FR" dirty="0" smtClean="0">
-              <a:latin typeface="Courier New" pitchFamily="49" charset="0"/>
-              <a:cs typeface="Courier New" pitchFamily="49" charset="0"/>
+              <a:latin typeface="Courier New" panose="02070309020205020404" pitchFamily="49" charset="0"/>
+              <a:cs typeface="Courier New" panose="02070309020205020404" pitchFamily="49" charset="0"/>
             </a:endParaRPr>
           </a:p>
           <a:p>
             <a:r>
-              <a:rPr lang="fr-FR" dirty="0" smtClean="0"/>
-              <a:t>Immutable</a:t>
-            </a:r>
-          </a:p>
-          <a:p>
-            <a:pPr lvl="1"/>
+              <a:rPr lang="fr-FR" dirty="0" smtClean="0">
+                <a:latin typeface="Courier New" panose="02070309020205020404" pitchFamily="49" charset="0"/>
+                <a:cs typeface="Courier New" panose="02070309020205020404" pitchFamily="49" charset="0"/>
+              </a:rPr>
+              <a:t>&gt;&gt;&gt; s[0:3]</a:t>
+            </a:r>
+          </a:p>
+          <a:p>
+            <a:r>
+              <a:rPr lang="fr-FR" dirty="0">
+                <a:latin typeface="Courier New" panose="02070309020205020404" pitchFamily="49" charset="0"/>
+                <a:cs typeface="Courier New" panose="02070309020205020404" pitchFamily="49" charset="0"/>
+              </a:rPr>
+              <a:t>'</a:t>
+            </a:r>
             <a:r>
               <a:rPr lang="fr-FR" dirty="0" err="1">
-                <a:latin typeface="Courier New" pitchFamily="49" charset="0"/>
-                <a:cs typeface="Courier New" pitchFamily="49" charset="0"/>
-              </a:rPr>
-              <a:t>s</a:t>
-            </a:r>
-            <a:r>
-              <a:rPr lang="fr-FR" dirty="0" err="1" smtClean="0">
-                <a:latin typeface="Courier New" pitchFamily="49" charset="0"/>
-                <a:cs typeface="Courier New" pitchFamily="49" charset="0"/>
-              </a:rPr>
-              <a:t>tr</a:t>
-            </a:r>
+                <a:latin typeface="Courier New" panose="02070309020205020404" pitchFamily="49" charset="0"/>
+                <a:cs typeface="Courier New" panose="02070309020205020404" pitchFamily="49" charset="0"/>
+              </a:rPr>
+              <a:t>egg</a:t>
+            </a:r>
+            <a:r>
+              <a:rPr lang="fr-FR" dirty="0">
+                <a:latin typeface="Courier New" panose="02070309020205020404" pitchFamily="49" charset="0"/>
+                <a:cs typeface="Courier New" panose="02070309020205020404" pitchFamily="49" charset="0"/>
+              </a:rPr>
+              <a:t>'</a:t>
+            </a:r>
+            <a:endParaRPr lang="fr-FR" dirty="0" smtClean="0">
+              <a:latin typeface="Courier New" panose="02070309020205020404" pitchFamily="49" charset="0"/>
+              <a:cs typeface="Courier New" panose="02070309020205020404" pitchFamily="49" charset="0"/>
+            </a:endParaRPr>
+          </a:p>
+          <a:p>
             <a:r>
               <a:rPr lang="fr-FR" dirty="0" smtClean="0">
-                <a:latin typeface="Courier New" pitchFamily="49" charset="0"/>
-                <a:cs typeface="Courier New" pitchFamily="49" charset="0"/>
-              </a:rPr>
-              <a:t>, </a:t>
-            </a:r>
-            <a:r>
-              <a:rPr lang="fr-FR" dirty="0" err="1" smtClean="0">
-                <a:latin typeface="Courier New" pitchFamily="49" charset="0"/>
-                <a:cs typeface="Courier New" pitchFamily="49" charset="0"/>
-              </a:rPr>
-              <a:t>unicode</a:t>
-            </a:r>
+                <a:latin typeface="Courier New" panose="02070309020205020404" pitchFamily="49" charset="0"/>
+                <a:cs typeface="Courier New" panose="02070309020205020404" pitchFamily="49" charset="0"/>
+              </a:rPr>
+              <a:t>&gt;&gt;&gt; s[5:10]</a:t>
+            </a:r>
+          </a:p>
+          <a:p>
+            <a:r>
+              <a:rPr lang="fr-FR" dirty="0">
+                <a:latin typeface="Courier New" panose="02070309020205020404" pitchFamily="49" charset="0"/>
+                <a:cs typeface="Courier New" panose="02070309020205020404" pitchFamily="49" charset="0"/>
+              </a:rPr>
+              <a:t>'bacon'</a:t>
+            </a:r>
+            <a:endParaRPr lang="fr-FR" dirty="0" smtClean="0">
+              <a:latin typeface="Courier New" panose="02070309020205020404" pitchFamily="49" charset="0"/>
+              <a:cs typeface="Courier New" panose="02070309020205020404" pitchFamily="49" charset="0"/>
+            </a:endParaRPr>
+          </a:p>
+          <a:p>
             <a:r>
               <a:rPr lang="fr-FR" dirty="0" smtClean="0">
-                <a:latin typeface="Courier New" pitchFamily="49" charset="0"/>
-                <a:cs typeface="Courier New" pitchFamily="49" charset="0"/>
-              </a:rPr>
-              <a:t>, </a:t>
-            </a:r>
-            <a:r>
-              <a:rPr lang="fr-FR" dirty="0" err="1" smtClean="0">
-                <a:latin typeface="Courier New" pitchFamily="49" charset="0"/>
-                <a:cs typeface="Courier New" pitchFamily="49" charset="0"/>
-              </a:rPr>
-              <a:t>tuple</a:t>
-            </a:r>
+                <a:latin typeface="Courier New" panose="02070309020205020404" pitchFamily="49" charset="0"/>
+                <a:cs typeface="Courier New" panose="02070309020205020404" pitchFamily="49" charset="0"/>
+              </a:rPr>
+              <a:t>&gt;&gt;&gt; s[:3]</a:t>
+            </a:r>
+          </a:p>
+          <a:p>
+            <a:r>
+              <a:rPr lang="fr-FR" dirty="0">
+                <a:latin typeface="Courier New" panose="02070309020205020404" pitchFamily="49" charset="0"/>
+                <a:cs typeface="Courier New" panose="02070309020205020404" pitchFamily="49" charset="0"/>
+              </a:rPr>
+              <a:t>'</a:t>
+            </a:r>
+            <a:r>
+              <a:rPr lang="fr-FR" dirty="0" err="1">
+                <a:latin typeface="Courier New" panose="02070309020205020404" pitchFamily="49" charset="0"/>
+                <a:cs typeface="Courier New" panose="02070309020205020404" pitchFamily="49" charset="0"/>
+              </a:rPr>
+              <a:t>egg</a:t>
+            </a:r>
+            <a:r>
+              <a:rPr lang="fr-FR" dirty="0">
+                <a:latin typeface="Courier New" panose="02070309020205020404" pitchFamily="49" charset="0"/>
+                <a:cs typeface="Courier New" panose="02070309020205020404" pitchFamily="49" charset="0"/>
+              </a:rPr>
+              <a:t>'</a:t>
+            </a:r>
+          </a:p>
+          <a:p>
             <a:r>
               <a:rPr lang="fr-FR" dirty="0" smtClean="0">
-                <a:latin typeface="Courier New" pitchFamily="49" charset="0"/>
-                <a:cs typeface="Courier New" pitchFamily="49" charset="0"/>
-              </a:rPr>
-              <a:t>, buffer, </a:t>
-            </a:r>
-            <a:r>
-              <a:rPr lang="fr-FR" dirty="0" err="1" smtClean="0">
-                <a:latin typeface="Courier New" pitchFamily="49" charset="0"/>
-                <a:cs typeface="Courier New" pitchFamily="49" charset="0"/>
-              </a:rPr>
-              <a:t>xrange</a:t>
+                <a:latin typeface="Courier New" panose="02070309020205020404" pitchFamily="49" charset="0"/>
+                <a:cs typeface="Courier New" panose="02070309020205020404" pitchFamily="49" charset="0"/>
+              </a:rPr>
+              <a:t>&gt;&gt;&gt; s[5:]</a:t>
+            </a:r>
+          </a:p>
+          <a:p>
+            <a:r>
+              <a:rPr lang="fr-FR" dirty="0">
+                <a:latin typeface="Courier New" panose="02070309020205020404" pitchFamily="49" charset="0"/>
+                <a:cs typeface="Courier New" panose="02070309020205020404" pitchFamily="49" charset="0"/>
+              </a:rPr>
+              <a:t>'bacon</a:t>
+            </a:r>
+            <a:r>
+              <a:rPr lang="fr-FR" dirty="0" smtClean="0">
+                <a:latin typeface="Courier New" panose="02070309020205020404" pitchFamily="49" charset="0"/>
+                <a:cs typeface="Courier New" panose="02070309020205020404" pitchFamily="49" charset="0"/>
+              </a:rPr>
+              <a:t>'</a:t>
+            </a:r>
+          </a:p>
+          <a:p>
+            <a:r>
+              <a:rPr lang="fr-FR" dirty="0" smtClean="0">
+                <a:latin typeface="Courier New" panose="02070309020205020404" pitchFamily="49" charset="0"/>
+                <a:cs typeface="Courier New" panose="02070309020205020404" pitchFamily="49" charset="0"/>
+              </a:rPr>
+              <a:t>&gt;&gt;&gt; s[:]</a:t>
+            </a:r>
+          </a:p>
+          <a:p>
+            <a:r>
+              <a:rPr lang="fr-FR" dirty="0">
+                <a:latin typeface="Courier New" panose="02070309020205020404" pitchFamily="49" charset="0"/>
+                <a:cs typeface="Courier New" panose="02070309020205020404" pitchFamily="49" charset="0"/>
+              </a:rPr>
+              <a:t>'</a:t>
+            </a:r>
+            <a:r>
+              <a:rPr lang="fr-FR" dirty="0" err="1">
+                <a:latin typeface="Courier New" panose="02070309020205020404" pitchFamily="49" charset="0"/>
+                <a:cs typeface="Courier New" panose="02070309020205020404" pitchFamily="49" charset="0"/>
+              </a:rPr>
+              <a:t>egg</a:t>
+            </a:r>
+            <a:r>
+              <a:rPr lang="fr-FR" dirty="0">
+                <a:latin typeface="Courier New" panose="02070309020205020404" pitchFamily="49" charset="0"/>
+                <a:cs typeface="Courier New" panose="02070309020205020404" pitchFamily="49" charset="0"/>
+              </a:rPr>
+              <a:t>, bacon'</a:t>
             </a:r>
             <a:endParaRPr lang="fr-FR" dirty="0" smtClean="0">
-              <a:latin typeface="Courier New" pitchFamily="49" charset="0"/>
-              <a:cs typeface="Courier New" pitchFamily="49" charset="0"/>
+              <a:latin typeface="Courier New" panose="02070309020205020404" pitchFamily="49" charset="0"/>
+              <a:cs typeface="Courier New" panose="02070309020205020404" pitchFamily="49" charset="0"/>
             </a:endParaRPr>
           </a:p>
           <a:p>
-            <a:endParaRPr lang="fr-FR" dirty="0" smtClean="0"/>
+            <a:endParaRPr lang="fr-FR" dirty="0">
+              <a:latin typeface="Courier New" panose="02070309020205020404" pitchFamily="49" charset="0"/>
+              <a:cs typeface="Courier New" panose="02070309020205020404" pitchFamily="49" charset="0"/>
+            </a:endParaRPr>
+          </a:p>
+        </p:txBody>
+      </p:sp>
+      <p:cxnSp>
+        <p:nvCxnSpPr>
+          <p:cNvPr id="7" name="Connecteur droit avec flèche 6"/>
+          <p:cNvCxnSpPr/>
+          <p:nvPr/>
+        </p:nvCxnSpPr>
+        <p:spPr bwMode="auto">
+          <a:xfrm>
+            <a:off x="1995055" y="290945"/>
+            <a:ext cx="0" cy="872837"/>
+          </a:xfrm>
+          <a:prstGeom prst="straightConnector1">
+            <a:avLst/>
+          </a:prstGeom>
+          <a:noFill/>
+          <a:ln w="73025" cap="flat" cmpd="sng" algn="ctr">
+            <a:solidFill>
+              <a:schemeClr val="tx1"/>
+            </a:solidFill>
+            <a:prstDash val="solid"/>
+            <a:round/>
+            <a:headEnd type="none" w="med" len="med"/>
+            <a:tailEnd type="triangle" w="med" len="med"/>
+          </a:ln>
+          <a:effectLst/>
+        </p:spPr>
+      </p:cxnSp>
+      <p:cxnSp>
+        <p:nvCxnSpPr>
+          <p:cNvPr id="8" name="Connecteur droit avec flèche 7"/>
+          <p:cNvCxnSpPr/>
+          <p:nvPr/>
+        </p:nvCxnSpPr>
+        <p:spPr bwMode="auto">
+          <a:xfrm>
+            <a:off x="3248891" y="290944"/>
+            <a:ext cx="0" cy="872837"/>
+          </a:xfrm>
+          <a:prstGeom prst="straightConnector1">
+            <a:avLst/>
+          </a:prstGeom>
+          <a:noFill/>
+          <a:ln w="73025" cap="flat" cmpd="sng" algn="ctr">
+            <a:solidFill>
+              <a:schemeClr val="tx1"/>
+            </a:solidFill>
+            <a:prstDash val="solid"/>
+            <a:round/>
+            <a:headEnd type="none" w="med" len="med"/>
+            <a:tailEnd type="triangle" w="med" len="med"/>
+          </a:ln>
+          <a:effectLst/>
+        </p:spPr>
+      </p:cxnSp>
+      <p:cxnSp>
+        <p:nvCxnSpPr>
+          <p:cNvPr id="9" name="Connecteur droit avec flèche 8"/>
+          <p:cNvCxnSpPr/>
+          <p:nvPr/>
+        </p:nvCxnSpPr>
+        <p:spPr bwMode="auto">
+          <a:xfrm>
+            <a:off x="4287983" y="214745"/>
+            <a:ext cx="0" cy="872837"/>
+          </a:xfrm>
+          <a:prstGeom prst="straightConnector1">
+            <a:avLst/>
+          </a:prstGeom>
+          <a:noFill/>
+          <a:ln w="73025" cap="flat" cmpd="sng" algn="ctr">
+            <a:solidFill>
+              <a:schemeClr val="tx1"/>
+            </a:solidFill>
+            <a:prstDash val="solid"/>
+            <a:round/>
+            <a:headEnd type="none" w="med" len="med"/>
+            <a:tailEnd type="triangle" w="med" len="med"/>
+          </a:ln>
+          <a:effectLst/>
+        </p:spPr>
+      </p:cxnSp>
+      <p:cxnSp>
+        <p:nvCxnSpPr>
+          <p:cNvPr id="10" name="Connecteur droit avec flèche 9"/>
+          <p:cNvCxnSpPr/>
+          <p:nvPr/>
+        </p:nvCxnSpPr>
+        <p:spPr bwMode="auto">
+          <a:xfrm>
+            <a:off x="6781800" y="214745"/>
+            <a:ext cx="0" cy="872837"/>
+          </a:xfrm>
+          <a:prstGeom prst="straightConnector1">
+            <a:avLst/>
+          </a:prstGeom>
+          <a:noFill/>
+          <a:ln w="73025" cap="flat" cmpd="sng" algn="ctr">
+            <a:solidFill>
+              <a:schemeClr val="tx1"/>
+            </a:solidFill>
+            <a:prstDash val="solid"/>
+            <a:round/>
+            <a:headEnd type="none" w="med" len="med"/>
+            <a:tailEnd type="triangle" w="med" len="med"/>
+          </a:ln>
+          <a:effectLst/>
+        </p:spPr>
+      </p:cxnSp>
+      <p:sp>
+        <p:nvSpPr>
+          <p:cNvPr id="11" name="ZoneTexte 10"/>
+          <p:cNvSpPr txBox="1"/>
+          <p:nvPr/>
+        </p:nvSpPr>
+        <p:spPr>
+          <a:xfrm>
+            <a:off x="1662545" y="2199672"/>
+            <a:ext cx="6858000" cy="461665"/>
+          </a:xfrm>
+          <a:prstGeom prst="rect">
+            <a:avLst/>
+          </a:prstGeom>
+          <a:noFill/>
+        </p:spPr>
+        <p:txBody>
+          <a:bodyPr wrap="square" rtlCol="0">
+            <a:spAutoFit/>
+          </a:bodyPr>
+          <a:lstStyle/>
+          <a:p>
+            <a:r>
+              <a:rPr lang="fr-FR" dirty="0" smtClean="0">
+                <a:latin typeface="Calibri" panose="020F0502020204030204" pitchFamily="34" charset="0"/>
+              </a:rPr>
+              <a:t>  0        1      2    3   4     5      6      7      8       9        </a:t>
+            </a:r>
+            <a:endParaRPr lang="fr-FR" dirty="0">
+              <a:latin typeface="Calibri" panose="020F0502020204030204" pitchFamily="34" charset="0"/>
+            </a:endParaRPr>
           </a:p>
         </p:txBody>
       </p:sp>
     </p:spTree>
     <p:extLst>
       <p:ext uri="{BB962C8B-B14F-4D97-AF65-F5344CB8AC3E}">
-        <p14:creationId xmlns:p14="http://schemas.microsoft.com/office/powerpoint/2010/main" val="3587059882"/>
+        <p14:creationId xmlns:p14="http://schemas.microsoft.com/office/powerpoint/2010/main" val="4108038898"/>
       </p:ext>
     </p:extLst>
   </p:cSld>
@@ -7876,9 +6743,1031 @@
   <p:timing>
     <p:tnLst>
       <p:par>
-        <p:cTn id="1" dur="indefinite" restart="never" nodeType="tmRoot"/>
+        <p:cTn id="1" dur="indefinite" restart="never" nodeType="tmRoot">
+          <p:childTnLst>
+            <p:seq concurrent="1" nextAc="seek">
+              <p:cTn id="2" dur="indefinite" nodeType="mainSeq">
+                <p:childTnLst>
+                  <p:par>
+                    <p:cTn id="3" fill="hold">
+                      <p:stCondLst>
+                        <p:cond delay="indefinite"/>
+                      </p:stCondLst>
+                      <p:childTnLst>
+                        <p:par>
+                          <p:cTn id="4" fill="hold">
+                            <p:stCondLst>
+                              <p:cond delay="0"/>
+                            </p:stCondLst>
+                            <p:childTnLst>
+                              <p:par>
+                                <p:cTn id="5" presetID="10" presetClass="entr" presetSubtype="0" fill="hold" nodeType="clickEffect">
+                                  <p:stCondLst>
+                                    <p:cond delay="0"/>
+                                  </p:stCondLst>
+                                  <p:childTnLst>
+                                    <p:set>
+                                      <p:cBhvr>
+                                        <p:cTn id="6" dur="1" fill="hold">
+                                          <p:stCondLst>
+                                            <p:cond delay="0"/>
+                                          </p:stCondLst>
+                                        </p:cTn>
+                                        <p:tgtEl>
+                                          <p:spTgt spid="5">
+                                            <p:txEl>
+                                              <p:pRg st="0" end="0"/>
+                                            </p:txEl>
+                                          </p:spTgt>
+                                        </p:tgtEl>
+                                        <p:attrNameLst>
+                                          <p:attrName>style.visibility</p:attrName>
+                                        </p:attrNameLst>
+                                      </p:cBhvr>
+                                      <p:to>
+                                        <p:strVal val="visible"/>
+                                      </p:to>
+                                    </p:set>
+                                    <p:animEffect transition="in" filter="fade">
+                                      <p:cBhvr>
+                                        <p:cTn id="7" dur="500"/>
+                                        <p:tgtEl>
+                                          <p:spTgt spid="5">
+                                            <p:txEl>
+                                              <p:pRg st="0" end="0"/>
+                                            </p:txEl>
+                                          </p:spTgt>
+                                        </p:tgtEl>
+                                      </p:cBhvr>
+                                    </p:animEffect>
+                                  </p:childTnLst>
+                                </p:cTn>
+                              </p:par>
+                              <p:par>
+                                <p:cTn id="8" presetID="10" presetClass="entr" presetSubtype="0" fill="hold" grpId="0" nodeType="withEffect">
+                                  <p:stCondLst>
+                                    <p:cond delay="0"/>
+                                  </p:stCondLst>
+                                  <p:childTnLst>
+                                    <p:set>
+                                      <p:cBhvr>
+                                        <p:cTn id="9" dur="1" fill="hold">
+                                          <p:stCondLst>
+                                            <p:cond delay="0"/>
+                                          </p:stCondLst>
+                                        </p:cTn>
+                                        <p:tgtEl>
+                                          <p:spTgt spid="4"/>
+                                        </p:tgtEl>
+                                        <p:attrNameLst>
+                                          <p:attrName>style.visibility</p:attrName>
+                                        </p:attrNameLst>
+                                      </p:cBhvr>
+                                      <p:to>
+                                        <p:strVal val="visible"/>
+                                      </p:to>
+                                    </p:set>
+                                    <p:animEffect transition="in" filter="fade">
+                                      <p:cBhvr>
+                                        <p:cTn id="10" dur="500"/>
+                                        <p:tgtEl>
+                                          <p:spTgt spid="4"/>
+                                        </p:tgtEl>
+                                      </p:cBhvr>
+                                    </p:animEffect>
+                                  </p:childTnLst>
+                                </p:cTn>
+                              </p:par>
+                              <p:par>
+                                <p:cTn id="11" presetID="1" presetClass="entr" presetSubtype="0" fill="hold" grpId="0" nodeType="withEffect">
+                                  <p:stCondLst>
+                                    <p:cond delay="0"/>
+                                  </p:stCondLst>
+                                  <p:childTnLst>
+                                    <p:set>
+                                      <p:cBhvr>
+                                        <p:cTn id="12" dur="1" fill="hold">
+                                          <p:stCondLst>
+                                            <p:cond delay="0"/>
+                                          </p:stCondLst>
+                                        </p:cTn>
+                                        <p:tgtEl>
+                                          <p:spTgt spid="11"/>
+                                        </p:tgtEl>
+                                        <p:attrNameLst>
+                                          <p:attrName>style.visibility</p:attrName>
+                                        </p:attrNameLst>
+                                      </p:cBhvr>
+                                      <p:to>
+                                        <p:strVal val="visible"/>
+                                      </p:to>
+                                    </p:set>
+                                  </p:childTnLst>
+                                </p:cTn>
+                              </p:par>
+                            </p:childTnLst>
+                          </p:cTn>
+                        </p:par>
+                      </p:childTnLst>
+                    </p:cTn>
+                  </p:par>
+                  <p:par>
+                    <p:cTn id="13" fill="hold">
+                      <p:stCondLst>
+                        <p:cond delay="indefinite"/>
+                      </p:stCondLst>
+                      <p:childTnLst>
+                        <p:par>
+                          <p:cTn id="14" fill="hold">
+                            <p:stCondLst>
+                              <p:cond delay="0"/>
+                            </p:stCondLst>
+                            <p:childTnLst>
+                              <p:par>
+                                <p:cTn id="15" presetID="10" presetClass="entr" presetSubtype="0" fill="hold" nodeType="clickEffect">
+                                  <p:stCondLst>
+                                    <p:cond delay="0"/>
+                                  </p:stCondLst>
+                                  <p:childTnLst>
+                                    <p:set>
+                                      <p:cBhvr>
+                                        <p:cTn id="16" dur="1" fill="hold">
+                                          <p:stCondLst>
+                                            <p:cond delay="0"/>
+                                          </p:stCondLst>
+                                        </p:cTn>
+                                        <p:tgtEl>
+                                          <p:spTgt spid="5">
+                                            <p:txEl>
+                                              <p:pRg st="1" end="1"/>
+                                            </p:txEl>
+                                          </p:spTgt>
+                                        </p:tgtEl>
+                                        <p:attrNameLst>
+                                          <p:attrName>style.visibility</p:attrName>
+                                        </p:attrNameLst>
+                                      </p:cBhvr>
+                                      <p:to>
+                                        <p:strVal val="visible"/>
+                                      </p:to>
+                                    </p:set>
+                                    <p:animEffect transition="in" filter="fade">
+                                      <p:cBhvr>
+                                        <p:cTn id="17" dur="500"/>
+                                        <p:tgtEl>
+                                          <p:spTgt spid="5">
+                                            <p:txEl>
+                                              <p:pRg st="1" end="1"/>
+                                            </p:txEl>
+                                          </p:spTgt>
+                                        </p:tgtEl>
+                                      </p:cBhvr>
+                                    </p:animEffect>
+                                  </p:childTnLst>
+                                </p:cTn>
+                              </p:par>
+                              <p:par>
+                                <p:cTn id="18" presetID="10" presetClass="entr" presetSubtype="0" fill="hold" nodeType="withEffect">
+                                  <p:stCondLst>
+                                    <p:cond delay="0"/>
+                                  </p:stCondLst>
+                                  <p:childTnLst>
+                                    <p:set>
+                                      <p:cBhvr>
+                                        <p:cTn id="19" dur="1" fill="hold">
+                                          <p:stCondLst>
+                                            <p:cond delay="0"/>
+                                          </p:stCondLst>
+                                        </p:cTn>
+                                        <p:tgtEl>
+                                          <p:spTgt spid="5">
+                                            <p:txEl>
+                                              <p:pRg st="2" end="2"/>
+                                            </p:txEl>
+                                          </p:spTgt>
+                                        </p:tgtEl>
+                                        <p:attrNameLst>
+                                          <p:attrName>style.visibility</p:attrName>
+                                        </p:attrNameLst>
+                                      </p:cBhvr>
+                                      <p:to>
+                                        <p:strVal val="visible"/>
+                                      </p:to>
+                                    </p:set>
+                                    <p:animEffect transition="in" filter="fade">
+                                      <p:cBhvr>
+                                        <p:cTn id="20" dur="500"/>
+                                        <p:tgtEl>
+                                          <p:spTgt spid="5">
+                                            <p:txEl>
+                                              <p:pRg st="2" end="2"/>
+                                            </p:txEl>
+                                          </p:spTgt>
+                                        </p:tgtEl>
+                                      </p:cBhvr>
+                                    </p:animEffect>
+                                  </p:childTnLst>
+                                </p:cTn>
+                              </p:par>
+                            </p:childTnLst>
+                          </p:cTn>
+                        </p:par>
+                      </p:childTnLst>
+                    </p:cTn>
+                  </p:par>
+                  <p:par>
+                    <p:cTn id="21" fill="hold">
+                      <p:stCondLst>
+                        <p:cond delay="indefinite"/>
+                      </p:stCondLst>
+                      <p:childTnLst>
+                        <p:par>
+                          <p:cTn id="22" fill="hold">
+                            <p:stCondLst>
+                              <p:cond delay="0"/>
+                            </p:stCondLst>
+                            <p:childTnLst>
+                              <p:par>
+                                <p:cTn id="23" presetID="10" presetClass="entr" presetSubtype="0" fill="hold" nodeType="clickEffect">
+                                  <p:stCondLst>
+                                    <p:cond delay="0"/>
+                                  </p:stCondLst>
+                                  <p:childTnLst>
+                                    <p:set>
+                                      <p:cBhvr>
+                                        <p:cTn id="24" dur="1" fill="hold">
+                                          <p:stCondLst>
+                                            <p:cond delay="0"/>
+                                          </p:stCondLst>
+                                        </p:cTn>
+                                        <p:tgtEl>
+                                          <p:spTgt spid="7"/>
+                                        </p:tgtEl>
+                                        <p:attrNameLst>
+                                          <p:attrName>style.visibility</p:attrName>
+                                        </p:attrNameLst>
+                                      </p:cBhvr>
+                                      <p:to>
+                                        <p:strVal val="visible"/>
+                                      </p:to>
+                                    </p:set>
+                                    <p:animEffect transition="in" filter="fade">
+                                      <p:cBhvr>
+                                        <p:cTn id="25" dur="500"/>
+                                        <p:tgtEl>
+                                          <p:spTgt spid="7"/>
+                                        </p:tgtEl>
+                                      </p:cBhvr>
+                                    </p:animEffect>
+                                  </p:childTnLst>
+                                </p:cTn>
+                              </p:par>
+                            </p:childTnLst>
+                          </p:cTn>
+                        </p:par>
+                      </p:childTnLst>
+                    </p:cTn>
+                  </p:par>
+                  <p:par>
+                    <p:cTn id="26" fill="hold">
+                      <p:stCondLst>
+                        <p:cond delay="indefinite"/>
+                      </p:stCondLst>
+                      <p:childTnLst>
+                        <p:par>
+                          <p:cTn id="27" fill="hold">
+                            <p:stCondLst>
+                              <p:cond delay="0"/>
+                            </p:stCondLst>
+                            <p:childTnLst>
+                              <p:par>
+                                <p:cTn id="28" presetID="10" presetClass="entr" presetSubtype="0" fill="hold" nodeType="clickEffect">
+                                  <p:stCondLst>
+                                    <p:cond delay="0"/>
+                                  </p:stCondLst>
+                                  <p:childTnLst>
+                                    <p:set>
+                                      <p:cBhvr>
+                                        <p:cTn id="29" dur="1" fill="hold">
+                                          <p:stCondLst>
+                                            <p:cond delay="0"/>
+                                          </p:stCondLst>
+                                        </p:cTn>
+                                        <p:tgtEl>
+                                          <p:spTgt spid="8"/>
+                                        </p:tgtEl>
+                                        <p:attrNameLst>
+                                          <p:attrName>style.visibility</p:attrName>
+                                        </p:attrNameLst>
+                                      </p:cBhvr>
+                                      <p:to>
+                                        <p:strVal val="visible"/>
+                                      </p:to>
+                                    </p:set>
+                                    <p:animEffect transition="in" filter="fade">
+                                      <p:cBhvr>
+                                        <p:cTn id="30" dur="500"/>
+                                        <p:tgtEl>
+                                          <p:spTgt spid="8"/>
+                                        </p:tgtEl>
+                                      </p:cBhvr>
+                                    </p:animEffect>
+                                  </p:childTnLst>
+                                </p:cTn>
+                              </p:par>
+                            </p:childTnLst>
+                          </p:cTn>
+                        </p:par>
+                      </p:childTnLst>
+                    </p:cTn>
+                  </p:par>
+                  <p:par>
+                    <p:cTn id="31" fill="hold">
+                      <p:stCondLst>
+                        <p:cond delay="indefinite"/>
+                      </p:stCondLst>
+                      <p:childTnLst>
+                        <p:par>
+                          <p:cTn id="32" fill="hold">
+                            <p:stCondLst>
+                              <p:cond delay="0"/>
+                            </p:stCondLst>
+                            <p:childTnLst>
+                              <p:par>
+                                <p:cTn id="33" presetID="10" presetClass="entr" presetSubtype="0" fill="hold" nodeType="clickEffect">
+                                  <p:stCondLst>
+                                    <p:cond delay="0"/>
+                                  </p:stCondLst>
+                                  <p:childTnLst>
+                                    <p:set>
+                                      <p:cBhvr>
+                                        <p:cTn id="34" dur="1" fill="hold">
+                                          <p:stCondLst>
+                                            <p:cond delay="0"/>
+                                          </p:stCondLst>
+                                        </p:cTn>
+                                        <p:tgtEl>
+                                          <p:spTgt spid="5">
+                                            <p:txEl>
+                                              <p:pRg st="3" end="3"/>
+                                            </p:txEl>
+                                          </p:spTgt>
+                                        </p:tgtEl>
+                                        <p:attrNameLst>
+                                          <p:attrName>style.visibility</p:attrName>
+                                        </p:attrNameLst>
+                                      </p:cBhvr>
+                                      <p:to>
+                                        <p:strVal val="visible"/>
+                                      </p:to>
+                                    </p:set>
+                                    <p:animEffect transition="in" filter="fade">
+                                      <p:cBhvr>
+                                        <p:cTn id="35" dur="500"/>
+                                        <p:tgtEl>
+                                          <p:spTgt spid="5">
+                                            <p:txEl>
+                                              <p:pRg st="3" end="3"/>
+                                            </p:txEl>
+                                          </p:spTgt>
+                                        </p:tgtEl>
+                                      </p:cBhvr>
+                                    </p:animEffect>
+                                  </p:childTnLst>
+                                </p:cTn>
+                              </p:par>
+                              <p:par>
+                                <p:cTn id="36" presetID="10" presetClass="exit" presetSubtype="0" fill="hold" nodeType="withEffect">
+                                  <p:stCondLst>
+                                    <p:cond delay="0"/>
+                                  </p:stCondLst>
+                                  <p:childTnLst>
+                                    <p:animEffect transition="out" filter="fade">
+                                      <p:cBhvr>
+                                        <p:cTn id="37" dur="500"/>
+                                        <p:tgtEl>
+                                          <p:spTgt spid="7"/>
+                                        </p:tgtEl>
+                                      </p:cBhvr>
+                                    </p:animEffect>
+                                    <p:set>
+                                      <p:cBhvr>
+                                        <p:cTn id="38" dur="1" fill="hold">
+                                          <p:stCondLst>
+                                            <p:cond delay="499"/>
+                                          </p:stCondLst>
+                                        </p:cTn>
+                                        <p:tgtEl>
+                                          <p:spTgt spid="7"/>
+                                        </p:tgtEl>
+                                        <p:attrNameLst>
+                                          <p:attrName>style.visibility</p:attrName>
+                                        </p:attrNameLst>
+                                      </p:cBhvr>
+                                      <p:to>
+                                        <p:strVal val="hidden"/>
+                                      </p:to>
+                                    </p:set>
+                                  </p:childTnLst>
+                                </p:cTn>
+                              </p:par>
+                              <p:par>
+                                <p:cTn id="39" presetID="10" presetClass="exit" presetSubtype="0" fill="hold" nodeType="withEffect">
+                                  <p:stCondLst>
+                                    <p:cond delay="0"/>
+                                  </p:stCondLst>
+                                  <p:childTnLst>
+                                    <p:animEffect transition="out" filter="fade">
+                                      <p:cBhvr>
+                                        <p:cTn id="40" dur="500"/>
+                                        <p:tgtEl>
+                                          <p:spTgt spid="8"/>
+                                        </p:tgtEl>
+                                      </p:cBhvr>
+                                    </p:animEffect>
+                                    <p:set>
+                                      <p:cBhvr>
+                                        <p:cTn id="41" dur="1" fill="hold">
+                                          <p:stCondLst>
+                                            <p:cond delay="499"/>
+                                          </p:stCondLst>
+                                        </p:cTn>
+                                        <p:tgtEl>
+                                          <p:spTgt spid="8"/>
+                                        </p:tgtEl>
+                                        <p:attrNameLst>
+                                          <p:attrName>style.visibility</p:attrName>
+                                        </p:attrNameLst>
+                                      </p:cBhvr>
+                                      <p:to>
+                                        <p:strVal val="hidden"/>
+                                      </p:to>
+                                    </p:set>
+                                  </p:childTnLst>
+                                </p:cTn>
+                              </p:par>
+                              <p:par>
+                                <p:cTn id="42" presetID="10" presetClass="entr" presetSubtype="0" fill="hold" nodeType="withEffect">
+                                  <p:stCondLst>
+                                    <p:cond delay="0"/>
+                                  </p:stCondLst>
+                                  <p:childTnLst>
+                                    <p:set>
+                                      <p:cBhvr>
+                                        <p:cTn id="43" dur="1" fill="hold">
+                                          <p:stCondLst>
+                                            <p:cond delay="0"/>
+                                          </p:stCondLst>
+                                        </p:cTn>
+                                        <p:tgtEl>
+                                          <p:spTgt spid="5">
+                                            <p:txEl>
+                                              <p:pRg st="4" end="4"/>
+                                            </p:txEl>
+                                          </p:spTgt>
+                                        </p:tgtEl>
+                                        <p:attrNameLst>
+                                          <p:attrName>style.visibility</p:attrName>
+                                        </p:attrNameLst>
+                                      </p:cBhvr>
+                                      <p:to>
+                                        <p:strVal val="visible"/>
+                                      </p:to>
+                                    </p:set>
+                                    <p:animEffect transition="in" filter="fade">
+                                      <p:cBhvr>
+                                        <p:cTn id="44" dur="500"/>
+                                        <p:tgtEl>
+                                          <p:spTgt spid="5">
+                                            <p:txEl>
+                                              <p:pRg st="4" end="4"/>
+                                            </p:txEl>
+                                          </p:spTgt>
+                                        </p:tgtEl>
+                                      </p:cBhvr>
+                                    </p:animEffect>
+                                  </p:childTnLst>
+                                </p:cTn>
+                              </p:par>
+                            </p:childTnLst>
+                          </p:cTn>
+                        </p:par>
+                      </p:childTnLst>
+                    </p:cTn>
+                  </p:par>
+                  <p:par>
+                    <p:cTn id="45" fill="hold">
+                      <p:stCondLst>
+                        <p:cond delay="indefinite"/>
+                      </p:stCondLst>
+                      <p:childTnLst>
+                        <p:par>
+                          <p:cTn id="46" fill="hold">
+                            <p:stCondLst>
+                              <p:cond delay="0"/>
+                            </p:stCondLst>
+                            <p:childTnLst>
+                              <p:par>
+                                <p:cTn id="47" presetID="10" presetClass="entr" presetSubtype="0" fill="hold" nodeType="clickEffect">
+                                  <p:stCondLst>
+                                    <p:cond delay="0"/>
+                                  </p:stCondLst>
+                                  <p:childTnLst>
+                                    <p:set>
+                                      <p:cBhvr>
+                                        <p:cTn id="48" dur="1" fill="hold">
+                                          <p:stCondLst>
+                                            <p:cond delay="0"/>
+                                          </p:stCondLst>
+                                        </p:cTn>
+                                        <p:tgtEl>
+                                          <p:spTgt spid="9"/>
+                                        </p:tgtEl>
+                                        <p:attrNameLst>
+                                          <p:attrName>style.visibility</p:attrName>
+                                        </p:attrNameLst>
+                                      </p:cBhvr>
+                                      <p:to>
+                                        <p:strVal val="visible"/>
+                                      </p:to>
+                                    </p:set>
+                                    <p:animEffect transition="in" filter="fade">
+                                      <p:cBhvr>
+                                        <p:cTn id="49" dur="500"/>
+                                        <p:tgtEl>
+                                          <p:spTgt spid="9"/>
+                                        </p:tgtEl>
+                                      </p:cBhvr>
+                                    </p:animEffect>
+                                  </p:childTnLst>
+                                </p:cTn>
+                              </p:par>
+                            </p:childTnLst>
+                          </p:cTn>
+                        </p:par>
+                      </p:childTnLst>
+                    </p:cTn>
+                  </p:par>
+                  <p:par>
+                    <p:cTn id="50" fill="hold">
+                      <p:stCondLst>
+                        <p:cond delay="indefinite"/>
+                      </p:stCondLst>
+                      <p:childTnLst>
+                        <p:par>
+                          <p:cTn id="51" fill="hold">
+                            <p:stCondLst>
+                              <p:cond delay="0"/>
+                            </p:stCondLst>
+                            <p:childTnLst>
+                              <p:par>
+                                <p:cTn id="52" presetID="10" presetClass="entr" presetSubtype="0" fill="hold" nodeType="clickEffect">
+                                  <p:stCondLst>
+                                    <p:cond delay="0"/>
+                                  </p:stCondLst>
+                                  <p:childTnLst>
+                                    <p:set>
+                                      <p:cBhvr>
+                                        <p:cTn id="53" dur="1" fill="hold">
+                                          <p:stCondLst>
+                                            <p:cond delay="0"/>
+                                          </p:stCondLst>
+                                        </p:cTn>
+                                        <p:tgtEl>
+                                          <p:spTgt spid="10"/>
+                                        </p:tgtEl>
+                                        <p:attrNameLst>
+                                          <p:attrName>style.visibility</p:attrName>
+                                        </p:attrNameLst>
+                                      </p:cBhvr>
+                                      <p:to>
+                                        <p:strVal val="visible"/>
+                                      </p:to>
+                                    </p:set>
+                                    <p:animEffect transition="in" filter="fade">
+                                      <p:cBhvr>
+                                        <p:cTn id="54" dur="500"/>
+                                        <p:tgtEl>
+                                          <p:spTgt spid="10"/>
+                                        </p:tgtEl>
+                                      </p:cBhvr>
+                                    </p:animEffect>
+                                  </p:childTnLst>
+                                </p:cTn>
+                              </p:par>
+                            </p:childTnLst>
+                          </p:cTn>
+                        </p:par>
+                      </p:childTnLst>
+                    </p:cTn>
+                  </p:par>
+                  <p:par>
+                    <p:cTn id="55" fill="hold">
+                      <p:stCondLst>
+                        <p:cond delay="indefinite"/>
+                      </p:stCondLst>
+                      <p:childTnLst>
+                        <p:par>
+                          <p:cTn id="56" fill="hold">
+                            <p:stCondLst>
+                              <p:cond delay="0"/>
+                            </p:stCondLst>
+                            <p:childTnLst>
+                              <p:par>
+                                <p:cTn id="57" presetID="10" presetClass="entr" presetSubtype="0" fill="hold" nodeType="clickEffect">
+                                  <p:stCondLst>
+                                    <p:cond delay="0"/>
+                                  </p:stCondLst>
+                                  <p:childTnLst>
+                                    <p:set>
+                                      <p:cBhvr>
+                                        <p:cTn id="58" dur="1" fill="hold">
+                                          <p:stCondLst>
+                                            <p:cond delay="0"/>
+                                          </p:stCondLst>
+                                        </p:cTn>
+                                        <p:tgtEl>
+                                          <p:spTgt spid="5">
+                                            <p:txEl>
+                                              <p:pRg st="5" end="5"/>
+                                            </p:txEl>
+                                          </p:spTgt>
+                                        </p:tgtEl>
+                                        <p:attrNameLst>
+                                          <p:attrName>style.visibility</p:attrName>
+                                        </p:attrNameLst>
+                                      </p:cBhvr>
+                                      <p:to>
+                                        <p:strVal val="visible"/>
+                                      </p:to>
+                                    </p:set>
+                                    <p:animEffect transition="in" filter="fade">
+                                      <p:cBhvr>
+                                        <p:cTn id="59" dur="500"/>
+                                        <p:tgtEl>
+                                          <p:spTgt spid="5">
+                                            <p:txEl>
+                                              <p:pRg st="5" end="5"/>
+                                            </p:txEl>
+                                          </p:spTgt>
+                                        </p:tgtEl>
+                                      </p:cBhvr>
+                                    </p:animEffect>
+                                  </p:childTnLst>
+                                </p:cTn>
+                              </p:par>
+                              <p:par>
+                                <p:cTn id="60" presetID="10" presetClass="exit" presetSubtype="0" fill="hold" nodeType="withEffect">
+                                  <p:stCondLst>
+                                    <p:cond delay="0"/>
+                                  </p:stCondLst>
+                                  <p:childTnLst>
+                                    <p:animEffect transition="out" filter="fade">
+                                      <p:cBhvr>
+                                        <p:cTn id="61" dur="500"/>
+                                        <p:tgtEl>
+                                          <p:spTgt spid="9"/>
+                                        </p:tgtEl>
+                                      </p:cBhvr>
+                                    </p:animEffect>
+                                    <p:set>
+                                      <p:cBhvr>
+                                        <p:cTn id="62" dur="1" fill="hold">
+                                          <p:stCondLst>
+                                            <p:cond delay="499"/>
+                                          </p:stCondLst>
+                                        </p:cTn>
+                                        <p:tgtEl>
+                                          <p:spTgt spid="9"/>
+                                        </p:tgtEl>
+                                        <p:attrNameLst>
+                                          <p:attrName>style.visibility</p:attrName>
+                                        </p:attrNameLst>
+                                      </p:cBhvr>
+                                      <p:to>
+                                        <p:strVal val="hidden"/>
+                                      </p:to>
+                                    </p:set>
+                                  </p:childTnLst>
+                                </p:cTn>
+                              </p:par>
+                              <p:par>
+                                <p:cTn id="63" presetID="10" presetClass="exit" presetSubtype="0" fill="hold" nodeType="withEffect">
+                                  <p:stCondLst>
+                                    <p:cond delay="0"/>
+                                  </p:stCondLst>
+                                  <p:childTnLst>
+                                    <p:animEffect transition="out" filter="fade">
+                                      <p:cBhvr>
+                                        <p:cTn id="64" dur="500"/>
+                                        <p:tgtEl>
+                                          <p:spTgt spid="10"/>
+                                        </p:tgtEl>
+                                      </p:cBhvr>
+                                    </p:animEffect>
+                                    <p:set>
+                                      <p:cBhvr>
+                                        <p:cTn id="65" dur="1" fill="hold">
+                                          <p:stCondLst>
+                                            <p:cond delay="499"/>
+                                          </p:stCondLst>
+                                        </p:cTn>
+                                        <p:tgtEl>
+                                          <p:spTgt spid="10"/>
+                                        </p:tgtEl>
+                                        <p:attrNameLst>
+                                          <p:attrName>style.visibility</p:attrName>
+                                        </p:attrNameLst>
+                                      </p:cBhvr>
+                                      <p:to>
+                                        <p:strVal val="hidden"/>
+                                      </p:to>
+                                    </p:set>
+                                  </p:childTnLst>
+                                </p:cTn>
+                              </p:par>
+                              <p:par>
+                                <p:cTn id="66" presetID="10" presetClass="entr" presetSubtype="0" fill="hold" nodeType="withEffect">
+                                  <p:stCondLst>
+                                    <p:cond delay="0"/>
+                                  </p:stCondLst>
+                                  <p:childTnLst>
+                                    <p:set>
+                                      <p:cBhvr>
+                                        <p:cTn id="67" dur="1" fill="hold">
+                                          <p:stCondLst>
+                                            <p:cond delay="0"/>
+                                          </p:stCondLst>
+                                        </p:cTn>
+                                        <p:tgtEl>
+                                          <p:spTgt spid="5">
+                                            <p:txEl>
+                                              <p:pRg st="6" end="6"/>
+                                            </p:txEl>
+                                          </p:spTgt>
+                                        </p:tgtEl>
+                                        <p:attrNameLst>
+                                          <p:attrName>style.visibility</p:attrName>
+                                        </p:attrNameLst>
+                                      </p:cBhvr>
+                                      <p:to>
+                                        <p:strVal val="visible"/>
+                                      </p:to>
+                                    </p:set>
+                                    <p:animEffect transition="in" filter="fade">
+                                      <p:cBhvr>
+                                        <p:cTn id="68" dur="500"/>
+                                        <p:tgtEl>
+                                          <p:spTgt spid="5">
+                                            <p:txEl>
+                                              <p:pRg st="6" end="6"/>
+                                            </p:txEl>
+                                          </p:spTgt>
+                                        </p:tgtEl>
+                                      </p:cBhvr>
+                                    </p:animEffect>
+                                  </p:childTnLst>
+                                </p:cTn>
+                              </p:par>
+                            </p:childTnLst>
+                          </p:cTn>
+                        </p:par>
+                      </p:childTnLst>
+                    </p:cTn>
+                  </p:par>
+                  <p:par>
+                    <p:cTn id="69" fill="hold">
+                      <p:stCondLst>
+                        <p:cond delay="indefinite"/>
+                      </p:stCondLst>
+                      <p:childTnLst>
+                        <p:par>
+                          <p:cTn id="70" fill="hold">
+                            <p:stCondLst>
+                              <p:cond delay="0"/>
+                            </p:stCondLst>
+                            <p:childTnLst>
+                              <p:par>
+                                <p:cTn id="71" presetID="10" presetClass="entr" presetSubtype="0" fill="hold" nodeType="clickEffect">
+                                  <p:stCondLst>
+                                    <p:cond delay="0"/>
+                                  </p:stCondLst>
+                                  <p:childTnLst>
+                                    <p:set>
+                                      <p:cBhvr>
+                                        <p:cTn id="72" dur="1" fill="hold">
+                                          <p:stCondLst>
+                                            <p:cond delay="0"/>
+                                          </p:stCondLst>
+                                        </p:cTn>
+                                        <p:tgtEl>
+                                          <p:spTgt spid="5">
+                                            <p:txEl>
+                                              <p:pRg st="7" end="7"/>
+                                            </p:txEl>
+                                          </p:spTgt>
+                                        </p:tgtEl>
+                                        <p:attrNameLst>
+                                          <p:attrName>style.visibility</p:attrName>
+                                        </p:attrNameLst>
+                                      </p:cBhvr>
+                                      <p:to>
+                                        <p:strVal val="visible"/>
+                                      </p:to>
+                                    </p:set>
+                                    <p:animEffect transition="in" filter="fade">
+                                      <p:cBhvr>
+                                        <p:cTn id="73" dur="500"/>
+                                        <p:tgtEl>
+                                          <p:spTgt spid="5">
+                                            <p:txEl>
+                                              <p:pRg st="7" end="7"/>
+                                            </p:txEl>
+                                          </p:spTgt>
+                                        </p:tgtEl>
+                                      </p:cBhvr>
+                                    </p:animEffect>
+                                  </p:childTnLst>
+                                </p:cTn>
+                              </p:par>
+                              <p:par>
+                                <p:cTn id="74" presetID="10" presetClass="entr" presetSubtype="0" fill="hold" nodeType="withEffect">
+                                  <p:stCondLst>
+                                    <p:cond delay="0"/>
+                                  </p:stCondLst>
+                                  <p:childTnLst>
+                                    <p:set>
+                                      <p:cBhvr>
+                                        <p:cTn id="75" dur="1" fill="hold">
+                                          <p:stCondLst>
+                                            <p:cond delay="0"/>
+                                          </p:stCondLst>
+                                        </p:cTn>
+                                        <p:tgtEl>
+                                          <p:spTgt spid="5">
+                                            <p:txEl>
+                                              <p:pRg st="8" end="8"/>
+                                            </p:txEl>
+                                          </p:spTgt>
+                                        </p:tgtEl>
+                                        <p:attrNameLst>
+                                          <p:attrName>style.visibility</p:attrName>
+                                        </p:attrNameLst>
+                                      </p:cBhvr>
+                                      <p:to>
+                                        <p:strVal val="visible"/>
+                                      </p:to>
+                                    </p:set>
+                                    <p:animEffect transition="in" filter="fade">
+                                      <p:cBhvr>
+                                        <p:cTn id="76" dur="500"/>
+                                        <p:tgtEl>
+                                          <p:spTgt spid="5">
+                                            <p:txEl>
+                                              <p:pRg st="8" end="8"/>
+                                            </p:txEl>
+                                          </p:spTgt>
+                                        </p:tgtEl>
+                                      </p:cBhvr>
+                                    </p:animEffect>
+                                  </p:childTnLst>
+                                </p:cTn>
+                              </p:par>
+                            </p:childTnLst>
+                          </p:cTn>
+                        </p:par>
+                      </p:childTnLst>
+                    </p:cTn>
+                  </p:par>
+                  <p:par>
+                    <p:cTn id="77" fill="hold">
+                      <p:stCondLst>
+                        <p:cond delay="indefinite"/>
+                      </p:stCondLst>
+                      <p:childTnLst>
+                        <p:par>
+                          <p:cTn id="78" fill="hold">
+                            <p:stCondLst>
+                              <p:cond delay="0"/>
+                            </p:stCondLst>
+                            <p:childTnLst>
+                              <p:par>
+                                <p:cTn id="79" presetID="10" presetClass="entr" presetSubtype="0" fill="hold" nodeType="clickEffect">
+                                  <p:stCondLst>
+                                    <p:cond delay="0"/>
+                                  </p:stCondLst>
+                                  <p:childTnLst>
+                                    <p:set>
+                                      <p:cBhvr>
+                                        <p:cTn id="80" dur="1" fill="hold">
+                                          <p:stCondLst>
+                                            <p:cond delay="0"/>
+                                          </p:stCondLst>
+                                        </p:cTn>
+                                        <p:tgtEl>
+                                          <p:spTgt spid="5">
+                                            <p:txEl>
+                                              <p:pRg st="9" end="9"/>
+                                            </p:txEl>
+                                          </p:spTgt>
+                                        </p:tgtEl>
+                                        <p:attrNameLst>
+                                          <p:attrName>style.visibility</p:attrName>
+                                        </p:attrNameLst>
+                                      </p:cBhvr>
+                                      <p:to>
+                                        <p:strVal val="visible"/>
+                                      </p:to>
+                                    </p:set>
+                                    <p:animEffect transition="in" filter="fade">
+                                      <p:cBhvr>
+                                        <p:cTn id="81" dur="500"/>
+                                        <p:tgtEl>
+                                          <p:spTgt spid="5">
+                                            <p:txEl>
+                                              <p:pRg st="9" end="9"/>
+                                            </p:txEl>
+                                          </p:spTgt>
+                                        </p:tgtEl>
+                                      </p:cBhvr>
+                                    </p:animEffect>
+                                  </p:childTnLst>
+                                </p:cTn>
+                              </p:par>
+                              <p:par>
+                                <p:cTn id="82" presetID="10" presetClass="entr" presetSubtype="0" fill="hold" nodeType="withEffect">
+                                  <p:stCondLst>
+                                    <p:cond delay="0"/>
+                                  </p:stCondLst>
+                                  <p:childTnLst>
+                                    <p:set>
+                                      <p:cBhvr>
+                                        <p:cTn id="83" dur="1" fill="hold">
+                                          <p:stCondLst>
+                                            <p:cond delay="0"/>
+                                          </p:stCondLst>
+                                        </p:cTn>
+                                        <p:tgtEl>
+                                          <p:spTgt spid="5">
+                                            <p:txEl>
+                                              <p:pRg st="10" end="10"/>
+                                            </p:txEl>
+                                          </p:spTgt>
+                                        </p:tgtEl>
+                                        <p:attrNameLst>
+                                          <p:attrName>style.visibility</p:attrName>
+                                        </p:attrNameLst>
+                                      </p:cBhvr>
+                                      <p:to>
+                                        <p:strVal val="visible"/>
+                                      </p:to>
+                                    </p:set>
+                                    <p:animEffect transition="in" filter="fade">
+                                      <p:cBhvr>
+                                        <p:cTn id="84" dur="500"/>
+                                        <p:tgtEl>
+                                          <p:spTgt spid="5">
+                                            <p:txEl>
+                                              <p:pRg st="10" end="10"/>
+                                            </p:txEl>
+                                          </p:spTgt>
+                                        </p:tgtEl>
+                                      </p:cBhvr>
+                                    </p:animEffect>
+                                  </p:childTnLst>
+                                </p:cTn>
+                              </p:par>
+                            </p:childTnLst>
+                          </p:cTn>
+                        </p:par>
+                      </p:childTnLst>
+                    </p:cTn>
+                  </p:par>
+                </p:childTnLst>
+              </p:cTn>
+              <p:prevCondLst>
+                <p:cond evt="onPrev" delay="0">
+                  <p:tgtEl>
+                    <p:sldTgt/>
+                  </p:tgtEl>
+                </p:cond>
+              </p:prevCondLst>
+              <p:nextCondLst>
+                <p:cond evt="onNext" delay="0">
+                  <p:tgtEl>
+                    <p:sldTgt/>
+                  </p:tgtEl>
+                </p:cond>
+              </p:nextCondLst>
+            </p:seq>
+          </p:childTnLst>
+        </p:cTn>
       </p:par>
     </p:tnLst>
+    <p:bldLst>
+      <p:bldP spid="4" grpId="0"/>
+      <p:bldP spid="11" grpId="0"/>
+    </p:bldLst>
   </p:timing>
 </p:sld>
 </file>
@@ -7902,114 +7791,449 @@
       </p:grpSpPr>
       <p:sp>
         <p:nvSpPr>
-          <p:cNvPr id="2" name="Titre 1"/>
-          <p:cNvSpPr>
-            <a:spLocks noGrp="1"/>
-          </p:cNvSpPr>
-          <p:nvPr>
-            <p:ph type="title"/>
-          </p:nvPr>
+          <p:cNvPr id="4" name="ZoneTexte 3"/>
+          <p:cNvSpPr txBox="1"/>
+          <p:nvPr/>
         </p:nvSpPr>
-        <p:spPr/>
+        <p:spPr>
+          <a:xfrm>
+            <a:off x="1662545" y="768927"/>
+            <a:ext cx="7813964" cy="1569660"/>
+          </a:xfrm>
+          <a:prstGeom prst="rect">
+            <a:avLst/>
+          </a:prstGeom>
+          <a:noFill/>
+        </p:spPr>
         <p:txBody>
-          <a:bodyPr/>
+          <a:bodyPr wrap="square" rtlCol="0">
+            <a:spAutoFit/>
+          </a:bodyPr>
           <a:lstStyle/>
           <a:p>
             <a:r>
-              <a:rPr lang="fr-FR" dirty="0" smtClean="0"/>
-              <a:t>Fonctions communes à toutes les séquences S</a:t>
-            </a:r>
+              <a:rPr lang="fr-FR" sz="9600" dirty="0" err="1">
+                <a:latin typeface="Calibri" panose="020F0502020204030204" pitchFamily="34" charset="0"/>
+              </a:rPr>
+              <a:t>e</a:t>
+            </a:r>
+            <a:r>
+              <a:rPr lang="fr-FR" sz="9600" dirty="0" err="1" smtClean="0">
+                <a:latin typeface="Calibri" panose="020F0502020204030204" pitchFamily="34" charset="0"/>
+              </a:rPr>
+              <a:t>gg</a:t>
+            </a:r>
+            <a:r>
+              <a:rPr lang="fr-FR" sz="9600" dirty="0" smtClean="0">
+                <a:latin typeface="Calibri" panose="020F0502020204030204" pitchFamily="34" charset="0"/>
+              </a:rPr>
+              <a:t>, bacon</a:t>
+            </a:r>
+            <a:endParaRPr lang="fr-FR" sz="9600" dirty="0">
+              <a:latin typeface="Calibri" panose="020F0502020204030204" pitchFamily="34" charset="0"/>
+            </a:endParaRPr>
           </a:p>
         </p:txBody>
       </p:sp>
       <p:sp>
         <p:nvSpPr>
-          <p:cNvPr id="3" name="Espace réservé du contenu 2"/>
-          <p:cNvSpPr>
-            <a:spLocks noGrp="1"/>
-          </p:cNvSpPr>
-          <p:nvPr>
-            <p:ph idx="1"/>
-          </p:nvPr>
+          <p:cNvPr id="5" name="ZoneTexte 4"/>
+          <p:cNvSpPr txBox="1"/>
+          <p:nvPr/>
         </p:nvSpPr>
         <p:spPr>
           <a:xfrm>
-            <a:off x="457199" y="1600200"/>
-            <a:ext cx="8523027" cy="4525963"/>
+            <a:off x="0" y="2661337"/>
+            <a:ext cx="8541327" cy="3785652"/>
           </a:xfrm>
+          <a:prstGeom prst="rect">
+            <a:avLst/>
+          </a:prstGeom>
+          <a:noFill/>
         </p:spPr>
         <p:txBody>
-          <a:bodyPr/>
+          <a:bodyPr wrap="square" rtlCol="0">
+            <a:spAutoFit/>
+          </a:bodyPr>
           <a:lstStyle/>
           <a:p>
             <a:r>
+              <a:rPr lang="fr-FR" dirty="0" smtClean="0">
+                <a:latin typeface="Courier New" panose="02070309020205020404" pitchFamily="49" charset="0"/>
+                <a:cs typeface="Courier New" panose="02070309020205020404" pitchFamily="49" charset="0"/>
+              </a:rPr>
+              <a:t>&gt;&gt;&gt; s </a:t>
+            </a:r>
+            <a:r>
               <a:rPr lang="fr-FR" dirty="0">
-                <a:latin typeface="Courier New" pitchFamily="49" charset="0"/>
-                <a:cs typeface="Courier New" pitchFamily="49" charset="0"/>
-              </a:rPr>
-              <a:t>x</a:t>
-            </a:r>
+                <a:latin typeface="Courier New" panose="02070309020205020404" pitchFamily="49" charset="0"/>
+                <a:cs typeface="Courier New" panose="02070309020205020404" pitchFamily="49" charset="0"/>
+              </a:rPr>
+              <a:t>= '</a:t>
+            </a:r>
+            <a:r>
+              <a:rPr lang="fr-FR" dirty="0" err="1">
+                <a:latin typeface="Courier New" panose="02070309020205020404" pitchFamily="49" charset="0"/>
+                <a:cs typeface="Courier New" panose="02070309020205020404" pitchFamily="49" charset="0"/>
+              </a:rPr>
+              <a:t>egg</a:t>
+            </a:r>
+            <a:r>
+              <a:rPr lang="fr-FR" dirty="0">
+                <a:latin typeface="Courier New" panose="02070309020205020404" pitchFamily="49" charset="0"/>
+                <a:cs typeface="Courier New" panose="02070309020205020404" pitchFamily="49" charset="0"/>
+              </a:rPr>
+              <a:t>, bacon' </a:t>
+            </a:r>
+            <a:endParaRPr lang="fr-FR" dirty="0" smtClean="0">
+              <a:latin typeface="Courier New" panose="02070309020205020404" pitchFamily="49" charset="0"/>
+              <a:cs typeface="Courier New" panose="02070309020205020404" pitchFamily="49" charset="0"/>
+            </a:endParaRPr>
+          </a:p>
+          <a:p>
             <a:r>
               <a:rPr lang="fr-FR" dirty="0" smtClean="0">
-                <a:latin typeface="Courier New" pitchFamily="49" charset="0"/>
-                <a:cs typeface="Courier New" pitchFamily="49" charset="0"/>
-              </a:rPr>
-              <a:t> in S</a:t>
-            </a:r>
-          </a:p>
-          <a:p>
-            <a:pPr lvl="1"/>
-            <a:r>
-              <a:rPr lang="fr-FR" dirty="0" err="1" smtClean="0"/>
-              <a:t>True</a:t>
-            </a:r>
-            <a:r>
-              <a:rPr lang="fr-FR" dirty="0" smtClean="0"/>
-              <a:t> si un élément de S est égal à x</a:t>
-            </a:r>
-          </a:p>
-          <a:p>
+                <a:latin typeface="Courier New" panose="02070309020205020404" pitchFamily="49" charset="0"/>
+                <a:cs typeface="Courier New" panose="02070309020205020404" pitchFamily="49" charset="0"/>
+              </a:rPr>
+              <a:t>&gt;&gt;&gt; s[0:10:2]</a:t>
+            </a:r>
+          </a:p>
+          <a:p>
+            <a:r>
+              <a:rPr lang="fr-FR" dirty="0">
+                <a:latin typeface="Courier New" panose="02070309020205020404" pitchFamily="49" charset="0"/>
+                <a:cs typeface="Courier New" panose="02070309020205020404" pitchFamily="49" charset="0"/>
+              </a:rPr>
+              <a:t>'</a:t>
+            </a:r>
+            <a:r>
+              <a:rPr lang="fr-FR" dirty="0" err="1">
+                <a:latin typeface="Courier New" panose="02070309020205020404" pitchFamily="49" charset="0"/>
+                <a:cs typeface="Courier New" panose="02070309020205020404" pitchFamily="49" charset="0"/>
+              </a:rPr>
+              <a:t>eg</a:t>
+            </a:r>
+            <a:r>
+              <a:rPr lang="fr-FR" dirty="0">
+                <a:latin typeface="Courier New" panose="02070309020205020404" pitchFamily="49" charset="0"/>
+                <a:cs typeface="Courier New" panose="02070309020205020404" pitchFamily="49" charset="0"/>
+              </a:rPr>
+              <a:t> </a:t>
+            </a:r>
+            <a:r>
+              <a:rPr lang="fr-FR" dirty="0" err="1" smtClean="0">
+                <a:latin typeface="Courier New" panose="02070309020205020404" pitchFamily="49" charset="0"/>
+                <a:cs typeface="Courier New" panose="02070309020205020404" pitchFamily="49" charset="0"/>
+              </a:rPr>
+              <a:t>ao</a:t>
+            </a:r>
             <a:r>
               <a:rPr lang="fr-FR" dirty="0" smtClean="0">
-                <a:latin typeface="Courier New" pitchFamily="49" charset="0"/>
-                <a:cs typeface="Courier New" pitchFamily="49" charset="0"/>
-              </a:rPr>
-              <a:t>x not in S</a:t>
-            </a:r>
-          </a:p>
-          <a:p>
-            <a:pPr lvl="1"/>
-            <a:r>
-              <a:rPr lang="fr-FR" dirty="0" err="1" smtClean="0"/>
-              <a:t>True</a:t>
-            </a:r>
-            <a:r>
-              <a:rPr lang="fr-FR" dirty="0" smtClean="0"/>
-              <a:t> si aucun élément de S est égal à x</a:t>
+                <a:latin typeface="Courier New" panose="02070309020205020404" pitchFamily="49" charset="0"/>
+                <a:cs typeface="Courier New" panose="02070309020205020404" pitchFamily="49" charset="0"/>
+              </a:rPr>
+              <a:t>'</a:t>
             </a:r>
           </a:p>
           <a:p>
             <a:r>
               <a:rPr lang="fr-FR" dirty="0" smtClean="0">
-                <a:latin typeface="Courier New" pitchFamily="49" charset="0"/>
-                <a:cs typeface="Courier New" pitchFamily="49" charset="0"/>
-              </a:rPr>
-              <a:t>S+T</a:t>
-            </a:r>
-          </a:p>
-          <a:p>
-            <a:pPr lvl="1"/>
-            <a:r>
-              <a:rPr lang="fr-FR" dirty="0" smtClean="0"/>
-              <a:t>Retourne une nouvelle séquence qui est la concaténation de S et T</a:t>
-            </a:r>
+                <a:latin typeface="Courier New" panose="02070309020205020404" pitchFamily="49" charset="0"/>
+                <a:cs typeface="Courier New" panose="02070309020205020404" pitchFamily="49" charset="0"/>
+              </a:rPr>
+              <a:t>&gt;&gt;&gt; s[::2]</a:t>
+            </a:r>
+          </a:p>
+          <a:p>
+            <a:r>
+              <a:rPr lang="fr-FR" dirty="0">
+                <a:latin typeface="Courier New" panose="02070309020205020404" pitchFamily="49" charset="0"/>
+                <a:cs typeface="Courier New" panose="02070309020205020404" pitchFamily="49" charset="0"/>
+              </a:rPr>
+              <a:t>'</a:t>
+            </a:r>
+            <a:r>
+              <a:rPr lang="fr-FR" dirty="0" err="1">
+                <a:latin typeface="Courier New" panose="02070309020205020404" pitchFamily="49" charset="0"/>
+                <a:cs typeface="Courier New" panose="02070309020205020404" pitchFamily="49" charset="0"/>
+              </a:rPr>
+              <a:t>eg</a:t>
+            </a:r>
+            <a:r>
+              <a:rPr lang="fr-FR" dirty="0">
+                <a:latin typeface="Courier New" panose="02070309020205020404" pitchFamily="49" charset="0"/>
+                <a:cs typeface="Courier New" panose="02070309020205020404" pitchFamily="49" charset="0"/>
+              </a:rPr>
+              <a:t> </a:t>
+            </a:r>
+            <a:r>
+              <a:rPr lang="fr-FR" dirty="0" err="1">
+                <a:latin typeface="Courier New" panose="02070309020205020404" pitchFamily="49" charset="0"/>
+                <a:cs typeface="Courier New" panose="02070309020205020404" pitchFamily="49" charset="0"/>
+              </a:rPr>
+              <a:t>ao</a:t>
+            </a:r>
+            <a:r>
+              <a:rPr lang="fr-FR" dirty="0">
+                <a:latin typeface="Courier New" panose="02070309020205020404" pitchFamily="49" charset="0"/>
+                <a:cs typeface="Courier New" panose="02070309020205020404" pitchFamily="49" charset="0"/>
+              </a:rPr>
+              <a:t>'</a:t>
+            </a:r>
+          </a:p>
+          <a:p>
+            <a:r>
+              <a:rPr lang="fr-FR" dirty="0" smtClean="0">
+                <a:latin typeface="Courier New" panose="02070309020205020404" pitchFamily="49" charset="0"/>
+                <a:cs typeface="Courier New" panose="02070309020205020404" pitchFamily="49" charset="0"/>
+              </a:rPr>
+              <a:t>&gt;&gt;&gt; s[:8:3]</a:t>
+            </a:r>
+          </a:p>
+          <a:p>
+            <a:r>
+              <a:rPr lang="fr-FR" dirty="0" smtClean="0">
+                <a:latin typeface="Courier New" panose="02070309020205020404" pitchFamily="49" charset="0"/>
+                <a:cs typeface="Courier New" panose="02070309020205020404" pitchFamily="49" charset="0"/>
+              </a:rPr>
+              <a:t>'</a:t>
+            </a:r>
+            <a:r>
+              <a:rPr lang="fr-FR" dirty="0" err="1" smtClean="0">
+                <a:latin typeface="Courier New" panose="02070309020205020404" pitchFamily="49" charset="0"/>
+                <a:cs typeface="Courier New" panose="02070309020205020404" pitchFamily="49" charset="0"/>
+              </a:rPr>
+              <a:t>e,a</a:t>
+            </a:r>
+            <a:r>
+              <a:rPr lang="fr-FR" dirty="0" smtClean="0">
+                <a:latin typeface="Courier New" panose="02070309020205020404" pitchFamily="49" charset="0"/>
+                <a:cs typeface="Courier New" panose="02070309020205020404" pitchFamily="49" charset="0"/>
+              </a:rPr>
+              <a:t>'</a:t>
+            </a:r>
+          </a:p>
+          <a:p>
+            <a:r>
+              <a:rPr lang="fr-FR" dirty="0">
+                <a:latin typeface="Courier New" panose="02070309020205020404" pitchFamily="49" charset="0"/>
+                <a:cs typeface="Courier New" panose="02070309020205020404" pitchFamily="49" charset="0"/>
+              </a:rPr>
+              <a:t>&gt;&gt;&gt; </a:t>
+            </a:r>
+            <a:r>
+              <a:rPr lang="fr-FR" dirty="0" smtClean="0">
+                <a:latin typeface="Courier New" panose="02070309020205020404" pitchFamily="49" charset="0"/>
+                <a:cs typeface="Courier New" panose="02070309020205020404" pitchFamily="49" charset="0"/>
+              </a:rPr>
+              <a:t>s[2::3]</a:t>
+            </a:r>
+          </a:p>
+          <a:p>
+            <a:r>
+              <a:rPr lang="fr-FR" dirty="0" smtClean="0">
+                <a:latin typeface="Courier New" panose="02070309020205020404" pitchFamily="49" charset="0"/>
+                <a:cs typeface="Courier New" panose="02070309020205020404" pitchFamily="49" charset="0"/>
+              </a:rPr>
+              <a:t>'</a:t>
+            </a:r>
+            <a:r>
+              <a:rPr lang="fr-FR" dirty="0" err="1" smtClean="0">
+                <a:latin typeface="Courier New" panose="02070309020205020404" pitchFamily="49" charset="0"/>
+                <a:cs typeface="Courier New" panose="02070309020205020404" pitchFamily="49" charset="0"/>
+              </a:rPr>
+              <a:t>gbo</a:t>
+            </a:r>
+            <a:r>
+              <a:rPr lang="fr-FR" dirty="0" smtClean="0">
+                <a:latin typeface="Courier New" panose="02070309020205020404" pitchFamily="49" charset="0"/>
+                <a:cs typeface="Courier New" panose="02070309020205020404" pitchFamily="49" charset="0"/>
+              </a:rPr>
+              <a:t>'</a:t>
+            </a:r>
+          </a:p>
+          <a:p>
+            <a:endParaRPr lang="fr-FR" dirty="0">
+              <a:latin typeface="Courier New" panose="02070309020205020404" pitchFamily="49" charset="0"/>
+              <a:cs typeface="Courier New" panose="02070309020205020404" pitchFamily="49" charset="0"/>
+            </a:endParaRPr>
+          </a:p>
+        </p:txBody>
+      </p:sp>
+      <p:cxnSp>
+        <p:nvCxnSpPr>
+          <p:cNvPr id="11" name="Connecteur droit avec flèche 10"/>
+          <p:cNvCxnSpPr/>
+          <p:nvPr/>
+        </p:nvCxnSpPr>
+        <p:spPr bwMode="auto">
+          <a:xfrm>
+            <a:off x="1995055" y="290945"/>
+            <a:ext cx="0" cy="872837"/>
+          </a:xfrm>
+          <a:prstGeom prst="straightConnector1">
+            <a:avLst/>
+          </a:prstGeom>
+          <a:noFill/>
+          <a:ln w="73025" cap="flat" cmpd="sng" algn="ctr">
+            <a:solidFill>
+              <a:schemeClr val="tx1"/>
+            </a:solidFill>
+            <a:prstDash val="solid"/>
+            <a:round/>
+            <a:headEnd type="none" w="med" len="med"/>
+            <a:tailEnd type="triangle" w="med" len="med"/>
+          </a:ln>
+          <a:effectLst/>
+        </p:spPr>
+      </p:cxnSp>
+      <p:cxnSp>
+        <p:nvCxnSpPr>
+          <p:cNvPr id="12" name="Connecteur droit avec flèche 11"/>
+          <p:cNvCxnSpPr/>
+          <p:nvPr/>
+        </p:nvCxnSpPr>
+        <p:spPr bwMode="auto">
+          <a:xfrm>
+            <a:off x="3228110" y="290945"/>
+            <a:ext cx="0" cy="872837"/>
+          </a:xfrm>
+          <a:prstGeom prst="straightConnector1">
+            <a:avLst/>
+          </a:prstGeom>
+          <a:noFill/>
+          <a:ln w="73025" cap="flat" cmpd="sng" algn="ctr">
+            <a:solidFill>
+              <a:schemeClr val="tx1"/>
+            </a:solidFill>
+            <a:prstDash val="solid"/>
+            <a:round/>
+            <a:headEnd type="none" w="med" len="med"/>
+            <a:tailEnd type="triangle" w="med" len="med"/>
+          </a:ln>
+          <a:effectLst/>
+        </p:spPr>
+      </p:cxnSp>
+      <p:cxnSp>
+        <p:nvCxnSpPr>
+          <p:cNvPr id="13" name="Connecteur droit avec flèche 12"/>
+          <p:cNvCxnSpPr/>
+          <p:nvPr/>
+        </p:nvCxnSpPr>
+        <p:spPr bwMode="auto">
+          <a:xfrm>
+            <a:off x="3955473" y="290945"/>
+            <a:ext cx="0" cy="872837"/>
+          </a:xfrm>
+          <a:prstGeom prst="straightConnector1">
+            <a:avLst/>
+          </a:prstGeom>
+          <a:noFill/>
+          <a:ln w="73025" cap="flat" cmpd="sng" algn="ctr">
+            <a:solidFill>
+              <a:schemeClr val="tx1"/>
+            </a:solidFill>
+            <a:prstDash val="solid"/>
+            <a:round/>
+            <a:headEnd type="none" w="med" len="med"/>
+            <a:tailEnd type="triangle" w="med" len="med"/>
+          </a:ln>
+          <a:effectLst/>
+        </p:spPr>
+      </p:cxnSp>
+      <p:cxnSp>
+        <p:nvCxnSpPr>
+          <p:cNvPr id="14" name="Connecteur droit avec flèche 13"/>
+          <p:cNvCxnSpPr/>
+          <p:nvPr/>
+        </p:nvCxnSpPr>
+        <p:spPr bwMode="auto">
+          <a:xfrm>
+            <a:off x="4980709" y="290945"/>
+            <a:ext cx="0" cy="872837"/>
+          </a:xfrm>
+          <a:prstGeom prst="straightConnector1">
+            <a:avLst/>
+          </a:prstGeom>
+          <a:noFill/>
+          <a:ln w="73025" cap="flat" cmpd="sng" algn="ctr">
+            <a:solidFill>
+              <a:schemeClr val="tx1"/>
+            </a:solidFill>
+            <a:prstDash val="solid"/>
+            <a:round/>
+            <a:headEnd type="none" w="med" len="med"/>
+            <a:tailEnd type="triangle" w="med" len="med"/>
+          </a:ln>
+          <a:effectLst/>
+        </p:spPr>
+      </p:cxnSp>
+      <p:cxnSp>
+        <p:nvCxnSpPr>
+          <p:cNvPr id="15" name="Connecteur droit avec flèche 14"/>
+          <p:cNvCxnSpPr/>
+          <p:nvPr/>
+        </p:nvCxnSpPr>
+        <p:spPr bwMode="auto">
+          <a:xfrm>
+            <a:off x="6130637" y="290945"/>
+            <a:ext cx="0" cy="872837"/>
+          </a:xfrm>
+          <a:prstGeom prst="straightConnector1">
+            <a:avLst/>
+          </a:prstGeom>
+          <a:noFill/>
+          <a:ln w="73025" cap="flat" cmpd="sng" algn="ctr">
+            <a:solidFill>
+              <a:schemeClr val="tx1"/>
+            </a:solidFill>
+            <a:prstDash val="solid"/>
+            <a:round/>
+            <a:headEnd type="none" w="med" len="med"/>
+            <a:tailEnd type="triangle" w="med" len="med"/>
+          </a:ln>
+          <a:effectLst/>
+        </p:spPr>
+      </p:cxnSp>
+      <p:sp>
+        <p:nvSpPr>
+          <p:cNvPr id="16" name="ZoneTexte 15"/>
+          <p:cNvSpPr txBox="1"/>
+          <p:nvPr/>
+        </p:nvSpPr>
+        <p:spPr>
+          <a:xfrm>
+            <a:off x="1662545" y="2199672"/>
+            <a:ext cx="6858000" cy="461665"/>
+          </a:xfrm>
+          <a:prstGeom prst="rect">
+            <a:avLst/>
+          </a:prstGeom>
+          <a:noFill/>
+        </p:spPr>
+        <p:txBody>
+          <a:bodyPr wrap="square" rtlCol="0">
+            <a:spAutoFit/>
+          </a:bodyPr>
+          <a:lstStyle/>
+          <a:p>
+            <a:r>
+              <a:rPr lang="fr-FR" dirty="0" smtClean="0">
+                <a:latin typeface="Calibri" panose="020F0502020204030204" pitchFamily="34" charset="0"/>
+              </a:rPr>
+              <a:t>  0        1      2    3   4     5      6      7      8       9        </a:t>
+            </a:r>
+            <a:endParaRPr lang="fr-FR" dirty="0">
+              <a:latin typeface="Calibri" panose="020F0502020204030204" pitchFamily="34" charset="0"/>
+            </a:endParaRPr>
           </a:p>
         </p:txBody>
       </p:sp>
     </p:spTree>
     <p:extLst>
       <p:ext uri="{BB962C8B-B14F-4D97-AF65-F5344CB8AC3E}">
-        <p14:creationId xmlns:p14="http://schemas.microsoft.com/office/powerpoint/2010/main" val="157045261"/>
+        <p14:creationId xmlns:p14="http://schemas.microsoft.com/office/powerpoint/2010/main" val="2178984542"/>
       </p:ext>
     </p:extLst>
   </p:cSld>
@@ -8019,9 +8243,772 @@
   <p:timing>
     <p:tnLst>
       <p:par>
-        <p:cTn id="1" dur="indefinite" restart="never" nodeType="tmRoot"/>
+        <p:cTn id="1" dur="indefinite" restart="never" nodeType="tmRoot">
+          <p:childTnLst>
+            <p:seq concurrent="1" nextAc="seek">
+              <p:cTn id="2" dur="indefinite" nodeType="mainSeq">
+                <p:childTnLst>
+                  <p:par>
+                    <p:cTn id="3" fill="hold">
+                      <p:stCondLst>
+                        <p:cond delay="indefinite"/>
+                      </p:stCondLst>
+                      <p:childTnLst>
+                        <p:par>
+                          <p:cTn id="4" fill="hold">
+                            <p:stCondLst>
+                              <p:cond delay="0"/>
+                            </p:stCondLst>
+                            <p:childTnLst>
+                              <p:par>
+                                <p:cTn id="5" presetID="10" presetClass="entr" presetSubtype="0" fill="hold" nodeType="clickEffect">
+                                  <p:stCondLst>
+                                    <p:cond delay="0"/>
+                                  </p:stCondLst>
+                                  <p:childTnLst>
+                                    <p:set>
+                                      <p:cBhvr>
+                                        <p:cTn id="6" dur="1" fill="hold">
+                                          <p:stCondLst>
+                                            <p:cond delay="0"/>
+                                          </p:stCondLst>
+                                        </p:cTn>
+                                        <p:tgtEl>
+                                          <p:spTgt spid="5">
+                                            <p:txEl>
+                                              <p:pRg st="0" end="0"/>
+                                            </p:txEl>
+                                          </p:spTgt>
+                                        </p:tgtEl>
+                                        <p:attrNameLst>
+                                          <p:attrName>style.visibility</p:attrName>
+                                        </p:attrNameLst>
+                                      </p:cBhvr>
+                                      <p:to>
+                                        <p:strVal val="visible"/>
+                                      </p:to>
+                                    </p:set>
+                                    <p:animEffect transition="in" filter="fade">
+                                      <p:cBhvr>
+                                        <p:cTn id="7" dur="500"/>
+                                        <p:tgtEl>
+                                          <p:spTgt spid="5">
+                                            <p:txEl>
+                                              <p:pRg st="0" end="0"/>
+                                            </p:txEl>
+                                          </p:spTgt>
+                                        </p:tgtEl>
+                                      </p:cBhvr>
+                                    </p:animEffect>
+                                  </p:childTnLst>
+                                </p:cTn>
+                              </p:par>
+                              <p:par>
+                                <p:cTn id="8" presetID="10" presetClass="entr" presetSubtype="0" fill="hold" grpId="0" nodeType="withEffect">
+                                  <p:stCondLst>
+                                    <p:cond delay="0"/>
+                                  </p:stCondLst>
+                                  <p:childTnLst>
+                                    <p:set>
+                                      <p:cBhvr>
+                                        <p:cTn id="9" dur="1" fill="hold">
+                                          <p:stCondLst>
+                                            <p:cond delay="0"/>
+                                          </p:stCondLst>
+                                        </p:cTn>
+                                        <p:tgtEl>
+                                          <p:spTgt spid="4"/>
+                                        </p:tgtEl>
+                                        <p:attrNameLst>
+                                          <p:attrName>style.visibility</p:attrName>
+                                        </p:attrNameLst>
+                                      </p:cBhvr>
+                                      <p:to>
+                                        <p:strVal val="visible"/>
+                                      </p:to>
+                                    </p:set>
+                                    <p:animEffect transition="in" filter="fade">
+                                      <p:cBhvr>
+                                        <p:cTn id="10" dur="500"/>
+                                        <p:tgtEl>
+                                          <p:spTgt spid="4"/>
+                                        </p:tgtEl>
+                                      </p:cBhvr>
+                                    </p:animEffect>
+                                  </p:childTnLst>
+                                </p:cTn>
+                              </p:par>
+                              <p:par>
+                                <p:cTn id="11" presetID="1" presetClass="entr" presetSubtype="0" fill="hold" grpId="0" nodeType="withEffect">
+                                  <p:stCondLst>
+                                    <p:cond delay="0"/>
+                                  </p:stCondLst>
+                                  <p:childTnLst>
+                                    <p:set>
+                                      <p:cBhvr>
+                                        <p:cTn id="12" dur="1" fill="hold">
+                                          <p:stCondLst>
+                                            <p:cond delay="0"/>
+                                          </p:stCondLst>
+                                        </p:cTn>
+                                        <p:tgtEl>
+                                          <p:spTgt spid="16"/>
+                                        </p:tgtEl>
+                                        <p:attrNameLst>
+                                          <p:attrName>style.visibility</p:attrName>
+                                        </p:attrNameLst>
+                                      </p:cBhvr>
+                                      <p:to>
+                                        <p:strVal val="visible"/>
+                                      </p:to>
+                                    </p:set>
+                                  </p:childTnLst>
+                                </p:cTn>
+                              </p:par>
+                            </p:childTnLst>
+                          </p:cTn>
+                        </p:par>
+                      </p:childTnLst>
+                    </p:cTn>
+                  </p:par>
+                  <p:par>
+                    <p:cTn id="13" fill="hold">
+                      <p:stCondLst>
+                        <p:cond delay="indefinite"/>
+                      </p:stCondLst>
+                      <p:childTnLst>
+                        <p:par>
+                          <p:cTn id="14" fill="hold">
+                            <p:stCondLst>
+                              <p:cond delay="0"/>
+                            </p:stCondLst>
+                            <p:childTnLst>
+                              <p:par>
+                                <p:cTn id="15" presetID="10" presetClass="entr" presetSubtype="0" fill="hold" nodeType="clickEffect">
+                                  <p:stCondLst>
+                                    <p:cond delay="0"/>
+                                  </p:stCondLst>
+                                  <p:childTnLst>
+                                    <p:set>
+                                      <p:cBhvr>
+                                        <p:cTn id="16" dur="1" fill="hold">
+                                          <p:stCondLst>
+                                            <p:cond delay="0"/>
+                                          </p:stCondLst>
+                                        </p:cTn>
+                                        <p:tgtEl>
+                                          <p:spTgt spid="5">
+                                            <p:txEl>
+                                              <p:pRg st="1" end="1"/>
+                                            </p:txEl>
+                                          </p:spTgt>
+                                        </p:tgtEl>
+                                        <p:attrNameLst>
+                                          <p:attrName>style.visibility</p:attrName>
+                                        </p:attrNameLst>
+                                      </p:cBhvr>
+                                      <p:to>
+                                        <p:strVal val="visible"/>
+                                      </p:to>
+                                    </p:set>
+                                    <p:animEffect transition="in" filter="fade">
+                                      <p:cBhvr>
+                                        <p:cTn id="17" dur="500"/>
+                                        <p:tgtEl>
+                                          <p:spTgt spid="5">
+                                            <p:txEl>
+                                              <p:pRg st="1" end="1"/>
+                                            </p:txEl>
+                                          </p:spTgt>
+                                        </p:tgtEl>
+                                      </p:cBhvr>
+                                    </p:animEffect>
+                                  </p:childTnLst>
+                                </p:cTn>
+                              </p:par>
+                              <p:par>
+                                <p:cTn id="18" presetID="10" presetClass="entr" presetSubtype="0" fill="hold" nodeType="withEffect">
+                                  <p:stCondLst>
+                                    <p:cond delay="0"/>
+                                  </p:stCondLst>
+                                  <p:childTnLst>
+                                    <p:set>
+                                      <p:cBhvr>
+                                        <p:cTn id="19" dur="1" fill="hold">
+                                          <p:stCondLst>
+                                            <p:cond delay="0"/>
+                                          </p:stCondLst>
+                                        </p:cTn>
+                                        <p:tgtEl>
+                                          <p:spTgt spid="5">
+                                            <p:txEl>
+                                              <p:pRg st="2" end="2"/>
+                                            </p:txEl>
+                                          </p:spTgt>
+                                        </p:tgtEl>
+                                        <p:attrNameLst>
+                                          <p:attrName>style.visibility</p:attrName>
+                                        </p:attrNameLst>
+                                      </p:cBhvr>
+                                      <p:to>
+                                        <p:strVal val="visible"/>
+                                      </p:to>
+                                    </p:set>
+                                    <p:animEffect transition="in" filter="fade">
+                                      <p:cBhvr>
+                                        <p:cTn id="20" dur="500"/>
+                                        <p:tgtEl>
+                                          <p:spTgt spid="5">
+                                            <p:txEl>
+                                              <p:pRg st="2" end="2"/>
+                                            </p:txEl>
+                                          </p:spTgt>
+                                        </p:tgtEl>
+                                      </p:cBhvr>
+                                    </p:animEffect>
+                                  </p:childTnLst>
+                                </p:cTn>
+                              </p:par>
+                            </p:childTnLst>
+                          </p:cTn>
+                        </p:par>
+                      </p:childTnLst>
+                    </p:cTn>
+                  </p:par>
+                  <p:par>
+                    <p:cTn id="21" fill="hold">
+                      <p:stCondLst>
+                        <p:cond delay="indefinite"/>
+                      </p:stCondLst>
+                      <p:childTnLst>
+                        <p:par>
+                          <p:cTn id="22" fill="hold">
+                            <p:stCondLst>
+                              <p:cond delay="0"/>
+                            </p:stCondLst>
+                            <p:childTnLst>
+                              <p:par>
+                                <p:cTn id="23" presetID="10" presetClass="entr" presetSubtype="0" fill="hold" nodeType="clickEffect">
+                                  <p:stCondLst>
+                                    <p:cond delay="0"/>
+                                  </p:stCondLst>
+                                  <p:childTnLst>
+                                    <p:set>
+                                      <p:cBhvr>
+                                        <p:cTn id="24" dur="1" fill="hold">
+                                          <p:stCondLst>
+                                            <p:cond delay="0"/>
+                                          </p:stCondLst>
+                                        </p:cTn>
+                                        <p:tgtEl>
+                                          <p:spTgt spid="11"/>
+                                        </p:tgtEl>
+                                        <p:attrNameLst>
+                                          <p:attrName>style.visibility</p:attrName>
+                                        </p:attrNameLst>
+                                      </p:cBhvr>
+                                      <p:to>
+                                        <p:strVal val="visible"/>
+                                      </p:to>
+                                    </p:set>
+                                    <p:animEffect transition="in" filter="fade">
+                                      <p:cBhvr>
+                                        <p:cTn id="25" dur="500"/>
+                                        <p:tgtEl>
+                                          <p:spTgt spid="11"/>
+                                        </p:tgtEl>
+                                      </p:cBhvr>
+                                    </p:animEffect>
+                                  </p:childTnLst>
+                                </p:cTn>
+                              </p:par>
+                            </p:childTnLst>
+                          </p:cTn>
+                        </p:par>
+                      </p:childTnLst>
+                    </p:cTn>
+                  </p:par>
+                  <p:par>
+                    <p:cTn id="26" fill="hold">
+                      <p:stCondLst>
+                        <p:cond delay="indefinite"/>
+                      </p:stCondLst>
+                      <p:childTnLst>
+                        <p:par>
+                          <p:cTn id="27" fill="hold">
+                            <p:stCondLst>
+                              <p:cond delay="0"/>
+                            </p:stCondLst>
+                            <p:childTnLst>
+                              <p:par>
+                                <p:cTn id="28" presetID="10" presetClass="entr" presetSubtype="0" fill="hold" nodeType="clickEffect">
+                                  <p:stCondLst>
+                                    <p:cond delay="0"/>
+                                  </p:stCondLst>
+                                  <p:childTnLst>
+                                    <p:set>
+                                      <p:cBhvr>
+                                        <p:cTn id="29" dur="1" fill="hold">
+                                          <p:stCondLst>
+                                            <p:cond delay="0"/>
+                                          </p:stCondLst>
+                                        </p:cTn>
+                                        <p:tgtEl>
+                                          <p:spTgt spid="12"/>
+                                        </p:tgtEl>
+                                        <p:attrNameLst>
+                                          <p:attrName>style.visibility</p:attrName>
+                                        </p:attrNameLst>
+                                      </p:cBhvr>
+                                      <p:to>
+                                        <p:strVal val="visible"/>
+                                      </p:to>
+                                    </p:set>
+                                    <p:animEffect transition="in" filter="fade">
+                                      <p:cBhvr>
+                                        <p:cTn id="30" dur="500"/>
+                                        <p:tgtEl>
+                                          <p:spTgt spid="12"/>
+                                        </p:tgtEl>
+                                      </p:cBhvr>
+                                    </p:animEffect>
+                                  </p:childTnLst>
+                                </p:cTn>
+                              </p:par>
+                            </p:childTnLst>
+                          </p:cTn>
+                        </p:par>
+                      </p:childTnLst>
+                    </p:cTn>
+                  </p:par>
+                  <p:par>
+                    <p:cTn id="31" fill="hold">
+                      <p:stCondLst>
+                        <p:cond delay="indefinite"/>
+                      </p:stCondLst>
+                      <p:childTnLst>
+                        <p:par>
+                          <p:cTn id="32" fill="hold">
+                            <p:stCondLst>
+                              <p:cond delay="0"/>
+                            </p:stCondLst>
+                            <p:childTnLst>
+                              <p:par>
+                                <p:cTn id="33" presetID="10" presetClass="entr" presetSubtype="0" fill="hold" nodeType="clickEffect">
+                                  <p:stCondLst>
+                                    <p:cond delay="0"/>
+                                  </p:stCondLst>
+                                  <p:childTnLst>
+                                    <p:set>
+                                      <p:cBhvr>
+                                        <p:cTn id="34" dur="1" fill="hold">
+                                          <p:stCondLst>
+                                            <p:cond delay="0"/>
+                                          </p:stCondLst>
+                                        </p:cTn>
+                                        <p:tgtEl>
+                                          <p:spTgt spid="13"/>
+                                        </p:tgtEl>
+                                        <p:attrNameLst>
+                                          <p:attrName>style.visibility</p:attrName>
+                                        </p:attrNameLst>
+                                      </p:cBhvr>
+                                      <p:to>
+                                        <p:strVal val="visible"/>
+                                      </p:to>
+                                    </p:set>
+                                    <p:animEffect transition="in" filter="fade">
+                                      <p:cBhvr>
+                                        <p:cTn id="35" dur="500"/>
+                                        <p:tgtEl>
+                                          <p:spTgt spid="13"/>
+                                        </p:tgtEl>
+                                      </p:cBhvr>
+                                    </p:animEffect>
+                                  </p:childTnLst>
+                                </p:cTn>
+                              </p:par>
+                            </p:childTnLst>
+                          </p:cTn>
+                        </p:par>
+                      </p:childTnLst>
+                    </p:cTn>
+                  </p:par>
+                  <p:par>
+                    <p:cTn id="36" fill="hold">
+                      <p:stCondLst>
+                        <p:cond delay="indefinite"/>
+                      </p:stCondLst>
+                      <p:childTnLst>
+                        <p:par>
+                          <p:cTn id="37" fill="hold">
+                            <p:stCondLst>
+                              <p:cond delay="0"/>
+                            </p:stCondLst>
+                            <p:childTnLst>
+                              <p:par>
+                                <p:cTn id="38" presetID="10" presetClass="entr" presetSubtype="0" fill="hold" nodeType="clickEffect">
+                                  <p:stCondLst>
+                                    <p:cond delay="0"/>
+                                  </p:stCondLst>
+                                  <p:childTnLst>
+                                    <p:set>
+                                      <p:cBhvr>
+                                        <p:cTn id="39" dur="1" fill="hold">
+                                          <p:stCondLst>
+                                            <p:cond delay="0"/>
+                                          </p:stCondLst>
+                                        </p:cTn>
+                                        <p:tgtEl>
+                                          <p:spTgt spid="14"/>
+                                        </p:tgtEl>
+                                        <p:attrNameLst>
+                                          <p:attrName>style.visibility</p:attrName>
+                                        </p:attrNameLst>
+                                      </p:cBhvr>
+                                      <p:to>
+                                        <p:strVal val="visible"/>
+                                      </p:to>
+                                    </p:set>
+                                    <p:animEffect transition="in" filter="fade">
+                                      <p:cBhvr>
+                                        <p:cTn id="40" dur="500"/>
+                                        <p:tgtEl>
+                                          <p:spTgt spid="14"/>
+                                        </p:tgtEl>
+                                      </p:cBhvr>
+                                    </p:animEffect>
+                                  </p:childTnLst>
+                                </p:cTn>
+                              </p:par>
+                            </p:childTnLst>
+                          </p:cTn>
+                        </p:par>
+                      </p:childTnLst>
+                    </p:cTn>
+                  </p:par>
+                  <p:par>
+                    <p:cTn id="41" fill="hold">
+                      <p:stCondLst>
+                        <p:cond delay="indefinite"/>
+                      </p:stCondLst>
+                      <p:childTnLst>
+                        <p:par>
+                          <p:cTn id="42" fill="hold">
+                            <p:stCondLst>
+                              <p:cond delay="0"/>
+                            </p:stCondLst>
+                            <p:childTnLst>
+                              <p:par>
+                                <p:cTn id="43" presetID="10" presetClass="entr" presetSubtype="0" fill="hold" nodeType="clickEffect">
+                                  <p:stCondLst>
+                                    <p:cond delay="0"/>
+                                  </p:stCondLst>
+                                  <p:childTnLst>
+                                    <p:set>
+                                      <p:cBhvr>
+                                        <p:cTn id="44" dur="1" fill="hold">
+                                          <p:stCondLst>
+                                            <p:cond delay="0"/>
+                                          </p:stCondLst>
+                                        </p:cTn>
+                                        <p:tgtEl>
+                                          <p:spTgt spid="15"/>
+                                        </p:tgtEl>
+                                        <p:attrNameLst>
+                                          <p:attrName>style.visibility</p:attrName>
+                                        </p:attrNameLst>
+                                      </p:cBhvr>
+                                      <p:to>
+                                        <p:strVal val="visible"/>
+                                      </p:to>
+                                    </p:set>
+                                    <p:animEffect transition="in" filter="fade">
+                                      <p:cBhvr>
+                                        <p:cTn id="45" dur="500"/>
+                                        <p:tgtEl>
+                                          <p:spTgt spid="15"/>
+                                        </p:tgtEl>
+                                      </p:cBhvr>
+                                    </p:animEffect>
+                                  </p:childTnLst>
+                                </p:cTn>
+                              </p:par>
+                            </p:childTnLst>
+                          </p:cTn>
+                        </p:par>
+                      </p:childTnLst>
+                    </p:cTn>
+                  </p:par>
+                  <p:par>
+                    <p:cTn id="46" fill="hold">
+                      <p:stCondLst>
+                        <p:cond delay="indefinite"/>
+                      </p:stCondLst>
+                      <p:childTnLst>
+                        <p:par>
+                          <p:cTn id="47" fill="hold">
+                            <p:stCondLst>
+                              <p:cond delay="0"/>
+                            </p:stCondLst>
+                            <p:childTnLst>
+                              <p:par>
+                                <p:cTn id="48" presetID="10" presetClass="entr" presetSubtype="0" fill="hold" nodeType="clickEffect">
+                                  <p:stCondLst>
+                                    <p:cond delay="0"/>
+                                  </p:stCondLst>
+                                  <p:childTnLst>
+                                    <p:set>
+                                      <p:cBhvr>
+                                        <p:cTn id="49" dur="1" fill="hold">
+                                          <p:stCondLst>
+                                            <p:cond delay="0"/>
+                                          </p:stCondLst>
+                                        </p:cTn>
+                                        <p:tgtEl>
+                                          <p:spTgt spid="5">
+                                            <p:txEl>
+                                              <p:pRg st="3" end="3"/>
+                                            </p:txEl>
+                                          </p:spTgt>
+                                        </p:tgtEl>
+                                        <p:attrNameLst>
+                                          <p:attrName>style.visibility</p:attrName>
+                                        </p:attrNameLst>
+                                      </p:cBhvr>
+                                      <p:to>
+                                        <p:strVal val="visible"/>
+                                      </p:to>
+                                    </p:set>
+                                    <p:animEffect transition="in" filter="fade">
+                                      <p:cBhvr>
+                                        <p:cTn id="50" dur="500"/>
+                                        <p:tgtEl>
+                                          <p:spTgt spid="5">
+                                            <p:txEl>
+                                              <p:pRg st="3" end="3"/>
+                                            </p:txEl>
+                                          </p:spTgt>
+                                        </p:tgtEl>
+                                      </p:cBhvr>
+                                    </p:animEffect>
+                                  </p:childTnLst>
+                                </p:cTn>
+                              </p:par>
+                            </p:childTnLst>
+                          </p:cTn>
+                        </p:par>
+                      </p:childTnLst>
+                    </p:cTn>
+                  </p:par>
+                  <p:par>
+                    <p:cTn id="51" fill="hold">
+                      <p:stCondLst>
+                        <p:cond delay="indefinite"/>
+                      </p:stCondLst>
+                      <p:childTnLst>
+                        <p:par>
+                          <p:cTn id="52" fill="hold">
+                            <p:stCondLst>
+                              <p:cond delay="0"/>
+                            </p:stCondLst>
+                            <p:childTnLst>
+                              <p:par>
+                                <p:cTn id="53" presetID="10" presetClass="entr" presetSubtype="0" fill="hold" nodeType="clickEffect">
+                                  <p:stCondLst>
+                                    <p:cond delay="0"/>
+                                  </p:stCondLst>
+                                  <p:childTnLst>
+                                    <p:set>
+                                      <p:cBhvr>
+                                        <p:cTn id="54" dur="1" fill="hold">
+                                          <p:stCondLst>
+                                            <p:cond delay="0"/>
+                                          </p:stCondLst>
+                                        </p:cTn>
+                                        <p:tgtEl>
+                                          <p:spTgt spid="5">
+                                            <p:txEl>
+                                              <p:pRg st="4" end="4"/>
+                                            </p:txEl>
+                                          </p:spTgt>
+                                        </p:tgtEl>
+                                        <p:attrNameLst>
+                                          <p:attrName>style.visibility</p:attrName>
+                                        </p:attrNameLst>
+                                      </p:cBhvr>
+                                      <p:to>
+                                        <p:strVal val="visible"/>
+                                      </p:to>
+                                    </p:set>
+                                    <p:animEffect transition="in" filter="fade">
+                                      <p:cBhvr>
+                                        <p:cTn id="55" dur="500"/>
+                                        <p:tgtEl>
+                                          <p:spTgt spid="5">
+                                            <p:txEl>
+                                              <p:pRg st="4" end="4"/>
+                                            </p:txEl>
+                                          </p:spTgt>
+                                        </p:tgtEl>
+                                      </p:cBhvr>
+                                    </p:animEffect>
+                                  </p:childTnLst>
+                                </p:cTn>
+                              </p:par>
+                            </p:childTnLst>
+                          </p:cTn>
+                        </p:par>
+                      </p:childTnLst>
+                    </p:cTn>
+                  </p:par>
+                  <p:par>
+                    <p:cTn id="56" fill="hold">
+                      <p:stCondLst>
+                        <p:cond delay="indefinite"/>
+                      </p:stCondLst>
+                      <p:childTnLst>
+                        <p:par>
+                          <p:cTn id="57" fill="hold">
+                            <p:stCondLst>
+                              <p:cond delay="0"/>
+                            </p:stCondLst>
+                            <p:childTnLst>
+                              <p:par>
+                                <p:cTn id="58" presetID="10" presetClass="entr" presetSubtype="0" fill="hold" nodeType="clickEffect">
+                                  <p:stCondLst>
+                                    <p:cond delay="0"/>
+                                  </p:stCondLst>
+                                  <p:childTnLst>
+                                    <p:set>
+                                      <p:cBhvr>
+                                        <p:cTn id="59" dur="1" fill="hold">
+                                          <p:stCondLst>
+                                            <p:cond delay="0"/>
+                                          </p:stCondLst>
+                                        </p:cTn>
+                                        <p:tgtEl>
+                                          <p:spTgt spid="5">
+                                            <p:txEl>
+                                              <p:pRg st="5" end="5"/>
+                                            </p:txEl>
+                                          </p:spTgt>
+                                        </p:tgtEl>
+                                        <p:attrNameLst>
+                                          <p:attrName>style.visibility</p:attrName>
+                                        </p:attrNameLst>
+                                      </p:cBhvr>
+                                      <p:to>
+                                        <p:strVal val="visible"/>
+                                      </p:to>
+                                    </p:set>
+                                    <p:animEffect transition="in" filter="fade">
+                                      <p:cBhvr>
+                                        <p:cTn id="60" dur="500"/>
+                                        <p:tgtEl>
+                                          <p:spTgt spid="5">
+                                            <p:txEl>
+                                              <p:pRg st="5" end="5"/>
+                                            </p:txEl>
+                                          </p:spTgt>
+                                        </p:tgtEl>
+                                      </p:cBhvr>
+                                    </p:animEffect>
+                                  </p:childTnLst>
+                                </p:cTn>
+                              </p:par>
+                            </p:childTnLst>
+                          </p:cTn>
+                        </p:par>
+                      </p:childTnLst>
+                    </p:cTn>
+                  </p:par>
+                  <p:par>
+                    <p:cTn id="61" fill="hold">
+                      <p:stCondLst>
+                        <p:cond delay="indefinite"/>
+                      </p:stCondLst>
+                      <p:childTnLst>
+                        <p:par>
+                          <p:cTn id="62" fill="hold">
+                            <p:stCondLst>
+                              <p:cond delay="0"/>
+                            </p:stCondLst>
+                            <p:childTnLst>
+                              <p:par>
+                                <p:cTn id="63" presetID="10" presetClass="entr" presetSubtype="0" fill="hold" nodeType="clickEffect">
+                                  <p:stCondLst>
+                                    <p:cond delay="0"/>
+                                  </p:stCondLst>
+                                  <p:childTnLst>
+                                    <p:set>
+                                      <p:cBhvr>
+                                        <p:cTn id="64" dur="1" fill="hold">
+                                          <p:stCondLst>
+                                            <p:cond delay="0"/>
+                                          </p:stCondLst>
+                                        </p:cTn>
+                                        <p:tgtEl>
+                                          <p:spTgt spid="5">
+                                            <p:txEl>
+                                              <p:pRg st="6" end="6"/>
+                                            </p:txEl>
+                                          </p:spTgt>
+                                        </p:tgtEl>
+                                        <p:attrNameLst>
+                                          <p:attrName>style.visibility</p:attrName>
+                                        </p:attrNameLst>
+                                      </p:cBhvr>
+                                      <p:to>
+                                        <p:strVal val="visible"/>
+                                      </p:to>
+                                    </p:set>
+                                    <p:animEffect transition="in" filter="fade">
+                                      <p:cBhvr>
+                                        <p:cTn id="65" dur="500"/>
+                                        <p:tgtEl>
+                                          <p:spTgt spid="5">
+                                            <p:txEl>
+                                              <p:pRg st="6" end="6"/>
+                                            </p:txEl>
+                                          </p:spTgt>
+                                        </p:tgtEl>
+                                      </p:cBhvr>
+                                    </p:animEffect>
+                                  </p:childTnLst>
+                                </p:cTn>
+                              </p:par>
+                            </p:childTnLst>
+                          </p:cTn>
+                        </p:par>
+                      </p:childTnLst>
+                    </p:cTn>
+                  </p:par>
+                </p:childTnLst>
+              </p:cTn>
+              <p:prevCondLst>
+                <p:cond evt="onPrev" delay="0">
+                  <p:tgtEl>
+                    <p:sldTgt/>
+                  </p:tgtEl>
+                </p:cond>
+              </p:prevCondLst>
+              <p:nextCondLst>
+                <p:cond evt="onNext" delay="0">
+                  <p:tgtEl>
+                    <p:sldTgt/>
+                  </p:tgtEl>
+                </p:cond>
+              </p:nextCondLst>
+            </p:seq>
+          </p:childTnLst>
+        </p:cTn>
       </p:par>
     </p:tnLst>
+    <p:bldLst>
+      <p:bldP spid="4" grpId="0"/>
+      <p:bldP spid="16" grpId="0"/>
+    </p:bldLst>
   </p:timing>
 </p:sld>
 </file>
@@ -8045,144 +9032,449 @@
       </p:grpSpPr>
       <p:sp>
         <p:nvSpPr>
-          <p:cNvPr id="2" name="Titre 1"/>
-          <p:cNvSpPr>
-            <a:spLocks noGrp="1"/>
-          </p:cNvSpPr>
-          <p:nvPr>
-            <p:ph type="title"/>
-          </p:nvPr>
+          <p:cNvPr id="4" name="ZoneTexte 3"/>
+          <p:cNvSpPr txBox="1"/>
+          <p:nvPr/>
         </p:nvSpPr>
-        <p:spPr/>
+        <p:spPr>
+          <a:xfrm>
+            <a:off x="1662545" y="768927"/>
+            <a:ext cx="7813964" cy="1569660"/>
+          </a:xfrm>
+          <a:prstGeom prst="rect">
+            <a:avLst/>
+          </a:prstGeom>
+          <a:noFill/>
+        </p:spPr>
         <p:txBody>
-          <a:bodyPr/>
+          <a:bodyPr wrap="square" rtlCol="0">
+            <a:spAutoFit/>
+          </a:bodyPr>
           <a:lstStyle/>
           <a:p>
             <a:r>
-              <a:rPr lang="fr-FR" dirty="0" smtClean="0"/>
-              <a:t>Fonctions communes à toutes les séquences S</a:t>
-            </a:r>
+              <a:rPr lang="fr-FR" sz="9600" dirty="0" err="1">
+                <a:latin typeface="Calibri" panose="020F0502020204030204" pitchFamily="34" charset="0"/>
+              </a:rPr>
+              <a:t>e</a:t>
+            </a:r>
+            <a:r>
+              <a:rPr lang="fr-FR" sz="9600" dirty="0" err="1" smtClean="0">
+                <a:latin typeface="Calibri" panose="020F0502020204030204" pitchFamily="34" charset="0"/>
+              </a:rPr>
+              <a:t>gg</a:t>
+            </a:r>
+            <a:r>
+              <a:rPr lang="fr-FR" sz="9600" dirty="0" smtClean="0">
+                <a:latin typeface="Calibri" panose="020F0502020204030204" pitchFamily="34" charset="0"/>
+              </a:rPr>
+              <a:t>, bacon</a:t>
+            </a:r>
+            <a:endParaRPr lang="fr-FR" sz="9600" dirty="0">
+              <a:latin typeface="Calibri" panose="020F0502020204030204" pitchFamily="34" charset="0"/>
+            </a:endParaRPr>
           </a:p>
         </p:txBody>
       </p:sp>
       <p:sp>
         <p:nvSpPr>
-          <p:cNvPr id="3" name="Espace réservé du contenu 2"/>
-          <p:cNvSpPr>
-            <a:spLocks noGrp="1"/>
-          </p:cNvSpPr>
-          <p:nvPr>
-            <p:ph idx="1"/>
-          </p:nvPr>
+          <p:cNvPr id="5" name="ZoneTexte 4"/>
+          <p:cNvSpPr txBox="1"/>
+          <p:nvPr/>
         </p:nvSpPr>
         <p:spPr>
           <a:xfrm>
-            <a:off x="457199" y="1600200"/>
-            <a:ext cx="8523027" cy="4525963"/>
+            <a:off x="0" y="2661337"/>
+            <a:ext cx="8541327" cy="3785652"/>
           </a:xfrm>
+          <a:prstGeom prst="rect">
+            <a:avLst/>
+          </a:prstGeom>
+          <a:noFill/>
         </p:spPr>
         <p:txBody>
-          <a:bodyPr/>
+          <a:bodyPr wrap="square" rtlCol="0">
+            <a:spAutoFit/>
+          </a:bodyPr>
           <a:lstStyle/>
           <a:p>
             <a:r>
               <a:rPr lang="fr-FR" dirty="0" smtClean="0">
-                <a:latin typeface="Courier New" pitchFamily="49" charset="0"/>
-                <a:cs typeface="Courier New" pitchFamily="49" charset="0"/>
-              </a:rPr>
-              <a:t>S[i]</a:t>
-            </a:r>
-          </a:p>
-          <a:p>
-            <a:pPr lvl="1"/>
-            <a:r>
-              <a:rPr lang="fr-FR" dirty="0" smtClean="0"/>
-              <a:t>Retourne l’élément i</a:t>
-            </a:r>
-          </a:p>
-          <a:p>
+                <a:latin typeface="Courier New" panose="02070309020205020404" pitchFamily="49" charset="0"/>
+                <a:cs typeface="Courier New" panose="02070309020205020404" pitchFamily="49" charset="0"/>
+              </a:rPr>
+              <a:t>&gt;&gt;&gt; s </a:t>
+            </a:r>
+            <a:r>
+              <a:rPr lang="fr-FR" dirty="0">
+                <a:latin typeface="Courier New" panose="02070309020205020404" pitchFamily="49" charset="0"/>
+                <a:cs typeface="Courier New" panose="02070309020205020404" pitchFamily="49" charset="0"/>
+              </a:rPr>
+              <a:t>= '</a:t>
+            </a:r>
+            <a:r>
+              <a:rPr lang="fr-FR" dirty="0" err="1">
+                <a:latin typeface="Courier New" panose="02070309020205020404" pitchFamily="49" charset="0"/>
+                <a:cs typeface="Courier New" panose="02070309020205020404" pitchFamily="49" charset="0"/>
+              </a:rPr>
+              <a:t>egg</a:t>
+            </a:r>
+            <a:r>
+              <a:rPr lang="fr-FR" dirty="0">
+                <a:latin typeface="Courier New" panose="02070309020205020404" pitchFamily="49" charset="0"/>
+                <a:cs typeface="Courier New" panose="02070309020205020404" pitchFamily="49" charset="0"/>
+              </a:rPr>
+              <a:t>, bacon' </a:t>
+            </a:r>
+            <a:endParaRPr lang="fr-FR" dirty="0" smtClean="0">
+              <a:latin typeface="Courier New" panose="02070309020205020404" pitchFamily="49" charset="0"/>
+              <a:cs typeface="Courier New" panose="02070309020205020404" pitchFamily="49" charset="0"/>
+            </a:endParaRPr>
+          </a:p>
+          <a:p>
+            <a:r>
+              <a:rPr lang="fr-FR" dirty="0" smtClean="0">
+                <a:latin typeface="Courier New" panose="02070309020205020404" pitchFamily="49" charset="0"/>
+                <a:cs typeface="Courier New" panose="02070309020205020404" pitchFamily="49" charset="0"/>
+              </a:rPr>
+              <a:t>&gt;&gt;&gt; s[0:10:2]</a:t>
+            </a:r>
+          </a:p>
+          <a:p>
+            <a:r>
+              <a:rPr lang="fr-FR" dirty="0">
+                <a:latin typeface="Courier New" panose="02070309020205020404" pitchFamily="49" charset="0"/>
+                <a:cs typeface="Courier New" panose="02070309020205020404" pitchFamily="49" charset="0"/>
+              </a:rPr>
+              <a:t>'</a:t>
+            </a:r>
+            <a:r>
+              <a:rPr lang="fr-FR" dirty="0" err="1">
+                <a:latin typeface="Courier New" panose="02070309020205020404" pitchFamily="49" charset="0"/>
+                <a:cs typeface="Courier New" panose="02070309020205020404" pitchFamily="49" charset="0"/>
+              </a:rPr>
+              <a:t>eg</a:t>
+            </a:r>
+            <a:r>
+              <a:rPr lang="fr-FR" dirty="0">
+                <a:latin typeface="Courier New" panose="02070309020205020404" pitchFamily="49" charset="0"/>
+                <a:cs typeface="Courier New" panose="02070309020205020404" pitchFamily="49" charset="0"/>
+              </a:rPr>
+              <a:t> </a:t>
+            </a:r>
             <a:r>
               <a:rPr lang="fr-FR" dirty="0" err="1" smtClean="0">
-                <a:latin typeface="Courier New" pitchFamily="49" charset="0"/>
-                <a:cs typeface="Courier New" pitchFamily="49" charset="0"/>
-              </a:rPr>
-              <a:t>len</a:t>
+                <a:latin typeface="Courier New" panose="02070309020205020404" pitchFamily="49" charset="0"/>
+                <a:cs typeface="Courier New" panose="02070309020205020404" pitchFamily="49" charset="0"/>
+              </a:rPr>
+              <a:t>ao</a:t>
             </a:r>
             <a:r>
               <a:rPr lang="fr-FR" dirty="0" smtClean="0">
-                <a:latin typeface="Courier New" pitchFamily="49" charset="0"/>
-                <a:cs typeface="Courier New" pitchFamily="49" charset="0"/>
-              </a:rPr>
-              <a:t>(S) </a:t>
-            </a:r>
-          </a:p>
-          <a:p>
-            <a:pPr lvl="1"/>
-            <a:r>
-              <a:rPr lang="fr-FR" dirty="0" smtClean="0"/>
-              <a:t>donne la taille en nombre d’éléments</a:t>
+                <a:latin typeface="Courier New" panose="02070309020205020404" pitchFamily="49" charset="0"/>
+                <a:cs typeface="Courier New" panose="02070309020205020404" pitchFamily="49" charset="0"/>
+              </a:rPr>
+              <a:t>'</a:t>
+            </a:r>
+          </a:p>
+          <a:p>
+            <a:r>
+              <a:rPr lang="fr-FR" dirty="0" smtClean="0">
+                <a:latin typeface="Courier New" panose="02070309020205020404" pitchFamily="49" charset="0"/>
+                <a:cs typeface="Courier New" panose="02070309020205020404" pitchFamily="49" charset="0"/>
+              </a:rPr>
+              <a:t>&gt;&gt;&gt; s[::2]</a:t>
             </a:r>
           </a:p>
           <a:p>
             <a:r>
               <a:rPr lang="fr-FR" dirty="0">
-                <a:latin typeface="Courier New" pitchFamily="49" charset="0"/>
-                <a:cs typeface="Courier New" pitchFamily="49" charset="0"/>
-              </a:rPr>
-              <a:t>m</a:t>
-            </a:r>
+                <a:latin typeface="Courier New" panose="02070309020205020404" pitchFamily="49" charset="0"/>
+                <a:cs typeface="Courier New" panose="02070309020205020404" pitchFamily="49" charset="0"/>
+              </a:rPr>
+              <a:t>'</a:t>
+            </a:r>
+            <a:r>
+              <a:rPr lang="fr-FR" dirty="0" err="1">
+                <a:latin typeface="Courier New" panose="02070309020205020404" pitchFamily="49" charset="0"/>
+                <a:cs typeface="Courier New" panose="02070309020205020404" pitchFamily="49" charset="0"/>
+              </a:rPr>
+              <a:t>eg</a:t>
+            </a:r>
+            <a:r>
+              <a:rPr lang="fr-FR" dirty="0">
+                <a:latin typeface="Courier New" panose="02070309020205020404" pitchFamily="49" charset="0"/>
+                <a:cs typeface="Courier New" panose="02070309020205020404" pitchFamily="49" charset="0"/>
+              </a:rPr>
+              <a:t> </a:t>
+            </a:r>
+            <a:r>
+              <a:rPr lang="fr-FR" dirty="0" err="1">
+                <a:latin typeface="Courier New" panose="02070309020205020404" pitchFamily="49" charset="0"/>
+                <a:cs typeface="Courier New" panose="02070309020205020404" pitchFamily="49" charset="0"/>
+              </a:rPr>
+              <a:t>ao</a:t>
+            </a:r>
+            <a:r>
+              <a:rPr lang="fr-FR" dirty="0">
+                <a:latin typeface="Courier New" panose="02070309020205020404" pitchFamily="49" charset="0"/>
+                <a:cs typeface="Courier New" panose="02070309020205020404" pitchFamily="49" charset="0"/>
+              </a:rPr>
+              <a:t>'</a:t>
+            </a:r>
+          </a:p>
+          <a:p>
             <a:r>
               <a:rPr lang="fr-FR" dirty="0" smtClean="0">
-                <a:latin typeface="Courier New" pitchFamily="49" charset="0"/>
-                <a:cs typeface="Courier New" pitchFamily="49" charset="0"/>
-              </a:rPr>
-              <a:t>in(S)</a:t>
-            </a:r>
-            <a:r>
-              <a:rPr lang="fr-FR" dirty="0" smtClean="0"/>
-              <a:t> (</a:t>
-            </a:r>
-            <a:r>
-              <a:rPr lang="fr-FR" dirty="0" err="1" smtClean="0"/>
-              <a:t>resp</a:t>
-            </a:r>
-            <a:r>
-              <a:rPr lang="fr-FR" dirty="0" smtClean="0"/>
-              <a:t>. </a:t>
-            </a:r>
+                <a:latin typeface="Courier New" panose="02070309020205020404" pitchFamily="49" charset="0"/>
+                <a:cs typeface="Courier New" panose="02070309020205020404" pitchFamily="49" charset="0"/>
+              </a:rPr>
+              <a:t>&gt;&gt;&gt; s[:8:3]</a:t>
+            </a:r>
+          </a:p>
+          <a:p>
             <a:r>
               <a:rPr lang="fr-FR" dirty="0" smtClean="0">
-                <a:latin typeface="Courier New" pitchFamily="49" charset="0"/>
-                <a:cs typeface="Courier New" pitchFamily="49" charset="0"/>
-              </a:rPr>
-              <a:t>max(S)</a:t>
-            </a:r>
-            <a:r>
-              <a:rPr lang="fr-FR" dirty="0" smtClean="0"/>
-              <a:t>)</a:t>
-            </a:r>
-          </a:p>
-          <a:p>
-            <a:pPr lvl="1"/>
-            <a:r>
-              <a:rPr lang="fr-FR" dirty="0" smtClean="0"/>
-              <a:t>Retourne le plus petit (</a:t>
-            </a:r>
-            <a:r>
-              <a:rPr lang="fr-FR" dirty="0" err="1" smtClean="0"/>
-              <a:t>resp</a:t>
-            </a:r>
-            <a:r>
-              <a:rPr lang="fr-FR" dirty="0" smtClean="0"/>
-              <a:t>. le plus grand) élément de S</a:t>
-            </a:r>
+                <a:latin typeface="Courier New" panose="02070309020205020404" pitchFamily="49" charset="0"/>
+                <a:cs typeface="Courier New" panose="02070309020205020404" pitchFamily="49" charset="0"/>
+              </a:rPr>
+              <a:t>'</a:t>
+            </a:r>
+            <a:r>
+              <a:rPr lang="fr-FR" dirty="0" err="1" smtClean="0">
+                <a:latin typeface="Courier New" panose="02070309020205020404" pitchFamily="49" charset="0"/>
+                <a:cs typeface="Courier New" panose="02070309020205020404" pitchFamily="49" charset="0"/>
+              </a:rPr>
+              <a:t>e,a</a:t>
+            </a:r>
+            <a:r>
+              <a:rPr lang="fr-FR" dirty="0" smtClean="0">
+                <a:latin typeface="Courier New" panose="02070309020205020404" pitchFamily="49" charset="0"/>
+                <a:cs typeface="Courier New" panose="02070309020205020404" pitchFamily="49" charset="0"/>
+              </a:rPr>
+              <a:t>'</a:t>
+            </a:r>
+          </a:p>
+          <a:p>
+            <a:r>
+              <a:rPr lang="fr-FR" dirty="0">
+                <a:latin typeface="Courier New" panose="02070309020205020404" pitchFamily="49" charset="0"/>
+                <a:cs typeface="Courier New" panose="02070309020205020404" pitchFamily="49" charset="0"/>
+              </a:rPr>
+              <a:t>&gt;&gt;&gt; </a:t>
+            </a:r>
+            <a:r>
+              <a:rPr lang="fr-FR" dirty="0" smtClean="0">
+                <a:latin typeface="Courier New" panose="02070309020205020404" pitchFamily="49" charset="0"/>
+                <a:cs typeface="Courier New" panose="02070309020205020404" pitchFamily="49" charset="0"/>
+              </a:rPr>
+              <a:t>s[2::3]</a:t>
+            </a:r>
+          </a:p>
+          <a:p>
+            <a:r>
+              <a:rPr lang="fr-FR" dirty="0" smtClean="0">
+                <a:latin typeface="Courier New" panose="02070309020205020404" pitchFamily="49" charset="0"/>
+                <a:cs typeface="Courier New" panose="02070309020205020404" pitchFamily="49" charset="0"/>
+              </a:rPr>
+              <a:t>'</a:t>
+            </a:r>
+            <a:r>
+              <a:rPr lang="fr-FR" dirty="0" err="1" smtClean="0">
+                <a:latin typeface="Courier New" panose="02070309020205020404" pitchFamily="49" charset="0"/>
+                <a:cs typeface="Courier New" panose="02070309020205020404" pitchFamily="49" charset="0"/>
+              </a:rPr>
+              <a:t>gbo</a:t>
+            </a:r>
+            <a:r>
+              <a:rPr lang="fr-FR" dirty="0" smtClean="0">
+                <a:latin typeface="Courier New" panose="02070309020205020404" pitchFamily="49" charset="0"/>
+                <a:cs typeface="Courier New" panose="02070309020205020404" pitchFamily="49" charset="0"/>
+              </a:rPr>
+              <a:t>'</a:t>
+            </a:r>
+          </a:p>
+          <a:p>
+            <a:endParaRPr lang="fr-FR" dirty="0">
+              <a:latin typeface="Courier New" panose="02070309020205020404" pitchFamily="49" charset="0"/>
+              <a:cs typeface="Courier New" panose="02070309020205020404" pitchFamily="49" charset="0"/>
+            </a:endParaRPr>
+          </a:p>
+        </p:txBody>
+      </p:sp>
+      <p:cxnSp>
+        <p:nvCxnSpPr>
+          <p:cNvPr id="11" name="Connecteur droit avec flèche 10"/>
+          <p:cNvCxnSpPr/>
+          <p:nvPr/>
+        </p:nvCxnSpPr>
+        <p:spPr bwMode="auto">
+          <a:xfrm>
+            <a:off x="1995055" y="290945"/>
+            <a:ext cx="0" cy="872837"/>
+          </a:xfrm>
+          <a:prstGeom prst="straightConnector1">
+            <a:avLst/>
+          </a:prstGeom>
+          <a:noFill/>
+          <a:ln w="73025" cap="flat" cmpd="sng" algn="ctr">
+            <a:solidFill>
+              <a:schemeClr val="tx1"/>
+            </a:solidFill>
+            <a:prstDash val="solid"/>
+            <a:round/>
+            <a:headEnd type="none" w="med" len="med"/>
+            <a:tailEnd type="triangle" w="med" len="med"/>
+          </a:ln>
+          <a:effectLst/>
+        </p:spPr>
+      </p:cxnSp>
+      <p:cxnSp>
+        <p:nvCxnSpPr>
+          <p:cNvPr id="12" name="Connecteur droit avec flèche 11"/>
+          <p:cNvCxnSpPr/>
+          <p:nvPr/>
+        </p:nvCxnSpPr>
+        <p:spPr bwMode="auto">
+          <a:xfrm>
+            <a:off x="3228110" y="290945"/>
+            <a:ext cx="0" cy="872837"/>
+          </a:xfrm>
+          <a:prstGeom prst="straightConnector1">
+            <a:avLst/>
+          </a:prstGeom>
+          <a:noFill/>
+          <a:ln w="73025" cap="flat" cmpd="sng" algn="ctr">
+            <a:solidFill>
+              <a:schemeClr val="tx1"/>
+            </a:solidFill>
+            <a:prstDash val="solid"/>
+            <a:round/>
+            <a:headEnd type="none" w="med" len="med"/>
+            <a:tailEnd type="triangle" w="med" len="med"/>
+          </a:ln>
+          <a:effectLst/>
+        </p:spPr>
+      </p:cxnSp>
+      <p:cxnSp>
+        <p:nvCxnSpPr>
+          <p:cNvPr id="13" name="Connecteur droit avec flèche 12"/>
+          <p:cNvCxnSpPr/>
+          <p:nvPr/>
+        </p:nvCxnSpPr>
+        <p:spPr bwMode="auto">
+          <a:xfrm>
+            <a:off x="3955473" y="290945"/>
+            <a:ext cx="0" cy="872837"/>
+          </a:xfrm>
+          <a:prstGeom prst="straightConnector1">
+            <a:avLst/>
+          </a:prstGeom>
+          <a:noFill/>
+          <a:ln w="73025" cap="flat" cmpd="sng" algn="ctr">
+            <a:solidFill>
+              <a:schemeClr val="tx1"/>
+            </a:solidFill>
+            <a:prstDash val="solid"/>
+            <a:round/>
+            <a:headEnd type="none" w="med" len="med"/>
+            <a:tailEnd type="triangle" w="med" len="med"/>
+          </a:ln>
+          <a:effectLst/>
+        </p:spPr>
+      </p:cxnSp>
+      <p:cxnSp>
+        <p:nvCxnSpPr>
+          <p:cNvPr id="14" name="Connecteur droit avec flèche 13"/>
+          <p:cNvCxnSpPr/>
+          <p:nvPr/>
+        </p:nvCxnSpPr>
+        <p:spPr bwMode="auto">
+          <a:xfrm>
+            <a:off x="4980709" y="290945"/>
+            <a:ext cx="0" cy="872837"/>
+          </a:xfrm>
+          <a:prstGeom prst="straightConnector1">
+            <a:avLst/>
+          </a:prstGeom>
+          <a:noFill/>
+          <a:ln w="73025" cap="flat" cmpd="sng" algn="ctr">
+            <a:solidFill>
+              <a:schemeClr val="tx1"/>
+            </a:solidFill>
+            <a:prstDash val="solid"/>
+            <a:round/>
+            <a:headEnd type="none" w="med" len="med"/>
+            <a:tailEnd type="triangle" w="med" len="med"/>
+          </a:ln>
+          <a:effectLst/>
+        </p:spPr>
+      </p:cxnSp>
+      <p:cxnSp>
+        <p:nvCxnSpPr>
+          <p:cNvPr id="15" name="Connecteur droit avec flèche 14"/>
+          <p:cNvCxnSpPr/>
+          <p:nvPr/>
+        </p:nvCxnSpPr>
+        <p:spPr bwMode="auto">
+          <a:xfrm>
+            <a:off x="6130637" y="290945"/>
+            <a:ext cx="0" cy="872837"/>
+          </a:xfrm>
+          <a:prstGeom prst="straightConnector1">
+            <a:avLst/>
+          </a:prstGeom>
+          <a:noFill/>
+          <a:ln w="73025" cap="flat" cmpd="sng" algn="ctr">
+            <a:solidFill>
+              <a:schemeClr val="tx1"/>
+            </a:solidFill>
+            <a:prstDash val="solid"/>
+            <a:round/>
+            <a:headEnd type="none" w="med" len="med"/>
+            <a:tailEnd type="triangle" w="med" len="med"/>
+          </a:ln>
+          <a:effectLst/>
+        </p:spPr>
+      </p:cxnSp>
+      <p:sp>
+        <p:nvSpPr>
+          <p:cNvPr id="16" name="ZoneTexte 15"/>
+          <p:cNvSpPr txBox="1"/>
+          <p:nvPr/>
+        </p:nvSpPr>
+        <p:spPr>
+          <a:xfrm>
+            <a:off x="1662545" y="2199672"/>
+            <a:ext cx="6858000" cy="461665"/>
+          </a:xfrm>
+          <a:prstGeom prst="rect">
+            <a:avLst/>
+          </a:prstGeom>
+          <a:noFill/>
+        </p:spPr>
+        <p:txBody>
+          <a:bodyPr wrap="square" rtlCol="0">
+            <a:spAutoFit/>
+          </a:bodyPr>
+          <a:lstStyle/>
+          <a:p>
+            <a:r>
+              <a:rPr lang="fr-FR" dirty="0" smtClean="0">
+                <a:latin typeface="Calibri" panose="020F0502020204030204" pitchFamily="34" charset="0"/>
+              </a:rPr>
+              <a:t>  0        1      2    3   4     5      6      7      8       9        </a:t>
+            </a:r>
+            <a:endParaRPr lang="fr-FR" dirty="0">
+              <a:latin typeface="Calibri" panose="020F0502020204030204" pitchFamily="34" charset="0"/>
+            </a:endParaRPr>
           </a:p>
         </p:txBody>
       </p:sp>
     </p:spTree>
     <p:extLst>
       <p:ext uri="{BB962C8B-B14F-4D97-AF65-F5344CB8AC3E}">
-        <p14:creationId xmlns:p14="http://schemas.microsoft.com/office/powerpoint/2010/main" val="862217260"/>
+        <p14:creationId xmlns:p14="http://schemas.microsoft.com/office/powerpoint/2010/main" val="2799135610"/>
       </p:ext>
     </p:extLst>
   </p:cSld>
@@ -8192,9 +9484,772 @@
   <p:timing>
     <p:tnLst>
       <p:par>
-        <p:cTn id="1" dur="indefinite" restart="never" nodeType="tmRoot"/>
+        <p:cTn id="1" dur="indefinite" restart="never" nodeType="tmRoot">
+          <p:childTnLst>
+            <p:seq concurrent="1" nextAc="seek">
+              <p:cTn id="2" dur="indefinite" nodeType="mainSeq">
+                <p:childTnLst>
+                  <p:par>
+                    <p:cTn id="3" fill="hold">
+                      <p:stCondLst>
+                        <p:cond delay="indefinite"/>
+                      </p:stCondLst>
+                      <p:childTnLst>
+                        <p:par>
+                          <p:cTn id="4" fill="hold">
+                            <p:stCondLst>
+                              <p:cond delay="0"/>
+                            </p:stCondLst>
+                            <p:childTnLst>
+                              <p:par>
+                                <p:cTn id="5" presetID="10" presetClass="entr" presetSubtype="0" fill="hold" nodeType="clickEffect">
+                                  <p:stCondLst>
+                                    <p:cond delay="0"/>
+                                  </p:stCondLst>
+                                  <p:childTnLst>
+                                    <p:set>
+                                      <p:cBhvr>
+                                        <p:cTn id="6" dur="1" fill="hold">
+                                          <p:stCondLst>
+                                            <p:cond delay="0"/>
+                                          </p:stCondLst>
+                                        </p:cTn>
+                                        <p:tgtEl>
+                                          <p:spTgt spid="5">
+                                            <p:txEl>
+                                              <p:pRg st="0" end="0"/>
+                                            </p:txEl>
+                                          </p:spTgt>
+                                        </p:tgtEl>
+                                        <p:attrNameLst>
+                                          <p:attrName>style.visibility</p:attrName>
+                                        </p:attrNameLst>
+                                      </p:cBhvr>
+                                      <p:to>
+                                        <p:strVal val="visible"/>
+                                      </p:to>
+                                    </p:set>
+                                    <p:animEffect transition="in" filter="fade">
+                                      <p:cBhvr>
+                                        <p:cTn id="7" dur="500"/>
+                                        <p:tgtEl>
+                                          <p:spTgt spid="5">
+                                            <p:txEl>
+                                              <p:pRg st="0" end="0"/>
+                                            </p:txEl>
+                                          </p:spTgt>
+                                        </p:tgtEl>
+                                      </p:cBhvr>
+                                    </p:animEffect>
+                                  </p:childTnLst>
+                                </p:cTn>
+                              </p:par>
+                              <p:par>
+                                <p:cTn id="8" presetID="10" presetClass="entr" presetSubtype="0" fill="hold" grpId="0" nodeType="withEffect">
+                                  <p:stCondLst>
+                                    <p:cond delay="0"/>
+                                  </p:stCondLst>
+                                  <p:childTnLst>
+                                    <p:set>
+                                      <p:cBhvr>
+                                        <p:cTn id="9" dur="1" fill="hold">
+                                          <p:stCondLst>
+                                            <p:cond delay="0"/>
+                                          </p:stCondLst>
+                                        </p:cTn>
+                                        <p:tgtEl>
+                                          <p:spTgt spid="4"/>
+                                        </p:tgtEl>
+                                        <p:attrNameLst>
+                                          <p:attrName>style.visibility</p:attrName>
+                                        </p:attrNameLst>
+                                      </p:cBhvr>
+                                      <p:to>
+                                        <p:strVal val="visible"/>
+                                      </p:to>
+                                    </p:set>
+                                    <p:animEffect transition="in" filter="fade">
+                                      <p:cBhvr>
+                                        <p:cTn id="10" dur="500"/>
+                                        <p:tgtEl>
+                                          <p:spTgt spid="4"/>
+                                        </p:tgtEl>
+                                      </p:cBhvr>
+                                    </p:animEffect>
+                                  </p:childTnLst>
+                                </p:cTn>
+                              </p:par>
+                              <p:par>
+                                <p:cTn id="11" presetID="1" presetClass="entr" presetSubtype="0" fill="hold" grpId="0" nodeType="withEffect">
+                                  <p:stCondLst>
+                                    <p:cond delay="0"/>
+                                  </p:stCondLst>
+                                  <p:childTnLst>
+                                    <p:set>
+                                      <p:cBhvr>
+                                        <p:cTn id="12" dur="1" fill="hold">
+                                          <p:stCondLst>
+                                            <p:cond delay="0"/>
+                                          </p:stCondLst>
+                                        </p:cTn>
+                                        <p:tgtEl>
+                                          <p:spTgt spid="16"/>
+                                        </p:tgtEl>
+                                        <p:attrNameLst>
+                                          <p:attrName>style.visibility</p:attrName>
+                                        </p:attrNameLst>
+                                      </p:cBhvr>
+                                      <p:to>
+                                        <p:strVal val="visible"/>
+                                      </p:to>
+                                    </p:set>
+                                  </p:childTnLst>
+                                </p:cTn>
+                              </p:par>
+                            </p:childTnLst>
+                          </p:cTn>
+                        </p:par>
+                      </p:childTnLst>
+                    </p:cTn>
+                  </p:par>
+                  <p:par>
+                    <p:cTn id="13" fill="hold">
+                      <p:stCondLst>
+                        <p:cond delay="indefinite"/>
+                      </p:stCondLst>
+                      <p:childTnLst>
+                        <p:par>
+                          <p:cTn id="14" fill="hold">
+                            <p:stCondLst>
+                              <p:cond delay="0"/>
+                            </p:stCondLst>
+                            <p:childTnLst>
+                              <p:par>
+                                <p:cTn id="15" presetID="10" presetClass="entr" presetSubtype="0" fill="hold" nodeType="clickEffect">
+                                  <p:stCondLst>
+                                    <p:cond delay="0"/>
+                                  </p:stCondLst>
+                                  <p:childTnLst>
+                                    <p:set>
+                                      <p:cBhvr>
+                                        <p:cTn id="16" dur="1" fill="hold">
+                                          <p:stCondLst>
+                                            <p:cond delay="0"/>
+                                          </p:stCondLst>
+                                        </p:cTn>
+                                        <p:tgtEl>
+                                          <p:spTgt spid="5">
+                                            <p:txEl>
+                                              <p:pRg st="1" end="1"/>
+                                            </p:txEl>
+                                          </p:spTgt>
+                                        </p:tgtEl>
+                                        <p:attrNameLst>
+                                          <p:attrName>style.visibility</p:attrName>
+                                        </p:attrNameLst>
+                                      </p:cBhvr>
+                                      <p:to>
+                                        <p:strVal val="visible"/>
+                                      </p:to>
+                                    </p:set>
+                                    <p:animEffect transition="in" filter="fade">
+                                      <p:cBhvr>
+                                        <p:cTn id="17" dur="500"/>
+                                        <p:tgtEl>
+                                          <p:spTgt spid="5">
+                                            <p:txEl>
+                                              <p:pRg st="1" end="1"/>
+                                            </p:txEl>
+                                          </p:spTgt>
+                                        </p:tgtEl>
+                                      </p:cBhvr>
+                                    </p:animEffect>
+                                  </p:childTnLst>
+                                </p:cTn>
+                              </p:par>
+                              <p:par>
+                                <p:cTn id="18" presetID="10" presetClass="entr" presetSubtype="0" fill="hold" nodeType="withEffect">
+                                  <p:stCondLst>
+                                    <p:cond delay="0"/>
+                                  </p:stCondLst>
+                                  <p:childTnLst>
+                                    <p:set>
+                                      <p:cBhvr>
+                                        <p:cTn id="19" dur="1" fill="hold">
+                                          <p:stCondLst>
+                                            <p:cond delay="0"/>
+                                          </p:stCondLst>
+                                        </p:cTn>
+                                        <p:tgtEl>
+                                          <p:spTgt spid="5">
+                                            <p:txEl>
+                                              <p:pRg st="2" end="2"/>
+                                            </p:txEl>
+                                          </p:spTgt>
+                                        </p:tgtEl>
+                                        <p:attrNameLst>
+                                          <p:attrName>style.visibility</p:attrName>
+                                        </p:attrNameLst>
+                                      </p:cBhvr>
+                                      <p:to>
+                                        <p:strVal val="visible"/>
+                                      </p:to>
+                                    </p:set>
+                                    <p:animEffect transition="in" filter="fade">
+                                      <p:cBhvr>
+                                        <p:cTn id="20" dur="500"/>
+                                        <p:tgtEl>
+                                          <p:spTgt spid="5">
+                                            <p:txEl>
+                                              <p:pRg st="2" end="2"/>
+                                            </p:txEl>
+                                          </p:spTgt>
+                                        </p:tgtEl>
+                                      </p:cBhvr>
+                                    </p:animEffect>
+                                  </p:childTnLst>
+                                </p:cTn>
+                              </p:par>
+                            </p:childTnLst>
+                          </p:cTn>
+                        </p:par>
+                      </p:childTnLst>
+                    </p:cTn>
+                  </p:par>
+                  <p:par>
+                    <p:cTn id="21" fill="hold">
+                      <p:stCondLst>
+                        <p:cond delay="indefinite"/>
+                      </p:stCondLst>
+                      <p:childTnLst>
+                        <p:par>
+                          <p:cTn id="22" fill="hold">
+                            <p:stCondLst>
+                              <p:cond delay="0"/>
+                            </p:stCondLst>
+                            <p:childTnLst>
+                              <p:par>
+                                <p:cTn id="23" presetID="10" presetClass="entr" presetSubtype="0" fill="hold" nodeType="clickEffect">
+                                  <p:stCondLst>
+                                    <p:cond delay="0"/>
+                                  </p:stCondLst>
+                                  <p:childTnLst>
+                                    <p:set>
+                                      <p:cBhvr>
+                                        <p:cTn id="24" dur="1" fill="hold">
+                                          <p:stCondLst>
+                                            <p:cond delay="0"/>
+                                          </p:stCondLst>
+                                        </p:cTn>
+                                        <p:tgtEl>
+                                          <p:spTgt spid="11"/>
+                                        </p:tgtEl>
+                                        <p:attrNameLst>
+                                          <p:attrName>style.visibility</p:attrName>
+                                        </p:attrNameLst>
+                                      </p:cBhvr>
+                                      <p:to>
+                                        <p:strVal val="visible"/>
+                                      </p:to>
+                                    </p:set>
+                                    <p:animEffect transition="in" filter="fade">
+                                      <p:cBhvr>
+                                        <p:cTn id="25" dur="500"/>
+                                        <p:tgtEl>
+                                          <p:spTgt spid="11"/>
+                                        </p:tgtEl>
+                                      </p:cBhvr>
+                                    </p:animEffect>
+                                  </p:childTnLst>
+                                </p:cTn>
+                              </p:par>
+                            </p:childTnLst>
+                          </p:cTn>
+                        </p:par>
+                      </p:childTnLst>
+                    </p:cTn>
+                  </p:par>
+                  <p:par>
+                    <p:cTn id="26" fill="hold">
+                      <p:stCondLst>
+                        <p:cond delay="indefinite"/>
+                      </p:stCondLst>
+                      <p:childTnLst>
+                        <p:par>
+                          <p:cTn id="27" fill="hold">
+                            <p:stCondLst>
+                              <p:cond delay="0"/>
+                            </p:stCondLst>
+                            <p:childTnLst>
+                              <p:par>
+                                <p:cTn id="28" presetID="10" presetClass="entr" presetSubtype="0" fill="hold" nodeType="clickEffect">
+                                  <p:stCondLst>
+                                    <p:cond delay="0"/>
+                                  </p:stCondLst>
+                                  <p:childTnLst>
+                                    <p:set>
+                                      <p:cBhvr>
+                                        <p:cTn id="29" dur="1" fill="hold">
+                                          <p:stCondLst>
+                                            <p:cond delay="0"/>
+                                          </p:stCondLst>
+                                        </p:cTn>
+                                        <p:tgtEl>
+                                          <p:spTgt spid="12"/>
+                                        </p:tgtEl>
+                                        <p:attrNameLst>
+                                          <p:attrName>style.visibility</p:attrName>
+                                        </p:attrNameLst>
+                                      </p:cBhvr>
+                                      <p:to>
+                                        <p:strVal val="visible"/>
+                                      </p:to>
+                                    </p:set>
+                                    <p:animEffect transition="in" filter="fade">
+                                      <p:cBhvr>
+                                        <p:cTn id="30" dur="500"/>
+                                        <p:tgtEl>
+                                          <p:spTgt spid="12"/>
+                                        </p:tgtEl>
+                                      </p:cBhvr>
+                                    </p:animEffect>
+                                  </p:childTnLst>
+                                </p:cTn>
+                              </p:par>
+                            </p:childTnLst>
+                          </p:cTn>
+                        </p:par>
+                      </p:childTnLst>
+                    </p:cTn>
+                  </p:par>
+                  <p:par>
+                    <p:cTn id="31" fill="hold">
+                      <p:stCondLst>
+                        <p:cond delay="indefinite"/>
+                      </p:stCondLst>
+                      <p:childTnLst>
+                        <p:par>
+                          <p:cTn id="32" fill="hold">
+                            <p:stCondLst>
+                              <p:cond delay="0"/>
+                            </p:stCondLst>
+                            <p:childTnLst>
+                              <p:par>
+                                <p:cTn id="33" presetID="10" presetClass="entr" presetSubtype="0" fill="hold" nodeType="clickEffect">
+                                  <p:stCondLst>
+                                    <p:cond delay="0"/>
+                                  </p:stCondLst>
+                                  <p:childTnLst>
+                                    <p:set>
+                                      <p:cBhvr>
+                                        <p:cTn id="34" dur="1" fill="hold">
+                                          <p:stCondLst>
+                                            <p:cond delay="0"/>
+                                          </p:stCondLst>
+                                        </p:cTn>
+                                        <p:tgtEl>
+                                          <p:spTgt spid="13"/>
+                                        </p:tgtEl>
+                                        <p:attrNameLst>
+                                          <p:attrName>style.visibility</p:attrName>
+                                        </p:attrNameLst>
+                                      </p:cBhvr>
+                                      <p:to>
+                                        <p:strVal val="visible"/>
+                                      </p:to>
+                                    </p:set>
+                                    <p:animEffect transition="in" filter="fade">
+                                      <p:cBhvr>
+                                        <p:cTn id="35" dur="500"/>
+                                        <p:tgtEl>
+                                          <p:spTgt spid="13"/>
+                                        </p:tgtEl>
+                                      </p:cBhvr>
+                                    </p:animEffect>
+                                  </p:childTnLst>
+                                </p:cTn>
+                              </p:par>
+                            </p:childTnLst>
+                          </p:cTn>
+                        </p:par>
+                      </p:childTnLst>
+                    </p:cTn>
+                  </p:par>
+                  <p:par>
+                    <p:cTn id="36" fill="hold">
+                      <p:stCondLst>
+                        <p:cond delay="indefinite"/>
+                      </p:stCondLst>
+                      <p:childTnLst>
+                        <p:par>
+                          <p:cTn id="37" fill="hold">
+                            <p:stCondLst>
+                              <p:cond delay="0"/>
+                            </p:stCondLst>
+                            <p:childTnLst>
+                              <p:par>
+                                <p:cTn id="38" presetID="10" presetClass="entr" presetSubtype="0" fill="hold" nodeType="clickEffect">
+                                  <p:stCondLst>
+                                    <p:cond delay="0"/>
+                                  </p:stCondLst>
+                                  <p:childTnLst>
+                                    <p:set>
+                                      <p:cBhvr>
+                                        <p:cTn id="39" dur="1" fill="hold">
+                                          <p:stCondLst>
+                                            <p:cond delay="0"/>
+                                          </p:stCondLst>
+                                        </p:cTn>
+                                        <p:tgtEl>
+                                          <p:spTgt spid="14"/>
+                                        </p:tgtEl>
+                                        <p:attrNameLst>
+                                          <p:attrName>style.visibility</p:attrName>
+                                        </p:attrNameLst>
+                                      </p:cBhvr>
+                                      <p:to>
+                                        <p:strVal val="visible"/>
+                                      </p:to>
+                                    </p:set>
+                                    <p:animEffect transition="in" filter="fade">
+                                      <p:cBhvr>
+                                        <p:cTn id="40" dur="500"/>
+                                        <p:tgtEl>
+                                          <p:spTgt spid="14"/>
+                                        </p:tgtEl>
+                                      </p:cBhvr>
+                                    </p:animEffect>
+                                  </p:childTnLst>
+                                </p:cTn>
+                              </p:par>
+                            </p:childTnLst>
+                          </p:cTn>
+                        </p:par>
+                      </p:childTnLst>
+                    </p:cTn>
+                  </p:par>
+                  <p:par>
+                    <p:cTn id="41" fill="hold">
+                      <p:stCondLst>
+                        <p:cond delay="indefinite"/>
+                      </p:stCondLst>
+                      <p:childTnLst>
+                        <p:par>
+                          <p:cTn id="42" fill="hold">
+                            <p:stCondLst>
+                              <p:cond delay="0"/>
+                            </p:stCondLst>
+                            <p:childTnLst>
+                              <p:par>
+                                <p:cTn id="43" presetID="10" presetClass="entr" presetSubtype="0" fill="hold" nodeType="clickEffect">
+                                  <p:stCondLst>
+                                    <p:cond delay="0"/>
+                                  </p:stCondLst>
+                                  <p:childTnLst>
+                                    <p:set>
+                                      <p:cBhvr>
+                                        <p:cTn id="44" dur="1" fill="hold">
+                                          <p:stCondLst>
+                                            <p:cond delay="0"/>
+                                          </p:stCondLst>
+                                        </p:cTn>
+                                        <p:tgtEl>
+                                          <p:spTgt spid="15"/>
+                                        </p:tgtEl>
+                                        <p:attrNameLst>
+                                          <p:attrName>style.visibility</p:attrName>
+                                        </p:attrNameLst>
+                                      </p:cBhvr>
+                                      <p:to>
+                                        <p:strVal val="visible"/>
+                                      </p:to>
+                                    </p:set>
+                                    <p:animEffect transition="in" filter="fade">
+                                      <p:cBhvr>
+                                        <p:cTn id="45" dur="500"/>
+                                        <p:tgtEl>
+                                          <p:spTgt spid="15"/>
+                                        </p:tgtEl>
+                                      </p:cBhvr>
+                                    </p:animEffect>
+                                  </p:childTnLst>
+                                </p:cTn>
+                              </p:par>
+                            </p:childTnLst>
+                          </p:cTn>
+                        </p:par>
+                      </p:childTnLst>
+                    </p:cTn>
+                  </p:par>
+                  <p:par>
+                    <p:cTn id="46" fill="hold">
+                      <p:stCondLst>
+                        <p:cond delay="indefinite"/>
+                      </p:stCondLst>
+                      <p:childTnLst>
+                        <p:par>
+                          <p:cTn id="47" fill="hold">
+                            <p:stCondLst>
+                              <p:cond delay="0"/>
+                            </p:stCondLst>
+                            <p:childTnLst>
+                              <p:par>
+                                <p:cTn id="48" presetID="10" presetClass="entr" presetSubtype="0" fill="hold" nodeType="clickEffect">
+                                  <p:stCondLst>
+                                    <p:cond delay="0"/>
+                                  </p:stCondLst>
+                                  <p:childTnLst>
+                                    <p:set>
+                                      <p:cBhvr>
+                                        <p:cTn id="49" dur="1" fill="hold">
+                                          <p:stCondLst>
+                                            <p:cond delay="0"/>
+                                          </p:stCondLst>
+                                        </p:cTn>
+                                        <p:tgtEl>
+                                          <p:spTgt spid="5">
+                                            <p:txEl>
+                                              <p:pRg st="3" end="3"/>
+                                            </p:txEl>
+                                          </p:spTgt>
+                                        </p:tgtEl>
+                                        <p:attrNameLst>
+                                          <p:attrName>style.visibility</p:attrName>
+                                        </p:attrNameLst>
+                                      </p:cBhvr>
+                                      <p:to>
+                                        <p:strVal val="visible"/>
+                                      </p:to>
+                                    </p:set>
+                                    <p:animEffect transition="in" filter="fade">
+                                      <p:cBhvr>
+                                        <p:cTn id="50" dur="500"/>
+                                        <p:tgtEl>
+                                          <p:spTgt spid="5">
+                                            <p:txEl>
+                                              <p:pRg st="3" end="3"/>
+                                            </p:txEl>
+                                          </p:spTgt>
+                                        </p:tgtEl>
+                                      </p:cBhvr>
+                                    </p:animEffect>
+                                  </p:childTnLst>
+                                </p:cTn>
+                              </p:par>
+                            </p:childTnLst>
+                          </p:cTn>
+                        </p:par>
+                      </p:childTnLst>
+                    </p:cTn>
+                  </p:par>
+                  <p:par>
+                    <p:cTn id="51" fill="hold">
+                      <p:stCondLst>
+                        <p:cond delay="indefinite"/>
+                      </p:stCondLst>
+                      <p:childTnLst>
+                        <p:par>
+                          <p:cTn id="52" fill="hold">
+                            <p:stCondLst>
+                              <p:cond delay="0"/>
+                            </p:stCondLst>
+                            <p:childTnLst>
+                              <p:par>
+                                <p:cTn id="53" presetID="10" presetClass="entr" presetSubtype="0" fill="hold" nodeType="clickEffect">
+                                  <p:stCondLst>
+                                    <p:cond delay="0"/>
+                                  </p:stCondLst>
+                                  <p:childTnLst>
+                                    <p:set>
+                                      <p:cBhvr>
+                                        <p:cTn id="54" dur="1" fill="hold">
+                                          <p:stCondLst>
+                                            <p:cond delay="0"/>
+                                          </p:stCondLst>
+                                        </p:cTn>
+                                        <p:tgtEl>
+                                          <p:spTgt spid="5">
+                                            <p:txEl>
+                                              <p:pRg st="4" end="4"/>
+                                            </p:txEl>
+                                          </p:spTgt>
+                                        </p:tgtEl>
+                                        <p:attrNameLst>
+                                          <p:attrName>style.visibility</p:attrName>
+                                        </p:attrNameLst>
+                                      </p:cBhvr>
+                                      <p:to>
+                                        <p:strVal val="visible"/>
+                                      </p:to>
+                                    </p:set>
+                                    <p:animEffect transition="in" filter="fade">
+                                      <p:cBhvr>
+                                        <p:cTn id="55" dur="500"/>
+                                        <p:tgtEl>
+                                          <p:spTgt spid="5">
+                                            <p:txEl>
+                                              <p:pRg st="4" end="4"/>
+                                            </p:txEl>
+                                          </p:spTgt>
+                                        </p:tgtEl>
+                                      </p:cBhvr>
+                                    </p:animEffect>
+                                  </p:childTnLst>
+                                </p:cTn>
+                              </p:par>
+                            </p:childTnLst>
+                          </p:cTn>
+                        </p:par>
+                      </p:childTnLst>
+                    </p:cTn>
+                  </p:par>
+                  <p:par>
+                    <p:cTn id="56" fill="hold">
+                      <p:stCondLst>
+                        <p:cond delay="indefinite"/>
+                      </p:stCondLst>
+                      <p:childTnLst>
+                        <p:par>
+                          <p:cTn id="57" fill="hold">
+                            <p:stCondLst>
+                              <p:cond delay="0"/>
+                            </p:stCondLst>
+                            <p:childTnLst>
+                              <p:par>
+                                <p:cTn id="58" presetID="10" presetClass="entr" presetSubtype="0" fill="hold" nodeType="clickEffect">
+                                  <p:stCondLst>
+                                    <p:cond delay="0"/>
+                                  </p:stCondLst>
+                                  <p:childTnLst>
+                                    <p:set>
+                                      <p:cBhvr>
+                                        <p:cTn id="59" dur="1" fill="hold">
+                                          <p:stCondLst>
+                                            <p:cond delay="0"/>
+                                          </p:stCondLst>
+                                        </p:cTn>
+                                        <p:tgtEl>
+                                          <p:spTgt spid="5">
+                                            <p:txEl>
+                                              <p:pRg st="5" end="5"/>
+                                            </p:txEl>
+                                          </p:spTgt>
+                                        </p:tgtEl>
+                                        <p:attrNameLst>
+                                          <p:attrName>style.visibility</p:attrName>
+                                        </p:attrNameLst>
+                                      </p:cBhvr>
+                                      <p:to>
+                                        <p:strVal val="visible"/>
+                                      </p:to>
+                                    </p:set>
+                                    <p:animEffect transition="in" filter="fade">
+                                      <p:cBhvr>
+                                        <p:cTn id="60" dur="500"/>
+                                        <p:tgtEl>
+                                          <p:spTgt spid="5">
+                                            <p:txEl>
+                                              <p:pRg st="5" end="5"/>
+                                            </p:txEl>
+                                          </p:spTgt>
+                                        </p:tgtEl>
+                                      </p:cBhvr>
+                                    </p:animEffect>
+                                  </p:childTnLst>
+                                </p:cTn>
+                              </p:par>
+                            </p:childTnLst>
+                          </p:cTn>
+                        </p:par>
+                      </p:childTnLst>
+                    </p:cTn>
+                  </p:par>
+                  <p:par>
+                    <p:cTn id="61" fill="hold">
+                      <p:stCondLst>
+                        <p:cond delay="indefinite"/>
+                      </p:stCondLst>
+                      <p:childTnLst>
+                        <p:par>
+                          <p:cTn id="62" fill="hold">
+                            <p:stCondLst>
+                              <p:cond delay="0"/>
+                            </p:stCondLst>
+                            <p:childTnLst>
+                              <p:par>
+                                <p:cTn id="63" presetID="10" presetClass="entr" presetSubtype="0" fill="hold" nodeType="clickEffect">
+                                  <p:stCondLst>
+                                    <p:cond delay="0"/>
+                                  </p:stCondLst>
+                                  <p:childTnLst>
+                                    <p:set>
+                                      <p:cBhvr>
+                                        <p:cTn id="64" dur="1" fill="hold">
+                                          <p:stCondLst>
+                                            <p:cond delay="0"/>
+                                          </p:stCondLst>
+                                        </p:cTn>
+                                        <p:tgtEl>
+                                          <p:spTgt spid="5">
+                                            <p:txEl>
+                                              <p:pRg st="6" end="6"/>
+                                            </p:txEl>
+                                          </p:spTgt>
+                                        </p:tgtEl>
+                                        <p:attrNameLst>
+                                          <p:attrName>style.visibility</p:attrName>
+                                        </p:attrNameLst>
+                                      </p:cBhvr>
+                                      <p:to>
+                                        <p:strVal val="visible"/>
+                                      </p:to>
+                                    </p:set>
+                                    <p:animEffect transition="in" filter="fade">
+                                      <p:cBhvr>
+                                        <p:cTn id="65" dur="500"/>
+                                        <p:tgtEl>
+                                          <p:spTgt spid="5">
+                                            <p:txEl>
+                                              <p:pRg st="6" end="6"/>
+                                            </p:txEl>
+                                          </p:spTgt>
+                                        </p:tgtEl>
+                                      </p:cBhvr>
+                                    </p:animEffect>
+                                  </p:childTnLst>
+                                </p:cTn>
+                              </p:par>
+                            </p:childTnLst>
+                          </p:cTn>
+                        </p:par>
+                      </p:childTnLst>
+                    </p:cTn>
+                  </p:par>
+                </p:childTnLst>
+              </p:cTn>
+              <p:prevCondLst>
+                <p:cond evt="onPrev" delay="0">
+                  <p:tgtEl>
+                    <p:sldTgt/>
+                  </p:tgtEl>
+                </p:cond>
+              </p:prevCondLst>
+              <p:nextCondLst>
+                <p:cond evt="onNext" delay="0">
+                  <p:tgtEl>
+                    <p:sldTgt/>
+                  </p:tgtEl>
+                </p:cond>
+              </p:nextCondLst>
+            </p:seq>
+          </p:childTnLst>
+        </p:cTn>
       </p:par>
     </p:tnLst>
+    <p:bldLst>
+      <p:bldP spid="4" grpId="0"/>
+      <p:bldP spid="16" grpId="0"/>
+    </p:bldLst>
   </p:timing>
 </p:sld>
 </file>
@@ -8233,8 +10288,9 @@
           <a:p>
             <a:r>
               <a:rPr lang="fr-FR" dirty="0" smtClean="0"/>
-              <a:t>Fonctions communes à toutes les séquences S</a:t>
-            </a:r>
+              <a:t>Les listes</a:t>
+            </a:r>
+            <a:endParaRPr lang="fr-FR" dirty="0"/>
           </a:p>
         </p:txBody>
       </p:sp>
@@ -8250,8 +10306,8 @@
         </p:nvSpPr>
         <p:spPr>
           <a:xfrm>
-            <a:off x="457199" y="1600200"/>
-            <a:ext cx="8523027" cy="4525963"/>
+            <a:off x="457200" y="1600200"/>
+            <a:ext cx="8686800" cy="4525963"/>
           </a:xfrm>
         </p:spPr>
         <p:txBody>
@@ -8259,110 +10315,37 @@
           <a:lstStyle/>
           <a:p>
             <a:r>
-              <a:rPr lang="fr-FR" dirty="0" err="1" smtClean="0">
-                <a:latin typeface="Courier New" pitchFamily="49" charset="0"/>
-                <a:cs typeface="Courier New" pitchFamily="49" charset="0"/>
-              </a:rPr>
-              <a:t>S.index</a:t>
-            </a:r>
-            <a:r>
-              <a:rPr lang="fr-FR" dirty="0" smtClean="0">
-                <a:latin typeface="Courier New" pitchFamily="49" charset="0"/>
-                <a:cs typeface="Courier New" pitchFamily="49" charset="0"/>
-              </a:rPr>
-              <a:t>(a)</a:t>
+              <a:rPr lang="fr-FR" dirty="0" smtClean="0"/>
+              <a:t>Permet de créer une liste de n’importe quels objets</a:t>
             </a:r>
           </a:p>
           <a:p>
             <a:pPr lvl="1"/>
             <a:r>
               <a:rPr lang="fr-FR" dirty="0" smtClean="0"/>
-              <a:t>Retourne l’indice de la première occurrence de a dans S</a:t>
-            </a:r>
-          </a:p>
-          <a:p>
-            <a:r>
-              <a:rPr lang="fr-FR" dirty="0" err="1" smtClean="0">
-                <a:latin typeface="Courier New" pitchFamily="49" charset="0"/>
-                <a:cs typeface="Courier New" pitchFamily="49" charset="0"/>
-              </a:rPr>
-              <a:t>S.count</a:t>
-            </a:r>
-            <a:r>
-              <a:rPr lang="fr-FR" dirty="0" smtClean="0">
-                <a:latin typeface="Courier New" pitchFamily="49" charset="0"/>
-                <a:cs typeface="Courier New" pitchFamily="49" charset="0"/>
-              </a:rPr>
-              <a:t>(a)</a:t>
+              <a:t>Techniquement, c’est un tableau de pointeurs vers les objets</a:t>
             </a:r>
           </a:p>
           <a:p>
             <a:pPr lvl="1"/>
             <a:r>
               <a:rPr lang="fr-FR" dirty="0" smtClean="0"/>
-              <a:t>Retourne le nombre d’occurrences de a dans S</a:t>
-            </a:r>
-          </a:p>
-          <a:p>
-            <a:r>
-              <a:rPr lang="fr-FR" dirty="0" smtClean="0">
-                <a:latin typeface="Courier New" pitchFamily="49" charset="0"/>
-                <a:cs typeface="Courier New" pitchFamily="49" charset="0"/>
-              </a:rPr>
-              <a:t>S*n</a:t>
-            </a:r>
+              <a:t>Les listes sont dynamiques, de taille variable</a:t>
+            </a:r>
+          </a:p>
+          <a:p>
+            <a:pPr lvl="1"/>
             <a:r>
               <a:rPr lang="fr-FR" dirty="0" smtClean="0"/>
-              <a:t> </a:t>
-            </a:r>
-            <a:r>
-              <a:rPr lang="fr-FR" dirty="0"/>
-              <a:t>ou </a:t>
-            </a:r>
-            <a:r>
-              <a:rPr lang="fr-FR" dirty="0">
-                <a:latin typeface="Courier New" pitchFamily="49" charset="0"/>
-                <a:cs typeface="Courier New" pitchFamily="49" charset="0"/>
-              </a:rPr>
-              <a:t>n*S</a:t>
-            </a:r>
-          </a:p>
-          <a:p>
-            <a:pPr lvl="1"/>
-            <a:r>
-              <a:rPr lang="fr-FR" dirty="0"/>
-              <a:t>Retourne une nouvelle séquence qui est la concaténation de n </a:t>
-            </a:r>
-            <a:r>
-              <a:rPr lang="fr-FR" dirty="0" err="1">
-                <a:solidFill>
-                  <a:srgbClr val="FF0000"/>
-                </a:solidFill>
-              </a:rPr>
-              <a:t>shallow</a:t>
-            </a:r>
-            <a:r>
-              <a:rPr lang="fr-FR" dirty="0">
-                <a:solidFill>
-                  <a:srgbClr val="FF0000"/>
-                </a:solidFill>
-              </a:rPr>
-              <a:t> </a:t>
-            </a:r>
-            <a:r>
-              <a:rPr lang="fr-FR" dirty="0"/>
-              <a:t>copies de S</a:t>
-            </a:r>
-          </a:p>
-          <a:p>
-            <a:endParaRPr lang="fr-FR" dirty="0" smtClean="0"/>
+              <a:t>Comme une liste est un objet, on peut avoir une liste de listes</a:t>
+            </a:r>
           </a:p>
         </p:txBody>
       </p:sp>
     </p:spTree>
     <p:extLst>
       <p:ext uri="{BB962C8B-B14F-4D97-AF65-F5344CB8AC3E}">
-        <p14:creationId xmlns:p14="http://schemas.microsoft.com/office/powerpoint/2010/main" val="2278813337"/>
+        <p14:creationId xmlns:p14="http://schemas.microsoft.com/office/powerpoint/2010/main" val="1153943157"/>
       </p:ext>
     </p:extLst>
   </p:cSld>
@@ -8412,8 +10395,8 @@
           <a:lstStyle/>
           <a:p>
             <a:r>
-              <a:rPr lang="fr-FR" dirty="0" smtClean="0"/>
-              <a:t>Fonctions communes à toutes les séquences S</a:t>
+              <a:rPr lang="fr-FR" dirty="0"/>
+              <a:t>Les listes</a:t>
             </a:r>
           </a:p>
         </p:txBody>
@@ -8428,120 +10411,257 @@
             <p:ph idx="1"/>
           </p:nvPr>
         </p:nvSpPr>
-        <p:spPr>
-          <a:xfrm>
-            <a:off x="457199" y="1600200"/>
-            <a:ext cx="8686801" cy="4525963"/>
-          </a:xfrm>
-        </p:spPr>
+        <p:spPr/>
         <p:txBody>
           <a:bodyPr/>
           <a:lstStyle/>
           <a:p>
-            <a:r>
-              <a:rPr lang="fr-FR" dirty="0" err="1" smtClean="0">
+            <a:pPr marL="0" lvl="0" indent="0">
+              <a:buNone/>
+            </a:pPr>
+            <a:r>
+              <a:rPr lang="en-US" sz="2000" dirty="0">
                 <a:solidFill>
-                  <a:srgbClr val="FF0000"/>
+                  <a:srgbClr val="000000"/>
                 </a:solidFill>
-              </a:rPr>
-              <a:t>Slicing</a:t>
-            </a:r>
-            <a:endParaRPr lang="fr-FR" dirty="0" smtClean="0">
-              <a:solidFill>
-                <a:srgbClr val="FF0000"/>
-              </a:solidFill>
-            </a:endParaRPr>
-          </a:p>
-          <a:p>
-            <a:pPr lvl="1"/>
-            <a:r>
-              <a:rPr lang="fr-FR" dirty="0" smtClean="0">
-                <a:latin typeface="Courier New" pitchFamily="49" charset="0"/>
-                <a:cs typeface="Courier New" pitchFamily="49" charset="0"/>
-              </a:rPr>
-              <a:t>S[</a:t>
-            </a:r>
-            <a:r>
-              <a:rPr lang="fr-FR" dirty="0" err="1" smtClean="0">
-                <a:latin typeface="Courier New" pitchFamily="49" charset="0"/>
-                <a:cs typeface="Courier New" pitchFamily="49" charset="0"/>
-              </a:rPr>
-              <a:t>i:j</a:t>
-            </a:r>
-            <a:r>
-              <a:rPr lang="fr-FR" dirty="0" smtClean="0">
+                <a:latin typeface="Courier New" pitchFamily="49" charset="0"/>
+                <a:cs typeface="Courier New" pitchFamily="49" charset="0"/>
+              </a:rPr>
+              <a:t>&gt;&gt;&gt; L=[]</a:t>
+            </a:r>
+          </a:p>
+          <a:p>
+            <a:pPr marL="0" lvl="0" indent="0">
+              <a:buNone/>
+            </a:pPr>
+            <a:r>
+              <a:rPr lang="en-US" sz="2000" dirty="0">
+                <a:solidFill>
+                  <a:srgbClr val="000000"/>
+                </a:solidFill>
+                <a:latin typeface="Courier New" pitchFamily="49" charset="0"/>
+                <a:cs typeface="Courier New" pitchFamily="49" charset="0"/>
+              </a:rPr>
+              <a:t>&gt;&gt;&gt; L=[4, </a:t>
+            </a:r>
+            <a:r>
+              <a:rPr lang="en-US" sz="2000" dirty="0" smtClean="0">
+                <a:solidFill>
+                  <a:srgbClr val="000000"/>
+                </a:solidFill>
+                <a:latin typeface="Courier New" pitchFamily="49" charset="0"/>
+                <a:cs typeface="Courier New" pitchFamily="49" charset="0"/>
+              </a:rPr>
+              <a:t>'bob', </a:t>
+            </a:r>
+            <a:r>
+              <a:rPr lang="en-US" sz="2000" dirty="0">
+                <a:solidFill>
+                  <a:srgbClr val="000000"/>
+                </a:solidFill>
+                <a:latin typeface="Courier New" pitchFamily="49" charset="0"/>
+                <a:cs typeface="Courier New" pitchFamily="49" charset="0"/>
+              </a:rPr>
+              <a:t>4.3, True]</a:t>
+            </a:r>
+          </a:p>
+          <a:p>
+            <a:pPr marL="0" lvl="0" indent="0">
+              <a:buNone/>
+            </a:pPr>
+            <a:r>
+              <a:rPr lang="en-US" sz="2000" dirty="0">
+                <a:solidFill>
+                  <a:srgbClr val="000000"/>
+                </a:solidFill>
+                <a:latin typeface="Courier New" pitchFamily="49" charset="0"/>
+                <a:cs typeface="Courier New" pitchFamily="49" charset="0"/>
+              </a:rPr>
+              <a:t>&gt;&gt;&gt; L</a:t>
+            </a:r>
+          </a:p>
+          <a:p>
+            <a:pPr marL="0" lvl="0" indent="0">
+              <a:buNone/>
+            </a:pPr>
+            <a:r>
+              <a:rPr lang="en-US" sz="2000" dirty="0">
+                <a:solidFill>
+                  <a:srgbClr val="000000"/>
+                </a:solidFill>
+                <a:latin typeface="Courier New" pitchFamily="49" charset="0"/>
+                <a:cs typeface="Courier New" pitchFamily="49" charset="0"/>
+              </a:rPr>
+              <a:t>[4, </a:t>
+            </a:r>
+            <a:r>
+              <a:rPr lang="en-US" sz="2000" dirty="0" smtClean="0">
+                <a:solidFill>
+                  <a:srgbClr val="000000"/>
+                </a:solidFill>
+                <a:latin typeface="Courier New" pitchFamily="49" charset="0"/>
+                <a:cs typeface="Courier New" pitchFamily="49" charset="0"/>
+              </a:rPr>
+              <a:t>'bob', </a:t>
+            </a:r>
+            <a:r>
+              <a:rPr lang="en-US" sz="2000" dirty="0">
+                <a:solidFill>
+                  <a:srgbClr val="000000"/>
+                </a:solidFill>
+                <a:latin typeface="Courier New" pitchFamily="49" charset="0"/>
+                <a:cs typeface="Courier New" pitchFamily="49" charset="0"/>
+              </a:rPr>
+              <a:t>4.3, True</a:t>
+            </a:r>
+            <a:r>
+              <a:rPr lang="en-US" sz="2000" dirty="0" smtClean="0">
+                <a:solidFill>
+                  <a:srgbClr val="000000"/>
+                </a:solidFill>
                 <a:latin typeface="Courier New" pitchFamily="49" charset="0"/>
                 <a:cs typeface="Courier New" pitchFamily="49" charset="0"/>
               </a:rPr>
               <a:t>]</a:t>
             </a:r>
-            <a:r>
-              <a:rPr lang="fr-FR" dirty="0" smtClean="0"/>
-              <a:t> retourne </a:t>
-            </a:r>
-            <a:r>
-              <a:rPr lang="fr-FR" dirty="0" smtClean="0">
+          </a:p>
+          <a:p>
+            <a:pPr marL="0" lvl="0" indent="0">
+              <a:buNone/>
+            </a:pPr>
+            <a:r>
+              <a:rPr lang="en-US" sz="2000" dirty="0">
                 <a:solidFill>
-                  <a:srgbClr val="FF0000"/>
+                  <a:srgbClr val="000000"/>
                 </a:solidFill>
-              </a:rPr>
-              <a:t>une nouvelle séquence </a:t>
-            </a:r>
-            <a:r>
-              <a:rPr lang="fr-FR" dirty="0" smtClean="0"/>
-              <a:t>de même type prenant tous les éléments de l’indice i à l’indice j-1</a:t>
-            </a:r>
-          </a:p>
-          <a:p>
-            <a:pPr lvl="1"/>
-            <a:r>
-              <a:rPr lang="fr-FR" dirty="0" smtClean="0">
-                <a:latin typeface="Courier New" pitchFamily="49" charset="0"/>
-                <a:cs typeface="Courier New" pitchFamily="49" charset="0"/>
-              </a:rPr>
-              <a:t>S[</a:t>
-            </a:r>
-            <a:r>
-              <a:rPr lang="fr-FR" dirty="0" err="1" smtClean="0">
-                <a:latin typeface="Courier New" pitchFamily="49" charset="0"/>
-                <a:cs typeface="Courier New" pitchFamily="49" charset="0"/>
-              </a:rPr>
-              <a:t>i:j:k</a:t>
-            </a:r>
-            <a:r>
-              <a:rPr lang="fr-FR" dirty="0" smtClean="0">
-                <a:latin typeface="Courier New" pitchFamily="49" charset="0"/>
-                <a:cs typeface="Courier New" pitchFamily="49" charset="0"/>
-              </a:rPr>
-              <a:t>]</a:t>
-            </a:r>
-            <a:r>
-              <a:rPr lang="fr-FR" dirty="0" smtClean="0"/>
-              <a:t> retourne </a:t>
-            </a:r>
-            <a:r>
-              <a:rPr lang="fr-FR" dirty="0" smtClean="0">
+                <a:latin typeface="Courier New" pitchFamily="49" charset="0"/>
+                <a:cs typeface="Courier New" pitchFamily="49" charset="0"/>
+              </a:rPr>
+              <a:t>&gt;&gt;&gt; L[2]</a:t>
+            </a:r>
+          </a:p>
+          <a:p>
+            <a:pPr marL="0" lvl="0" indent="0">
+              <a:buNone/>
+            </a:pPr>
+            <a:r>
+              <a:rPr lang="en-US" sz="2000" dirty="0">
                 <a:solidFill>
-                  <a:srgbClr val="FF0000"/>
+                  <a:srgbClr val="000000"/>
                 </a:solidFill>
-              </a:rPr>
-              <a:t>une nouvelle séquence </a:t>
-            </a:r>
-            <a:r>
-              <a:rPr lang="fr-FR" dirty="0" smtClean="0"/>
-              <a:t>de même type prenant tous les éléments de l’indice i à l’indice j-1, par sauts de k éléments</a:t>
-            </a:r>
-          </a:p>
-          <a:p>
-            <a:pPr lvl="1"/>
-            <a:endParaRPr lang="fr-FR" dirty="0" smtClean="0"/>
+                <a:latin typeface="Courier New" pitchFamily="49" charset="0"/>
+                <a:cs typeface="Courier New" pitchFamily="49" charset="0"/>
+              </a:rPr>
+              <a:t>4.3</a:t>
+            </a:r>
+          </a:p>
+          <a:p>
+            <a:pPr marL="0" lvl="0" indent="0">
+              <a:buNone/>
+            </a:pPr>
+            <a:r>
+              <a:rPr lang="en-US" sz="2000" dirty="0">
+                <a:solidFill>
+                  <a:srgbClr val="000000"/>
+                </a:solidFill>
+                <a:latin typeface="Courier New" pitchFamily="49" charset="0"/>
+                <a:cs typeface="Courier New" pitchFamily="49" charset="0"/>
+              </a:rPr>
+              <a:t>&gt;&gt;&gt; L[3]</a:t>
+            </a:r>
+          </a:p>
+          <a:p>
+            <a:pPr marL="0" lvl="0" indent="0">
+              <a:buNone/>
+            </a:pPr>
+            <a:r>
+              <a:rPr lang="en-US" sz="2000" dirty="0">
+                <a:solidFill>
+                  <a:srgbClr val="000000"/>
+                </a:solidFill>
+                <a:latin typeface="Courier New" pitchFamily="49" charset="0"/>
+                <a:cs typeface="Courier New" pitchFamily="49" charset="0"/>
+              </a:rPr>
+              <a:t>True</a:t>
+            </a:r>
+          </a:p>
+          <a:p>
+            <a:pPr marL="0" lvl="0" indent="0">
+              <a:buNone/>
+            </a:pPr>
+            <a:r>
+              <a:rPr lang="en-US" sz="2000" dirty="0">
+                <a:solidFill>
+                  <a:srgbClr val="000000"/>
+                </a:solidFill>
+                <a:latin typeface="Courier New" pitchFamily="49" charset="0"/>
+                <a:cs typeface="Courier New" pitchFamily="49" charset="0"/>
+              </a:rPr>
+              <a:t>&gt;&gt;&gt; L[0] = L[0]+6</a:t>
+            </a:r>
+          </a:p>
+          <a:p>
+            <a:pPr marL="0" lvl="0" indent="0">
+              <a:buNone/>
+            </a:pPr>
+            <a:r>
+              <a:rPr lang="en-US" sz="2000" dirty="0">
+                <a:solidFill>
+                  <a:srgbClr val="000000"/>
+                </a:solidFill>
+                <a:latin typeface="Courier New" pitchFamily="49" charset="0"/>
+                <a:cs typeface="Courier New" pitchFamily="49" charset="0"/>
+              </a:rPr>
+              <a:t>&gt;&gt;&gt; L</a:t>
+            </a:r>
+          </a:p>
+          <a:p>
+            <a:pPr marL="0" lvl="0" indent="0">
+              <a:buNone/>
+            </a:pPr>
+            <a:r>
+              <a:rPr lang="en-US" sz="2000" dirty="0">
+                <a:solidFill>
+                  <a:srgbClr val="000000"/>
+                </a:solidFill>
+                <a:latin typeface="Courier New" pitchFamily="49" charset="0"/>
+                <a:cs typeface="Courier New" pitchFamily="49" charset="0"/>
+              </a:rPr>
+              <a:t>[10, </a:t>
+            </a:r>
+            <a:r>
+              <a:rPr lang="en-US" sz="2000" dirty="0" smtClean="0">
+                <a:solidFill>
+                  <a:srgbClr val="000000"/>
+                </a:solidFill>
+                <a:latin typeface="Courier New" pitchFamily="49" charset="0"/>
+                <a:cs typeface="Courier New" pitchFamily="49" charset="0"/>
+              </a:rPr>
+              <a:t>'bob', </a:t>
+            </a:r>
+            <a:r>
+              <a:rPr lang="en-US" sz="2000" dirty="0">
+                <a:solidFill>
+                  <a:srgbClr val="000000"/>
+                </a:solidFill>
+                <a:latin typeface="Courier New" pitchFamily="49" charset="0"/>
+                <a:cs typeface="Courier New" pitchFamily="49" charset="0"/>
+              </a:rPr>
+              <a:t>4.3, True]</a:t>
+            </a:r>
+          </a:p>
+          <a:p>
+            <a:pPr marL="0" indent="0">
+              <a:buNone/>
+            </a:pPr>
+            <a:endParaRPr lang="fr-FR" dirty="0"/>
           </a:p>
         </p:txBody>
       </p:sp>
     </p:spTree>
     <p:extLst>
       <p:ext uri="{BB962C8B-B14F-4D97-AF65-F5344CB8AC3E}">
-        <p14:creationId xmlns:p14="http://schemas.microsoft.com/office/powerpoint/2010/main" val="447755858"/>
+        <p14:creationId xmlns:p14="http://schemas.microsoft.com/office/powerpoint/2010/main" val="519210513"/>
       </p:ext>
     </p:extLst>
   </p:cSld>
@@ -8591,191 +10711,8 @@
           <a:lstStyle/>
           <a:p>
             <a:r>
-              <a:rPr lang="fr-FR" dirty="0" err="1" smtClean="0"/>
-              <a:t>Slicing</a:t>
-            </a:r>
-            <a:endParaRPr lang="fr-FR" dirty="0"/>
-          </a:p>
-        </p:txBody>
-      </p:sp>
-      <p:graphicFrame>
-        <p:nvGraphicFramePr>
-          <p:cNvPr id="6" name="Espace réservé du contenu 5"/>
-          <p:cNvGraphicFramePr>
-            <a:graphicFrameLocks noGrp="1"/>
-          </p:cNvGraphicFramePr>
-          <p:nvPr>
-            <p:ph idx="1"/>
-            <p:extLst>
-              <p:ext uri="{D42A27DB-BD31-4B8C-83A1-F6EECF244321}">
-                <p14:modId xmlns:p14="http://schemas.microsoft.com/office/powerpoint/2010/main" val="1764734243"/>
-              </p:ext>
-            </p:extLst>
-          </p:nvPr>
-        </p:nvGraphicFramePr>
-        <p:xfrm>
-          <a:off x="772064" y="2032954"/>
-          <a:ext cx="7676145" cy="674586"/>
-        </p:xfrm>
-        <a:graphic>
-          <a:graphicData uri="http://schemas.openxmlformats.org/drawingml/2006/table">
-            <a:tbl>
-              <a:tblPr firstRow="1" bandRow="1">
-                <a:tableStyleId>{5C22544A-7EE6-4342-B048-85BDC9FD1C3A}</a:tableStyleId>
-              </a:tblPr>
-              <a:tblGrid>
-                <a:gridCol w="1535229"/>
-                <a:gridCol w="1535229"/>
-                <a:gridCol w="1535229"/>
-                <a:gridCol w="1535229"/>
-                <a:gridCol w="1535229"/>
-              </a:tblGrid>
-              <a:tr h="674586">
-                <a:tc>
-                  <a:txBody>
-                    <a:bodyPr/>
-                    <a:lstStyle/>
-                    <a:p>
-                      <a:pPr algn="ctr"/>
-                      <a:r>
-                        <a:rPr lang="fr-FR" sz="3600" dirty="0" smtClean="0">
-                          <a:solidFill>
-                            <a:schemeClr val="tx1"/>
-                          </a:solidFill>
-                        </a:rPr>
-                        <a:t>H</a:t>
-                      </a:r>
-                      <a:endParaRPr lang="fr-FR" sz="3600" dirty="0">
-                        <a:solidFill>
-                          <a:schemeClr val="tx1"/>
-                        </a:solidFill>
-                      </a:endParaRPr>
-                    </a:p>
-                  </a:txBody>
-                  <a:tcPr/>
-                </a:tc>
-                <a:tc>
-                  <a:txBody>
-                    <a:bodyPr/>
-                    <a:lstStyle/>
-                    <a:p>
-                      <a:pPr algn="ctr"/>
-                      <a:r>
-                        <a:rPr lang="fr-FR" sz="3600" dirty="0" smtClean="0">
-                          <a:solidFill>
-                            <a:schemeClr val="tx1"/>
-                          </a:solidFill>
-                        </a:rPr>
-                        <a:t>E</a:t>
-                      </a:r>
-                      <a:endParaRPr lang="fr-FR" sz="3600" dirty="0">
-                        <a:solidFill>
-                          <a:schemeClr val="tx1"/>
-                        </a:solidFill>
-                      </a:endParaRPr>
-                    </a:p>
-                  </a:txBody>
-                  <a:tcPr/>
-                </a:tc>
-                <a:tc>
-                  <a:txBody>
-                    <a:bodyPr/>
-                    <a:lstStyle/>
-                    <a:p>
-                      <a:pPr algn="ctr"/>
-                      <a:r>
-                        <a:rPr lang="fr-FR" sz="3600" dirty="0" smtClean="0">
-                          <a:solidFill>
-                            <a:schemeClr val="tx1"/>
-                          </a:solidFill>
-                        </a:rPr>
-                        <a:t>L</a:t>
-                      </a:r>
-                      <a:endParaRPr lang="fr-FR" sz="3600" dirty="0">
-                        <a:solidFill>
-                          <a:schemeClr val="tx1"/>
-                        </a:solidFill>
-                      </a:endParaRPr>
-                    </a:p>
-                  </a:txBody>
-                  <a:tcPr/>
-                </a:tc>
-                <a:tc>
-                  <a:txBody>
-                    <a:bodyPr/>
-                    <a:lstStyle/>
-                    <a:p>
-                      <a:pPr algn="ctr"/>
-                      <a:r>
-                        <a:rPr lang="fr-FR" sz="3600" dirty="0" smtClean="0">
-                          <a:solidFill>
-                            <a:schemeClr val="tx1"/>
-                          </a:solidFill>
-                        </a:rPr>
-                        <a:t>L</a:t>
-                      </a:r>
-                      <a:endParaRPr lang="fr-FR" sz="3600" dirty="0">
-                        <a:solidFill>
-                          <a:schemeClr val="tx1"/>
-                        </a:solidFill>
-                      </a:endParaRPr>
-                    </a:p>
-                  </a:txBody>
-                  <a:tcPr/>
-                </a:tc>
-                <a:tc>
-                  <a:txBody>
-                    <a:bodyPr/>
-                    <a:lstStyle/>
-                    <a:p>
-                      <a:pPr algn="ctr"/>
-                      <a:r>
-                        <a:rPr lang="fr-FR" sz="3600" dirty="0" smtClean="0">
-                          <a:solidFill>
-                            <a:schemeClr val="tx1"/>
-                          </a:solidFill>
-                        </a:rPr>
-                        <a:t>O</a:t>
-                      </a:r>
-                      <a:endParaRPr lang="fr-FR" sz="3600" dirty="0">
-                        <a:solidFill>
-                          <a:schemeClr val="tx1"/>
-                        </a:solidFill>
-                      </a:endParaRPr>
-                    </a:p>
-                  </a:txBody>
-                  <a:tcPr/>
-                </a:tc>
-              </a:tr>
-            </a:tbl>
-          </a:graphicData>
-        </a:graphic>
-      </p:graphicFrame>
-      <p:sp>
-        <p:nvSpPr>
-          <p:cNvPr id="7" name="ZoneTexte 6"/>
-          <p:cNvSpPr txBox="1"/>
-          <p:nvPr/>
-        </p:nvSpPr>
-        <p:spPr>
-          <a:xfrm>
-            <a:off x="581981" y="2768279"/>
-            <a:ext cx="388189" cy="461665"/>
-          </a:xfrm>
-          <a:prstGeom prst="rect">
-            <a:avLst/>
-          </a:prstGeom>
-          <a:noFill/>
-        </p:spPr>
-        <p:txBody>
-          <a:bodyPr wrap="square" rtlCol="0">
-            <a:spAutoFit/>
-          </a:bodyPr>
-          <a:lstStyle/>
-          <a:p>
-            <a:r>
               <a:rPr lang="fr-FR" dirty="0" smtClean="0"/>
-              <a:t>0</a:t>
+              <a:t>Modification des listes</a:t>
             </a:r>
             <a:endParaRPr lang="fr-FR" dirty="0"/>
           </a:p>
@@ -8783,610 +10720,234 @@
       </p:sp>
       <p:sp>
         <p:nvSpPr>
-          <p:cNvPr id="8" name="ZoneTexte 7"/>
-          <p:cNvSpPr txBox="1"/>
-          <p:nvPr/>
+          <p:cNvPr id="3" name="Espace réservé du contenu 2"/>
+          <p:cNvSpPr>
+            <a:spLocks noGrp="1"/>
+          </p:cNvSpPr>
+          <p:nvPr>
+            <p:ph idx="1"/>
+          </p:nvPr>
         </p:nvSpPr>
         <p:spPr>
           <a:xfrm>
-            <a:off x="2080102" y="2768278"/>
-            <a:ext cx="388189" cy="461665"/>
+            <a:off x="457200" y="1600200"/>
+            <a:ext cx="8432800" cy="4525963"/>
           </a:xfrm>
-          <a:prstGeom prst="rect">
-            <a:avLst/>
-          </a:prstGeom>
-          <a:noFill/>
         </p:spPr>
         <p:txBody>
-          <a:bodyPr wrap="square" rtlCol="0">
-            <a:spAutoFit/>
-          </a:bodyPr>
+          <a:bodyPr/>
           <a:lstStyle/>
           <a:p>
-            <a:r>
-              <a:rPr lang="fr-FR" dirty="0"/>
-              <a:t>1</a:t>
+            <a:pPr marL="0" lvl="0" indent="0">
+              <a:buNone/>
+            </a:pPr>
+            <a:r>
+              <a:rPr lang="fr-FR" sz="2000" dirty="0" smtClean="0">
+                <a:solidFill>
+                  <a:srgbClr val="000000"/>
+                </a:solidFill>
+                <a:latin typeface="Courier New" pitchFamily="49" charset="0"/>
+                <a:cs typeface="Courier New" pitchFamily="49" charset="0"/>
+              </a:rPr>
+              <a:t>&gt;&gt;&gt; L[2:]=[6,7,8,'alice']</a:t>
+            </a:r>
+          </a:p>
+          <a:p>
+            <a:pPr marL="0" lvl="0" indent="0">
+              <a:buNone/>
+            </a:pPr>
+            <a:r>
+              <a:rPr lang="fr-FR" sz="2000" dirty="0" smtClean="0">
+                <a:solidFill>
+                  <a:srgbClr val="000000"/>
+                </a:solidFill>
+                <a:latin typeface="Courier New" pitchFamily="49" charset="0"/>
+                <a:cs typeface="Courier New" pitchFamily="49" charset="0"/>
+              </a:rPr>
+              <a:t>&gt;&gt;&gt; L</a:t>
+            </a:r>
+          </a:p>
+          <a:p>
+            <a:pPr marL="0" lvl="0" indent="0">
+              <a:buNone/>
+            </a:pPr>
+            <a:r>
+              <a:rPr lang="fr-FR" sz="2000" dirty="0" smtClean="0">
+                <a:solidFill>
+                  <a:srgbClr val="000000"/>
+                </a:solidFill>
+                <a:latin typeface="Courier New" pitchFamily="49" charset="0"/>
+                <a:cs typeface="Courier New" pitchFamily="49" charset="0"/>
+              </a:rPr>
+              <a:t>[4, 'bob', 6, 7, 8, '</a:t>
+            </a:r>
+            <a:r>
+              <a:rPr lang="fr-FR" sz="2000" dirty="0" err="1" smtClean="0">
+                <a:solidFill>
+                  <a:srgbClr val="000000"/>
+                </a:solidFill>
+                <a:latin typeface="Courier New" pitchFamily="49" charset="0"/>
+                <a:cs typeface="Courier New" pitchFamily="49" charset="0"/>
+              </a:rPr>
+              <a:t>alice</a:t>
+            </a:r>
+            <a:r>
+              <a:rPr lang="fr-FR" sz="2000" dirty="0" smtClean="0">
+                <a:solidFill>
+                  <a:srgbClr val="000000"/>
+                </a:solidFill>
+                <a:latin typeface="Courier New" pitchFamily="49" charset="0"/>
+                <a:cs typeface="Courier New" pitchFamily="49" charset="0"/>
+              </a:rPr>
+              <a:t>']</a:t>
+            </a:r>
+          </a:p>
+          <a:p>
+            <a:pPr marL="0" lvl="0" indent="0">
+              <a:buNone/>
+            </a:pPr>
+            <a:r>
+              <a:rPr lang="fr-FR" sz="2000" dirty="0" smtClean="0">
+                <a:solidFill>
+                  <a:srgbClr val="000000"/>
+                </a:solidFill>
+                <a:latin typeface="Courier New" pitchFamily="49" charset="0"/>
+                <a:cs typeface="Courier New" pitchFamily="49" charset="0"/>
+              </a:rPr>
+              <a:t>&gt;&gt;&gt; L[1:4]=[]</a:t>
+            </a:r>
+          </a:p>
+          <a:p>
+            <a:pPr marL="0" lvl="0" indent="0">
+              <a:buNone/>
+            </a:pPr>
+            <a:r>
+              <a:rPr lang="fr-FR" sz="2000" dirty="0" smtClean="0">
+                <a:solidFill>
+                  <a:srgbClr val="000000"/>
+                </a:solidFill>
+                <a:latin typeface="Courier New" pitchFamily="49" charset="0"/>
+                <a:cs typeface="Courier New" pitchFamily="49" charset="0"/>
+              </a:rPr>
+              <a:t>&gt;&gt;&gt; L</a:t>
+            </a:r>
+          </a:p>
+          <a:p>
+            <a:pPr marL="0" lvl="0" indent="0">
+              <a:buNone/>
+            </a:pPr>
+            <a:r>
+              <a:rPr lang="fr-FR" sz="2000" dirty="0" smtClean="0">
+                <a:solidFill>
+                  <a:srgbClr val="000000"/>
+                </a:solidFill>
+                <a:latin typeface="Courier New" pitchFamily="49" charset="0"/>
+                <a:cs typeface="Courier New" pitchFamily="49" charset="0"/>
+              </a:rPr>
+              <a:t>[4, 8, '</a:t>
+            </a:r>
+            <a:r>
+              <a:rPr lang="fr-FR" sz="2000" dirty="0" err="1" smtClean="0">
+                <a:solidFill>
+                  <a:srgbClr val="000000"/>
+                </a:solidFill>
+                <a:latin typeface="Courier New" pitchFamily="49" charset="0"/>
+                <a:cs typeface="Courier New" pitchFamily="49" charset="0"/>
+              </a:rPr>
+              <a:t>alice</a:t>
+            </a:r>
+            <a:r>
+              <a:rPr lang="fr-FR" sz="2000" dirty="0" smtClean="0">
+                <a:solidFill>
+                  <a:srgbClr val="000000"/>
+                </a:solidFill>
+                <a:latin typeface="Courier New" pitchFamily="49" charset="0"/>
+                <a:cs typeface="Courier New" pitchFamily="49" charset="0"/>
+              </a:rPr>
+              <a:t>']</a:t>
+            </a:r>
+          </a:p>
+          <a:p>
+            <a:r>
+              <a:rPr lang="fr-FR" sz="2400" dirty="0" smtClean="0">
+                <a:solidFill>
+                  <a:srgbClr val="FF0000"/>
+                </a:solidFill>
+                <a:cs typeface="Courier New" pitchFamily="49" charset="0"/>
+              </a:rPr>
+              <a:t>Attention</a:t>
+            </a:r>
+          </a:p>
+          <a:p>
+            <a:pPr lvl="1"/>
+            <a:r>
+              <a:rPr lang="fr-FR" sz="2000" dirty="0" smtClean="0">
+                <a:solidFill>
+                  <a:srgbClr val="000000"/>
+                </a:solidFill>
+                <a:latin typeface="Courier New" pitchFamily="49" charset="0"/>
+                <a:cs typeface="Courier New" pitchFamily="49" charset="0"/>
+              </a:rPr>
+              <a:t>L[i] = L2 </a:t>
+            </a:r>
+            <a:r>
+              <a:rPr lang="fr-FR" sz="2000" dirty="0" smtClean="0">
+                <a:solidFill>
+                  <a:srgbClr val="000000"/>
+                </a:solidFill>
+                <a:cs typeface="Courier New" pitchFamily="49" charset="0"/>
+              </a:rPr>
+              <a:t>insère la liste L2 à la place de l’élément i de L</a:t>
+            </a:r>
+          </a:p>
+          <a:p>
+            <a:pPr lvl="1"/>
+            <a:r>
+              <a:rPr lang="fr-FR" sz="2000" dirty="0" smtClean="0">
+                <a:solidFill>
+                  <a:srgbClr val="000000"/>
+                </a:solidFill>
+                <a:latin typeface="Courier New" pitchFamily="49" charset="0"/>
+                <a:cs typeface="Courier New" pitchFamily="49" charset="0"/>
+              </a:rPr>
+              <a:t>L[</a:t>
+            </a:r>
+            <a:r>
+              <a:rPr lang="fr-FR" sz="2000" dirty="0" err="1" smtClean="0">
+                <a:solidFill>
+                  <a:srgbClr val="000000"/>
+                </a:solidFill>
+                <a:latin typeface="Courier New" pitchFamily="49" charset="0"/>
+                <a:cs typeface="Courier New" pitchFamily="49" charset="0"/>
+              </a:rPr>
+              <a:t>i:j</a:t>
+            </a:r>
+            <a:r>
+              <a:rPr lang="fr-FR" sz="2000" dirty="0" smtClean="0">
+                <a:solidFill>
+                  <a:srgbClr val="000000"/>
+                </a:solidFill>
+                <a:latin typeface="Courier New" pitchFamily="49" charset="0"/>
+                <a:cs typeface="Courier New" pitchFamily="49" charset="0"/>
+              </a:rPr>
+              <a:t>] = L2 </a:t>
+            </a:r>
+            <a:r>
+              <a:rPr lang="fr-FR" sz="2000" dirty="0" smtClean="0">
+                <a:solidFill>
+                  <a:srgbClr val="000000"/>
+                </a:solidFill>
+                <a:cs typeface="Courier New" pitchFamily="49" charset="0"/>
+              </a:rPr>
+              <a:t>insère tous les éléments de la liste L2 à la position i après avoir supprimé les éléments i jusqu’à j-1 dans L</a:t>
             </a:r>
           </a:p>
         </p:txBody>
       </p:sp>
-      <p:sp>
-        <p:nvSpPr>
-          <p:cNvPr id="9" name="ZoneTexte 8"/>
-          <p:cNvSpPr txBox="1"/>
-          <p:nvPr/>
-        </p:nvSpPr>
-        <p:spPr>
-          <a:xfrm>
-            <a:off x="3632857" y="2768277"/>
-            <a:ext cx="388189" cy="461665"/>
-          </a:xfrm>
-          <a:prstGeom prst="rect">
-            <a:avLst/>
-          </a:prstGeom>
-          <a:noFill/>
-        </p:spPr>
-        <p:txBody>
-          <a:bodyPr wrap="square" rtlCol="0">
-            <a:spAutoFit/>
-          </a:bodyPr>
-          <a:lstStyle/>
-          <a:p>
-            <a:r>
-              <a:rPr lang="fr-FR" dirty="0" smtClean="0"/>
-              <a:t>2</a:t>
-            </a:r>
-            <a:endParaRPr lang="fr-FR" dirty="0"/>
-          </a:p>
-        </p:txBody>
-      </p:sp>
-      <p:sp>
-        <p:nvSpPr>
-          <p:cNvPr id="10" name="ZoneTexte 9"/>
-          <p:cNvSpPr txBox="1"/>
-          <p:nvPr/>
-        </p:nvSpPr>
-        <p:spPr>
-          <a:xfrm>
-            <a:off x="5176985" y="2768276"/>
-            <a:ext cx="388189" cy="461665"/>
-          </a:xfrm>
-          <a:prstGeom prst="rect">
-            <a:avLst/>
-          </a:prstGeom>
-          <a:noFill/>
-        </p:spPr>
-        <p:txBody>
-          <a:bodyPr wrap="square" rtlCol="0">
-            <a:spAutoFit/>
-          </a:bodyPr>
-          <a:lstStyle/>
-          <a:p>
-            <a:r>
-              <a:rPr lang="fr-FR" dirty="0" smtClean="0"/>
-              <a:t>3</a:t>
-            </a:r>
-            <a:endParaRPr lang="fr-FR" dirty="0"/>
-          </a:p>
-        </p:txBody>
-      </p:sp>
-      <p:sp>
-        <p:nvSpPr>
-          <p:cNvPr id="11" name="ZoneTexte 10"/>
-          <p:cNvSpPr txBox="1"/>
-          <p:nvPr/>
-        </p:nvSpPr>
-        <p:spPr>
-          <a:xfrm>
-            <a:off x="6721113" y="2768275"/>
-            <a:ext cx="388189" cy="461665"/>
-          </a:xfrm>
-          <a:prstGeom prst="rect">
-            <a:avLst/>
-          </a:prstGeom>
-          <a:noFill/>
-        </p:spPr>
-        <p:txBody>
-          <a:bodyPr wrap="square" rtlCol="0">
-            <a:spAutoFit/>
-          </a:bodyPr>
-          <a:lstStyle/>
-          <a:p>
-            <a:r>
-              <a:rPr lang="fr-FR" dirty="0" smtClean="0"/>
-              <a:t>4</a:t>
-            </a:r>
-            <a:endParaRPr lang="fr-FR" dirty="0"/>
-          </a:p>
-        </p:txBody>
-      </p:sp>
-      <p:sp>
-        <p:nvSpPr>
-          <p:cNvPr id="12" name="ZoneTexte 11"/>
-          <p:cNvSpPr txBox="1"/>
-          <p:nvPr/>
-        </p:nvSpPr>
-        <p:spPr>
-          <a:xfrm>
-            <a:off x="6680854" y="1445561"/>
-            <a:ext cx="468703" cy="461665"/>
-          </a:xfrm>
-          <a:prstGeom prst="rect">
-            <a:avLst/>
-          </a:prstGeom>
-          <a:noFill/>
-        </p:spPr>
-        <p:txBody>
-          <a:bodyPr wrap="square" rtlCol="0">
-            <a:spAutoFit/>
-          </a:bodyPr>
-          <a:lstStyle/>
-          <a:p>
-            <a:r>
-              <a:rPr lang="fr-FR" dirty="0" smtClean="0"/>
-              <a:t>-1</a:t>
-            </a:r>
-            <a:endParaRPr lang="fr-FR" dirty="0"/>
-          </a:p>
-        </p:txBody>
-      </p:sp>
-      <p:sp>
-        <p:nvSpPr>
-          <p:cNvPr id="14" name="ZoneTexte 13"/>
-          <p:cNvSpPr txBox="1"/>
-          <p:nvPr/>
-        </p:nvSpPr>
-        <p:spPr>
-          <a:xfrm>
-            <a:off x="8184728" y="2768274"/>
-            <a:ext cx="388189" cy="461665"/>
-          </a:xfrm>
-          <a:prstGeom prst="rect">
-            <a:avLst/>
-          </a:prstGeom>
-          <a:noFill/>
-        </p:spPr>
-        <p:txBody>
-          <a:bodyPr wrap="square" rtlCol="0">
-            <a:spAutoFit/>
-          </a:bodyPr>
-          <a:lstStyle/>
-          <a:p>
-            <a:r>
-              <a:rPr lang="fr-FR" dirty="0" smtClean="0"/>
-              <a:t>5</a:t>
-            </a:r>
-            <a:endParaRPr lang="fr-FR" dirty="0"/>
-          </a:p>
-        </p:txBody>
-      </p:sp>
-      <p:sp>
-        <p:nvSpPr>
-          <p:cNvPr id="15" name="ZoneTexte 14"/>
-          <p:cNvSpPr txBox="1"/>
-          <p:nvPr/>
-        </p:nvSpPr>
-        <p:spPr>
-          <a:xfrm>
-            <a:off x="5176985" y="1445561"/>
-            <a:ext cx="537713" cy="461665"/>
-          </a:xfrm>
-          <a:prstGeom prst="rect">
-            <a:avLst/>
-          </a:prstGeom>
-          <a:noFill/>
-        </p:spPr>
-        <p:txBody>
-          <a:bodyPr wrap="square" rtlCol="0">
-            <a:spAutoFit/>
-          </a:bodyPr>
-          <a:lstStyle/>
-          <a:p>
-            <a:r>
-              <a:rPr lang="fr-FR" dirty="0" smtClean="0"/>
-              <a:t>-2</a:t>
-            </a:r>
-            <a:endParaRPr lang="fr-FR" dirty="0"/>
-          </a:p>
-        </p:txBody>
-      </p:sp>
-      <p:sp>
-        <p:nvSpPr>
-          <p:cNvPr id="16" name="ZoneTexte 15"/>
-          <p:cNvSpPr txBox="1"/>
-          <p:nvPr/>
-        </p:nvSpPr>
-        <p:spPr>
-          <a:xfrm>
-            <a:off x="3592599" y="1445561"/>
-            <a:ext cx="552092" cy="461665"/>
-          </a:xfrm>
-          <a:prstGeom prst="rect">
-            <a:avLst/>
-          </a:prstGeom>
-          <a:noFill/>
-        </p:spPr>
-        <p:txBody>
-          <a:bodyPr wrap="square" rtlCol="0">
-            <a:spAutoFit/>
-          </a:bodyPr>
-          <a:lstStyle/>
-          <a:p>
-            <a:r>
-              <a:rPr lang="fr-FR" dirty="0" smtClean="0"/>
-              <a:t>-3</a:t>
-            </a:r>
-            <a:endParaRPr lang="fr-FR" dirty="0"/>
-          </a:p>
-        </p:txBody>
-      </p:sp>
-      <p:sp>
-        <p:nvSpPr>
-          <p:cNvPr id="17" name="ZoneTexte 16"/>
-          <p:cNvSpPr txBox="1"/>
-          <p:nvPr/>
-        </p:nvSpPr>
-        <p:spPr>
-          <a:xfrm>
-            <a:off x="2039844" y="1445560"/>
-            <a:ext cx="552092" cy="461665"/>
-          </a:xfrm>
-          <a:prstGeom prst="rect">
-            <a:avLst/>
-          </a:prstGeom>
-          <a:noFill/>
-        </p:spPr>
-        <p:txBody>
-          <a:bodyPr wrap="square" rtlCol="0">
-            <a:spAutoFit/>
-          </a:bodyPr>
-          <a:lstStyle/>
-          <a:p>
-            <a:r>
-              <a:rPr lang="fr-FR" dirty="0" smtClean="0"/>
-              <a:t>-4</a:t>
-            </a:r>
-            <a:endParaRPr lang="fr-FR" dirty="0"/>
-          </a:p>
-        </p:txBody>
-      </p:sp>
-      <p:sp>
-        <p:nvSpPr>
-          <p:cNvPr id="18" name="ZoneTexte 17"/>
-          <p:cNvSpPr txBox="1"/>
-          <p:nvPr/>
-        </p:nvSpPr>
-        <p:spPr>
-          <a:xfrm>
-            <a:off x="581981" y="1445561"/>
-            <a:ext cx="543464" cy="461665"/>
-          </a:xfrm>
-          <a:prstGeom prst="rect">
-            <a:avLst/>
-          </a:prstGeom>
-          <a:noFill/>
-        </p:spPr>
-        <p:txBody>
-          <a:bodyPr wrap="square" rtlCol="0">
-            <a:spAutoFit/>
-          </a:bodyPr>
-          <a:lstStyle/>
-          <a:p>
-            <a:r>
-              <a:rPr lang="fr-FR" dirty="0" smtClean="0"/>
-              <a:t>-5</a:t>
-            </a:r>
-            <a:endParaRPr lang="fr-FR" dirty="0"/>
-          </a:p>
-        </p:txBody>
-      </p:sp>
-      <p:sp>
-        <p:nvSpPr>
-          <p:cNvPr id="19" name="ZoneTexte 18"/>
-          <p:cNvSpPr txBox="1"/>
-          <p:nvPr/>
-        </p:nvSpPr>
-        <p:spPr>
-          <a:xfrm>
-            <a:off x="581981" y="3229944"/>
-            <a:ext cx="388189" cy="461665"/>
-          </a:xfrm>
-          <a:prstGeom prst="rect">
-            <a:avLst/>
-          </a:prstGeom>
-          <a:noFill/>
-        </p:spPr>
-        <p:txBody>
-          <a:bodyPr wrap="square" rtlCol="0">
-            <a:spAutoFit/>
-          </a:bodyPr>
-          <a:lstStyle/>
-          <a:p>
-            <a:r>
-              <a:rPr lang="fr-FR" dirty="0" smtClean="0"/>
-              <a:t>[:</a:t>
-            </a:r>
-            <a:endParaRPr lang="fr-FR" dirty="0"/>
-          </a:p>
-        </p:txBody>
-      </p:sp>
-      <p:sp>
-        <p:nvSpPr>
-          <p:cNvPr id="20" name="ZoneTexte 19"/>
-          <p:cNvSpPr txBox="1"/>
-          <p:nvPr/>
-        </p:nvSpPr>
-        <p:spPr>
-          <a:xfrm>
-            <a:off x="8184728" y="3229944"/>
-            <a:ext cx="388189" cy="461665"/>
-          </a:xfrm>
-          <a:prstGeom prst="rect">
-            <a:avLst/>
-          </a:prstGeom>
-          <a:noFill/>
-        </p:spPr>
-        <p:txBody>
-          <a:bodyPr wrap="square" rtlCol="0">
-            <a:spAutoFit/>
-          </a:bodyPr>
-          <a:lstStyle/>
-          <a:p>
-            <a:r>
-              <a:rPr lang="fr-FR" dirty="0" smtClean="0"/>
-              <a:t>:]</a:t>
-            </a:r>
-            <a:endParaRPr lang="fr-FR" dirty="0"/>
-          </a:p>
-        </p:txBody>
-      </p:sp>
-      <p:grpSp>
-        <p:nvGrpSpPr>
-          <p:cNvPr id="25" name="Groupe 24"/>
-          <p:cNvGrpSpPr/>
-          <p:nvPr/>
-        </p:nvGrpSpPr>
-        <p:grpSpPr>
-          <a:xfrm>
-            <a:off x="951251" y="3460776"/>
-            <a:ext cx="5963954" cy="3477875"/>
-            <a:chOff x="2985649" y="3229939"/>
-            <a:chExt cx="5963954" cy="3477875"/>
-          </a:xfrm>
-        </p:grpSpPr>
-        <p:sp>
-          <p:nvSpPr>
-            <p:cNvPr id="21" name="ZoneTexte 20"/>
-            <p:cNvSpPr txBox="1"/>
-            <p:nvPr/>
-          </p:nvSpPr>
-          <p:spPr>
-            <a:xfrm>
-              <a:off x="2985649" y="3229939"/>
-              <a:ext cx="3244969" cy="3477875"/>
-            </a:xfrm>
-            <a:prstGeom prst="rect">
-              <a:avLst/>
-            </a:prstGeom>
-            <a:noFill/>
-          </p:spPr>
-          <p:txBody>
-            <a:bodyPr wrap="square" rtlCol="0">
-              <a:spAutoFit/>
-            </a:bodyPr>
-            <a:lstStyle/>
-            <a:p>
-              <a:r>
-                <a:rPr lang="fr-FR" sz="2000" dirty="0" smtClean="0">
-                  <a:latin typeface="Courier New" pitchFamily="49" charset="0"/>
-                  <a:cs typeface="Courier New" pitchFamily="49" charset="0"/>
-                </a:rPr>
-                <a:t>&gt;&gt;&gt;S</a:t>
-              </a:r>
-              <a:r>
-                <a:rPr lang="fr-FR" sz="2000" dirty="0">
-                  <a:latin typeface="Courier New" pitchFamily="49" charset="0"/>
-                  <a:cs typeface="Courier New" pitchFamily="49" charset="0"/>
-                </a:rPr>
-                <a:t>=</a:t>
-              </a:r>
-              <a:r>
-                <a:rPr lang="fr-FR" sz="2000" dirty="0" smtClean="0">
-                  <a:latin typeface="Courier New" pitchFamily="49" charset="0"/>
-                  <a:cs typeface="Courier New" pitchFamily="49" charset="0"/>
-                </a:rPr>
-                <a:t>'HELLO</a:t>
-              </a:r>
-              <a:r>
-                <a:rPr lang="fr-FR" sz="2000" dirty="0">
-                  <a:latin typeface="Courier New" pitchFamily="49" charset="0"/>
-                  <a:cs typeface="Courier New" pitchFamily="49" charset="0"/>
-                </a:rPr>
-                <a:t>'</a:t>
-              </a:r>
-              <a:endParaRPr lang="fr-FR" sz="2000" dirty="0" smtClean="0">
-                <a:latin typeface="Courier New" pitchFamily="49" charset="0"/>
-                <a:cs typeface="Courier New" pitchFamily="49" charset="0"/>
-              </a:endParaRPr>
-            </a:p>
-            <a:p>
-              <a:r>
-                <a:rPr lang="en-US" sz="2000" dirty="0" smtClean="0">
-                  <a:latin typeface="Courier New" pitchFamily="49" charset="0"/>
-                  <a:cs typeface="Courier New" pitchFamily="49" charset="0"/>
-                </a:rPr>
-                <a:t>&gt;&gt;&gt; S[-1]</a:t>
-              </a:r>
-            </a:p>
-            <a:p>
-              <a:r>
-                <a:rPr lang="en-US" sz="2000" dirty="0" smtClean="0">
-                  <a:latin typeface="Courier New" pitchFamily="49" charset="0"/>
-                  <a:cs typeface="Courier New" pitchFamily="49" charset="0"/>
-                </a:rPr>
-                <a:t>&gt;&gt;&gt; S[-2]</a:t>
-              </a:r>
-            </a:p>
-            <a:p>
-              <a:r>
-                <a:rPr lang="en-US" sz="2000" dirty="0" smtClean="0">
-                  <a:latin typeface="Courier New" pitchFamily="49" charset="0"/>
-                  <a:cs typeface="Courier New" pitchFamily="49" charset="0"/>
-                </a:rPr>
-                <a:t>&gt;&gt;&gt; S[-2:]</a:t>
-              </a:r>
-            </a:p>
-            <a:p>
-              <a:r>
-                <a:rPr lang="en-US" sz="2000" dirty="0" smtClean="0">
-                  <a:latin typeface="Courier New" pitchFamily="49" charset="0"/>
-                  <a:cs typeface="Courier New" pitchFamily="49" charset="0"/>
-                </a:rPr>
-                <a:t>&gt;&gt;&gt; S[-2:-1]</a:t>
-              </a:r>
-            </a:p>
-            <a:p>
-              <a:r>
-                <a:rPr lang="en-US" sz="2000" dirty="0">
-                  <a:latin typeface="Courier New" pitchFamily="49" charset="0"/>
-                  <a:cs typeface="Courier New" pitchFamily="49" charset="0"/>
-                </a:rPr>
-                <a:t>&gt;&gt;&gt; S[0:1</a:t>
-              </a:r>
-              <a:r>
-                <a:rPr lang="en-US" sz="2000" dirty="0" smtClean="0">
-                  <a:latin typeface="Courier New" pitchFamily="49" charset="0"/>
-                  <a:cs typeface="Courier New" pitchFamily="49" charset="0"/>
-                </a:rPr>
-                <a:t>]</a:t>
-              </a:r>
-              <a:endParaRPr lang="en-US" sz="2000" dirty="0">
-                <a:latin typeface="Courier New" pitchFamily="49" charset="0"/>
-                <a:cs typeface="Courier New" pitchFamily="49" charset="0"/>
-              </a:endParaRPr>
-            </a:p>
-            <a:p>
-              <a:r>
-                <a:rPr lang="en-US" sz="2000" dirty="0">
-                  <a:latin typeface="Courier New" pitchFamily="49" charset="0"/>
-                  <a:cs typeface="Courier New" pitchFamily="49" charset="0"/>
-                </a:rPr>
-                <a:t>&gt;&gt;&gt; S[2</a:t>
-              </a:r>
-              <a:r>
-                <a:rPr lang="en-US" sz="2000" dirty="0" smtClean="0">
-                  <a:latin typeface="Courier New" pitchFamily="49" charset="0"/>
-                  <a:cs typeface="Courier New" pitchFamily="49" charset="0"/>
-                </a:rPr>
-                <a:t>:]</a:t>
-              </a:r>
-              <a:endParaRPr lang="en-US" sz="2000" dirty="0">
-                <a:latin typeface="Courier New" pitchFamily="49" charset="0"/>
-                <a:cs typeface="Courier New" pitchFamily="49" charset="0"/>
-              </a:endParaRPr>
-            </a:p>
-            <a:p>
-              <a:r>
-                <a:rPr lang="en-US" sz="2000" dirty="0">
-                  <a:latin typeface="Courier New" pitchFamily="49" charset="0"/>
-                  <a:cs typeface="Courier New" pitchFamily="49" charset="0"/>
-                </a:rPr>
-                <a:t>&gt;&gt;&gt; S[:-3</a:t>
-              </a:r>
-              <a:r>
-                <a:rPr lang="en-US" sz="2000" dirty="0" smtClean="0">
-                  <a:latin typeface="Courier New" pitchFamily="49" charset="0"/>
-                  <a:cs typeface="Courier New" pitchFamily="49" charset="0"/>
-                </a:rPr>
-                <a:t>]</a:t>
-              </a:r>
-              <a:endParaRPr lang="en-US" sz="2000" dirty="0">
-                <a:latin typeface="Courier New" pitchFamily="49" charset="0"/>
-                <a:cs typeface="Courier New" pitchFamily="49" charset="0"/>
-              </a:endParaRPr>
-            </a:p>
-            <a:p>
-              <a:r>
-                <a:rPr lang="en-US" sz="2000" dirty="0">
-                  <a:latin typeface="Courier New" pitchFamily="49" charset="0"/>
-                  <a:cs typeface="Courier New" pitchFamily="49" charset="0"/>
-                </a:rPr>
-                <a:t>&gt;&gt;&gt; S[3:100</a:t>
-              </a:r>
-              <a:r>
-                <a:rPr lang="en-US" sz="2000" dirty="0" smtClean="0">
-                  <a:latin typeface="Courier New" pitchFamily="49" charset="0"/>
-                  <a:cs typeface="Courier New" pitchFamily="49" charset="0"/>
-                </a:rPr>
-                <a:t>]</a:t>
-              </a:r>
-              <a:endParaRPr lang="en-US" sz="2000" dirty="0">
-                <a:latin typeface="Courier New" pitchFamily="49" charset="0"/>
-                <a:cs typeface="Courier New" pitchFamily="49" charset="0"/>
-              </a:endParaRPr>
-            </a:p>
-            <a:p>
-              <a:r>
-                <a:rPr lang="en-US" sz="2000" dirty="0">
-                  <a:latin typeface="Courier New" pitchFamily="49" charset="0"/>
-                  <a:cs typeface="Courier New" pitchFamily="49" charset="0"/>
-                </a:rPr>
-                <a:t>&gt;&gt;&gt; S[100</a:t>
-              </a:r>
-              <a:r>
-                <a:rPr lang="en-US" sz="2000" dirty="0" smtClean="0">
-                  <a:latin typeface="Courier New" pitchFamily="49" charset="0"/>
-                  <a:cs typeface="Courier New" pitchFamily="49" charset="0"/>
-                </a:rPr>
-                <a:t>]</a:t>
-              </a:r>
-              <a:endParaRPr lang="fr-FR" sz="2000" dirty="0">
-                <a:latin typeface="Courier New" pitchFamily="49" charset="0"/>
-                <a:cs typeface="Courier New" pitchFamily="49" charset="0"/>
-              </a:endParaRPr>
-            </a:p>
-            <a:p>
-              <a:endParaRPr lang="en-US" sz="2000" dirty="0" smtClean="0">
-                <a:latin typeface="Courier New" pitchFamily="49" charset="0"/>
-                <a:cs typeface="Courier New" pitchFamily="49" charset="0"/>
-              </a:endParaRPr>
-            </a:p>
-          </p:txBody>
-        </p:sp>
-        <p:sp>
-          <p:nvSpPr>
-            <p:cNvPr id="22" name="ZoneTexte 21"/>
-            <p:cNvSpPr txBox="1"/>
-            <p:nvPr/>
-          </p:nvSpPr>
-          <p:spPr>
-            <a:xfrm>
-              <a:off x="4144690" y="3460776"/>
-              <a:ext cx="4804913" cy="400110"/>
-            </a:xfrm>
-            <a:prstGeom prst="rect">
-              <a:avLst/>
-            </a:prstGeom>
-            <a:noFill/>
-          </p:spPr>
-          <p:txBody>
-            <a:bodyPr wrap="square" rtlCol="0">
-              <a:spAutoFit/>
-            </a:bodyPr>
-            <a:lstStyle/>
-            <a:p>
-              <a:endParaRPr lang="fr-FR" sz="2000" dirty="0">
-                <a:latin typeface="Courier New" pitchFamily="49" charset="0"/>
-                <a:cs typeface="Courier New" pitchFamily="49" charset="0"/>
-              </a:endParaRPr>
-            </a:p>
-          </p:txBody>
-        </p:sp>
-      </p:grpSp>
     </p:spTree>
     <p:extLst>
       <p:ext uri="{BB962C8B-B14F-4D97-AF65-F5344CB8AC3E}">
-        <p14:creationId xmlns:p14="http://schemas.microsoft.com/office/powerpoint/2010/main" val="728200152"/>
+        <p14:creationId xmlns:p14="http://schemas.microsoft.com/office/powerpoint/2010/main" val="3834541014"/>
       </p:ext>
     </p:extLst>
   </p:cSld>
@@ -9396,75 +10957,7 @@
   <p:timing>
     <p:tnLst>
       <p:par>
-        <p:cTn id="1" dur="indefinite" restart="never" nodeType="tmRoot">
-          <p:childTnLst>
-            <p:seq concurrent="1" nextAc="seek">
-              <p:cTn id="2" dur="indefinite" nodeType="mainSeq">
-                <p:childTnLst>
-                  <p:par>
-                    <p:cTn id="3" fill="hold">
-                      <p:stCondLst>
-                        <p:cond delay="indefinite"/>
-                      </p:stCondLst>
-                      <p:childTnLst>
-                        <p:par>
-                          <p:cTn id="4" fill="hold">
-                            <p:stCondLst>
-                              <p:cond delay="0"/>
-                            </p:stCondLst>
-                            <p:childTnLst>
-                              <p:par>
-                                <p:cTn id="5" presetID="1" presetClass="entr" presetSubtype="0" fill="hold" nodeType="clickEffect">
-                                  <p:stCondLst>
-                                    <p:cond delay="0"/>
-                                  </p:stCondLst>
-                                  <p:childTnLst>
-                                    <p:set>
-                                      <p:cBhvr>
-                                        <p:cTn id="6" dur="1" fill="hold">
-                                          <p:stCondLst>
-                                            <p:cond delay="0"/>
-                                          </p:stCondLst>
-                                        </p:cTn>
-                                        <p:tgtEl>
-                                          <p:spTgt spid="25"/>
-                                        </p:tgtEl>
-                                        <p:attrNameLst>
-                                          <p:attrName>style.visibility</p:attrName>
-                                        </p:attrNameLst>
-                                      </p:cBhvr>
-                                      <p:to>
-                                        <p:strVal val="visible"/>
-                                      </p:to>
-                                    </p:set>
-                                  </p:childTnLst>
-                                </p:cTn>
-                              </p:par>
-                            </p:childTnLst>
-                          </p:cTn>
-                        </p:par>
-                      </p:childTnLst>
-                    </p:cTn>
-                  </p:par>
-                </p:childTnLst>
-              </p:cTn>
-              <p:prevCondLst>
-                <p:cond evt="onPrev" delay="0">
-                  <p:tgtEl>
-                    <p:sldTgt/>
-                  </p:tgtEl>
-                </p:cond>
-              </p:prevCondLst>
-              <p:nextCondLst>
-                <p:cond evt="onNext" delay="0">
-                  <p:tgtEl>
-                    <p:sldTgt/>
-                  </p:tgtEl>
-                </p:cond>
-              </p:nextCondLst>
-            </p:seq>
-          </p:childTnLst>
-        </p:cTn>
+        <p:cTn id="1" dur="indefinite" restart="never" nodeType="tmRoot"/>
       </p:par>
     </p:tnLst>
   </p:timing>
@@ -9504,8 +10997,12 @@
           <a:lstStyle/>
           <a:p>
             <a:r>
+              <a:rPr lang="fr-FR" dirty="0"/>
+              <a:t>Modification des </a:t>
+            </a:r>
+            <a:r>
               <a:rPr lang="fr-FR" dirty="0" smtClean="0"/>
-              <a:t>Les listes</a:t>
+              <a:t>listes</a:t>
             </a:r>
             <a:endParaRPr lang="fr-FR" dirty="0"/>
           </a:p>
@@ -9521,40 +11018,183 @@
             <p:ph idx="1"/>
           </p:nvPr>
         </p:nvSpPr>
-        <p:spPr>
-          <a:xfrm>
-            <a:off x="457200" y="1600200"/>
-            <a:ext cx="8686800" cy="4525963"/>
-          </a:xfrm>
-        </p:spPr>
+        <p:spPr/>
         <p:txBody>
           <a:bodyPr/>
           <a:lstStyle/>
           <a:p>
-            <a:r>
-              <a:rPr lang="fr-FR" dirty="0" smtClean="0"/>
-              <a:t>Permet de créer une liste de n’importe quels objets</a:t>
-            </a:r>
-          </a:p>
-          <a:p>
-            <a:pPr lvl="1"/>
-            <a:r>
-              <a:rPr lang="fr-FR" dirty="0" smtClean="0"/>
-              <a:t>Techniquement, c’est un tableau de pointeurs vers les objets</a:t>
-            </a:r>
-          </a:p>
-          <a:p>
-            <a:pPr lvl="1"/>
-            <a:r>
-              <a:rPr lang="fr-FR" dirty="0" smtClean="0"/>
-              <a:t>Les listes sont dynamiques, de taille variable</a:t>
-            </a:r>
-          </a:p>
-          <a:p>
-            <a:pPr lvl="1"/>
-            <a:r>
-              <a:rPr lang="fr-FR" dirty="0" smtClean="0"/>
-              <a:t>Comme une liste est un objet, on peut avoir une liste de listes</a:t>
+            <a:pPr marL="0" lvl="0" indent="0">
+              <a:buNone/>
+            </a:pPr>
+            <a:r>
+              <a:rPr lang="fr-FR" sz="2000" dirty="0">
+                <a:solidFill>
+                  <a:srgbClr val="000000"/>
+                </a:solidFill>
+                <a:latin typeface="Courier New" pitchFamily="49" charset="0"/>
+                <a:cs typeface="Courier New" pitchFamily="49" charset="0"/>
+              </a:rPr>
+              <a:t>&gt;&gt;&gt; </a:t>
+            </a:r>
+            <a:r>
+              <a:rPr lang="fr-FR" sz="2000" dirty="0" smtClean="0">
+                <a:solidFill>
+                  <a:srgbClr val="000000"/>
+                </a:solidFill>
+                <a:latin typeface="Courier New" pitchFamily="49" charset="0"/>
+                <a:cs typeface="Courier New" pitchFamily="49" charset="0"/>
+              </a:rPr>
+              <a:t>L = </a:t>
+            </a:r>
+            <a:r>
+              <a:rPr lang="fr-FR" sz="2000" dirty="0">
+                <a:solidFill>
+                  <a:srgbClr val="000000"/>
+                </a:solidFill>
+                <a:latin typeface="Courier New" pitchFamily="49" charset="0"/>
+                <a:cs typeface="Courier New" pitchFamily="49" charset="0"/>
+              </a:rPr>
+              <a:t>[1, 2, 3, 4, 5</a:t>
+            </a:r>
+            <a:r>
+              <a:rPr lang="fr-FR" sz="2000" dirty="0" smtClean="0">
+                <a:solidFill>
+                  <a:srgbClr val="000000"/>
+                </a:solidFill>
+                <a:latin typeface="Courier New" pitchFamily="49" charset="0"/>
+                <a:cs typeface="Courier New" pitchFamily="49" charset="0"/>
+              </a:rPr>
+              <a:t>]</a:t>
+            </a:r>
+          </a:p>
+          <a:p>
+            <a:pPr marL="0" lvl="0" indent="0">
+              <a:buNone/>
+            </a:pPr>
+            <a:r>
+              <a:rPr lang="fr-FR" sz="2000" dirty="0" smtClean="0">
+                <a:solidFill>
+                  <a:srgbClr val="000000"/>
+                </a:solidFill>
+                <a:latin typeface="Courier New" pitchFamily="49" charset="0"/>
+                <a:cs typeface="Courier New" pitchFamily="49" charset="0"/>
+              </a:rPr>
+              <a:t>&gt;&gt;&gt; </a:t>
+            </a:r>
+            <a:r>
+              <a:rPr lang="fr-FR" sz="2000" dirty="0">
+                <a:solidFill>
+                  <a:srgbClr val="000000"/>
+                </a:solidFill>
+                <a:latin typeface="Courier New" pitchFamily="49" charset="0"/>
+                <a:cs typeface="Courier New" pitchFamily="49" charset="0"/>
+              </a:rPr>
+              <a:t>L</a:t>
+            </a:r>
+          </a:p>
+          <a:p>
+            <a:pPr marL="0" lvl="0" indent="0">
+              <a:buNone/>
+            </a:pPr>
+            <a:r>
+              <a:rPr lang="fr-FR" sz="2000" dirty="0">
+                <a:solidFill>
+                  <a:srgbClr val="000000"/>
+                </a:solidFill>
+                <a:latin typeface="Courier New" pitchFamily="49" charset="0"/>
+                <a:cs typeface="Courier New" pitchFamily="49" charset="0"/>
+              </a:rPr>
+              <a:t>[1, 2, 3, 4, 5]</a:t>
+            </a:r>
+          </a:p>
+          <a:p>
+            <a:pPr marL="0" lvl="0" indent="0">
+              <a:buNone/>
+            </a:pPr>
+            <a:r>
+              <a:rPr lang="fr-FR" sz="2000" dirty="0">
+                <a:solidFill>
+                  <a:srgbClr val="000000"/>
+                </a:solidFill>
+                <a:latin typeface="Courier New" pitchFamily="49" charset="0"/>
+                <a:cs typeface="Courier New" pitchFamily="49" charset="0"/>
+              </a:rPr>
+              <a:t>&gt;&gt;&gt; L[2:4] = [10,11,12,13]</a:t>
+            </a:r>
+          </a:p>
+          <a:p>
+            <a:pPr marL="0" lvl="0" indent="0">
+              <a:buNone/>
+            </a:pPr>
+            <a:r>
+              <a:rPr lang="fr-FR" sz="2000" dirty="0">
+                <a:solidFill>
+                  <a:srgbClr val="000000"/>
+                </a:solidFill>
+                <a:latin typeface="Courier New" pitchFamily="49" charset="0"/>
+                <a:cs typeface="Courier New" pitchFamily="49" charset="0"/>
+              </a:rPr>
+              <a:t>&gt;&gt;&gt; L</a:t>
+            </a:r>
+          </a:p>
+          <a:p>
+            <a:pPr marL="0" lvl="0" indent="0">
+              <a:buNone/>
+            </a:pPr>
+            <a:r>
+              <a:rPr lang="fr-FR" sz="2000" dirty="0">
+                <a:solidFill>
+                  <a:srgbClr val="000000"/>
+                </a:solidFill>
+                <a:latin typeface="Courier New" pitchFamily="49" charset="0"/>
+                <a:cs typeface="Courier New" pitchFamily="49" charset="0"/>
+              </a:rPr>
+              <a:t>[1, 2, 10, 11, 12, 13, 5]</a:t>
+            </a:r>
+          </a:p>
+          <a:p>
+            <a:pPr marL="0" lvl="0" indent="0">
+              <a:buNone/>
+            </a:pPr>
+            <a:r>
+              <a:rPr lang="fr-FR" sz="2000" dirty="0">
+                <a:solidFill>
+                  <a:srgbClr val="000000"/>
+                </a:solidFill>
+                <a:latin typeface="Courier New" pitchFamily="49" charset="0"/>
+                <a:cs typeface="Courier New" pitchFamily="49" charset="0"/>
+              </a:rPr>
+              <a:t>&gt;&gt;&gt; L[3] = [3,4]</a:t>
+            </a:r>
+          </a:p>
+          <a:p>
+            <a:pPr marL="0" lvl="0" indent="0">
+              <a:buNone/>
+            </a:pPr>
+            <a:r>
+              <a:rPr lang="fr-FR" sz="2000" dirty="0">
+                <a:solidFill>
+                  <a:srgbClr val="000000"/>
+                </a:solidFill>
+                <a:latin typeface="Courier New" pitchFamily="49" charset="0"/>
+                <a:cs typeface="Courier New" pitchFamily="49" charset="0"/>
+              </a:rPr>
+              <a:t>&gt;&gt;&gt; L</a:t>
+            </a:r>
+          </a:p>
+          <a:p>
+            <a:pPr marL="0" lvl="0" indent="0">
+              <a:buNone/>
+            </a:pPr>
+            <a:r>
+              <a:rPr lang="fr-FR" sz="2000" dirty="0">
+                <a:solidFill>
+                  <a:srgbClr val="000000"/>
+                </a:solidFill>
+                <a:latin typeface="Courier New" pitchFamily="49" charset="0"/>
+                <a:cs typeface="Courier New" pitchFamily="49" charset="0"/>
+              </a:rPr>
+              <a:t>[1, 2, 10, [3, 4], 12, 13, 5]</a:t>
             </a:r>
           </a:p>
         </p:txBody>
@@ -9562,7 +11202,7 @@
     </p:spTree>
     <p:extLst>
       <p:ext uri="{BB962C8B-B14F-4D97-AF65-F5344CB8AC3E}">
-        <p14:creationId xmlns:p14="http://schemas.microsoft.com/office/powerpoint/2010/main" val="1153943157"/>
+        <p14:creationId xmlns:p14="http://schemas.microsoft.com/office/powerpoint/2010/main" val="3679711706"/>
       </p:ext>
     </p:extLst>
   </p:cSld>
@@ -9612,9 +11252,10 @@
           <a:lstStyle/>
           <a:p>
             <a:r>
-              <a:rPr lang="fr-FR" dirty="0"/>
-              <a:t>Les listes</a:t>
-            </a:r>
+              <a:rPr lang="fr-FR" dirty="0" smtClean="0"/>
+              <a:t>Méthodes sur les listes</a:t>
+            </a:r>
+            <a:endParaRPr lang="fr-FR" dirty="0"/>
           </a:p>
         </p:txBody>
       </p:sp>
@@ -9628,257 +11269,180 @@
             <p:ph idx="1"/>
           </p:nvPr>
         </p:nvSpPr>
-        <p:spPr/>
+        <p:spPr>
+          <a:xfrm>
+            <a:off x="457199" y="1600200"/>
+            <a:ext cx="8686801" cy="4525963"/>
+          </a:xfrm>
+        </p:spPr>
         <p:txBody>
           <a:bodyPr/>
           <a:lstStyle/>
           <a:p>
-            <a:pPr marL="0" lvl="0" indent="0">
-              <a:buNone/>
-            </a:pPr>
-            <a:r>
-              <a:rPr lang="en-US" sz="2000" dirty="0">
+            <a:r>
+              <a:rPr lang="fr-FR" dirty="0" smtClean="0"/>
+              <a:t>Toutes les méthodes sur les séquences</a:t>
+            </a:r>
+          </a:p>
+          <a:p>
+            <a:r>
+              <a:rPr lang="fr-FR" dirty="0" smtClean="0"/>
+              <a:t>Des méthodes spécifiques aux types mutables (</a:t>
+            </a:r>
+            <a:r>
+              <a:rPr lang="fr-FR" dirty="0" smtClean="0">
                 <a:solidFill>
-                  <a:srgbClr val="000000"/>
+                  <a:srgbClr val="FF0000"/>
                 </a:solidFill>
-                <a:latin typeface="Courier New" pitchFamily="49" charset="0"/>
-                <a:cs typeface="Courier New" pitchFamily="49" charset="0"/>
-              </a:rPr>
-              <a:t>&gt;&gt;&gt; L=[]</a:t>
-            </a:r>
-          </a:p>
-          <a:p>
-            <a:pPr marL="0" lvl="0" indent="0">
-              <a:buNone/>
-            </a:pPr>
-            <a:r>
-              <a:rPr lang="en-US" sz="2000" dirty="0">
+              </a:rPr>
+              <a:t>modifications </a:t>
+            </a:r>
+            <a:r>
+              <a:rPr lang="fr-FR" dirty="0" err="1" smtClean="0">
                 <a:solidFill>
-                  <a:srgbClr val="000000"/>
+                  <a:srgbClr val="FF0000"/>
                 </a:solidFill>
-                <a:latin typeface="Courier New" pitchFamily="49" charset="0"/>
-                <a:cs typeface="Courier New" pitchFamily="49" charset="0"/>
-              </a:rPr>
-              <a:t>&gt;&gt;&gt; L=[4, </a:t>
-            </a:r>
-            <a:r>
-              <a:rPr lang="en-US" sz="2000" dirty="0" smtClean="0">
-                <a:solidFill>
-                  <a:srgbClr val="000000"/>
-                </a:solidFill>
-                <a:latin typeface="Courier New" pitchFamily="49" charset="0"/>
-                <a:cs typeface="Courier New" pitchFamily="49" charset="0"/>
-              </a:rPr>
-              <a:t>'bob', </a:t>
-            </a:r>
-            <a:r>
-              <a:rPr lang="en-US" sz="2000" dirty="0">
-                <a:solidFill>
-                  <a:srgbClr val="000000"/>
-                </a:solidFill>
-                <a:latin typeface="Courier New" pitchFamily="49" charset="0"/>
-                <a:cs typeface="Courier New" pitchFamily="49" charset="0"/>
-              </a:rPr>
-              <a:t>4.3, True]</a:t>
-            </a:r>
-          </a:p>
-          <a:p>
-            <a:pPr marL="0" lvl="0" indent="0">
-              <a:buNone/>
-            </a:pPr>
-            <a:r>
-              <a:rPr lang="en-US" sz="2000" dirty="0">
-                <a:solidFill>
-                  <a:srgbClr val="000000"/>
-                </a:solidFill>
-                <a:latin typeface="Courier New" pitchFamily="49" charset="0"/>
-                <a:cs typeface="Courier New" pitchFamily="49" charset="0"/>
-              </a:rPr>
-              <a:t>&gt;&gt;&gt; L</a:t>
-            </a:r>
-          </a:p>
-          <a:p>
-            <a:pPr marL="0" lvl="0" indent="0">
-              <a:buNone/>
-            </a:pPr>
-            <a:r>
-              <a:rPr lang="en-US" sz="2000" dirty="0">
-                <a:solidFill>
-                  <a:srgbClr val="000000"/>
-                </a:solidFill>
-                <a:latin typeface="Courier New" pitchFamily="49" charset="0"/>
-                <a:cs typeface="Courier New" pitchFamily="49" charset="0"/>
-              </a:rPr>
-              <a:t>[4, </a:t>
-            </a:r>
-            <a:r>
-              <a:rPr lang="en-US" sz="2000" dirty="0" smtClean="0">
-                <a:solidFill>
-                  <a:srgbClr val="000000"/>
-                </a:solidFill>
-                <a:latin typeface="Courier New" pitchFamily="49" charset="0"/>
-                <a:cs typeface="Courier New" pitchFamily="49" charset="0"/>
-              </a:rPr>
-              <a:t>'bob', </a:t>
-            </a:r>
-            <a:r>
-              <a:rPr lang="en-US" sz="2000" dirty="0">
-                <a:solidFill>
-                  <a:srgbClr val="000000"/>
-                </a:solidFill>
-                <a:latin typeface="Courier New" pitchFamily="49" charset="0"/>
-                <a:cs typeface="Courier New" pitchFamily="49" charset="0"/>
-              </a:rPr>
-              <a:t>4.3, True</a:t>
-            </a:r>
-            <a:r>
-              <a:rPr lang="en-US" sz="2000" dirty="0" smtClean="0">
-                <a:solidFill>
-                  <a:srgbClr val="000000"/>
-                </a:solidFill>
-                <a:latin typeface="Courier New" pitchFamily="49" charset="0"/>
-                <a:cs typeface="Courier New" pitchFamily="49" charset="0"/>
-              </a:rPr>
-              <a:t>]</a:t>
-            </a:r>
-          </a:p>
-          <a:p>
-            <a:pPr marL="0" lvl="0" indent="0">
-              <a:buNone/>
-            </a:pPr>
-            <a:r>
-              <a:rPr lang="en-US" sz="2000" dirty="0">
-                <a:solidFill>
-                  <a:srgbClr val="000000"/>
-                </a:solidFill>
-                <a:latin typeface="Courier New" pitchFamily="49" charset="0"/>
-                <a:cs typeface="Courier New" pitchFamily="49" charset="0"/>
-              </a:rPr>
-              <a:t>&gt;&gt;&gt; L[2]</a:t>
-            </a:r>
-          </a:p>
-          <a:p>
-            <a:pPr marL="0" lvl="0" indent="0">
-              <a:buNone/>
-            </a:pPr>
-            <a:r>
-              <a:rPr lang="en-US" sz="2000" dirty="0">
-                <a:solidFill>
-                  <a:srgbClr val="000000"/>
-                </a:solidFill>
-                <a:latin typeface="Courier New" pitchFamily="49" charset="0"/>
-                <a:cs typeface="Courier New" pitchFamily="49" charset="0"/>
-              </a:rPr>
-              <a:t>4.3</a:t>
-            </a:r>
-          </a:p>
-          <a:p>
-            <a:pPr marL="0" lvl="0" indent="0">
-              <a:buNone/>
-            </a:pPr>
-            <a:r>
-              <a:rPr lang="en-US" sz="2000" dirty="0">
-                <a:solidFill>
-                  <a:srgbClr val="000000"/>
-                </a:solidFill>
-                <a:latin typeface="Courier New" pitchFamily="49" charset="0"/>
-                <a:cs typeface="Courier New" pitchFamily="49" charset="0"/>
-              </a:rPr>
-              <a:t>&gt;&gt;&gt; L[3]</a:t>
-            </a:r>
-          </a:p>
-          <a:p>
-            <a:pPr marL="0" lvl="0" indent="0">
-              <a:buNone/>
-            </a:pPr>
-            <a:r>
-              <a:rPr lang="en-US" sz="2000" dirty="0">
-                <a:solidFill>
-                  <a:srgbClr val="000000"/>
-                </a:solidFill>
-                <a:latin typeface="Courier New" pitchFamily="49" charset="0"/>
-                <a:cs typeface="Courier New" pitchFamily="49" charset="0"/>
-              </a:rPr>
-              <a:t>True</a:t>
-            </a:r>
-          </a:p>
-          <a:p>
-            <a:pPr marL="0" lvl="0" indent="0">
-              <a:buNone/>
-            </a:pPr>
-            <a:r>
-              <a:rPr lang="en-US" sz="2000" dirty="0">
-                <a:solidFill>
-                  <a:srgbClr val="000000"/>
-                </a:solidFill>
-                <a:latin typeface="Courier New" pitchFamily="49" charset="0"/>
-                <a:cs typeface="Courier New" pitchFamily="49" charset="0"/>
-              </a:rPr>
-              <a:t>&gt;&gt;&gt; L[0] = L[0]+6</a:t>
-            </a:r>
-          </a:p>
-          <a:p>
-            <a:pPr marL="0" lvl="0" indent="0">
-              <a:buNone/>
-            </a:pPr>
-            <a:r>
-              <a:rPr lang="en-US" sz="2000" dirty="0">
-                <a:solidFill>
-                  <a:srgbClr val="000000"/>
-                </a:solidFill>
-                <a:latin typeface="Courier New" pitchFamily="49" charset="0"/>
-                <a:cs typeface="Courier New" pitchFamily="49" charset="0"/>
-              </a:rPr>
-              <a:t>&gt;&gt;&gt; L</a:t>
-            </a:r>
-          </a:p>
-          <a:p>
-            <a:pPr marL="0" lvl="0" indent="0">
-              <a:buNone/>
-            </a:pPr>
-            <a:r>
-              <a:rPr lang="en-US" sz="2000" dirty="0">
-                <a:solidFill>
-                  <a:srgbClr val="000000"/>
-                </a:solidFill>
-                <a:latin typeface="Courier New" pitchFamily="49" charset="0"/>
-                <a:cs typeface="Courier New" pitchFamily="49" charset="0"/>
-              </a:rPr>
-              <a:t>[10, </a:t>
-            </a:r>
-            <a:r>
-              <a:rPr lang="en-US" sz="2000" dirty="0" smtClean="0">
-                <a:solidFill>
-                  <a:srgbClr val="000000"/>
-                </a:solidFill>
-                <a:latin typeface="Courier New" pitchFamily="49" charset="0"/>
-                <a:cs typeface="Courier New" pitchFamily="49" charset="0"/>
-              </a:rPr>
-              <a:t>'bob', </a:t>
-            </a:r>
-            <a:r>
-              <a:rPr lang="en-US" sz="2000" dirty="0">
-                <a:solidFill>
-                  <a:srgbClr val="000000"/>
-                </a:solidFill>
-                <a:latin typeface="Courier New" pitchFamily="49" charset="0"/>
-                <a:cs typeface="Courier New" pitchFamily="49" charset="0"/>
-              </a:rPr>
-              <a:t>4.3, True]</a:t>
-            </a:r>
-          </a:p>
-          <a:p>
-            <a:pPr marL="0" indent="0">
-              <a:buNone/>
-            </a:pPr>
-            <a:endParaRPr lang="fr-FR" dirty="0"/>
+              </a:rPr>
+              <a:t>in-place</a:t>
+            </a:r>
+            <a:r>
+              <a:rPr lang="fr-FR" dirty="0" smtClean="0"/>
+              <a:t>)</a:t>
+            </a:r>
+          </a:p>
+          <a:p>
+            <a:pPr lvl="1"/>
+            <a:r>
+              <a:rPr lang="fr-FR" dirty="0" err="1" smtClean="0">
+                <a:latin typeface="Courier New" pitchFamily="49" charset="0"/>
+                <a:cs typeface="Courier New" pitchFamily="49" charset="0"/>
+              </a:rPr>
+              <a:t>L.append</a:t>
+            </a:r>
+            <a:r>
+              <a:rPr lang="fr-FR" dirty="0" smtClean="0">
+                <a:latin typeface="Courier New" pitchFamily="49" charset="0"/>
+                <a:cs typeface="Courier New" pitchFamily="49" charset="0"/>
+              </a:rPr>
+              <a:t>(x)</a:t>
+            </a:r>
+            <a:r>
+              <a:rPr lang="fr-FR" dirty="0" smtClean="0"/>
+              <a:t> ajoute x à la fin de L</a:t>
+            </a:r>
+          </a:p>
+          <a:p>
+            <a:pPr lvl="1"/>
+            <a:r>
+              <a:rPr lang="fr-FR" dirty="0" err="1" smtClean="0">
+                <a:latin typeface="Courier New" pitchFamily="49" charset="0"/>
+                <a:cs typeface="Courier New" pitchFamily="49" charset="0"/>
+              </a:rPr>
+              <a:t>L.extend</a:t>
+            </a:r>
+            <a:r>
+              <a:rPr lang="fr-FR" dirty="0" smtClean="0">
+                <a:latin typeface="Courier New" pitchFamily="49" charset="0"/>
+                <a:cs typeface="Courier New" pitchFamily="49" charset="0"/>
+              </a:rPr>
+              <a:t>(L2)</a:t>
+            </a:r>
+            <a:r>
+              <a:rPr lang="fr-FR" dirty="0" smtClean="0"/>
+              <a:t>  ajoute chaque élément de la liste L2 à la fin de L</a:t>
+            </a:r>
+          </a:p>
+          <a:p>
+            <a:pPr lvl="1"/>
+            <a:r>
+              <a:rPr lang="fr-FR" dirty="0" err="1" smtClean="0">
+                <a:latin typeface="Courier New" pitchFamily="49" charset="0"/>
+                <a:cs typeface="Courier New" pitchFamily="49" charset="0"/>
+              </a:rPr>
+              <a:t>L.insert</a:t>
+            </a:r>
+            <a:r>
+              <a:rPr lang="fr-FR" dirty="0" smtClean="0">
+                <a:latin typeface="Courier New" pitchFamily="49" charset="0"/>
+                <a:cs typeface="Courier New" pitchFamily="49" charset="0"/>
+              </a:rPr>
+              <a:t>(</a:t>
+            </a:r>
+            <a:r>
+              <a:rPr lang="fr-FR" dirty="0" err="1" smtClean="0">
+                <a:latin typeface="Courier New" pitchFamily="49" charset="0"/>
+                <a:cs typeface="Courier New" pitchFamily="49" charset="0"/>
+              </a:rPr>
+              <a:t>i,x</a:t>
+            </a:r>
+            <a:r>
+              <a:rPr lang="fr-FR" dirty="0" smtClean="0">
+                <a:latin typeface="Courier New" pitchFamily="49" charset="0"/>
+                <a:cs typeface="Courier New" pitchFamily="49" charset="0"/>
+              </a:rPr>
+              <a:t>)</a:t>
+            </a:r>
+            <a:r>
+              <a:rPr lang="fr-FR" dirty="0" smtClean="0"/>
+              <a:t> ajoute x </a:t>
+            </a:r>
+            <a:r>
+              <a:rPr lang="fr-FR" dirty="0"/>
+              <a:t>à</a:t>
+            </a:r>
+            <a:r>
+              <a:rPr lang="fr-FR" dirty="0" smtClean="0"/>
+              <a:t> la position i</a:t>
+            </a:r>
+          </a:p>
+          <a:p>
+            <a:pPr lvl="1"/>
+            <a:r>
+              <a:rPr lang="fr-FR" dirty="0" err="1" smtClean="0">
+                <a:latin typeface="Courier New" pitchFamily="49" charset="0"/>
+                <a:cs typeface="Courier New" pitchFamily="49" charset="0"/>
+              </a:rPr>
+              <a:t>L.sort</a:t>
+            </a:r>
+            <a:r>
+              <a:rPr lang="fr-FR" dirty="0" smtClean="0">
+                <a:latin typeface="Courier New" pitchFamily="49" charset="0"/>
+                <a:cs typeface="Courier New" pitchFamily="49" charset="0"/>
+              </a:rPr>
+              <a:t>()  </a:t>
+            </a:r>
+            <a:r>
+              <a:rPr lang="fr-FR" dirty="0" smtClean="0"/>
+              <a:t>trie L</a:t>
+            </a:r>
+          </a:p>
+          <a:p>
+            <a:pPr lvl="1"/>
+            <a:r>
+              <a:rPr lang="fr-FR" dirty="0" err="1" smtClean="0">
+                <a:latin typeface="Courier New" pitchFamily="49" charset="0"/>
+                <a:cs typeface="Courier New" pitchFamily="49" charset="0"/>
+              </a:rPr>
+              <a:t>L.reverse</a:t>
+            </a:r>
+            <a:r>
+              <a:rPr lang="fr-FR" dirty="0" smtClean="0">
+                <a:latin typeface="Courier New" pitchFamily="49" charset="0"/>
+                <a:cs typeface="Courier New" pitchFamily="49" charset="0"/>
+              </a:rPr>
+              <a:t>() </a:t>
+            </a:r>
+            <a:r>
+              <a:rPr lang="fr-FR" dirty="0" smtClean="0"/>
+              <a:t>renverse les éléments de L</a:t>
+            </a:r>
           </a:p>
         </p:txBody>
       </p:sp>
     </p:spTree>
     <p:extLst>
       <p:ext uri="{BB962C8B-B14F-4D97-AF65-F5344CB8AC3E}">
-        <p14:creationId xmlns:p14="http://schemas.microsoft.com/office/powerpoint/2010/main" val="519210513"/>
+        <p14:creationId xmlns:p14="http://schemas.microsoft.com/office/powerpoint/2010/main" val="2689533893"/>
       </p:ext>
     </p:extLst>
   </p:cSld>

--- a/semaine2/semaine2-3.pptx
+++ b/semaine2/semaine2-3.pptx
@@ -5,26 +5,22 @@
     <p:sldMasterId id="2147483649" r:id="rId1"/>
   </p:sldMasterIdLst>
   <p:notesMasterIdLst>
-    <p:notesMasterId r:id="rId16"/>
+    <p:notesMasterId r:id="rId12"/>
   </p:notesMasterIdLst>
   <p:handoutMasterIdLst>
-    <p:handoutMasterId r:id="rId17"/>
+    <p:handoutMasterId r:id="rId13"/>
   </p:handoutMasterIdLst>
   <p:sldIdLst>
-    <p:sldId id="298" r:id="rId2"/>
-    <p:sldId id="899" r:id="rId3"/>
-    <p:sldId id="901" r:id="rId4"/>
-    <p:sldId id="902" r:id="rId5"/>
-    <p:sldId id="889" r:id="rId6"/>
-    <p:sldId id="890" r:id="rId7"/>
-    <p:sldId id="891" r:id="rId8"/>
-    <p:sldId id="892" r:id="rId9"/>
-    <p:sldId id="893" r:id="rId10"/>
-    <p:sldId id="894" r:id="rId11"/>
-    <p:sldId id="895" r:id="rId12"/>
-    <p:sldId id="896" r:id="rId13"/>
-    <p:sldId id="897" r:id="rId14"/>
-    <p:sldId id="898" r:id="rId15"/>
+    <p:sldId id="889" r:id="rId2"/>
+    <p:sldId id="890" r:id="rId3"/>
+    <p:sldId id="891" r:id="rId4"/>
+    <p:sldId id="892" r:id="rId5"/>
+    <p:sldId id="893" r:id="rId6"/>
+    <p:sldId id="894" r:id="rId7"/>
+    <p:sldId id="895" r:id="rId8"/>
+    <p:sldId id="896" r:id="rId9"/>
+    <p:sldId id="897" r:id="rId10"/>
+    <p:sldId id="898" r:id="rId11"/>
   </p:sldIdLst>
   <p:sldSz cx="9144000" cy="6858000" type="screen4x3"/>
   <p:notesSz cx="7099300" cy="10234613"/>
@@ -158,10 +154,6 @@
       <p14:sectionLst xmlns:p14="http://schemas.microsoft.com/office/powerpoint/2010/main">
         <p14:section name="Section par défaut" id="{28C650F0-13B2-49C9-9ED4-D40CD07835D6}">
           <p14:sldIdLst>
-            <p14:sldId id="298"/>
-            <p14:sldId id="899"/>
-            <p14:sldId id="901"/>
-            <p14:sldId id="902"/>
             <p14:sldId id="889"/>
             <p14:sldId id="890"/>
             <p14:sldId id="891"/>
@@ -998,277 +990,7 @@
               <a:pPr>
                 <a:defRPr/>
               </a:pPr>
-              <a:t>2</a:t>
-            </a:fld>
-            <a:endParaRPr lang="en-US"/>
-          </a:p>
-        </p:txBody>
-      </p:sp>
-    </p:spTree>
-    <p:extLst>
-      <p:ext uri="{BB962C8B-B14F-4D97-AF65-F5344CB8AC3E}">
-        <p14:creationId xmlns:p14="http://schemas.microsoft.com/office/powerpoint/2010/main" val="2336146"/>
-      </p:ext>
-    </p:extLst>
-  </p:cSld>
-  <p:clrMapOvr>
-    <a:masterClrMapping/>
-  </p:clrMapOvr>
-</p:notes>
-</file>
-
-<file path=ppt/notesSlides/notesSlide2.xml><?xml version="1.0" encoding="utf-8"?>
-<p:notes xmlns:a="http://schemas.openxmlformats.org/drawingml/2006/main" xmlns:r="http://schemas.openxmlformats.org/officeDocument/2006/relationships" xmlns:p="http://schemas.openxmlformats.org/presentationml/2006/main">
-  <p:cSld>
-    <p:spTree>
-      <p:nvGrpSpPr>
-        <p:cNvPr id="1" name=""/>
-        <p:cNvGrpSpPr/>
-        <p:nvPr/>
-      </p:nvGrpSpPr>
-      <p:grpSpPr>
-        <a:xfrm>
-          <a:off x="0" y="0"/>
-          <a:ext cx="0" cy="0"/>
-          <a:chOff x="0" y="0"/>
-          <a:chExt cx="0" cy="0"/>
-        </a:xfrm>
-      </p:grpSpPr>
-      <p:sp>
-        <p:nvSpPr>
-          <p:cNvPr id="2" name="Espace réservé de l'image des diapositives 1"/>
-          <p:cNvSpPr>
-            <a:spLocks noGrp="1" noRot="1" noChangeAspect="1"/>
-          </p:cNvSpPr>
-          <p:nvPr>
-            <p:ph type="sldImg"/>
-          </p:nvPr>
-        </p:nvSpPr>
-        <p:spPr/>
-      </p:sp>
-      <p:sp>
-        <p:nvSpPr>
-          <p:cNvPr id="3" name="Espace réservé des commentaires 2"/>
-          <p:cNvSpPr>
-            <a:spLocks noGrp="1"/>
-          </p:cNvSpPr>
-          <p:nvPr>
-            <p:ph type="body" idx="1"/>
-          </p:nvPr>
-        </p:nvSpPr>
-        <p:spPr/>
-        <p:txBody>
-          <a:bodyPr/>
-          <a:lstStyle/>
-          <a:p>
-            <a:endParaRPr lang="fr-FR" dirty="0"/>
-          </a:p>
-        </p:txBody>
-      </p:sp>
-      <p:sp>
-        <p:nvSpPr>
-          <p:cNvPr id="4" name="Espace réservé du numéro de diapositive 3"/>
-          <p:cNvSpPr>
-            <a:spLocks noGrp="1"/>
-          </p:cNvSpPr>
-          <p:nvPr>
-            <p:ph type="sldNum" sz="quarter" idx="10"/>
-          </p:nvPr>
-        </p:nvSpPr>
-        <p:spPr/>
-        <p:txBody>
-          <a:bodyPr/>
-          <a:lstStyle/>
-          <a:p>
-            <a:pPr>
-              <a:defRPr/>
-            </a:pPr>
-            <a:fld id="{9E8EB9F5-F2F7-4A48-A943-9B409357C15C}" type="slidenum">
-              <a:rPr lang="en-US" smtClean="0"/>
-              <a:pPr>
-                <a:defRPr/>
-              </a:pPr>
-              <a:t>3</a:t>
-            </a:fld>
-            <a:endParaRPr lang="en-US"/>
-          </a:p>
-        </p:txBody>
-      </p:sp>
-    </p:spTree>
-    <p:extLst>
-      <p:ext uri="{BB962C8B-B14F-4D97-AF65-F5344CB8AC3E}">
-        <p14:creationId xmlns:p14="http://schemas.microsoft.com/office/powerpoint/2010/main" val="2572911368"/>
-      </p:ext>
-    </p:extLst>
-  </p:cSld>
-  <p:clrMapOvr>
-    <a:masterClrMapping/>
-  </p:clrMapOvr>
-</p:notes>
-</file>
-
-<file path=ppt/notesSlides/notesSlide3.xml><?xml version="1.0" encoding="utf-8"?>
-<p:notes xmlns:a="http://schemas.openxmlformats.org/drawingml/2006/main" xmlns:r="http://schemas.openxmlformats.org/officeDocument/2006/relationships" xmlns:p="http://schemas.openxmlformats.org/presentationml/2006/main">
-  <p:cSld>
-    <p:spTree>
-      <p:nvGrpSpPr>
-        <p:cNvPr id="1" name=""/>
-        <p:cNvGrpSpPr/>
-        <p:nvPr/>
-      </p:nvGrpSpPr>
-      <p:grpSpPr>
-        <a:xfrm>
-          <a:off x="0" y="0"/>
-          <a:ext cx="0" cy="0"/>
-          <a:chOff x="0" y="0"/>
-          <a:chExt cx="0" cy="0"/>
-        </a:xfrm>
-      </p:grpSpPr>
-      <p:sp>
-        <p:nvSpPr>
-          <p:cNvPr id="2" name="Espace réservé de l'image des diapositives 1"/>
-          <p:cNvSpPr>
-            <a:spLocks noGrp="1" noRot="1" noChangeAspect="1"/>
-          </p:cNvSpPr>
-          <p:nvPr>
-            <p:ph type="sldImg"/>
-          </p:nvPr>
-        </p:nvSpPr>
-        <p:spPr/>
-      </p:sp>
-      <p:sp>
-        <p:nvSpPr>
-          <p:cNvPr id="3" name="Espace réservé des commentaires 2"/>
-          <p:cNvSpPr>
-            <a:spLocks noGrp="1"/>
-          </p:cNvSpPr>
-          <p:nvPr>
-            <p:ph type="body" idx="1"/>
-          </p:nvPr>
-        </p:nvSpPr>
-        <p:spPr/>
-        <p:txBody>
-          <a:bodyPr/>
-          <a:lstStyle/>
-          <a:p>
-            <a:endParaRPr lang="fr-FR" dirty="0"/>
-          </a:p>
-        </p:txBody>
-      </p:sp>
-      <p:sp>
-        <p:nvSpPr>
-          <p:cNvPr id="4" name="Espace réservé du numéro de diapositive 3"/>
-          <p:cNvSpPr>
-            <a:spLocks noGrp="1"/>
-          </p:cNvSpPr>
-          <p:nvPr>
-            <p:ph type="sldNum" sz="quarter" idx="10"/>
-          </p:nvPr>
-        </p:nvSpPr>
-        <p:spPr/>
-        <p:txBody>
-          <a:bodyPr/>
-          <a:lstStyle/>
-          <a:p>
-            <a:pPr>
-              <a:defRPr/>
-            </a:pPr>
-            <a:fld id="{9E8EB9F5-F2F7-4A48-A943-9B409357C15C}" type="slidenum">
-              <a:rPr lang="en-US" smtClean="0"/>
-              <a:pPr>
-                <a:defRPr/>
-              </a:pPr>
-              <a:t>4</a:t>
-            </a:fld>
-            <a:endParaRPr lang="en-US"/>
-          </a:p>
-        </p:txBody>
-      </p:sp>
-    </p:spTree>
-    <p:extLst>
-      <p:ext uri="{BB962C8B-B14F-4D97-AF65-F5344CB8AC3E}">
-        <p14:creationId xmlns:p14="http://schemas.microsoft.com/office/powerpoint/2010/main" val="3975810160"/>
-      </p:ext>
-    </p:extLst>
-  </p:cSld>
-  <p:clrMapOvr>
-    <a:masterClrMapping/>
-  </p:clrMapOvr>
-</p:notes>
-</file>
-
-<file path=ppt/notesSlides/notesSlide4.xml><?xml version="1.0" encoding="utf-8"?>
-<p:notes xmlns:a="http://schemas.openxmlformats.org/drawingml/2006/main" xmlns:r="http://schemas.openxmlformats.org/officeDocument/2006/relationships" xmlns:p="http://schemas.openxmlformats.org/presentationml/2006/main">
-  <p:cSld>
-    <p:spTree>
-      <p:nvGrpSpPr>
-        <p:cNvPr id="1" name=""/>
-        <p:cNvGrpSpPr/>
-        <p:nvPr/>
-      </p:nvGrpSpPr>
-      <p:grpSpPr>
-        <a:xfrm>
-          <a:off x="0" y="0"/>
-          <a:ext cx="0" cy="0"/>
-          <a:chOff x="0" y="0"/>
-          <a:chExt cx="0" cy="0"/>
-        </a:xfrm>
-      </p:grpSpPr>
-      <p:sp>
-        <p:nvSpPr>
-          <p:cNvPr id="2" name="Espace réservé de l'image des diapositives 1"/>
-          <p:cNvSpPr>
-            <a:spLocks noGrp="1" noRot="1" noChangeAspect="1"/>
-          </p:cNvSpPr>
-          <p:nvPr>
-            <p:ph type="sldImg"/>
-          </p:nvPr>
-        </p:nvSpPr>
-        <p:spPr/>
-      </p:sp>
-      <p:sp>
-        <p:nvSpPr>
-          <p:cNvPr id="3" name="Espace réservé des commentaires 2"/>
-          <p:cNvSpPr>
-            <a:spLocks noGrp="1"/>
-          </p:cNvSpPr>
-          <p:nvPr>
-            <p:ph type="body" idx="1"/>
-          </p:nvPr>
-        </p:nvSpPr>
-        <p:spPr/>
-        <p:txBody>
-          <a:bodyPr/>
-          <a:lstStyle/>
-          <a:p>
-            <a:endParaRPr lang="fr-FR" dirty="0"/>
-          </a:p>
-        </p:txBody>
-      </p:sp>
-      <p:sp>
-        <p:nvSpPr>
-          <p:cNvPr id="4" name="Espace réservé du numéro de diapositive 3"/>
-          <p:cNvSpPr>
-            <a:spLocks noGrp="1"/>
-          </p:cNvSpPr>
-          <p:nvPr>
-            <p:ph type="sldNum" sz="quarter" idx="10"/>
-          </p:nvPr>
-        </p:nvSpPr>
-        <p:spPr/>
-        <p:txBody>
-          <a:bodyPr/>
-          <a:lstStyle/>
-          <a:p>
-            <a:pPr>
-              <a:defRPr/>
-            </a:pPr>
-            <a:fld id="{9E8EB9F5-F2F7-4A48-A943-9B409357C15C}" type="slidenum">
-              <a:rPr lang="en-US" smtClean="0"/>
-              <a:pPr>
-                <a:defRPr/>
-              </a:pPr>
-              <a:t>13</a:t>
+              <a:t>9</a:t>
             </a:fld>
             <a:endParaRPr lang="en-US"/>
           </a:p>
@@ -4651,7 +4373,11 @@
           <a:bodyPr/>
           <a:lstStyle/>
           <a:p>
-            <a:endParaRPr lang="fr-FR" dirty="0" smtClean="0"/>
+            <a:r>
+              <a:rPr lang="fr-FR" dirty="0" smtClean="0"/>
+              <a:t>Les listes</a:t>
+            </a:r>
+            <a:endParaRPr lang="fr-FR" dirty="0"/>
           </a:p>
         </p:txBody>
       </p:sp>
@@ -4667,8 +4393,8 @@
         </p:nvSpPr>
         <p:spPr>
           <a:xfrm>
-            <a:off x="457199" y="1600200"/>
-            <a:ext cx="8686801" cy="4525963"/>
+            <a:off x="457200" y="1600200"/>
+            <a:ext cx="8686800" cy="4525963"/>
           </a:xfrm>
         </p:spPr>
         <p:txBody>
@@ -4676,92 +4402,37 @@
           <a:lstStyle/>
           <a:p>
             <a:r>
-              <a:rPr lang="fr-FR" dirty="0" smtClean="0">
-                <a:latin typeface="Courier New" pitchFamily="49" charset="0"/>
-                <a:cs typeface="Courier New" pitchFamily="49" charset="0"/>
-              </a:rPr>
-              <a:t>S[</a:t>
-            </a:r>
-            <a:r>
-              <a:rPr lang="fr-FR" dirty="0" err="1" smtClean="0">
-                <a:latin typeface="Courier New" pitchFamily="49" charset="0"/>
-                <a:cs typeface="Courier New" pitchFamily="49" charset="0"/>
-              </a:rPr>
-              <a:t>i:j</a:t>
-            </a:r>
-            <a:r>
-              <a:rPr lang="fr-FR" dirty="0" smtClean="0">
-                <a:latin typeface="Courier New" pitchFamily="49" charset="0"/>
-                <a:cs typeface="Courier New" pitchFamily="49" charset="0"/>
-              </a:rPr>
-              <a:t>]</a:t>
-            </a:r>
-            <a:r>
               <a:rPr lang="fr-FR" dirty="0" smtClean="0"/>
-              <a:t> retourne </a:t>
-            </a:r>
-            <a:r>
-              <a:rPr lang="fr-FR" dirty="0" smtClean="0">
-                <a:solidFill>
-                  <a:srgbClr val="FF0000"/>
-                </a:solidFill>
-              </a:rPr>
-              <a:t>une nouvelle séquence </a:t>
-            </a:r>
+              <a:t>Permet de créer une liste de n’importe quels objets</a:t>
+            </a:r>
+          </a:p>
+          <a:p>
+            <a:pPr lvl="1"/>
             <a:r>
               <a:rPr lang="fr-FR" dirty="0" smtClean="0"/>
-              <a:t>de même type prenant tous les éléments de l’indice i à l’indice j-1</a:t>
-            </a:r>
-          </a:p>
-          <a:p>
-            <a:r>
-              <a:rPr lang="fr-FR" dirty="0" smtClean="0">
-                <a:latin typeface="Courier New" pitchFamily="49" charset="0"/>
-                <a:cs typeface="Courier New" pitchFamily="49" charset="0"/>
-              </a:rPr>
-              <a:t>S[</a:t>
-            </a:r>
-            <a:r>
-              <a:rPr lang="fr-FR" dirty="0" err="1" smtClean="0">
-                <a:latin typeface="Courier New" pitchFamily="49" charset="0"/>
-                <a:cs typeface="Courier New" pitchFamily="49" charset="0"/>
-              </a:rPr>
-              <a:t>i:j:k</a:t>
-            </a:r>
-            <a:r>
-              <a:rPr lang="fr-FR" dirty="0" smtClean="0">
-                <a:latin typeface="Courier New" pitchFamily="49" charset="0"/>
-                <a:cs typeface="Courier New" pitchFamily="49" charset="0"/>
-              </a:rPr>
-              <a:t>]</a:t>
-            </a:r>
+              <a:t>Techniquement, c’est un tableau de pointeurs vers les objets</a:t>
+            </a:r>
+          </a:p>
+          <a:p>
+            <a:pPr lvl="1"/>
             <a:r>
               <a:rPr lang="fr-FR" dirty="0" smtClean="0"/>
-              <a:t> retourne </a:t>
-            </a:r>
-            <a:r>
-              <a:rPr lang="fr-FR" dirty="0" smtClean="0">
-                <a:solidFill>
-                  <a:srgbClr val="FF0000"/>
-                </a:solidFill>
-              </a:rPr>
-              <a:t>une nouvelle séquence </a:t>
-            </a:r>
+              <a:t>Les listes sont dynamiques, de taille variable</a:t>
+            </a:r>
+          </a:p>
+          <a:p>
+            <a:pPr lvl="1"/>
             <a:r>
               <a:rPr lang="fr-FR" dirty="0" smtClean="0"/>
-              <a:t>de même type prenant tous les éléments de l’indice i à l’indice j-1, par sauts de k éléments</a:t>
-            </a:r>
-          </a:p>
-          <a:p>
-            <a:pPr lvl="1"/>
-            <a:endParaRPr lang="fr-FR" dirty="0" smtClean="0"/>
+              <a:t>Comme une liste est un objet, on peut avoir une liste de listes</a:t>
+            </a:r>
           </a:p>
         </p:txBody>
       </p:sp>
     </p:spTree>
     <p:extLst>
       <p:ext uri="{BB962C8B-B14F-4D97-AF65-F5344CB8AC3E}">
-        <p14:creationId xmlns:p14="http://schemas.microsoft.com/office/powerpoint/2010/main" val="447755858"/>
+        <p14:creationId xmlns:p14="http://schemas.microsoft.com/office/powerpoint/2010/main" val="1153943157"/>
       </p:ext>
     </p:extLst>
   </p:cSld>
@@ -4779,1095 +4450,6 @@
 </file>
 
 <file path=ppt/slides/slide10.xml><?xml version="1.0" encoding="utf-8"?>
-<p:sld xmlns:a="http://schemas.openxmlformats.org/drawingml/2006/main" xmlns:r="http://schemas.openxmlformats.org/officeDocument/2006/relationships" xmlns:p="http://schemas.openxmlformats.org/presentationml/2006/main">
-  <p:cSld>
-    <p:spTree>
-      <p:nvGrpSpPr>
-        <p:cNvPr id="1" name=""/>
-        <p:cNvGrpSpPr/>
-        <p:nvPr/>
-      </p:nvGrpSpPr>
-      <p:grpSpPr>
-        <a:xfrm>
-          <a:off x="0" y="0"/>
-          <a:ext cx="0" cy="0"/>
-          <a:chOff x="0" y="0"/>
-          <a:chExt cx="0" cy="0"/>
-        </a:xfrm>
-      </p:grpSpPr>
-      <p:sp>
-        <p:nvSpPr>
-          <p:cNvPr id="2" name="Titre 1"/>
-          <p:cNvSpPr>
-            <a:spLocks noGrp="1"/>
-          </p:cNvSpPr>
-          <p:nvPr>
-            <p:ph type="title"/>
-          </p:nvPr>
-        </p:nvSpPr>
-        <p:spPr/>
-        <p:txBody>
-          <a:bodyPr/>
-          <a:lstStyle/>
-          <a:p>
-            <a:r>
-              <a:rPr lang="fr-FR" dirty="0" smtClean="0"/>
-              <a:t>Méthodes sur les listes</a:t>
-            </a:r>
-            <a:endParaRPr lang="fr-FR" dirty="0"/>
-          </a:p>
-        </p:txBody>
-      </p:sp>
-      <p:sp>
-        <p:nvSpPr>
-          <p:cNvPr id="3" name="Espace réservé du contenu 2"/>
-          <p:cNvSpPr>
-            <a:spLocks noGrp="1"/>
-          </p:cNvSpPr>
-          <p:nvPr>
-            <p:ph idx="1"/>
-          </p:nvPr>
-        </p:nvSpPr>
-        <p:spPr>
-          <a:xfrm>
-            <a:off x="457199" y="1600200"/>
-            <a:ext cx="8686801" cy="4525963"/>
-          </a:xfrm>
-        </p:spPr>
-        <p:txBody>
-          <a:bodyPr/>
-          <a:lstStyle/>
-          <a:p>
-            <a:pPr lvl="1"/>
-            <a:r>
-              <a:rPr lang="fr-FR" dirty="0" err="1" smtClean="0">
-                <a:latin typeface="Courier New" pitchFamily="49" charset="0"/>
-                <a:cs typeface="Courier New" pitchFamily="49" charset="0"/>
-              </a:rPr>
-              <a:t>L.pop</a:t>
-            </a:r>
-            <a:r>
-              <a:rPr lang="fr-FR" dirty="0" smtClean="0">
-                <a:latin typeface="Courier New" pitchFamily="49" charset="0"/>
-                <a:cs typeface="Courier New" pitchFamily="49" charset="0"/>
-              </a:rPr>
-              <a:t>(i)</a:t>
-            </a:r>
-            <a:r>
-              <a:rPr lang="fr-FR" dirty="0" smtClean="0"/>
-              <a:t> supprime l’élément à la position i, si i n’est pas fourni, supprime le dernier élément. La fonction retourne l’élément supprimé</a:t>
-            </a:r>
-          </a:p>
-          <a:p>
-            <a:pPr lvl="2"/>
-            <a:r>
-              <a:rPr lang="fr-FR" dirty="0" smtClean="0"/>
-              <a:t>Utilisé pour faire une pile d’éléments</a:t>
-            </a:r>
-          </a:p>
-          <a:p>
-            <a:pPr lvl="1"/>
-            <a:r>
-              <a:rPr lang="fr-FR" dirty="0" err="1" smtClean="0">
-                <a:latin typeface="Courier New" pitchFamily="49" charset="0"/>
-                <a:cs typeface="Courier New" pitchFamily="49" charset="0"/>
-              </a:rPr>
-              <a:t>L.remove</a:t>
-            </a:r>
-            <a:r>
-              <a:rPr lang="fr-FR" dirty="0" smtClean="0">
-                <a:latin typeface="Courier New" pitchFamily="49" charset="0"/>
-                <a:cs typeface="Courier New" pitchFamily="49" charset="0"/>
-              </a:rPr>
-              <a:t>(x)</a:t>
-            </a:r>
-            <a:r>
-              <a:rPr lang="fr-FR" dirty="0" smtClean="0"/>
-              <a:t> supprime la première occurrence de x dans L. S’il n’y a pas de x, une exception est retournée</a:t>
-            </a:r>
-          </a:p>
-          <a:p>
-            <a:pPr lvl="1"/>
-            <a:r>
-              <a:rPr lang="fr-FR" dirty="0" err="1" smtClean="0">
-                <a:latin typeface="Courier New" pitchFamily="49" charset="0"/>
-                <a:cs typeface="Courier New" pitchFamily="49" charset="0"/>
-              </a:rPr>
-              <a:t>del</a:t>
-            </a:r>
-            <a:r>
-              <a:rPr lang="fr-FR" dirty="0" smtClean="0">
-                <a:latin typeface="Courier New" pitchFamily="49" charset="0"/>
-                <a:cs typeface="Courier New" pitchFamily="49" charset="0"/>
-              </a:rPr>
-              <a:t> L[</a:t>
-            </a:r>
-            <a:r>
-              <a:rPr lang="fr-FR" dirty="0" err="1" smtClean="0">
-                <a:latin typeface="Courier New" pitchFamily="49" charset="0"/>
-                <a:cs typeface="Courier New" pitchFamily="49" charset="0"/>
-              </a:rPr>
-              <a:t>i:j:k</a:t>
-            </a:r>
-            <a:r>
-              <a:rPr lang="fr-FR" dirty="0" smtClean="0">
-                <a:latin typeface="Courier New" pitchFamily="49" charset="0"/>
-                <a:cs typeface="Courier New" pitchFamily="49" charset="0"/>
-              </a:rPr>
-              <a:t>] </a:t>
-            </a:r>
-            <a:r>
-              <a:rPr lang="fr-FR" dirty="0" smtClean="0"/>
-              <a:t>supprime tous les éléments entre i et j-1 par pas de k éléments, si i=j supprime l’élément i</a:t>
-            </a:r>
-            <a:endParaRPr lang="fr-FR" dirty="0"/>
-          </a:p>
-        </p:txBody>
-      </p:sp>
-    </p:spTree>
-    <p:extLst>
-      <p:ext uri="{BB962C8B-B14F-4D97-AF65-F5344CB8AC3E}">
-        <p14:creationId xmlns:p14="http://schemas.microsoft.com/office/powerpoint/2010/main" val="374515545"/>
-      </p:ext>
-    </p:extLst>
-  </p:cSld>
-  <p:clrMapOvr>
-    <a:masterClrMapping/>
-  </p:clrMapOvr>
-  <p:timing>
-    <p:tnLst>
-      <p:par>
-        <p:cTn id="1" dur="indefinite" restart="never" nodeType="tmRoot"/>
-      </p:par>
-    </p:tnLst>
-  </p:timing>
-</p:sld>
-</file>
-
-<file path=ppt/slides/slide11.xml><?xml version="1.0" encoding="utf-8"?>
-<p:sld xmlns:a="http://schemas.openxmlformats.org/drawingml/2006/main" xmlns:r="http://schemas.openxmlformats.org/officeDocument/2006/relationships" xmlns:p="http://schemas.openxmlformats.org/presentationml/2006/main">
-  <p:cSld>
-    <p:spTree>
-      <p:nvGrpSpPr>
-        <p:cNvPr id="1" name=""/>
-        <p:cNvGrpSpPr/>
-        <p:nvPr/>
-      </p:nvGrpSpPr>
-      <p:grpSpPr>
-        <a:xfrm>
-          <a:off x="0" y="0"/>
-          <a:ext cx="0" cy="0"/>
-          <a:chOff x="0" y="0"/>
-          <a:chExt cx="0" cy="0"/>
-        </a:xfrm>
-      </p:grpSpPr>
-      <p:sp>
-        <p:nvSpPr>
-          <p:cNvPr id="2" name="Titre 1"/>
-          <p:cNvSpPr>
-            <a:spLocks noGrp="1"/>
-          </p:cNvSpPr>
-          <p:nvPr>
-            <p:ph type="title"/>
-          </p:nvPr>
-        </p:nvSpPr>
-        <p:spPr/>
-        <p:txBody>
-          <a:bodyPr/>
-          <a:lstStyle/>
-          <a:p>
-            <a:r>
-              <a:rPr lang="fr-FR" dirty="0"/>
-              <a:t>Méthodes sur les listes</a:t>
-            </a:r>
-          </a:p>
-        </p:txBody>
-      </p:sp>
-      <p:sp>
-        <p:nvSpPr>
-          <p:cNvPr id="3" name="Espace réservé du contenu 2"/>
-          <p:cNvSpPr>
-            <a:spLocks noGrp="1"/>
-          </p:cNvSpPr>
-          <p:nvPr>
-            <p:ph idx="1"/>
-          </p:nvPr>
-        </p:nvSpPr>
-        <p:spPr/>
-        <p:txBody>
-          <a:bodyPr/>
-          <a:lstStyle/>
-          <a:p>
-            <a:pPr marL="0" indent="0">
-              <a:buNone/>
-            </a:pPr>
-            <a:r>
-              <a:rPr lang="fr-FR" sz="2000" dirty="0">
-                <a:latin typeface="Courier New" pitchFamily="49" charset="0"/>
-                <a:cs typeface="Courier New" pitchFamily="49" charset="0"/>
-              </a:rPr>
-              <a:t>&gt;&gt;&gt; L=[2,4,1,6,3]</a:t>
-            </a:r>
-          </a:p>
-          <a:p>
-            <a:pPr marL="0" indent="0">
-              <a:buNone/>
-            </a:pPr>
-            <a:r>
-              <a:rPr lang="fr-FR" sz="2000" dirty="0">
-                <a:latin typeface="Courier New" pitchFamily="49" charset="0"/>
-                <a:cs typeface="Courier New" pitchFamily="49" charset="0"/>
-              </a:rPr>
-              <a:t>&gt;&gt;&gt; </a:t>
-            </a:r>
-            <a:r>
-              <a:rPr lang="fr-FR" sz="2000" dirty="0" err="1">
-                <a:latin typeface="Courier New" pitchFamily="49" charset="0"/>
-                <a:cs typeface="Courier New" pitchFamily="49" charset="0"/>
-              </a:rPr>
-              <a:t>L.append</a:t>
-            </a:r>
-            <a:r>
-              <a:rPr lang="fr-FR" sz="2000" dirty="0">
-                <a:latin typeface="Courier New" pitchFamily="49" charset="0"/>
-                <a:cs typeface="Courier New" pitchFamily="49" charset="0"/>
-              </a:rPr>
-              <a:t>(9)</a:t>
-            </a:r>
-          </a:p>
-          <a:p>
-            <a:pPr marL="0" indent="0">
-              <a:buNone/>
-            </a:pPr>
-            <a:r>
-              <a:rPr lang="fr-FR" sz="2000" dirty="0">
-                <a:latin typeface="Courier New" pitchFamily="49" charset="0"/>
-                <a:cs typeface="Courier New" pitchFamily="49" charset="0"/>
-              </a:rPr>
-              <a:t>&gt;&gt;&gt; L</a:t>
-            </a:r>
-          </a:p>
-          <a:p>
-            <a:pPr marL="0" indent="0">
-              <a:buNone/>
-            </a:pPr>
-            <a:r>
-              <a:rPr lang="fr-FR" sz="2000" dirty="0">
-                <a:latin typeface="Courier New" pitchFamily="49" charset="0"/>
-                <a:cs typeface="Courier New" pitchFamily="49" charset="0"/>
-              </a:rPr>
-              <a:t>[2, 4, 1, 6, 3, 9]</a:t>
-            </a:r>
-          </a:p>
-          <a:p>
-            <a:pPr marL="0" indent="0">
-              <a:buNone/>
-            </a:pPr>
-            <a:r>
-              <a:rPr lang="fr-FR" sz="2000" dirty="0">
-                <a:latin typeface="Courier New" pitchFamily="49" charset="0"/>
-                <a:cs typeface="Courier New" pitchFamily="49" charset="0"/>
-              </a:rPr>
-              <a:t>&gt;&gt;&gt; </a:t>
-            </a:r>
-            <a:r>
-              <a:rPr lang="fr-FR" sz="2000" dirty="0" err="1">
-                <a:latin typeface="Courier New" pitchFamily="49" charset="0"/>
-                <a:cs typeface="Courier New" pitchFamily="49" charset="0"/>
-              </a:rPr>
-              <a:t>L.extend</a:t>
-            </a:r>
-            <a:r>
-              <a:rPr lang="fr-FR" sz="2000" dirty="0">
-                <a:latin typeface="Courier New" pitchFamily="49" charset="0"/>
-                <a:cs typeface="Courier New" pitchFamily="49" charset="0"/>
-              </a:rPr>
-              <a:t>([1,2])</a:t>
-            </a:r>
-          </a:p>
-          <a:p>
-            <a:pPr marL="0" indent="0">
-              <a:buNone/>
-            </a:pPr>
-            <a:r>
-              <a:rPr lang="fr-FR" sz="2000" dirty="0">
-                <a:latin typeface="Courier New" pitchFamily="49" charset="0"/>
-                <a:cs typeface="Courier New" pitchFamily="49" charset="0"/>
-              </a:rPr>
-              <a:t>&gt;&gt;&gt; L</a:t>
-            </a:r>
-          </a:p>
-          <a:p>
-            <a:pPr marL="0" indent="0">
-              <a:buNone/>
-            </a:pPr>
-            <a:r>
-              <a:rPr lang="fr-FR" sz="2000" dirty="0">
-                <a:latin typeface="Courier New" pitchFamily="49" charset="0"/>
-                <a:cs typeface="Courier New" pitchFamily="49" charset="0"/>
-              </a:rPr>
-              <a:t>[2, 4, 1, 6, 3, 9, 1, 2]</a:t>
-            </a:r>
-          </a:p>
-          <a:p>
-            <a:pPr marL="0" indent="0">
-              <a:buNone/>
-            </a:pPr>
-            <a:r>
-              <a:rPr lang="fr-FR" sz="2000" dirty="0">
-                <a:latin typeface="Courier New" pitchFamily="49" charset="0"/>
-                <a:cs typeface="Courier New" pitchFamily="49" charset="0"/>
-              </a:rPr>
-              <a:t>&gt;&gt;&gt; </a:t>
-            </a:r>
-            <a:r>
-              <a:rPr lang="fr-FR" sz="2000" dirty="0" err="1">
-                <a:latin typeface="Courier New" pitchFamily="49" charset="0"/>
-                <a:cs typeface="Courier New" pitchFamily="49" charset="0"/>
-              </a:rPr>
-              <a:t>L.pop</a:t>
-            </a:r>
-            <a:r>
-              <a:rPr lang="fr-FR" sz="2000" dirty="0">
-                <a:latin typeface="Courier New" pitchFamily="49" charset="0"/>
-                <a:cs typeface="Courier New" pitchFamily="49" charset="0"/>
-              </a:rPr>
-              <a:t>()</a:t>
-            </a:r>
-          </a:p>
-          <a:p>
-            <a:pPr marL="0" indent="0">
-              <a:buNone/>
-            </a:pPr>
-            <a:r>
-              <a:rPr lang="fr-FR" sz="2000" dirty="0">
-                <a:latin typeface="Courier New" pitchFamily="49" charset="0"/>
-                <a:cs typeface="Courier New" pitchFamily="49" charset="0"/>
-              </a:rPr>
-              <a:t>2</a:t>
-            </a:r>
-          </a:p>
-          <a:p>
-            <a:pPr marL="0" indent="0">
-              <a:buNone/>
-            </a:pPr>
-            <a:r>
-              <a:rPr lang="fr-FR" sz="2000" dirty="0">
-                <a:latin typeface="Courier New" pitchFamily="49" charset="0"/>
-                <a:cs typeface="Courier New" pitchFamily="49" charset="0"/>
-              </a:rPr>
-              <a:t>&gt;&gt;&gt; L</a:t>
-            </a:r>
-          </a:p>
-          <a:p>
-            <a:pPr marL="0" indent="0">
-              <a:buNone/>
-            </a:pPr>
-            <a:r>
-              <a:rPr lang="fr-FR" sz="2000" dirty="0">
-                <a:latin typeface="Courier New" pitchFamily="49" charset="0"/>
-                <a:cs typeface="Courier New" pitchFamily="49" charset="0"/>
-              </a:rPr>
-              <a:t>[2, 4, 1, 6, 3, 9, 1</a:t>
-            </a:r>
-            <a:r>
-              <a:rPr lang="fr-FR" sz="2000" dirty="0" smtClean="0">
-                <a:latin typeface="Courier New" pitchFamily="49" charset="0"/>
-                <a:cs typeface="Courier New" pitchFamily="49" charset="0"/>
-              </a:rPr>
-              <a:t>]</a:t>
-            </a:r>
-            <a:endParaRPr lang="fr-FR" sz="2000" dirty="0">
-              <a:latin typeface="Courier New" pitchFamily="49" charset="0"/>
-              <a:cs typeface="Courier New" pitchFamily="49" charset="0"/>
-            </a:endParaRPr>
-          </a:p>
-        </p:txBody>
-      </p:sp>
-    </p:spTree>
-    <p:extLst>
-      <p:ext uri="{BB962C8B-B14F-4D97-AF65-F5344CB8AC3E}">
-        <p14:creationId xmlns:p14="http://schemas.microsoft.com/office/powerpoint/2010/main" val="2087602865"/>
-      </p:ext>
-    </p:extLst>
-  </p:cSld>
-  <p:clrMapOvr>
-    <a:masterClrMapping/>
-  </p:clrMapOvr>
-  <p:timing>
-    <p:tnLst>
-      <p:par>
-        <p:cTn id="1" dur="indefinite" restart="never" nodeType="tmRoot"/>
-      </p:par>
-    </p:tnLst>
-  </p:timing>
-</p:sld>
-</file>
-
-<file path=ppt/slides/slide12.xml><?xml version="1.0" encoding="utf-8"?>
-<p:sld xmlns:a="http://schemas.openxmlformats.org/drawingml/2006/main" xmlns:r="http://schemas.openxmlformats.org/officeDocument/2006/relationships" xmlns:p="http://schemas.openxmlformats.org/presentationml/2006/main">
-  <p:cSld>
-    <p:spTree>
-      <p:nvGrpSpPr>
-        <p:cNvPr id="1" name=""/>
-        <p:cNvGrpSpPr/>
-        <p:nvPr/>
-      </p:nvGrpSpPr>
-      <p:grpSpPr>
-        <a:xfrm>
-          <a:off x="0" y="0"/>
-          <a:ext cx="0" cy="0"/>
-          <a:chOff x="0" y="0"/>
-          <a:chExt cx="0" cy="0"/>
-        </a:xfrm>
-      </p:grpSpPr>
-      <p:sp>
-        <p:nvSpPr>
-          <p:cNvPr id="2" name="Titre 1"/>
-          <p:cNvSpPr>
-            <a:spLocks noGrp="1"/>
-          </p:cNvSpPr>
-          <p:nvPr>
-            <p:ph type="title"/>
-          </p:nvPr>
-        </p:nvSpPr>
-        <p:spPr/>
-        <p:txBody>
-          <a:bodyPr/>
-          <a:lstStyle/>
-          <a:p>
-            <a:r>
-              <a:rPr lang="fr-FR" dirty="0"/>
-              <a:t>Méthodes sur les listes</a:t>
-            </a:r>
-          </a:p>
-        </p:txBody>
-      </p:sp>
-      <p:sp>
-        <p:nvSpPr>
-          <p:cNvPr id="3" name="Espace réservé du contenu 2"/>
-          <p:cNvSpPr>
-            <a:spLocks noGrp="1"/>
-          </p:cNvSpPr>
-          <p:nvPr>
-            <p:ph idx="1"/>
-          </p:nvPr>
-        </p:nvSpPr>
-        <p:spPr/>
-        <p:txBody>
-          <a:bodyPr/>
-          <a:lstStyle/>
-          <a:p>
-            <a:pPr marL="0" lvl="0" indent="0">
-              <a:buNone/>
-            </a:pPr>
-            <a:r>
-              <a:rPr lang="fr-FR" sz="2000" dirty="0">
-                <a:solidFill>
-                  <a:srgbClr val="000000"/>
-                </a:solidFill>
-                <a:latin typeface="Courier New" pitchFamily="49" charset="0"/>
-                <a:cs typeface="Courier New" pitchFamily="49" charset="0"/>
-              </a:rPr>
-              <a:t>&gt;&gt;&gt; </a:t>
-            </a:r>
-            <a:r>
-              <a:rPr lang="fr-FR" sz="2000" dirty="0" err="1">
-                <a:solidFill>
-                  <a:srgbClr val="000000"/>
-                </a:solidFill>
-                <a:latin typeface="Courier New" pitchFamily="49" charset="0"/>
-                <a:cs typeface="Courier New" pitchFamily="49" charset="0"/>
-              </a:rPr>
-              <a:t>L.remove</a:t>
-            </a:r>
-            <a:r>
-              <a:rPr lang="fr-FR" sz="2000" dirty="0">
-                <a:solidFill>
-                  <a:srgbClr val="000000"/>
-                </a:solidFill>
-                <a:latin typeface="Courier New" pitchFamily="49" charset="0"/>
-                <a:cs typeface="Courier New" pitchFamily="49" charset="0"/>
-              </a:rPr>
-              <a:t>(1)</a:t>
-            </a:r>
-          </a:p>
-          <a:p>
-            <a:pPr marL="0" lvl="0" indent="0">
-              <a:buNone/>
-            </a:pPr>
-            <a:r>
-              <a:rPr lang="fr-FR" sz="2000" dirty="0">
-                <a:solidFill>
-                  <a:srgbClr val="000000"/>
-                </a:solidFill>
-                <a:latin typeface="Courier New" pitchFamily="49" charset="0"/>
-                <a:cs typeface="Courier New" pitchFamily="49" charset="0"/>
-              </a:rPr>
-              <a:t>&gt;&gt;&gt; L</a:t>
-            </a:r>
-          </a:p>
-          <a:p>
-            <a:pPr marL="0" lvl="0" indent="0">
-              <a:buNone/>
-            </a:pPr>
-            <a:r>
-              <a:rPr lang="fr-FR" sz="2000" dirty="0">
-                <a:solidFill>
-                  <a:srgbClr val="000000"/>
-                </a:solidFill>
-                <a:latin typeface="Courier New" pitchFamily="49" charset="0"/>
-                <a:cs typeface="Courier New" pitchFamily="49" charset="0"/>
-              </a:rPr>
-              <a:t>[2, 4, 6, 3, 9, 1]</a:t>
-            </a:r>
-          </a:p>
-          <a:p>
-            <a:pPr marL="0" lvl="0" indent="0">
-              <a:buNone/>
-            </a:pPr>
-            <a:r>
-              <a:rPr lang="fr-FR" sz="2000" dirty="0">
-                <a:solidFill>
-                  <a:srgbClr val="000000"/>
-                </a:solidFill>
-                <a:latin typeface="Courier New" pitchFamily="49" charset="0"/>
-                <a:cs typeface="Courier New" pitchFamily="49" charset="0"/>
-              </a:rPr>
-              <a:t>&gt;&gt;&gt; </a:t>
-            </a:r>
-            <a:r>
-              <a:rPr lang="fr-FR" sz="2000" dirty="0" err="1">
-                <a:solidFill>
-                  <a:srgbClr val="000000"/>
-                </a:solidFill>
-                <a:latin typeface="Courier New" pitchFamily="49" charset="0"/>
-                <a:cs typeface="Courier New" pitchFamily="49" charset="0"/>
-              </a:rPr>
-              <a:t>L.sort</a:t>
-            </a:r>
-            <a:r>
-              <a:rPr lang="fr-FR" sz="2000" dirty="0">
-                <a:solidFill>
-                  <a:srgbClr val="000000"/>
-                </a:solidFill>
-                <a:latin typeface="Courier New" pitchFamily="49" charset="0"/>
-                <a:cs typeface="Courier New" pitchFamily="49" charset="0"/>
-              </a:rPr>
-              <a:t>()</a:t>
-            </a:r>
-          </a:p>
-          <a:p>
-            <a:pPr marL="0" lvl="0" indent="0">
-              <a:buNone/>
-            </a:pPr>
-            <a:r>
-              <a:rPr lang="fr-FR" sz="2000" dirty="0">
-                <a:solidFill>
-                  <a:srgbClr val="000000"/>
-                </a:solidFill>
-                <a:latin typeface="Courier New" pitchFamily="49" charset="0"/>
-                <a:cs typeface="Courier New" pitchFamily="49" charset="0"/>
-              </a:rPr>
-              <a:t>&gt;&gt;&gt; L</a:t>
-            </a:r>
-          </a:p>
-          <a:p>
-            <a:pPr marL="0" lvl="0" indent="0">
-              <a:buNone/>
-            </a:pPr>
-            <a:r>
-              <a:rPr lang="fr-FR" sz="2000" dirty="0">
-                <a:solidFill>
-                  <a:srgbClr val="000000"/>
-                </a:solidFill>
-                <a:latin typeface="Courier New" pitchFamily="49" charset="0"/>
-                <a:cs typeface="Courier New" pitchFamily="49" charset="0"/>
-              </a:rPr>
-              <a:t>[1, 2, 3, 4, 6, 9]</a:t>
-            </a:r>
-          </a:p>
-          <a:p>
-            <a:pPr marL="0" lvl="0" indent="0">
-              <a:buNone/>
-            </a:pPr>
-            <a:r>
-              <a:rPr lang="fr-FR" sz="2000" dirty="0">
-                <a:solidFill>
-                  <a:srgbClr val="000000"/>
-                </a:solidFill>
-                <a:latin typeface="Courier New" pitchFamily="49" charset="0"/>
-                <a:cs typeface="Courier New" pitchFamily="49" charset="0"/>
-              </a:rPr>
-              <a:t>&gt;&gt;&gt; </a:t>
-            </a:r>
-            <a:r>
-              <a:rPr lang="fr-FR" sz="2000" dirty="0" err="1">
-                <a:solidFill>
-                  <a:srgbClr val="000000"/>
-                </a:solidFill>
-                <a:latin typeface="Courier New" pitchFamily="49" charset="0"/>
-                <a:cs typeface="Courier New" pitchFamily="49" charset="0"/>
-              </a:rPr>
-              <a:t>L.reverse</a:t>
-            </a:r>
-            <a:r>
-              <a:rPr lang="fr-FR" sz="2000" dirty="0">
-                <a:solidFill>
-                  <a:srgbClr val="000000"/>
-                </a:solidFill>
-                <a:latin typeface="Courier New" pitchFamily="49" charset="0"/>
-                <a:cs typeface="Courier New" pitchFamily="49" charset="0"/>
-              </a:rPr>
-              <a:t>()</a:t>
-            </a:r>
-          </a:p>
-          <a:p>
-            <a:pPr marL="0" lvl="0" indent="0">
-              <a:buNone/>
-            </a:pPr>
-            <a:r>
-              <a:rPr lang="fr-FR" sz="2000" dirty="0">
-                <a:solidFill>
-                  <a:srgbClr val="000000"/>
-                </a:solidFill>
-                <a:latin typeface="Courier New" pitchFamily="49" charset="0"/>
-                <a:cs typeface="Courier New" pitchFamily="49" charset="0"/>
-              </a:rPr>
-              <a:t>&gt;&gt;&gt; L</a:t>
-            </a:r>
-          </a:p>
-          <a:p>
-            <a:pPr marL="0" lvl="0" indent="0">
-              <a:buNone/>
-            </a:pPr>
-            <a:r>
-              <a:rPr lang="fr-FR" sz="2000" dirty="0">
-                <a:solidFill>
-                  <a:srgbClr val="000000"/>
-                </a:solidFill>
-                <a:latin typeface="Courier New" pitchFamily="49" charset="0"/>
-                <a:cs typeface="Courier New" pitchFamily="49" charset="0"/>
-              </a:rPr>
-              <a:t>[9, 6, 4, 3, 2, 1]</a:t>
-            </a:r>
-          </a:p>
-          <a:p>
-            <a:r>
-              <a:rPr lang="fr-FR" dirty="0" smtClean="0"/>
-              <a:t>Sujets avancés que l’on verra plus tard</a:t>
-            </a:r>
-          </a:p>
-          <a:p>
-            <a:pPr lvl="1"/>
-            <a:r>
-              <a:rPr lang="fr-FR" dirty="0" err="1">
-                <a:latin typeface="Courier New" pitchFamily="49" charset="0"/>
-                <a:cs typeface="Courier New" pitchFamily="49" charset="0"/>
-              </a:rPr>
-              <a:t>f</a:t>
-            </a:r>
-            <a:r>
-              <a:rPr lang="fr-FR" dirty="0" err="1" smtClean="0">
-                <a:latin typeface="Courier New" pitchFamily="49" charset="0"/>
-                <a:cs typeface="Courier New" pitchFamily="49" charset="0"/>
-              </a:rPr>
-              <a:t>ilter</a:t>
-            </a:r>
-            <a:r>
-              <a:rPr lang="fr-FR" dirty="0" smtClean="0">
-                <a:latin typeface="Courier New" pitchFamily="49" charset="0"/>
-                <a:cs typeface="Courier New" pitchFamily="49" charset="0"/>
-              </a:rPr>
-              <a:t>()</a:t>
-            </a:r>
-            <a:r>
-              <a:rPr lang="fr-FR" dirty="0" smtClean="0"/>
-              <a:t>, </a:t>
-            </a:r>
-            <a:r>
-              <a:rPr lang="fr-FR" dirty="0" err="1" smtClean="0">
-                <a:latin typeface="Courier New" pitchFamily="49" charset="0"/>
-                <a:cs typeface="Courier New" pitchFamily="49" charset="0"/>
-              </a:rPr>
-              <a:t>map</a:t>
-            </a:r>
-            <a:r>
-              <a:rPr lang="fr-FR" dirty="0" smtClean="0">
-                <a:latin typeface="Courier New" pitchFamily="49" charset="0"/>
-                <a:cs typeface="Courier New" pitchFamily="49" charset="0"/>
-              </a:rPr>
-              <a:t>()</a:t>
-            </a:r>
-            <a:r>
-              <a:rPr lang="fr-FR" dirty="0" smtClean="0"/>
-              <a:t>, </a:t>
-            </a:r>
-            <a:r>
-              <a:rPr lang="fr-FR" dirty="0" err="1" smtClean="0">
-                <a:latin typeface="Courier New" pitchFamily="49" charset="0"/>
-                <a:cs typeface="Courier New" pitchFamily="49" charset="0"/>
-              </a:rPr>
-              <a:t>reduce</a:t>
-            </a:r>
-            <a:r>
-              <a:rPr lang="fr-FR" dirty="0" smtClean="0">
-                <a:latin typeface="Courier New" pitchFamily="49" charset="0"/>
-                <a:cs typeface="Courier New" pitchFamily="49" charset="0"/>
-              </a:rPr>
-              <a:t>()</a:t>
-            </a:r>
-          </a:p>
-          <a:p>
-            <a:pPr lvl="1"/>
-            <a:r>
-              <a:rPr lang="fr-FR" dirty="0" smtClean="0"/>
-              <a:t>Compréhension de listes</a:t>
-            </a:r>
-            <a:endParaRPr lang="fr-FR" dirty="0"/>
-          </a:p>
-        </p:txBody>
-      </p:sp>
-    </p:spTree>
-    <p:extLst>
-      <p:ext uri="{BB962C8B-B14F-4D97-AF65-F5344CB8AC3E}">
-        <p14:creationId xmlns:p14="http://schemas.microsoft.com/office/powerpoint/2010/main" val="2205137351"/>
-      </p:ext>
-    </p:extLst>
-  </p:cSld>
-  <p:clrMapOvr>
-    <a:masterClrMapping/>
-  </p:clrMapOvr>
-  <p:timing>
-    <p:tnLst>
-      <p:par>
-        <p:cTn id="1" dur="indefinite" restart="never" nodeType="tmRoot"/>
-      </p:par>
-    </p:tnLst>
-  </p:timing>
-</p:sld>
-</file>
-
-<file path=ppt/slides/slide13.xml><?xml version="1.0" encoding="utf-8"?>
-<p:sld xmlns:a="http://schemas.openxmlformats.org/drawingml/2006/main" xmlns:r="http://schemas.openxmlformats.org/officeDocument/2006/relationships" xmlns:p="http://schemas.openxmlformats.org/presentationml/2006/main">
-  <p:cSld>
-    <p:spTree>
-      <p:nvGrpSpPr>
-        <p:cNvPr id="1" name=""/>
-        <p:cNvGrpSpPr/>
-        <p:nvPr/>
-      </p:nvGrpSpPr>
-      <p:grpSpPr>
-        <a:xfrm>
-          <a:off x="0" y="0"/>
-          <a:ext cx="0" cy="0"/>
-          <a:chOff x="0" y="0"/>
-          <a:chExt cx="0" cy="0"/>
-        </a:xfrm>
-      </p:grpSpPr>
-      <p:sp>
-        <p:nvSpPr>
-          <p:cNvPr id="2" name="Titre 1"/>
-          <p:cNvSpPr>
-            <a:spLocks noGrp="1"/>
-          </p:cNvSpPr>
-          <p:nvPr>
-            <p:ph type="title"/>
-          </p:nvPr>
-        </p:nvSpPr>
-        <p:spPr/>
-        <p:txBody>
-          <a:bodyPr/>
-          <a:lstStyle/>
-          <a:p>
-            <a:r>
-              <a:rPr lang="fr-FR" dirty="0" smtClean="0"/>
-              <a:t>Les </a:t>
-            </a:r>
-            <a:r>
-              <a:rPr lang="fr-FR" dirty="0" err="1" smtClean="0"/>
-              <a:t>tuples</a:t>
-            </a:r>
-            <a:endParaRPr lang="fr-FR" dirty="0"/>
-          </a:p>
-        </p:txBody>
-      </p:sp>
-      <p:sp>
-        <p:nvSpPr>
-          <p:cNvPr id="3" name="Espace réservé du contenu 2"/>
-          <p:cNvSpPr>
-            <a:spLocks noGrp="1"/>
-          </p:cNvSpPr>
-          <p:nvPr>
-            <p:ph idx="1"/>
-          </p:nvPr>
-        </p:nvSpPr>
-        <p:spPr>
-          <a:xfrm>
-            <a:off x="457200" y="1491016"/>
-            <a:ext cx="8686800" cy="4525963"/>
-          </a:xfrm>
-        </p:spPr>
-        <p:txBody>
-          <a:bodyPr/>
-          <a:lstStyle/>
-          <a:p>
-            <a:r>
-              <a:rPr lang="fr-FR" dirty="0" smtClean="0"/>
-              <a:t>Comme des listes, mais </a:t>
-            </a:r>
-            <a:r>
-              <a:rPr lang="fr-FR" dirty="0" smtClean="0">
-                <a:solidFill>
-                  <a:srgbClr val="FF0000"/>
-                </a:solidFill>
-              </a:rPr>
-              <a:t>immutables</a:t>
-            </a:r>
-          </a:p>
-          <a:p>
-            <a:pPr lvl="1"/>
-            <a:r>
-              <a:rPr lang="fr-FR" dirty="0" smtClean="0"/>
-              <a:t>Les fonctions faisant des modifications </a:t>
-            </a:r>
-            <a:r>
-              <a:rPr lang="fr-FR" dirty="0" err="1" smtClean="0"/>
-              <a:t>in-place</a:t>
-            </a:r>
-            <a:r>
-              <a:rPr lang="fr-FR" dirty="0" smtClean="0"/>
-              <a:t> ne s’appliquent donc pas aux </a:t>
-            </a:r>
-            <a:r>
-              <a:rPr lang="fr-FR" dirty="0" err="1" smtClean="0"/>
-              <a:t>tuples</a:t>
-            </a:r>
-            <a:endParaRPr lang="fr-FR" dirty="0" smtClean="0"/>
-          </a:p>
-          <a:p>
-            <a:pPr lvl="1"/>
-            <a:r>
-              <a:rPr lang="fr-FR" dirty="0" smtClean="0"/>
-              <a:t>Syntaxe pour un </a:t>
-            </a:r>
-            <a:r>
-              <a:rPr lang="fr-FR" dirty="0" err="1" smtClean="0"/>
-              <a:t>tuple</a:t>
-            </a:r>
-            <a:r>
-              <a:rPr lang="fr-FR" dirty="0" smtClean="0"/>
-              <a:t> vide</a:t>
-            </a:r>
-          </a:p>
-          <a:p>
-            <a:pPr lvl="2"/>
-            <a:r>
-              <a:rPr lang="fr-FR" dirty="0" smtClean="0">
-                <a:latin typeface="Courier New" pitchFamily="49" charset="0"/>
-                <a:cs typeface="Courier New" pitchFamily="49" charset="0"/>
-              </a:rPr>
-              <a:t>T = ()</a:t>
-            </a:r>
-          </a:p>
-          <a:p>
-            <a:pPr lvl="1"/>
-            <a:r>
-              <a:rPr lang="fr-FR" dirty="0" smtClean="0"/>
-              <a:t>Syntaxe pour un singleton</a:t>
-            </a:r>
-          </a:p>
-          <a:p>
-            <a:pPr lvl="2"/>
-            <a:r>
-              <a:rPr lang="fr-FR" dirty="0" smtClean="0">
-                <a:latin typeface="Courier New" pitchFamily="49" charset="0"/>
-                <a:cs typeface="Courier New" pitchFamily="49" charset="0"/>
-              </a:rPr>
-              <a:t>T = (4</a:t>
-            </a:r>
-            <a:r>
-              <a:rPr lang="fr-FR" dirty="0" smtClean="0">
-                <a:solidFill>
-                  <a:srgbClr val="FF0000"/>
-                </a:solidFill>
-                <a:latin typeface="Courier New" pitchFamily="49" charset="0"/>
-                <a:cs typeface="Courier New" pitchFamily="49" charset="0"/>
-              </a:rPr>
-              <a:t>,</a:t>
-            </a:r>
-            <a:r>
-              <a:rPr lang="fr-FR" dirty="0" smtClean="0">
-                <a:latin typeface="Courier New" pitchFamily="49" charset="0"/>
-                <a:cs typeface="Courier New" pitchFamily="49" charset="0"/>
-              </a:rPr>
-              <a:t>)  </a:t>
-            </a:r>
-            <a:r>
-              <a:rPr lang="fr-FR" dirty="0" smtClean="0"/>
-              <a:t>ou </a:t>
-            </a:r>
-            <a:r>
-              <a:rPr lang="fr-FR" dirty="0" smtClean="0">
-                <a:latin typeface="Courier New" pitchFamily="49" charset="0"/>
-                <a:cs typeface="Courier New" pitchFamily="49" charset="0"/>
-              </a:rPr>
-              <a:t>T = 4</a:t>
-            </a:r>
-            <a:r>
-              <a:rPr lang="fr-FR" dirty="0" smtClean="0">
-                <a:solidFill>
-                  <a:srgbClr val="FF0000"/>
-                </a:solidFill>
-                <a:latin typeface="Courier New" pitchFamily="49" charset="0"/>
-                <a:cs typeface="Courier New" pitchFamily="49" charset="0"/>
-              </a:rPr>
-              <a:t>,</a:t>
-            </a:r>
-            <a:r>
-              <a:rPr lang="fr-FR" dirty="0" smtClean="0">
-                <a:latin typeface="Courier New" pitchFamily="49" charset="0"/>
-                <a:cs typeface="Courier New" pitchFamily="49" charset="0"/>
-              </a:rPr>
-              <a:t> </a:t>
-            </a:r>
-            <a:r>
-              <a:rPr lang="fr-FR" dirty="0" smtClean="0"/>
-              <a:t>Attention (4) est un entier et (4,) est un </a:t>
-            </a:r>
-            <a:r>
-              <a:rPr lang="fr-FR" dirty="0" err="1" smtClean="0"/>
-              <a:t>tuple</a:t>
-            </a:r>
-            <a:endParaRPr lang="fr-FR" dirty="0" smtClean="0"/>
-          </a:p>
-          <a:p>
-            <a:pPr lvl="1"/>
-            <a:r>
-              <a:rPr lang="fr-FR" dirty="0" smtClean="0"/>
-              <a:t>Syntaxe pour plusieurs éléments</a:t>
-            </a:r>
-          </a:p>
-          <a:p>
-            <a:pPr lvl="2"/>
-            <a:r>
-              <a:rPr lang="fr-FR" dirty="0" smtClean="0">
-                <a:latin typeface="Courier New" pitchFamily="49" charset="0"/>
-                <a:cs typeface="Courier New" pitchFamily="49" charset="0"/>
-              </a:rPr>
-              <a:t>T = (3,5,</a:t>
-            </a:r>
-            <a:r>
-              <a:rPr lang="fr-FR" dirty="0" smtClean="0">
-                <a:solidFill>
-                  <a:srgbClr val="000000"/>
-                </a:solidFill>
-                <a:latin typeface="Courier New" pitchFamily="49" charset="0"/>
-                <a:cs typeface="Courier New" pitchFamily="49" charset="0"/>
-              </a:rPr>
-              <a:t>'</a:t>
-            </a:r>
-            <a:r>
-              <a:rPr lang="fr-FR" dirty="0" smtClean="0">
-                <a:latin typeface="Courier New" pitchFamily="49" charset="0"/>
-                <a:cs typeface="Courier New" pitchFamily="49" charset="0"/>
-              </a:rPr>
-              <a:t>alice</a:t>
-            </a:r>
-            <a:r>
-              <a:rPr lang="fr-FR" dirty="0" smtClean="0">
-                <a:solidFill>
-                  <a:srgbClr val="000000"/>
-                </a:solidFill>
-                <a:latin typeface="Courier New" pitchFamily="49" charset="0"/>
-                <a:cs typeface="Courier New" pitchFamily="49" charset="0"/>
-              </a:rPr>
-              <a:t>'</a:t>
-            </a:r>
-            <a:r>
-              <a:rPr lang="fr-FR" dirty="0" smtClean="0">
-                <a:latin typeface="Courier New" pitchFamily="49" charset="0"/>
-                <a:cs typeface="Courier New" pitchFamily="49" charset="0"/>
-              </a:rPr>
-              <a:t>) </a:t>
-            </a:r>
-            <a:r>
-              <a:rPr lang="fr-FR" dirty="0" smtClean="0"/>
-              <a:t>ou </a:t>
-            </a:r>
-            <a:r>
-              <a:rPr lang="fr-FR" dirty="0" smtClean="0">
-                <a:latin typeface="Courier New" pitchFamily="49" charset="0"/>
-                <a:cs typeface="Courier New" pitchFamily="49" charset="0"/>
-              </a:rPr>
-              <a:t>T =  3, 5, </a:t>
-            </a:r>
-            <a:r>
-              <a:rPr lang="fr-FR" dirty="0" smtClean="0">
-                <a:solidFill>
-                  <a:srgbClr val="000000"/>
-                </a:solidFill>
-                <a:latin typeface="Courier New" pitchFamily="49" charset="0"/>
-                <a:cs typeface="Courier New" pitchFamily="49" charset="0"/>
-              </a:rPr>
-              <a:t>'</a:t>
-            </a:r>
-            <a:r>
-              <a:rPr lang="fr-FR" dirty="0" err="1" smtClean="0">
-                <a:latin typeface="Courier New" pitchFamily="49" charset="0"/>
-                <a:cs typeface="Courier New" pitchFamily="49" charset="0"/>
-              </a:rPr>
-              <a:t>alice</a:t>
-            </a:r>
-            <a:r>
-              <a:rPr lang="fr-FR" dirty="0" smtClean="0">
-                <a:solidFill>
-                  <a:srgbClr val="000000"/>
-                </a:solidFill>
-                <a:latin typeface="Courier New" pitchFamily="49" charset="0"/>
-                <a:cs typeface="Courier New" pitchFamily="49" charset="0"/>
-              </a:rPr>
-              <a:t>'</a:t>
-            </a:r>
-            <a:r>
-              <a:rPr lang="fr-FR" dirty="0" smtClean="0"/>
-              <a:t> </a:t>
-            </a:r>
-          </a:p>
-          <a:p>
-            <a:pPr lvl="2"/>
-            <a:r>
-              <a:rPr lang="fr-FR" dirty="0" smtClean="0">
-                <a:solidFill>
-                  <a:srgbClr val="FF0000"/>
-                </a:solidFill>
-              </a:rPr>
-              <a:t>On peut omettre les ()</a:t>
-            </a:r>
-          </a:p>
-        </p:txBody>
-      </p:sp>
-    </p:spTree>
-    <p:extLst>
-      <p:ext uri="{BB962C8B-B14F-4D97-AF65-F5344CB8AC3E}">
-        <p14:creationId xmlns:p14="http://schemas.microsoft.com/office/powerpoint/2010/main" val="831146555"/>
-      </p:ext>
-    </p:extLst>
-  </p:cSld>
-  <p:clrMapOvr>
-    <a:masterClrMapping/>
-  </p:clrMapOvr>
-  <p:timing>
-    <p:tnLst>
-      <p:par>
-        <p:cTn id="1" dur="indefinite" restart="never" nodeType="tmRoot"/>
-      </p:par>
-    </p:tnLst>
-  </p:timing>
-</p:sld>
-</file>
-
-<file path=ppt/slides/slide14.xml><?xml version="1.0" encoding="utf-8"?>
 <p:sld xmlns:a="http://schemas.openxmlformats.org/drawingml/2006/main" xmlns:r="http://schemas.openxmlformats.org/officeDocument/2006/relationships" xmlns:p="http://schemas.openxmlformats.org/presentationml/2006/main">
   <p:cSld>
     <p:spTree>
@@ -6330,410 +4912,287 @@
       </p:grpSpPr>
       <p:sp>
         <p:nvSpPr>
-          <p:cNvPr id="4" name="ZoneTexte 3"/>
-          <p:cNvSpPr txBox="1"/>
-          <p:nvPr/>
-        </p:nvSpPr>
-        <p:spPr>
-          <a:xfrm>
-            <a:off x="1662545" y="768927"/>
-            <a:ext cx="7813964" cy="1569660"/>
-          </a:xfrm>
-          <a:prstGeom prst="rect">
-            <a:avLst/>
-          </a:prstGeom>
-          <a:noFill/>
-        </p:spPr>
-        <p:txBody>
-          <a:bodyPr wrap="square" rtlCol="0">
-            <a:spAutoFit/>
-          </a:bodyPr>
+          <p:cNvPr id="2" name="Titre 1"/>
+          <p:cNvSpPr>
+            <a:spLocks noGrp="1"/>
+          </p:cNvSpPr>
+          <p:nvPr>
+            <p:ph type="title"/>
+          </p:nvPr>
+        </p:nvSpPr>
+        <p:spPr/>
+        <p:txBody>
+          <a:bodyPr/>
           <a:lstStyle/>
           <a:p>
             <a:r>
-              <a:rPr lang="fr-FR" sz="9600" dirty="0" err="1">
-                <a:latin typeface="Calibri" panose="020F0502020204030204" pitchFamily="34" charset="0"/>
-              </a:rPr>
-              <a:t>e</a:t>
-            </a:r>
-            <a:r>
-              <a:rPr lang="fr-FR" sz="9600" dirty="0" err="1" smtClean="0">
-                <a:latin typeface="Calibri" panose="020F0502020204030204" pitchFamily="34" charset="0"/>
-              </a:rPr>
-              <a:t>gg</a:t>
-            </a:r>
-            <a:r>
-              <a:rPr lang="fr-FR" sz="9600" dirty="0" smtClean="0">
-                <a:latin typeface="Calibri" panose="020F0502020204030204" pitchFamily="34" charset="0"/>
-              </a:rPr>
-              <a:t>, bacon</a:t>
-            </a:r>
-            <a:endParaRPr lang="fr-FR" sz="9600" dirty="0">
-              <a:latin typeface="Calibri" panose="020F0502020204030204" pitchFamily="34" charset="0"/>
-            </a:endParaRPr>
-          </a:p>
-        </p:txBody>
-      </p:sp>
-      <p:sp>
-        <p:nvSpPr>
-          <p:cNvPr id="5" name="ZoneTexte 4"/>
-          <p:cNvSpPr txBox="1"/>
-          <p:nvPr/>
-        </p:nvSpPr>
-        <p:spPr>
-          <a:xfrm>
-            <a:off x="0" y="2661337"/>
-            <a:ext cx="8541327" cy="4524315"/>
-          </a:xfrm>
-          <a:prstGeom prst="rect">
-            <a:avLst/>
-          </a:prstGeom>
-          <a:noFill/>
-        </p:spPr>
-        <p:txBody>
-          <a:bodyPr wrap="square" rtlCol="0">
-            <a:spAutoFit/>
-          </a:bodyPr>
+              <a:rPr lang="fr-FR" dirty="0"/>
+              <a:t>Les listes</a:t>
+            </a:r>
+          </a:p>
+        </p:txBody>
+      </p:sp>
+      <p:sp>
+        <p:nvSpPr>
+          <p:cNvPr id="3" name="Espace réservé du contenu 2"/>
+          <p:cNvSpPr>
+            <a:spLocks noGrp="1"/>
+          </p:cNvSpPr>
+          <p:nvPr>
+            <p:ph idx="1"/>
+          </p:nvPr>
+        </p:nvSpPr>
+        <p:spPr/>
+        <p:txBody>
+          <a:bodyPr/>
           <a:lstStyle/>
           <a:p>
-            <a:r>
-              <a:rPr lang="fr-FR" dirty="0" smtClean="0">
-                <a:latin typeface="Courier New" panose="02070309020205020404" pitchFamily="49" charset="0"/>
-                <a:cs typeface="Courier New" panose="02070309020205020404" pitchFamily="49" charset="0"/>
-              </a:rPr>
-              <a:t>&gt;&gt;&gt; s </a:t>
-            </a:r>
-            <a:r>
-              <a:rPr lang="fr-FR" dirty="0">
-                <a:latin typeface="Courier New" panose="02070309020205020404" pitchFamily="49" charset="0"/>
-                <a:cs typeface="Courier New" panose="02070309020205020404" pitchFamily="49" charset="0"/>
-              </a:rPr>
-              <a:t>= '</a:t>
-            </a:r>
-            <a:r>
-              <a:rPr lang="fr-FR" dirty="0" err="1">
-                <a:latin typeface="Courier New" panose="02070309020205020404" pitchFamily="49" charset="0"/>
-                <a:cs typeface="Courier New" panose="02070309020205020404" pitchFamily="49" charset="0"/>
-              </a:rPr>
-              <a:t>egg</a:t>
-            </a:r>
-            <a:r>
-              <a:rPr lang="fr-FR" dirty="0">
-                <a:latin typeface="Courier New" panose="02070309020205020404" pitchFamily="49" charset="0"/>
-                <a:cs typeface="Courier New" panose="02070309020205020404" pitchFamily="49" charset="0"/>
-              </a:rPr>
-              <a:t>, bacon' </a:t>
-            </a:r>
-            <a:endParaRPr lang="fr-FR" dirty="0" smtClean="0">
-              <a:latin typeface="Courier New" panose="02070309020205020404" pitchFamily="49" charset="0"/>
-              <a:cs typeface="Courier New" panose="02070309020205020404" pitchFamily="49" charset="0"/>
-            </a:endParaRPr>
-          </a:p>
-          <a:p>
-            <a:r>
-              <a:rPr lang="fr-FR" dirty="0" smtClean="0">
-                <a:latin typeface="Courier New" panose="02070309020205020404" pitchFamily="49" charset="0"/>
-                <a:cs typeface="Courier New" panose="02070309020205020404" pitchFamily="49" charset="0"/>
-              </a:rPr>
-              <a:t>&gt;&gt;&gt; s[0:3]</a:t>
-            </a:r>
-          </a:p>
-          <a:p>
-            <a:r>
-              <a:rPr lang="fr-FR" dirty="0">
-                <a:latin typeface="Courier New" panose="02070309020205020404" pitchFamily="49" charset="0"/>
-                <a:cs typeface="Courier New" panose="02070309020205020404" pitchFamily="49" charset="0"/>
-              </a:rPr>
-              <a:t>'</a:t>
-            </a:r>
-            <a:r>
-              <a:rPr lang="fr-FR" dirty="0" err="1">
-                <a:latin typeface="Courier New" panose="02070309020205020404" pitchFamily="49" charset="0"/>
-                <a:cs typeface="Courier New" panose="02070309020205020404" pitchFamily="49" charset="0"/>
-              </a:rPr>
-              <a:t>egg</a:t>
-            </a:r>
-            <a:r>
-              <a:rPr lang="fr-FR" dirty="0">
-                <a:latin typeface="Courier New" panose="02070309020205020404" pitchFamily="49" charset="0"/>
-                <a:cs typeface="Courier New" panose="02070309020205020404" pitchFamily="49" charset="0"/>
-              </a:rPr>
-              <a:t>'</a:t>
-            </a:r>
-            <a:endParaRPr lang="fr-FR" dirty="0" smtClean="0">
-              <a:latin typeface="Courier New" panose="02070309020205020404" pitchFamily="49" charset="0"/>
-              <a:cs typeface="Courier New" panose="02070309020205020404" pitchFamily="49" charset="0"/>
-            </a:endParaRPr>
-          </a:p>
-          <a:p>
-            <a:r>
-              <a:rPr lang="fr-FR" dirty="0" smtClean="0">
-                <a:latin typeface="Courier New" panose="02070309020205020404" pitchFamily="49" charset="0"/>
-                <a:cs typeface="Courier New" panose="02070309020205020404" pitchFamily="49" charset="0"/>
-              </a:rPr>
-              <a:t>&gt;&gt;&gt; s[5:10]</a:t>
-            </a:r>
-          </a:p>
-          <a:p>
-            <a:r>
-              <a:rPr lang="fr-FR" dirty="0">
-                <a:latin typeface="Courier New" panose="02070309020205020404" pitchFamily="49" charset="0"/>
-                <a:cs typeface="Courier New" panose="02070309020205020404" pitchFamily="49" charset="0"/>
-              </a:rPr>
-              <a:t>'bacon'</a:t>
-            </a:r>
-            <a:endParaRPr lang="fr-FR" dirty="0" smtClean="0">
-              <a:latin typeface="Courier New" panose="02070309020205020404" pitchFamily="49" charset="0"/>
-              <a:cs typeface="Courier New" panose="02070309020205020404" pitchFamily="49" charset="0"/>
-            </a:endParaRPr>
-          </a:p>
-          <a:p>
-            <a:r>
-              <a:rPr lang="fr-FR" dirty="0" smtClean="0">
-                <a:latin typeface="Courier New" panose="02070309020205020404" pitchFamily="49" charset="0"/>
-                <a:cs typeface="Courier New" panose="02070309020205020404" pitchFamily="49" charset="0"/>
-              </a:rPr>
-              <a:t>&gt;&gt;&gt; s[:3]</a:t>
-            </a:r>
-          </a:p>
-          <a:p>
-            <a:r>
-              <a:rPr lang="fr-FR" dirty="0">
-                <a:latin typeface="Courier New" panose="02070309020205020404" pitchFamily="49" charset="0"/>
-                <a:cs typeface="Courier New" panose="02070309020205020404" pitchFamily="49" charset="0"/>
-              </a:rPr>
-              <a:t>'</a:t>
-            </a:r>
-            <a:r>
-              <a:rPr lang="fr-FR" dirty="0" err="1">
-                <a:latin typeface="Courier New" panose="02070309020205020404" pitchFamily="49" charset="0"/>
-                <a:cs typeface="Courier New" panose="02070309020205020404" pitchFamily="49" charset="0"/>
-              </a:rPr>
-              <a:t>egg</a:t>
-            </a:r>
-            <a:r>
-              <a:rPr lang="fr-FR" dirty="0">
-                <a:latin typeface="Courier New" panose="02070309020205020404" pitchFamily="49" charset="0"/>
-                <a:cs typeface="Courier New" panose="02070309020205020404" pitchFamily="49" charset="0"/>
-              </a:rPr>
-              <a:t>'</a:t>
-            </a:r>
-          </a:p>
-          <a:p>
-            <a:r>
-              <a:rPr lang="fr-FR" dirty="0" smtClean="0">
-                <a:latin typeface="Courier New" panose="02070309020205020404" pitchFamily="49" charset="0"/>
-                <a:cs typeface="Courier New" panose="02070309020205020404" pitchFamily="49" charset="0"/>
-              </a:rPr>
-              <a:t>&gt;&gt;&gt; s[5:]</a:t>
-            </a:r>
-          </a:p>
-          <a:p>
-            <a:r>
-              <a:rPr lang="fr-FR" dirty="0">
-                <a:latin typeface="Courier New" panose="02070309020205020404" pitchFamily="49" charset="0"/>
-                <a:cs typeface="Courier New" panose="02070309020205020404" pitchFamily="49" charset="0"/>
-              </a:rPr>
-              <a:t>'bacon</a:t>
-            </a:r>
-            <a:r>
-              <a:rPr lang="fr-FR" dirty="0" smtClean="0">
-                <a:latin typeface="Courier New" panose="02070309020205020404" pitchFamily="49" charset="0"/>
-                <a:cs typeface="Courier New" panose="02070309020205020404" pitchFamily="49" charset="0"/>
-              </a:rPr>
-              <a:t>'</a:t>
-            </a:r>
-          </a:p>
-          <a:p>
-            <a:r>
-              <a:rPr lang="fr-FR" dirty="0" smtClean="0">
-                <a:latin typeface="Courier New" panose="02070309020205020404" pitchFamily="49" charset="0"/>
-                <a:cs typeface="Courier New" panose="02070309020205020404" pitchFamily="49" charset="0"/>
-              </a:rPr>
-              <a:t>&gt;&gt;&gt; s[:]</a:t>
-            </a:r>
-          </a:p>
-          <a:p>
-            <a:r>
-              <a:rPr lang="fr-FR" dirty="0">
-                <a:latin typeface="Courier New" panose="02070309020205020404" pitchFamily="49" charset="0"/>
-                <a:cs typeface="Courier New" panose="02070309020205020404" pitchFamily="49" charset="0"/>
-              </a:rPr>
-              <a:t>'</a:t>
-            </a:r>
-            <a:r>
-              <a:rPr lang="fr-FR" dirty="0" err="1">
-                <a:latin typeface="Courier New" panose="02070309020205020404" pitchFamily="49" charset="0"/>
-                <a:cs typeface="Courier New" panose="02070309020205020404" pitchFamily="49" charset="0"/>
-              </a:rPr>
-              <a:t>egg</a:t>
-            </a:r>
-            <a:r>
-              <a:rPr lang="fr-FR" dirty="0">
-                <a:latin typeface="Courier New" panose="02070309020205020404" pitchFamily="49" charset="0"/>
-                <a:cs typeface="Courier New" panose="02070309020205020404" pitchFamily="49" charset="0"/>
-              </a:rPr>
-              <a:t>, bacon'</a:t>
-            </a:r>
-            <a:endParaRPr lang="fr-FR" dirty="0" smtClean="0">
-              <a:latin typeface="Courier New" panose="02070309020205020404" pitchFamily="49" charset="0"/>
-              <a:cs typeface="Courier New" panose="02070309020205020404" pitchFamily="49" charset="0"/>
-            </a:endParaRPr>
-          </a:p>
-          <a:p>
-            <a:endParaRPr lang="fr-FR" dirty="0">
-              <a:latin typeface="Courier New" panose="02070309020205020404" pitchFamily="49" charset="0"/>
-              <a:cs typeface="Courier New" panose="02070309020205020404" pitchFamily="49" charset="0"/>
-            </a:endParaRPr>
-          </a:p>
-        </p:txBody>
-      </p:sp>
-      <p:cxnSp>
-        <p:nvCxnSpPr>
-          <p:cNvPr id="7" name="Connecteur droit avec flèche 6"/>
-          <p:cNvCxnSpPr/>
-          <p:nvPr/>
-        </p:nvCxnSpPr>
-        <p:spPr bwMode="auto">
-          <a:xfrm>
-            <a:off x="1995055" y="290945"/>
-            <a:ext cx="0" cy="872837"/>
-          </a:xfrm>
-          <a:prstGeom prst="straightConnector1">
-            <a:avLst/>
-          </a:prstGeom>
-          <a:noFill/>
-          <a:ln w="73025" cap="flat" cmpd="sng" algn="ctr">
-            <a:solidFill>
-              <a:schemeClr val="tx1"/>
-            </a:solidFill>
-            <a:prstDash val="solid"/>
-            <a:round/>
-            <a:headEnd type="none" w="med" len="med"/>
-            <a:tailEnd type="triangle" w="med" len="med"/>
-          </a:ln>
-          <a:effectLst/>
-        </p:spPr>
-      </p:cxnSp>
-      <p:cxnSp>
-        <p:nvCxnSpPr>
-          <p:cNvPr id="8" name="Connecteur droit avec flèche 7"/>
-          <p:cNvCxnSpPr/>
-          <p:nvPr/>
-        </p:nvCxnSpPr>
-        <p:spPr bwMode="auto">
-          <a:xfrm>
-            <a:off x="3248891" y="290944"/>
-            <a:ext cx="0" cy="872837"/>
-          </a:xfrm>
-          <a:prstGeom prst="straightConnector1">
-            <a:avLst/>
-          </a:prstGeom>
-          <a:noFill/>
-          <a:ln w="73025" cap="flat" cmpd="sng" algn="ctr">
-            <a:solidFill>
-              <a:schemeClr val="tx1"/>
-            </a:solidFill>
-            <a:prstDash val="solid"/>
-            <a:round/>
-            <a:headEnd type="none" w="med" len="med"/>
-            <a:tailEnd type="triangle" w="med" len="med"/>
-          </a:ln>
-          <a:effectLst/>
-        </p:spPr>
-      </p:cxnSp>
-      <p:cxnSp>
-        <p:nvCxnSpPr>
-          <p:cNvPr id="9" name="Connecteur droit avec flèche 8"/>
-          <p:cNvCxnSpPr/>
-          <p:nvPr/>
-        </p:nvCxnSpPr>
-        <p:spPr bwMode="auto">
-          <a:xfrm>
-            <a:off x="4287983" y="214745"/>
-            <a:ext cx="0" cy="872837"/>
-          </a:xfrm>
-          <a:prstGeom prst="straightConnector1">
-            <a:avLst/>
-          </a:prstGeom>
-          <a:noFill/>
-          <a:ln w="73025" cap="flat" cmpd="sng" algn="ctr">
-            <a:solidFill>
-              <a:schemeClr val="tx1"/>
-            </a:solidFill>
-            <a:prstDash val="solid"/>
-            <a:round/>
-            <a:headEnd type="none" w="med" len="med"/>
-            <a:tailEnd type="triangle" w="med" len="med"/>
-          </a:ln>
-          <a:effectLst/>
-        </p:spPr>
-      </p:cxnSp>
-      <p:cxnSp>
-        <p:nvCxnSpPr>
-          <p:cNvPr id="10" name="Connecteur droit avec flèche 9"/>
-          <p:cNvCxnSpPr/>
-          <p:nvPr/>
-        </p:nvCxnSpPr>
-        <p:spPr bwMode="auto">
-          <a:xfrm>
-            <a:off x="6781800" y="214745"/>
-            <a:ext cx="0" cy="872837"/>
-          </a:xfrm>
-          <a:prstGeom prst="straightConnector1">
-            <a:avLst/>
-          </a:prstGeom>
-          <a:noFill/>
-          <a:ln w="73025" cap="flat" cmpd="sng" algn="ctr">
-            <a:solidFill>
-              <a:schemeClr val="tx1"/>
-            </a:solidFill>
-            <a:prstDash val="solid"/>
-            <a:round/>
-            <a:headEnd type="none" w="med" len="med"/>
-            <a:tailEnd type="triangle" w="med" len="med"/>
-          </a:ln>
-          <a:effectLst/>
-        </p:spPr>
-      </p:cxnSp>
-      <p:sp>
-        <p:nvSpPr>
-          <p:cNvPr id="11" name="ZoneTexte 10"/>
-          <p:cNvSpPr txBox="1"/>
-          <p:nvPr/>
-        </p:nvSpPr>
-        <p:spPr>
-          <a:xfrm>
-            <a:off x="1662545" y="2199672"/>
-            <a:ext cx="6858000" cy="461665"/>
-          </a:xfrm>
-          <a:prstGeom prst="rect">
-            <a:avLst/>
-          </a:prstGeom>
-          <a:noFill/>
-        </p:spPr>
-        <p:txBody>
-          <a:bodyPr wrap="square" rtlCol="0">
-            <a:spAutoFit/>
-          </a:bodyPr>
-          <a:lstStyle/>
-          <a:p>
-            <a:r>
-              <a:rPr lang="fr-FR" dirty="0" smtClean="0">
-                <a:latin typeface="Calibri" panose="020F0502020204030204" pitchFamily="34" charset="0"/>
-              </a:rPr>
-              <a:t>  0        1      2    3   4     5      6      7      8       9        </a:t>
-            </a:r>
-            <a:endParaRPr lang="fr-FR" dirty="0">
-              <a:latin typeface="Calibri" panose="020F0502020204030204" pitchFamily="34" charset="0"/>
-            </a:endParaRPr>
+            <a:pPr marL="0" lvl="0" indent="0">
+              <a:buNone/>
+            </a:pPr>
+            <a:r>
+              <a:rPr lang="en-US" sz="2000" dirty="0">
+                <a:solidFill>
+                  <a:srgbClr val="000000"/>
+                </a:solidFill>
+                <a:latin typeface="Courier New" pitchFamily="49" charset="0"/>
+                <a:cs typeface="Courier New" pitchFamily="49" charset="0"/>
+              </a:rPr>
+              <a:t>&gt;&gt;&gt; L=[]</a:t>
+            </a:r>
+          </a:p>
+          <a:p>
+            <a:pPr marL="0" lvl="0" indent="0">
+              <a:buNone/>
+            </a:pPr>
+            <a:r>
+              <a:rPr lang="en-US" sz="2000" dirty="0">
+                <a:solidFill>
+                  <a:srgbClr val="000000"/>
+                </a:solidFill>
+                <a:latin typeface="Courier New" pitchFamily="49" charset="0"/>
+                <a:cs typeface="Courier New" pitchFamily="49" charset="0"/>
+              </a:rPr>
+              <a:t>&gt;&gt;&gt; L=[4, </a:t>
+            </a:r>
+            <a:r>
+              <a:rPr lang="en-US" sz="2000" dirty="0" smtClean="0">
+                <a:solidFill>
+                  <a:srgbClr val="000000"/>
+                </a:solidFill>
+                <a:latin typeface="Courier New" pitchFamily="49" charset="0"/>
+                <a:cs typeface="Courier New" pitchFamily="49" charset="0"/>
+              </a:rPr>
+              <a:t>'bob', </a:t>
+            </a:r>
+            <a:r>
+              <a:rPr lang="en-US" sz="2000" dirty="0">
+                <a:solidFill>
+                  <a:srgbClr val="000000"/>
+                </a:solidFill>
+                <a:latin typeface="Courier New" pitchFamily="49" charset="0"/>
+                <a:cs typeface="Courier New" pitchFamily="49" charset="0"/>
+              </a:rPr>
+              <a:t>4.3, True]</a:t>
+            </a:r>
+          </a:p>
+          <a:p>
+            <a:pPr marL="0" lvl="0" indent="0">
+              <a:buNone/>
+            </a:pPr>
+            <a:r>
+              <a:rPr lang="en-US" sz="2000" dirty="0">
+                <a:solidFill>
+                  <a:srgbClr val="000000"/>
+                </a:solidFill>
+                <a:latin typeface="Courier New" pitchFamily="49" charset="0"/>
+                <a:cs typeface="Courier New" pitchFamily="49" charset="0"/>
+              </a:rPr>
+              <a:t>&gt;&gt;&gt; L</a:t>
+            </a:r>
+          </a:p>
+          <a:p>
+            <a:pPr marL="0" lvl="0" indent="0">
+              <a:buNone/>
+            </a:pPr>
+            <a:r>
+              <a:rPr lang="en-US" sz="2000" dirty="0">
+                <a:solidFill>
+                  <a:srgbClr val="000000"/>
+                </a:solidFill>
+                <a:latin typeface="Courier New" pitchFamily="49" charset="0"/>
+                <a:cs typeface="Courier New" pitchFamily="49" charset="0"/>
+              </a:rPr>
+              <a:t>[4, </a:t>
+            </a:r>
+            <a:r>
+              <a:rPr lang="en-US" sz="2000" dirty="0" smtClean="0">
+                <a:solidFill>
+                  <a:srgbClr val="000000"/>
+                </a:solidFill>
+                <a:latin typeface="Courier New" pitchFamily="49" charset="0"/>
+                <a:cs typeface="Courier New" pitchFamily="49" charset="0"/>
+              </a:rPr>
+              <a:t>'bob', </a:t>
+            </a:r>
+            <a:r>
+              <a:rPr lang="en-US" sz="2000" dirty="0">
+                <a:solidFill>
+                  <a:srgbClr val="000000"/>
+                </a:solidFill>
+                <a:latin typeface="Courier New" pitchFamily="49" charset="0"/>
+                <a:cs typeface="Courier New" pitchFamily="49" charset="0"/>
+              </a:rPr>
+              <a:t>4.3, True</a:t>
+            </a:r>
+            <a:r>
+              <a:rPr lang="en-US" sz="2000" dirty="0" smtClean="0">
+                <a:solidFill>
+                  <a:srgbClr val="000000"/>
+                </a:solidFill>
+                <a:latin typeface="Courier New" pitchFamily="49" charset="0"/>
+                <a:cs typeface="Courier New" pitchFamily="49" charset="0"/>
+              </a:rPr>
+              <a:t>]</a:t>
+            </a:r>
+          </a:p>
+          <a:p>
+            <a:pPr marL="0" lvl="0" indent="0">
+              <a:buNone/>
+            </a:pPr>
+            <a:r>
+              <a:rPr lang="en-US" sz="2000" dirty="0">
+                <a:solidFill>
+                  <a:srgbClr val="000000"/>
+                </a:solidFill>
+                <a:latin typeface="Courier New" pitchFamily="49" charset="0"/>
+                <a:cs typeface="Courier New" pitchFamily="49" charset="0"/>
+              </a:rPr>
+              <a:t>&gt;&gt;&gt; L[2]</a:t>
+            </a:r>
+          </a:p>
+          <a:p>
+            <a:pPr marL="0" lvl="0" indent="0">
+              <a:buNone/>
+            </a:pPr>
+            <a:r>
+              <a:rPr lang="en-US" sz="2000" dirty="0">
+                <a:solidFill>
+                  <a:srgbClr val="000000"/>
+                </a:solidFill>
+                <a:latin typeface="Courier New" pitchFamily="49" charset="0"/>
+                <a:cs typeface="Courier New" pitchFamily="49" charset="0"/>
+              </a:rPr>
+              <a:t>4.3</a:t>
+            </a:r>
+          </a:p>
+          <a:p>
+            <a:pPr marL="0" lvl="0" indent="0">
+              <a:buNone/>
+            </a:pPr>
+            <a:r>
+              <a:rPr lang="en-US" sz="2000" dirty="0">
+                <a:solidFill>
+                  <a:srgbClr val="000000"/>
+                </a:solidFill>
+                <a:latin typeface="Courier New" pitchFamily="49" charset="0"/>
+                <a:cs typeface="Courier New" pitchFamily="49" charset="0"/>
+              </a:rPr>
+              <a:t>&gt;&gt;&gt; L[3]</a:t>
+            </a:r>
+          </a:p>
+          <a:p>
+            <a:pPr marL="0" lvl="0" indent="0">
+              <a:buNone/>
+            </a:pPr>
+            <a:r>
+              <a:rPr lang="en-US" sz="2000" dirty="0">
+                <a:solidFill>
+                  <a:srgbClr val="000000"/>
+                </a:solidFill>
+                <a:latin typeface="Courier New" pitchFamily="49" charset="0"/>
+                <a:cs typeface="Courier New" pitchFamily="49" charset="0"/>
+              </a:rPr>
+              <a:t>True</a:t>
+            </a:r>
+          </a:p>
+          <a:p>
+            <a:pPr marL="0" lvl="0" indent="0">
+              <a:buNone/>
+            </a:pPr>
+            <a:r>
+              <a:rPr lang="en-US" sz="2000" dirty="0">
+                <a:solidFill>
+                  <a:srgbClr val="000000"/>
+                </a:solidFill>
+                <a:latin typeface="Courier New" pitchFamily="49" charset="0"/>
+                <a:cs typeface="Courier New" pitchFamily="49" charset="0"/>
+              </a:rPr>
+              <a:t>&gt;&gt;&gt; L[0] = L[0]+6</a:t>
+            </a:r>
+          </a:p>
+          <a:p>
+            <a:pPr marL="0" lvl="0" indent="0">
+              <a:buNone/>
+            </a:pPr>
+            <a:r>
+              <a:rPr lang="en-US" sz="2000" dirty="0">
+                <a:solidFill>
+                  <a:srgbClr val="000000"/>
+                </a:solidFill>
+                <a:latin typeface="Courier New" pitchFamily="49" charset="0"/>
+                <a:cs typeface="Courier New" pitchFamily="49" charset="0"/>
+              </a:rPr>
+              <a:t>&gt;&gt;&gt; L</a:t>
+            </a:r>
+          </a:p>
+          <a:p>
+            <a:pPr marL="0" lvl="0" indent="0">
+              <a:buNone/>
+            </a:pPr>
+            <a:r>
+              <a:rPr lang="en-US" sz="2000" dirty="0">
+                <a:solidFill>
+                  <a:srgbClr val="000000"/>
+                </a:solidFill>
+                <a:latin typeface="Courier New" pitchFamily="49" charset="0"/>
+                <a:cs typeface="Courier New" pitchFamily="49" charset="0"/>
+              </a:rPr>
+              <a:t>[10, </a:t>
+            </a:r>
+            <a:r>
+              <a:rPr lang="en-US" sz="2000" dirty="0" smtClean="0">
+                <a:solidFill>
+                  <a:srgbClr val="000000"/>
+                </a:solidFill>
+                <a:latin typeface="Courier New" pitchFamily="49" charset="0"/>
+                <a:cs typeface="Courier New" pitchFamily="49" charset="0"/>
+              </a:rPr>
+              <a:t>'bob', </a:t>
+            </a:r>
+            <a:r>
+              <a:rPr lang="en-US" sz="2000" dirty="0">
+                <a:solidFill>
+                  <a:srgbClr val="000000"/>
+                </a:solidFill>
+                <a:latin typeface="Courier New" pitchFamily="49" charset="0"/>
+                <a:cs typeface="Courier New" pitchFamily="49" charset="0"/>
+              </a:rPr>
+              <a:t>4.3, True]</a:t>
+            </a:r>
+          </a:p>
+          <a:p>
+            <a:pPr marL="0" indent="0">
+              <a:buNone/>
+            </a:pPr>
+            <a:endParaRPr lang="fr-FR" dirty="0"/>
           </a:p>
         </p:txBody>
       </p:sp>
     </p:spTree>
     <p:extLst>
       <p:ext uri="{BB962C8B-B14F-4D97-AF65-F5344CB8AC3E}">
-        <p14:creationId xmlns:p14="http://schemas.microsoft.com/office/powerpoint/2010/main" val="4108038898"/>
+        <p14:creationId xmlns:p14="http://schemas.microsoft.com/office/powerpoint/2010/main" val="519210513"/>
       </p:ext>
     </p:extLst>
   </p:cSld>
@@ -6743,1031 +5202,9 @@
   <p:timing>
     <p:tnLst>
       <p:par>
-        <p:cTn id="1" dur="indefinite" restart="never" nodeType="tmRoot">
-          <p:childTnLst>
-            <p:seq concurrent="1" nextAc="seek">
-              <p:cTn id="2" dur="indefinite" nodeType="mainSeq">
-                <p:childTnLst>
-                  <p:par>
-                    <p:cTn id="3" fill="hold">
-                      <p:stCondLst>
-                        <p:cond delay="indefinite"/>
-                      </p:stCondLst>
-                      <p:childTnLst>
-                        <p:par>
-                          <p:cTn id="4" fill="hold">
-                            <p:stCondLst>
-                              <p:cond delay="0"/>
-                            </p:stCondLst>
-                            <p:childTnLst>
-                              <p:par>
-                                <p:cTn id="5" presetID="10" presetClass="entr" presetSubtype="0" fill="hold" nodeType="clickEffect">
-                                  <p:stCondLst>
-                                    <p:cond delay="0"/>
-                                  </p:stCondLst>
-                                  <p:childTnLst>
-                                    <p:set>
-                                      <p:cBhvr>
-                                        <p:cTn id="6" dur="1" fill="hold">
-                                          <p:stCondLst>
-                                            <p:cond delay="0"/>
-                                          </p:stCondLst>
-                                        </p:cTn>
-                                        <p:tgtEl>
-                                          <p:spTgt spid="5">
-                                            <p:txEl>
-                                              <p:pRg st="0" end="0"/>
-                                            </p:txEl>
-                                          </p:spTgt>
-                                        </p:tgtEl>
-                                        <p:attrNameLst>
-                                          <p:attrName>style.visibility</p:attrName>
-                                        </p:attrNameLst>
-                                      </p:cBhvr>
-                                      <p:to>
-                                        <p:strVal val="visible"/>
-                                      </p:to>
-                                    </p:set>
-                                    <p:animEffect transition="in" filter="fade">
-                                      <p:cBhvr>
-                                        <p:cTn id="7" dur="500"/>
-                                        <p:tgtEl>
-                                          <p:spTgt spid="5">
-                                            <p:txEl>
-                                              <p:pRg st="0" end="0"/>
-                                            </p:txEl>
-                                          </p:spTgt>
-                                        </p:tgtEl>
-                                      </p:cBhvr>
-                                    </p:animEffect>
-                                  </p:childTnLst>
-                                </p:cTn>
-                              </p:par>
-                              <p:par>
-                                <p:cTn id="8" presetID="10" presetClass="entr" presetSubtype="0" fill="hold" grpId="0" nodeType="withEffect">
-                                  <p:stCondLst>
-                                    <p:cond delay="0"/>
-                                  </p:stCondLst>
-                                  <p:childTnLst>
-                                    <p:set>
-                                      <p:cBhvr>
-                                        <p:cTn id="9" dur="1" fill="hold">
-                                          <p:stCondLst>
-                                            <p:cond delay="0"/>
-                                          </p:stCondLst>
-                                        </p:cTn>
-                                        <p:tgtEl>
-                                          <p:spTgt spid="4"/>
-                                        </p:tgtEl>
-                                        <p:attrNameLst>
-                                          <p:attrName>style.visibility</p:attrName>
-                                        </p:attrNameLst>
-                                      </p:cBhvr>
-                                      <p:to>
-                                        <p:strVal val="visible"/>
-                                      </p:to>
-                                    </p:set>
-                                    <p:animEffect transition="in" filter="fade">
-                                      <p:cBhvr>
-                                        <p:cTn id="10" dur="500"/>
-                                        <p:tgtEl>
-                                          <p:spTgt spid="4"/>
-                                        </p:tgtEl>
-                                      </p:cBhvr>
-                                    </p:animEffect>
-                                  </p:childTnLst>
-                                </p:cTn>
-                              </p:par>
-                              <p:par>
-                                <p:cTn id="11" presetID="1" presetClass="entr" presetSubtype="0" fill="hold" grpId="0" nodeType="withEffect">
-                                  <p:stCondLst>
-                                    <p:cond delay="0"/>
-                                  </p:stCondLst>
-                                  <p:childTnLst>
-                                    <p:set>
-                                      <p:cBhvr>
-                                        <p:cTn id="12" dur="1" fill="hold">
-                                          <p:stCondLst>
-                                            <p:cond delay="0"/>
-                                          </p:stCondLst>
-                                        </p:cTn>
-                                        <p:tgtEl>
-                                          <p:spTgt spid="11"/>
-                                        </p:tgtEl>
-                                        <p:attrNameLst>
-                                          <p:attrName>style.visibility</p:attrName>
-                                        </p:attrNameLst>
-                                      </p:cBhvr>
-                                      <p:to>
-                                        <p:strVal val="visible"/>
-                                      </p:to>
-                                    </p:set>
-                                  </p:childTnLst>
-                                </p:cTn>
-                              </p:par>
-                            </p:childTnLst>
-                          </p:cTn>
-                        </p:par>
-                      </p:childTnLst>
-                    </p:cTn>
-                  </p:par>
-                  <p:par>
-                    <p:cTn id="13" fill="hold">
-                      <p:stCondLst>
-                        <p:cond delay="indefinite"/>
-                      </p:stCondLst>
-                      <p:childTnLst>
-                        <p:par>
-                          <p:cTn id="14" fill="hold">
-                            <p:stCondLst>
-                              <p:cond delay="0"/>
-                            </p:stCondLst>
-                            <p:childTnLst>
-                              <p:par>
-                                <p:cTn id="15" presetID="10" presetClass="entr" presetSubtype="0" fill="hold" nodeType="clickEffect">
-                                  <p:stCondLst>
-                                    <p:cond delay="0"/>
-                                  </p:stCondLst>
-                                  <p:childTnLst>
-                                    <p:set>
-                                      <p:cBhvr>
-                                        <p:cTn id="16" dur="1" fill="hold">
-                                          <p:stCondLst>
-                                            <p:cond delay="0"/>
-                                          </p:stCondLst>
-                                        </p:cTn>
-                                        <p:tgtEl>
-                                          <p:spTgt spid="5">
-                                            <p:txEl>
-                                              <p:pRg st="1" end="1"/>
-                                            </p:txEl>
-                                          </p:spTgt>
-                                        </p:tgtEl>
-                                        <p:attrNameLst>
-                                          <p:attrName>style.visibility</p:attrName>
-                                        </p:attrNameLst>
-                                      </p:cBhvr>
-                                      <p:to>
-                                        <p:strVal val="visible"/>
-                                      </p:to>
-                                    </p:set>
-                                    <p:animEffect transition="in" filter="fade">
-                                      <p:cBhvr>
-                                        <p:cTn id="17" dur="500"/>
-                                        <p:tgtEl>
-                                          <p:spTgt spid="5">
-                                            <p:txEl>
-                                              <p:pRg st="1" end="1"/>
-                                            </p:txEl>
-                                          </p:spTgt>
-                                        </p:tgtEl>
-                                      </p:cBhvr>
-                                    </p:animEffect>
-                                  </p:childTnLst>
-                                </p:cTn>
-                              </p:par>
-                              <p:par>
-                                <p:cTn id="18" presetID="10" presetClass="entr" presetSubtype="0" fill="hold" nodeType="withEffect">
-                                  <p:stCondLst>
-                                    <p:cond delay="0"/>
-                                  </p:stCondLst>
-                                  <p:childTnLst>
-                                    <p:set>
-                                      <p:cBhvr>
-                                        <p:cTn id="19" dur="1" fill="hold">
-                                          <p:stCondLst>
-                                            <p:cond delay="0"/>
-                                          </p:stCondLst>
-                                        </p:cTn>
-                                        <p:tgtEl>
-                                          <p:spTgt spid="5">
-                                            <p:txEl>
-                                              <p:pRg st="2" end="2"/>
-                                            </p:txEl>
-                                          </p:spTgt>
-                                        </p:tgtEl>
-                                        <p:attrNameLst>
-                                          <p:attrName>style.visibility</p:attrName>
-                                        </p:attrNameLst>
-                                      </p:cBhvr>
-                                      <p:to>
-                                        <p:strVal val="visible"/>
-                                      </p:to>
-                                    </p:set>
-                                    <p:animEffect transition="in" filter="fade">
-                                      <p:cBhvr>
-                                        <p:cTn id="20" dur="500"/>
-                                        <p:tgtEl>
-                                          <p:spTgt spid="5">
-                                            <p:txEl>
-                                              <p:pRg st="2" end="2"/>
-                                            </p:txEl>
-                                          </p:spTgt>
-                                        </p:tgtEl>
-                                      </p:cBhvr>
-                                    </p:animEffect>
-                                  </p:childTnLst>
-                                </p:cTn>
-                              </p:par>
-                            </p:childTnLst>
-                          </p:cTn>
-                        </p:par>
-                      </p:childTnLst>
-                    </p:cTn>
-                  </p:par>
-                  <p:par>
-                    <p:cTn id="21" fill="hold">
-                      <p:stCondLst>
-                        <p:cond delay="indefinite"/>
-                      </p:stCondLst>
-                      <p:childTnLst>
-                        <p:par>
-                          <p:cTn id="22" fill="hold">
-                            <p:stCondLst>
-                              <p:cond delay="0"/>
-                            </p:stCondLst>
-                            <p:childTnLst>
-                              <p:par>
-                                <p:cTn id="23" presetID="10" presetClass="entr" presetSubtype="0" fill="hold" nodeType="clickEffect">
-                                  <p:stCondLst>
-                                    <p:cond delay="0"/>
-                                  </p:stCondLst>
-                                  <p:childTnLst>
-                                    <p:set>
-                                      <p:cBhvr>
-                                        <p:cTn id="24" dur="1" fill="hold">
-                                          <p:stCondLst>
-                                            <p:cond delay="0"/>
-                                          </p:stCondLst>
-                                        </p:cTn>
-                                        <p:tgtEl>
-                                          <p:spTgt spid="7"/>
-                                        </p:tgtEl>
-                                        <p:attrNameLst>
-                                          <p:attrName>style.visibility</p:attrName>
-                                        </p:attrNameLst>
-                                      </p:cBhvr>
-                                      <p:to>
-                                        <p:strVal val="visible"/>
-                                      </p:to>
-                                    </p:set>
-                                    <p:animEffect transition="in" filter="fade">
-                                      <p:cBhvr>
-                                        <p:cTn id="25" dur="500"/>
-                                        <p:tgtEl>
-                                          <p:spTgt spid="7"/>
-                                        </p:tgtEl>
-                                      </p:cBhvr>
-                                    </p:animEffect>
-                                  </p:childTnLst>
-                                </p:cTn>
-                              </p:par>
-                            </p:childTnLst>
-                          </p:cTn>
-                        </p:par>
-                      </p:childTnLst>
-                    </p:cTn>
-                  </p:par>
-                  <p:par>
-                    <p:cTn id="26" fill="hold">
-                      <p:stCondLst>
-                        <p:cond delay="indefinite"/>
-                      </p:stCondLst>
-                      <p:childTnLst>
-                        <p:par>
-                          <p:cTn id="27" fill="hold">
-                            <p:stCondLst>
-                              <p:cond delay="0"/>
-                            </p:stCondLst>
-                            <p:childTnLst>
-                              <p:par>
-                                <p:cTn id="28" presetID="10" presetClass="entr" presetSubtype="0" fill="hold" nodeType="clickEffect">
-                                  <p:stCondLst>
-                                    <p:cond delay="0"/>
-                                  </p:stCondLst>
-                                  <p:childTnLst>
-                                    <p:set>
-                                      <p:cBhvr>
-                                        <p:cTn id="29" dur="1" fill="hold">
-                                          <p:stCondLst>
-                                            <p:cond delay="0"/>
-                                          </p:stCondLst>
-                                        </p:cTn>
-                                        <p:tgtEl>
-                                          <p:spTgt spid="8"/>
-                                        </p:tgtEl>
-                                        <p:attrNameLst>
-                                          <p:attrName>style.visibility</p:attrName>
-                                        </p:attrNameLst>
-                                      </p:cBhvr>
-                                      <p:to>
-                                        <p:strVal val="visible"/>
-                                      </p:to>
-                                    </p:set>
-                                    <p:animEffect transition="in" filter="fade">
-                                      <p:cBhvr>
-                                        <p:cTn id="30" dur="500"/>
-                                        <p:tgtEl>
-                                          <p:spTgt spid="8"/>
-                                        </p:tgtEl>
-                                      </p:cBhvr>
-                                    </p:animEffect>
-                                  </p:childTnLst>
-                                </p:cTn>
-                              </p:par>
-                            </p:childTnLst>
-                          </p:cTn>
-                        </p:par>
-                      </p:childTnLst>
-                    </p:cTn>
-                  </p:par>
-                  <p:par>
-                    <p:cTn id="31" fill="hold">
-                      <p:stCondLst>
-                        <p:cond delay="indefinite"/>
-                      </p:stCondLst>
-                      <p:childTnLst>
-                        <p:par>
-                          <p:cTn id="32" fill="hold">
-                            <p:stCondLst>
-                              <p:cond delay="0"/>
-                            </p:stCondLst>
-                            <p:childTnLst>
-                              <p:par>
-                                <p:cTn id="33" presetID="10" presetClass="entr" presetSubtype="0" fill="hold" nodeType="clickEffect">
-                                  <p:stCondLst>
-                                    <p:cond delay="0"/>
-                                  </p:stCondLst>
-                                  <p:childTnLst>
-                                    <p:set>
-                                      <p:cBhvr>
-                                        <p:cTn id="34" dur="1" fill="hold">
-                                          <p:stCondLst>
-                                            <p:cond delay="0"/>
-                                          </p:stCondLst>
-                                        </p:cTn>
-                                        <p:tgtEl>
-                                          <p:spTgt spid="5">
-                                            <p:txEl>
-                                              <p:pRg st="3" end="3"/>
-                                            </p:txEl>
-                                          </p:spTgt>
-                                        </p:tgtEl>
-                                        <p:attrNameLst>
-                                          <p:attrName>style.visibility</p:attrName>
-                                        </p:attrNameLst>
-                                      </p:cBhvr>
-                                      <p:to>
-                                        <p:strVal val="visible"/>
-                                      </p:to>
-                                    </p:set>
-                                    <p:animEffect transition="in" filter="fade">
-                                      <p:cBhvr>
-                                        <p:cTn id="35" dur="500"/>
-                                        <p:tgtEl>
-                                          <p:spTgt spid="5">
-                                            <p:txEl>
-                                              <p:pRg st="3" end="3"/>
-                                            </p:txEl>
-                                          </p:spTgt>
-                                        </p:tgtEl>
-                                      </p:cBhvr>
-                                    </p:animEffect>
-                                  </p:childTnLst>
-                                </p:cTn>
-                              </p:par>
-                              <p:par>
-                                <p:cTn id="36" presetID="10" presetClass="exit" presetSubtype="0" fill="hold" nodeType="withEffect">
-                                  <p:stCondLst>
-                                    <p:cond delay="0"/>
-                                  </p:stCondLst>
-                                  <p:childTnLst>
-                                    <p:animEffect transition="out" filter="fade">
-                                      <p:cBhvr>
-                                        <p:cTn id="37" dur="500"/>
-                                        <p:tgtEl>
-                                          <p:spTgt spid="7"/>
-                                        </p:tgtEl>
-                                      </p:cBhvr>
-                                    </p:animEffect>
-                                    <p:set>
-                                      <p:cBhvr>
-                                        <p:cTn id="38" dur="1" fill="hold">
-                                          <p:stCondLst>
-                                            <p:cond delay="499"/>
-                                          </p:stCondLst>
-                                        </p:cTn>
-                                        <p:tgtEl>
-                                          <p:spTgt spid="7"/>
-                                        </p:tgtEl>
-                                        <p:attrNameLst>
-                                          <p:attrName>style.visibility</p:attrName>
-                                        </p:attrNameLst>
-                                      </p:cBhvr>
-                                      <p:to>
-                                        <p:strVal val="hidden"/>
-                                      </p:to>
-                                    </p:set>
-                                  </p:childTnLst>
-                                </p:cTn>
-                              </p:par>
-                              <p:par>
-                                <p:cTn id="39" presetID="10" presetClass="exit" presetSubtype="0" fill="hold" nodeType="withEffect">
-                                  <p:stCondLst>
-                                    <p:cond delay="0"/>
-                                  </p:stCondLst>
-                                  <p:childTnLst>
-                                    <p:animEffect transition="out" filter="fade">
-                                      <p:cBhvr>
-                                        <p:cTn id="40" dur="500"/>
-                                        <p:tgtEl>
-                                          <p:spTgt spid="8"/>
-                                        </p:tgtEl>
-                                      </p:cBhvr>
-                                    </p:animEffect>
-                                    <p:set>
-                                      <p:cBhvr>
-                                        <p:cTn id="41" dur="1" fill="hold">
-                                          <p:stCondLst>
-                                            <p:cond delay="499"/>
-                                          </p:stCondLst>
-                                        </p:cTn>
-                                        <p:tgtEl>
-                                          <p:spTgt spid="8"/>
-                                        </p:tgtEl>
-                                        <p:attrNameLst>
-                                          <p:attrName>style.visibility</p:attrName>
-                                        </p:attrNameLst>
-                                      </p:cBhvr>
-                                      <p:to>
-                                        <p:strVal val="hidden"/>
-                                      </p:to>
-                                    </p:set>
-                                  </p:childTnLst>
-                                </p:cTn>
-                              </p:par>
-                              <p:par>
-                                <p:cTn id="42" presetID="10" presetClass="entr" presetSubtype="0" fill="hold" nodeType="withEffect">
-                                  <p:stCondLst>
-                                    <p:cond delay="0"/>
-                                  </p:stCondLst>
-                                  <p:childTnLst>
-                                    <p:set>
-                                      <p:cBhvr>
-                                        <p:cTn id="43" dur="1" fill="hold">
-                                          <p:stCondLst>
-                                            <p:cond delay="0"/>
-                                          </p:stCondLst>
-                                        </p:cTn>
-                                        <p:tgtEl>
-                                          <p:spTgt spid="5">
-                                            <p:txEl>
-                                              <p:pRg st="4" end="4"/>
-                                            </p:txEl>
-                                          </p:spTgt>
-                                        </p:tgtEl>
-                                        <p:attrNameLst>
-                                          <p:attrName>style.visibility</p:attrName>
-                                        </p:attrNameLst>
-                                      </p:cBhvr>
-                                      <p:to>
-                                        <p:strVal val="visible"/>
-                                      </p:to>
-                                    </p:set>
-                                    <p:animEffect transition="in" filter="fade">
-                                      <p:cBhvr>
-                                        <p:cTn id="44" dur="500"/>
-                                        <p:tgtEl>
-                                          <p:spTgt spid="5">
-                                            <p:txEl>
-                                              <p:pRg st="4" end="4"/>
-                                            </p:txEl>
-                                          </p:spTgt>
-                                        </p:tgtEl>
-                                      </p:cBhvr>
-                                    </p:animEffect>
-                                  </p:childTnLst>
-                                </p:cTn>
-                              </p:par>
-                            </p:childTnLst>
-                          </p:cTn>
-                        </p:par>
-                      </p:childTnLst>
-                    </p:cTn>
-                  </p:par>
-                  <p:par>
-                    <p:cTn id="45" fill="hold">
-                      <p:stCondLst>
-                        <p:cond delay="indefinite"/>
-                      </p:stCondLst>
-                      <p:childTnLst>
-                        <p:par>
-                          <p:cTn id="46" fill="hold">
-                            <p:stCondLst>
-                              <p:cond delay="0"/>
-                            </p:stCondLst>
-                            <p:childTnLst>
-                              <p:par>
-                                <p:cTn id="47" presetID="10" presetClass="entr" presetSubtype="0" fill="hold" nodeType="clickEffect">
-                                  <p:stCondLst>
-                                    <p:cond delay="0"/>
-                                  </p:stCondLst>
-                                  <p:childTnLst>
-                                    <p:set>
-                                      <p:cBhvr>
-                                        <p:cTn id="48" dur="1" fill="hold">
-                                          <p:stCondLst>
-                                            <p:cond delay="0"/>
-                                          </p:stCondLst>
-                                        </p:cTn>
-                                        <p:tgtEl>
-                                          <p:spTgt spid="9"/>
-                                        </p:tgtEl>
-                                        <p:attrNameLst>
-                                          <p:attrName>style.visibility</p:attrName>
-                                        </p:attrNameLst>
-                                      </p:cBhvr>
-                                      <p:to>
-                                        <p:strVal val="visible"/>
-                                      </p:to>
-                                    </p:set>
-                                    <p:animEffect transition="in" filter="fade">
-                                      <p:cBhvr>
-                                        <p:cTn id="49" dur="500"/>
-                                        <p:tgtEl>
-                                          <p:spTgt spid="9"/>
-                                        </p:tgtEl>
-                                      </p:cBhvr>
-                                    </p:animEffect>
-                                  </p:childTnLst>
-                                </p:cTn>
-                              </p:par>
-                            </p:childTnLst>
-                          </p:cTn>
-                        </p:par>
-                      </p:childTnLst>
-                    </p:cTn>
-                  </p:par>
-                  <p:par>
-                    <p:cTn id="50" fill="hold">
-                      <p:stCondLst>
-                        <p:cond delay="indefinite"/>
-                      </p:stCondLst>
-                      <p:childTnLst>
-                        <p:par>
-                          <p:cTn id="51" fill="hold">
-                            <p:stCondLst>
-                              <p:cond delay="0"/>
-                            </p:stCondLst>
-                            <p:childTnLst>
-                              <p:par>
-                                <p:cTn id="52" presetID="10" presetClass="entr" presetSubtype="0" fill="hold" nodeType="clickEffect">
-                                  <p:stCondLst>
-                                    <p:cond delay="0"/>
-                                  </p:stCondLst>
-                                  <p:childTnLst>
-                                    <p:set>
-                                      <p:cBhvr>
-                                        <p:cTn id="53" dur="1" fill="hold">
-                                          <p:stCondLst>
-                                            <p:cond delay="0"/>
-                                          </p:stCondLst>
-                                        </p:cTn>
-                                        <p:tgtEl>
-                                          <p:spTgt spid="10"/>
-                                        </p:tgtEl>
-                                        <p:attrNameLst>
-                                          <p:attrName>style.visibility</p:attrName>
-                                        </p:attrNameLst>
-                                      </p:cBhvr>
-                                      <p:to>
-                                        <p:strVal val="visible"/>
-                                      </p:to>
-                                    </p:set>
-                                    <p:animEffect transition="in" filter="fade">
-                                      <p:cBhvr>
-                                        <p:cTn id="54" dur="500"/>
-                                        <p:tgtEl>
-                                          <p:spTgt spid="10"/>
-                                        </p:tgtEl>
-                                      </p:cBhvr>
-                                    </p:animEffect>
-                                  </p:childTnLst>
-                                </p:cTn>
-                              </p:par>
-                            </p:childTnLst>
-                          </p:cTn>
-                        </p:par>
-                      </p:childTnLst>
-                    </p:cTn>
-                  </p:par>
-                  <p:par>
-                    <p:cTn id="55" fill="hold">
-                      <p:stCondLst>
-                        <p:cond delay="indefinite"/>
-                      </p:stCondLst>
-                      <p:childTnLst>
-                        <p:par>
-                          <p:cTn id="56" fill="hold">
-                            <p:stCondLst>
-                              <p:cond delay="0"/>
-                            </p:stCondLst>
-                            <p:childTnLst>
-                              <p:par>
-                                <p:cTn id="57" presetID="10" presetClass="entr" presetSubtype="0" fill="hold" nodeType="clickEffect">
-                                  <p:stCondLst>
-                                    <p:cond delay="0"/>
-                                  </p:stCondLst>
-                                  <p:childTnLst>
-                                    <p:set>
-                                      <p:cBhvr>
-                                        <p:cTn id="58" dur="1" fill="hold">
-                                          <p:stCondLst>
-                                            <p:cond delay="0"/>
-                                          </p:stCondLst>
-                                        </p:cTn>
-                                        <p:tgtEl>
-                                          <p:spTgt spid="5">
-                                            <p:txEl>
-                                              <p:pRg st="5" end="5"/>
-                                            </p:txEl>
-                                          </p:spTgt>
-                                        </p:tgtEl>
-                                        <p:attrNameLst>
-                                          <p:attrName>style.visibility</p:attrName>
-                                        </p:attrNameLst>
-                                      </p:cBhvr>
-                                      <p:to>
-                                        <p:strVal val="visible"/>
-                                      </p:to>
-                                    </p:set>
-                                    <p:animEffect transition="in" filter="fade">
-                                      <p:cBhvr>
-                                        <p:cTn id="59" dur="500"/>
-                                        <p:tgtEl>
-                                          <p:spTgt spid="5">
-                                            <p:txEl>
-                                              <p:pRg st="5" end="5"/>
-                                            </p:txEl>
-                                          </p:spTgt>
-                                        </p:tgtEl>
-                                      </p:cBhvr>
-                                    </p:animEffect>
-                                  </p:childTnLst>
-                                </p:cTn>
-                              </p:par>
-                              <p:par>
-                                <p:cTn id="60" presetID="10" presetClass="exit" presetSubtype="0" fill="hold" nodeType="withEffect">
-                                  <p:stCondLst>
-                                    <p:cond delay="0"/>
-                                  </p:stCondLst>
-                                  <p:childTnLst>
-                                    <p:animEffect transition="out" filter="fade">
-                                      <p:cBhvr>
-                                        <p:cTn id="61" dur="500"/>
-                                        <p:tgtEl>
-                                          <p:spTgt spid="9"/>
-                                        </p:tgtEl>
-                                      </p:cBhvr>
-                                    </p:animEffect>
-                                    <p:set>
-                                      <p:cBhvr>
-                                        <p:cTn id="62" dur="1" fill="hold">
-                                          <p:stCondLst>
-                                            <p:cond delay="499"/>
-                                          </p:stCondLst>
-                                        </p:cTn>
-                                        <p:tgtEl>
-                                          <p:spTgt spid="9"/>
-                                        </p:tgtEl>
-                                        <p:attrNameLst>
-                                          <p:attrName>style.visibility</p:attrName>
-                                        </p:attrNameLst>
-                                      </p:cBhvr>
-                                      <p:to>
-                                        <p:strVal val="hidden"/>
-                                      </p:to>
-                                    </p:set>
-                                  </p:childTnLst>
-                                </p:cTn>
-                              </p:par>
-                              <p:par>
-                                <p:cTn id="63" presetID="10" presetClass="exit" presetSubtype="0" fill="hold" nodeType="withEffect">
-                                  <p:stCondLst>
-                                    <p:cond delay="0"/>
-                                  </p:stCondLst>
-                                  <p:childTnLst>
-                                    <p:animEffect transition="out" filter="fade">
-                                      <p:cBhvr>
-                                        <p:cTn id="64" dur="500"/>
-                                        <p:tgtEl>
-                                          <p:spTgt spid="10"/>
-                                        </p:tgtEl>
-                                      </p:cBhvr>
-                                    </p:animEffect>
-                                    <p:set>
-                                      <p:cBhvr>
-                                        <p:cTn id="65" dur="1" fill="hold">
-                                          <p:stCondLst>
-                                            <p:cond delay="499"/>
-                                          </p:stCondLst>
-                                        </p:cTn>
-                                        <p:tgtEl>
-                                          <p:spTgt spid="10"/>
-                                        </p:tgtEl>
-                                        <p:attrNameLst>
-                                          <p:attrName>style.visibility</p:attrName>
-                                        </p:attrNameLst>
-                                      </p:cBhvr>
-                                      <p:to>
-                                        <p:strVal val="hidden"/>
-                                      </p:to>
-                                    </p:set>
-                                  </p:childTnLst>
-                                </p:cTn>
-                              </p:par>
-                              <p:par>
-                                <p:cTn id="66" presetID="10" presetClass="entr" presetSubtype="0" fill="hold" nodeType="withEffect">
-                                  <p:stCondLst>
-                                    <p:cond delay="0"/>
-                                  </p:stCondLst>
-                                  <p:childTnLst>
-                                    <p:set>
-                                      <p:cBhvr>
-                                        <p:cTn id="67" dur="1" fill="hold">
-                                          <p:stCondLst>
-                                            <p:cond delay="0"/>
-                                          </p:stCondLst>
-                                        </p:cTn>
-                                        <p:tgtEl>
-                                          <p:spTgt spid="5">
-                                            <p:txEl>
-                                              <p:pRg st="6" end="6"/>
-                                            </p:txEl>
-                                          </p:spTgt>
-                                        </p:tgtEl>
-                                        <p:attrNameLst>
-                                          <p:attrName>style.visibility</p:attrName>
-                                        </p:attrNameLst>
-                                      </p:cBhvr>
-                                      <p:to>
-                                        <p:strVal val="visible"/>
-                                      </p:to>
-                                    </p:set>
-                                    <p:animEffect transition="in" filter="fade">
-                                      <p:cBhvr>
-                                        <p:cTn id="68" dur="500"/>
-                                        <p:tgtEl>
-                                          <p:spTgt spid="5">
-                                            <p:txEl>
-                                              <p:pRg st="6" end="6"/>
-                                            </p:txEl>
-                                          </p:spTgt>
-                                        </p:tgtEl>
-                                      </p:cBhvr>
-                                    </p:animEffect>
-                                  </p:childTnLst>
-                                </p:cTn>
-                              </p:par>
-                            </p:childTnLst>
-                          </p:cTn>
-                        </p:par>
-                      </p:childTnLst>
-                    </p:cTn>
-                  </p:par>
-                  <p:par>
-                    <p:cTn id="69" fill="hold">
-                      <p:stCondLst>
-                        <p:cond delay="indefinite"/>
-                      </p:stCondLst>
-                      <p:childTnLst>
-                        <p:par>
-                          <p:cTn id="70" fill="hold">
-                            <p:stCondLst>
-                              <p:cond delay="0"/>
-                            </p:stCondLst>
-                            <p:childTnLst>
-                              <p:par>
-                                <p:cTn id="71" presetID="10" presetClass="entr" presetSubtype="0" fill="hold" nodeType="clickEffect">
-                                  <p:stCondLst>
-                                    <p:cond delay="0"/>
-                                  </p:stCondLst>
-                                  <p:childTnLst>
-                                    <p:set>
-                                      <p:cBhvr>
-                                        <p:cTn id="72" dur="1" fill="hold">
-                                          <p:stCondLst>
-                                            <p:cond delay="0"/>
-                                          </p:stCondLst>
-                                        </p:cTn>
-                                        <p:tgtEl>
-                                          <p:spTgt spid="5">
-                                            <p:txEl>
-                                              <p:pRg st="7" end="7"/>
-                                            </p:txEl>
-                                          </p:spTgt>
-                                        </p:tgtEl>
-                                        <p:attrNameLst>
-                                          <p:attrName>style.visibility</p:attrName>
-                                        </p:attrNameLst>
-                                      </p:cBhvr>
-                                      <p:to>
-                                        <p:strVal val="visible"/>
-                                      </p:to>
-                                    </p:set>
-                                    <p:animEffect transition="in" filter="fade">
-                                      <p:cBhvr>
-                                        <p:cTn id="73" dur="500"/>
-                                        <p:tgtEl>
-                                          <p:spTgt spid="5">
-                                            <p:txEl>
-                                              <p:pRg st="7" end="7"/>
-                                            </p:txEl>
-                                          </p:spTgt>
-                                        </p:tgtEl>
-                                      </p:cBhvr>
-                                    </p:animEffect>
-                                  </p:childTnLst>
-                                </p:cTn>
-                              </p:par>
-                              <p:par>
-                                <p:cTn id="74" presetID="10" presetClass="entr" presetSubtype="0" fill="hold" nodeType="withEffect">
-                                  <p:stCondLst>
-                                    <p:cond delay="0"/>
-                                  </p:stCondLst>
-                                  <p:childTnLst>
-                                    <p:set>
-                                      <p:cBhvr>
-                                        <p:cTn id="75" dur="1" fill="hold">
-                                          <p:stCondLst>
-                                            <p:cond delay="0"/>
-                                          </p:stCondLst>
-                                        </p:cTn>
-                                        <p:tgtEl>
-                                          <p:spTgt spid="5">
-                                            <p:txEl>
-                                              <p:pRg st="8" end="8"/>
-                                            </p:txEl>
-                                          </p:spTgt>
-                                        </p:tgtEl>
-                                        <p:attrNameLst>
-                                          <p:attrName>style.visibility</p:attrName>
-                                        </p:attrNameLst>
-                                      </p:cBhvr>
-                                      <p:to>
-                                        <p:strVal val="visible"/>
-                                      </p:to>
-                                    </p:set>
-                                    <p:animEffect transition="in" filter="fade">
-                                      <p:cBhvr>
-                                        <p:cTn id="76" dur="500"/>
-                                        <p:tgtEl>
-                                          <p:spTgt spid="5">
-                                            <p:txEl>
-                                              <p:pRg st="8" end="8"/>
-                                            </p:txEl>
-                                          </p:spTgt>
-                                        </p:tgtEl>
-                                      </p:cBhvr>
-                                    </p:animEffect>
-                                  </p:childTnLst>
-                                </p:cTn>
-                              </p:par>
-                            </p:childTnLst>
-                          </p:cTn>
-                        </p:par>
-                      </p:childTnLst>
-                    </p:cTn>
-                  </p:par>
-                  <p:par>
-                    <p:cTn id="77" fill="hold">
-                      <p:stCondLst>
-                        <p:cond delay="indefinite"/>
-                      </p:stCondLst>
-                      <p:childTnLst>
-                        <p:par>
-                          <p:cTn id="78" fill="hold">
-                            <p:stCondLst>
-                              <p:cond delay="0"/>
-                            </p:stCondLst>
-                            <p:childTnLst>
-                              <p:par>
-                                <p:cTn id="79" presetID="10" presetClass="entr" presetSubtype="0" fill="hold" nodeType="clickEffect">
-                                  <p:stCondLst>
-                                    <p:cond delay="0"/>
-                                  </p:stCondLst>
-                                  <p:childTnLst>
-                                    <p:set>
-                                      <p:cBhvr>
-                                        <p:cTn id="80" dur="1" fill="hold">
-                                          <p:stCondLst>
-                                            <p:cond delay="0"/>
-                                          </p:stCondLst>
-                                        </p:cTn>
-                                        <p:tgtEl>
-                                          <p:spTgt spid="5">
-                                            <p:txEl>
-                                              <p:pRg st="9" end="9"/>
-                                            </p:txEl>
-                                          </p:spTgt>
-                                        </p:tgtEl>
-                                        <p:attrNameLst>
-                                          <p:attrName>style.visibility</p:attrName>
-                                        </p:attrNameLst>
-                                      </p:cBhvr>
-                                      <p:to>
-                                        <p:strVal val="visible"/>
-                                      </p:to>
-                                    </p:set>
-                                    <p:animEffect transition="in" filter="fade">
-                                      <p:cBhvr>
-                                        <p:cTn id="81" dur="500"/>
-                                        <p:tgtEl>
-                                          <p:spTgt spid="5">
-                                            <p:txEl>
-                                              <p:pRg st="9" end="9"/>
-                                            </p:txEl>
-                                          </p:spTgt>
-                                        </p:tgtEl>
-                                      </p:cBhvr>
-                                    </p:animEffect>
-                                  </p:childTnLst>
-                                </p:cTn>
-                              </p:par>
-                              <p:par>
-                                <p:cTn id="82" presetID="10" presetClass="entr" presetSubtype="0" fill="hold" nodeType="withEffect">
-                                  <p:stCondLst>
-                                    <p:cond delay="0"/>
-                                  </p:stCondLst>
-                                  <p:childTnLst>
-                                    <p:set>
-                                      <p:cBhvr>
-                                        <p:cTn id="83" dur="1" fill="hold">
-                                          <p:stCondLst>
-                                            <p:cond delay="0"/>
-                                          </p:stCondLst>
-                                        </p:cTn>
-                                        <p:tgtEl>
-                                          <p:spTgt spid="5">
-                                            <p:txEl>
-                                              <p:pRg st="10" end="10"/>
-                                            </p:txEl>
-                                          </p:spTgt>
-                                        </p:tgtEl>
-                                        <p:attrNameLst>
-                                          <p:attrName>style.visibility</p:attrName>
-                                        </p:attrNameLst>
-                                      </p:cBhvr>
-                                      <p:to>
-                                        <p:strVal val="visible"/>
-                                      </p:to>
-                                    </p:set>
-                                    <p:animEffect transition="in" filter="fade">
-                                      <p:cBhvr>
-                                        <p:cTn id="84" dur="500"/>
-                                        <p:tgtEl>
-                                          <p:spTgt spid="5">
-                                            <p:txEl>
-                                              <p:pRg st="10" end="10"/>
-                                            </p:txEl>
-                                          </p:spTgt>
-                                        </p:tgtEl>
-                                      </p:cBhvr>
-                                    </p:animEffect>
-                                  </p:childTnLst>
-                                </p:cTn>
-                              </p:par>
-                            </p:childTnLst>
-                          </p:cTn>
-                        </p:par>
-                      </p:childTnLst>
-                    </p:cTn>
-                  </p:par>
-                </p:childTnLst>
-              </p:cTn>
-              <p:prevCondLst>
-                <p:cond evt="onPrev" delay="0">
-                  <p:tgtEl>
-                    <p:sldTgt/>
-                  </p:tgtEl>
-                </p:cond>
-              </p:prevCondLst>
-              <p:nextCondLst>
-                <p:cond evt="onNext" delay="0">
-                  <p:tgtEl>
-                    <p:sldTgt/>
-                  </p:tgtEl>
-                </p:cond>
-              </p:nextCondLst>
-            </p:seq>
-          </p:childTnLst>
-        </p:cTn>
+        <p:cTn id="1" dur="indefinite" restart="never" nodeType="tmRoot"/>
       </p:par>
     </p:tnLst>
-    <p:bldLst>
-      <p:bldP spid="4" grpId="0"/>
-      <p:bldP spid="11" grpId="0"/>
-    </p:bldLst>
   </p:timing>
 </p:sld>
 </file>
@@ -7791,449 +5228,257 @@
       </p:grpSpPr>
       <p:sp>
         <p:nvSpPr>
-          <p:cNvPr id="4" name="ZoneTexte 3"/>
-          <p:cNvSpPr txBox="1"/>
-          <p:nvPr/>
+          <p:cNvPr id="2" name="Titre 1"/>
+          <p:cNvSpPr>
+            <a:spLocks noGrp="1"/>
+          </p:cNvSpPr>
+          <p:nvPr>
+            <p:ph type="title"/>
+          </p:nvPr>
+        </p:nvSpPr>
+        <p:spPr/>
+        <p:txBody>
+          <a:bodyPr/>
+          <a:lstStyle/>
+          <a:p>
+            <a:r>
+              <a:rPr lang="fr-FR" dirty="0" smtClean="0"/>
+              <a:t>Modification des listes</a:t>
+            </a:r>
+            <a:endParaRPr lang="fr-FR" dirty="0"/>
+          </a:p>
+        </p:txBody>
+      </p:sp>
+      <p:sp>
+        <p:nvSpPr>
+          <p:cNvPr id="3" name="Espace réservé du contenu 2"/>
+          <p:cNvSpPr>
+            <a:spLocks noGrp="1"/>
+          </p:cNvSpPr>
+          <p:nvPr>
+            <p:ph idx="1"/>
+          </p:nvPr>
         </p:nvSpPr>
         <p:spPr>
           <a:xfrm>
-            <a:off x="1662545" y="768927"/>
-            <a:ext cx="7813964" cy="1569660"/>
+            <a:off x="457200" y="1600200"/>
+            <a:ext cx="8432800" cy="4525963"/>
           </a:xfrm>
-          <a:prstGeom prst="rect">
-            <a:avLst/>
-          </a:prstGeom>
-          <a:noFill/>
         </p:spPr>
         <p:txBody>
-          <a:bodyPr wrap="square" rtlCol="0">
-            <a:spAutoFit/>
-          </a:bodyPr>
+          <a:bodyPr/>
           <a:lstStyle/>
           <a:p>
-            <a:r>
-              <a:rPr lang="fr-FR" sz="9600" dirty="0" err="1">
-                <a:latin typeface="Calibri" panose="020F0502020204030204" pitchFamily="34" charset="0"/>
-              </a:rPr>
-              <a:t>e</a:t>
-            </a:r>
-            <a:r>
-              <a:rPr lang="fr-FR" sz="9600" dirty="0" err="1" smtClean="0">
-                <a:latin typeface="Calibri" panose="020F0502020204030204" pitchFamily="34" charset="0"/>
-              </a:rPr>
-              <a:t>gg</a:t>
-            </a:r>
-            <a:r>
-              <a:rPr lang="fr-FR" sz="9600" dirty="0" smtClean="0">
-                <a:latin typeface="Calibri" panose="020F0502020204030204" pitchFamily="34" charset="0"/>
-              </a:rPr>
-              <a:t>, bacon</a:t>
-            </a:r>
-            <a:endParaRPr lang="fr-FR" sz="9600" dirty="0">
-              <a:latin typeface="Calibri" panose="020F0502020204030204" pitchFamily="34" charset="0"/>
-            </a:endParaRPr>
-          </a:p>
-        </p:txBody>
-      </p:sp>
-      <p:sp>
-        <p:nvSpPr>
-          <p:cNvPr id="5" name="ZoneTexte 4"/>
-          <p:cNvSpPr txBox="1"/>
-          <p:nvPr/>
-        </p:nvSpPr>
-        <p:spPr>
-          <a:xfrm>
-            <a:off x="0" y="2661337"/>
-            <a:ext cx="8541327" cy="3785652"/>
-          </a:xfrm>
-          <a:prstGeom prst="rect">
-            <a:avLst/>
-          </a:prstGeom>
-          <a:noFill/>
-        </p:spPr>
-        <p:txBody>
-          <a:bodyPr wrap="square" rtlCol="0">
-            <a:spAutoFit/>
-          </a:bodyPr>
-          <a:lstStyle/>
-          <a:p>
-            <a:r>
-              <a:rPr lang="fr-FR" dirty="0" smtClean="0">
-                <a:latin typeface="Courier New" panose="02070309020205020404" pitchFamily="49" charset="0"/>
-                <a:cs typeface="Courier New" panose="02070309020205020404" pitchFamily="49" charset="0"/>
-              </a:rPr>
-              <a:t>&gt;&gt;&gt; s </a:t>
-            </a:r>
-            <a:r>
-              <a:rPr lang="fr-FR" dirty="0">
-                <a:latin typeface="Courier New" panose="02070309020205020404" pitchFamily="49" charset="0"/>
-                <a:cs typeface="Courier New" panose="02070309020205020404" pitchFamily="49" charset="0"/>
-              </a:rPr>
-              <a:t>= '</a:t>
-            </a:r>
-            <a:r>
-              <a:rPr lang="fr-FR" dirty="0" err="1">
-                <a:latin typeface="Courier New" panose="02070309020205020404" pitchFamily="49" charset="0"/>
-                <a:cs typeface="Courier New" panose="02070309020205020404" pitchFamily="49" charset="0"/>
-              </a:rPr>
-              <a:t>egg</a:t>
-            </a:r>
-            <a:r>
-              <a:rPr lang="fr-FR" dirty="0">
-                <a:latin typeface="Courier New" panose="02070309020205020404" pitchFamily="49" charset="0"/>
-                <a:cs typeface="Courier New" panose="02070309020205020404" pitchFamily="49" charset="0"/>
-              </a:rPr>
-              <a:t>, bacon' </a:t>
-            </a:r>
-            <a:endParaRPr lang="fr-FR" dirty="0" smtClean="0">
-              <a:latin typeface="Courier New" panose="02070309020205020404" pitchFamily="49" charset="0"/>
-              <a:cs typeface="Courier New" panose="02070309020205020404" pitchFamily="49" charset="0"/>
-            </a:endParaRPr>
-          </a:p>
-          <a:p>
-            <a:r>
-              <a:rPr lang="fr-FR" dirty="0" smtClean="0">
-                <a:latin typeface="Courier New" panose="02070309020205020404" pitchFamily="49" charset="0"/>
-                <a:cs typeface="Courier New" panose="02070309020205020404" pitchFamily="49" charset="0"/>
-              </a:rPr>
-              <a:t>&gt;&gt;&gt; s[0:10:2]</a:t>
-            </a:r>
-          </a:p>
-          <a:p>
-            <a:r>
-              <a:rPr lang="fr-FR" dirty="0">
-                <a:latin typeface="Courier New" panose="02070309020205020404" pitchFamily="49" charset="0"/>
-                <a:cs typeface="Courier New" panose="02070309020205020404" pitchFamily="49" charset="0"/>
-              </a:rPr>
-              <a:t>'</a:t>
-            </a:r>
-            <a:r>
-              <a:rPr lang="fr-FR" dirty="0" err="1">
-                <a:latin typeface="Courier New" panose="02070309020205020404" pitchFamily="49" charset="0"/>
-                <a:cs typeface="Courier New" panose="02070309020205020404" pitchFamily="49" charset="0"/>
-              </a:rPr>
-              <a:t>eg</a:t>
-            </a:r>
-            <a:r>
-              <a:rPr lang="fr-FR" dirty="0">
-                <a:latin typeface="Courier New" panose="02070309020205020404" pitchFamily="49" charset="0"/>
-                <a:cs typeface="Courier New" panose="02070309020205020404" pitchFamily="49" charset="0"/>
-              </a:rPr>
-              <a:t> </a:t>
-            </a:r>
-            <a:r>
-              <a:rPr lang="fr-FR" dirty="0" err="1" smtClean="0">
-                <a:latin typeface="Courier New" panose="02070309020205020404" pitchFamily="49" charset="0"/>
-                <a:cs typeface="Courier New" panose="02070309020205020404" pitchFamily="49" charset="0"/>
-              </a:rPr>
-              <a:t>ao</a:t>
-            </a:r>
-            <a:r>
-              <a:rPr lang="fr-FR" dirty="0" smtClean="0">
-                <a:latin typeface="Courier New" panose="02070309020205020404" pitchFamily="49" charset="0"/>
-                <a:cs typeface="Courier New" panose="02070309020205020404" pitchFamily="49" charset="0"/>
-              </a:rPr>
-              <a:t>'</a:t>
-            </a:r>
-          </a:p>
-          <a:p>
-            <a:r>
-              <a:rPr lang="fr-FR" dirty="0" smtClean="0">
-                <a:latin typeface="Courier New" panose="02070309020205020404" pitchFamily="49" charset="0"/>
-                <a:cs typeface="Courier New" panose="02070309020205020404" pitchFamily="49" charset="0"/>
-              </a:rPr>
-              <a:t>&gt;&gt;&gt; s[::2]</a:t>
-            </a:r>
-          </a:p>
-          <a:p>
-            <a:r>
-              <a:rPr lang="fr-FR" dirty="0">
-                <a:latin typeface="Courier New" panose="02070309020205020404" pitchFamily="49" charset="0"/>
-                <a:cs typeface="Courier New" panose="02070309020205020404" pitchFamily="49" charset="0"/>
-              </a:rPr>
-              <a:t>'</a:t>
-            </a:r>
-            <a:r>
-              <a:rPr lang="fr-FR" dirty="0" err="1">
-                <a:latin typeface="Courier New" panose="02070309020205020404" pitchFamily="49" charset="0"/>
-                <a:cs typeface="Courier New" panose="02070309020205020404" pitchFamily="49" charset="0"/>
-              </a:rPr>
-              <a:t>eg</a:t>
-            </a:r>
-            <a:r>
-              <a:rPr lang="fr-FR" dirty="0">
-                <a:latin typeface="Courier New" panose="02070309020205020404" pitchFamily="49" charset="0"/>
-                <a:cs typeface="Courier New" panose="02070309020205020404" pitchFamily="49" charset="0"/>
-              </a:rPr>
-              <a:t> </a:t>
-            </a:r>
-            <a:r>
-              <a:rPr lang="fr-FR" dirty="0" err="1">
-                <a:latin typeface="Courier New" panose="02070309020205020404" pitchFamily="49" charset="0"/>
-                <a:cs typeface="Courier New" panose="02070309020205020404" pitchFamily="49" charset="0"/>
-              </a:rPr>
-              <a:t>ao</a:t>
-            </a:r>
-            <a:r>
-              <a:rPr lang="fr-FR" dirty="0">
-                <a:latin typeface="Courier New" panose="02070309020205020404" pitchFamily="49" charset="0"/>
-                <a:cs typeface="Courier New" panose="02070309020205020404" pitchFamily="49" charset="0"/>
-              </a:rPr>
-              <a:t>'</a:t>
-            </a:r>
-          </a:p>
-          <a:p>
-            <a:r>
-              <a:rPr lang="fr-FR" dirty="0" smtClean="0">
-                <a:latin typeface="Courier New" panose="02070309020205020404" pitchFamily="49" charset="0"/>
-                <a:cs typeface="Courier New" panose="02070309020205020404" pitchFamily="49" charset="0"/>
-              </a:rPr>
-              <a:t>&gt;&gt;&gt; s[:8:3]</a:t>
-            </a:r>
-          </a:p>
-          <a:p>
-            <a:r>
-              <a:rPr lang="fr-FR" dirty="0" smtClean="0">
-                <a:latin typeface="Courier New" panose="02070309020205020404" pitchFamily="49" charset="0"/>
-                <a:cs typeface="Courier New" panose="02070309020205020404" pitchFamily="49" charset="0"/>
-              </a:rPr>
-              <a:t>'</a:t>
-            </a:r>
-            <a:r>
-              <a:rPr lang="fr-FR" dirty="0" err="1" smtClean="0">
-                <a:latin typeface="Courier New" panose="02070309020205020404" pitchFamily="49" charset="0"/>
-                <a:cs typeface="Courier New" panose="02070309020205020404" pitchFamily="49" charset="0"/>
-              </a:rPr>
-              <a:t>e,a</a:t>
-            </a:r>
-            <a:r>
-              <a:rPr lang="fr-FR" dirty="0" smtClean="0">
-                <a:latin typeface="Courier New" panose="02070309020205020404" pitchFamily="49" charset="0"/>
-                <a:cs typeface="Courier New" panose="02070309020205020404" pitchFamily="49" charset="0"/>
-              </a:rPr>
-              <a:t>'</a:t>
-            </a:r>
-          </a:p>
-          <a:p>
-            <a:r>
-              <a:rPr lang="fr-FR" dirty="0">
-                <a:latin typeface="Courier New" panose="02070309020205020404" pitchFamily="49" charset="0"/>
-                <a:cs typeface="Courier New" panose="02070309020205020404" pitchFamily="49" charset="0"/>
-              </a:rPr>
-              <a:t>&gt;&gt;&gt; </a:t>
-            </a:r>
-            <a:r>
-              <a:rPr lang="fr-FR" dirty="0" smtClean="0">
-                <a:latin typeface="Courier New" panose="02070309020205020404" pitchFamily="49" charset="0"/>
-                <a:cs typeface="Courier New" panose="02070309020205020404" pitchFamily="49" charset="0"/>
-              </a:rPr>
-              <a:t>s[2::3]</a:t>
-            </a:r>
-          </a:p>
-          <a:p>
-            <a:r>
-              <a:rPr lang="fr-FR" dirty="0" smtClean="0">
-                <a:latin typeface="Courier New" panose="02070309020205020404" pitchFamily="49" charset="0"/>
-                <a:cs typeface="Courier New" panose="02070309020205020404" pitchFamily="49" charset="0"/>
-              </a:rPr>
-              <a:t>'</a:t>
-            </a:r>
-            <a:r>
-              <a:rPr lang="fr-FR" dirty="0" err="1" smtClean="0">
-                <a:latin typeface="Courier New" panose="02070309020205020404" pitchFamily="49" charset="0"/>
-                <a:cs typeface="Courier New" panose="02070309020205020404" pitchFamily="49" charset="0"/>
-              </a:rPr>
-              <a:t>gbo</a:t>
-            </a:r>
-            <a:r>
-              <a:rPr lang="fr-FR" dirty="0" smtClean="0">
-                <a:latin typeface="Courier New" panose="02070309020205020404" pitchFamily="49" charset="0"/>
-                <a:cs typeface="Courier New" panose="02070309020205020404" pitchFamily="49" charset="0"/>
-              </a:rPr>
-              <a:t>'</a:t>
-            </a:r>
-          </a:p>
-          <a:p>
-            <a:endParaRPr lang="fr-FR" dirty="0">
-              <a:latin typeface="Courier New" panose="02070309020205020404" pitchFamily="49" charset="0"/>
-              <a:cs typeface="Courier New" panose="02070309020205020404" pitchFamily="49" charset="0"/>
-            </a:endParaRPr>
-          </a:p>
-        </p:txBody>
-      </p:sp>
-      <p:cxnSp>
-        <p:nvCxnSpPr>
-          <p:cNvPr id="11" name="Connecteur droit avec flèche 10"/>
-          <p:cNvCxnSpPr/>
-          <p:nvPr/>
-        </p:nvCxnSpPr>
-        <p:spPr bwMode="auto">
-          <a:xfrm>
-            <a:off x="1995055" y="290945"/>
-            <a:ext cx="0" cy="872837"/>
-          </a:xfrm>
-          <a:prstGeom prst="straightConnector1">
-            <a:avLst/>
-          </a:prstGeom>
-          <a:noFill/>
-          <a:ln w="73025" cap="flat" cmpd="sng" algn="ctr">
-            <a:solidFill>
-              <a:schemeClr val="tx1"/>
-            </a:solidFill>
-            <a:prstDash val="solid"/>
-            <a:round/>
-            <a:headEnd type="none" w="med" len="med"/>
-            <a:tailEnd type="triangle" w="med" len="med"/>
-          </a:ln>
-          <a:effectLst/>
-        </p:spPr>
-      </p:cxnSp>
-      <p:cxnSp>
-        <p:nvCxnSpPr>
-          <p:cNvPr id="12" name="Connecteur droit avec flèche 11"/>
-          <p:cNvCxnSpPr/>
-          <p:nvPr/>
-        </p:nvCxnSpPr>
-        <p:spPr bwMode="auto">
-          <a:xfrm>
-            <a:off x="3228110" y="290945"/>
-            <a:ext cx="0" cy="872837"/>
-          </a:xfrm>
-          <a:prstGeom prst="straightConnector1">
-            <a:avLst/>
-          </a:prstGeom>
-          <a:noFill/>
-          <a:ln w="73025" cap="flat" cmpd="sng" algn="ctr">
-            <a:solidFill>
-              <a:schemeClr val="tx1"/>
-            </a:solidFill>
-            <a:prstDash val="solid"/>
-            <a:round/>
-            <a:headEnd type="none" w="med" len="med"/>
-            <a:tailEnd type="triangle" w="med" len="med"/>
-          </a:ln>
-          <a:effectLst/>
-        </p:spPr>
-      </p:cxnSp>
-      <p:cxnSp>
-        <p:nvCxnSpPr>
-          <p:cNvPr id="13" name="Connecteur droit avec flèche 12"/>
-          <p:cNvCxnSpPr/>
-          <p:nvPr/>
-        </p:nvCxnSpPr>
-        <p:spPr bwMode="auto">
-          <a:xfrm>
-            <a:off x="3955473" y="290945"/>
-            <a:ext cx="0" cy="872837"/>
-          </a:xfrm>
-          <a:prstGeom prst="straightConnector1">
-            <a:avLst/>
-          </a:prstGeom>
-          <a:noFill/>
-          <a:ln w="73025" cap="flat" cmpd="sng" algn="ctr">
-            <a:solidFill>
-              <a:schemeClr val="tx1"/>
-            </a:solidFill>
-            <a:prstDash val="solid"/>
-            <a:round/>
-            <a:headEnd type="none" w="med" len="med"/>
-            <a:tailEnd type="triangle" w="med" len="med"/>
-          </a:ln>
-          <a:effectLst/>
-        </p:spPr>
-      </p:cxnSp>
-      <p:cxnSp>
-        <p:nvCxnSpPr>
-          <p:cNvPr id="14" name="Connecteur droit avec flèche 13"/>
-          <p:cNvCxnSpPr/>
-          <p:nvPr/>
-        </p:nvCxnSpPr>
-        <p:spPr bwMode="auto">
-          <a:xfrm>
-            <a:off x="4980709" y="290945"/>
-            <a:ext cx="0" cy="872837"/>
-          </a:xfrm>
-          <a:prstGeom prst="straightConnector1">
-            <a:avLst/>
-          </a:prstGeom>
-          <a:noFill/>
-          <a:ln w="73025" cap="flat" cmpd="sng" algn="ctr">
-            <a:solidFill>
-              <a:schemeClr val="tx1"/>
-            </a:solidFill>
-            <a:prstDash val="solid"/>
-            <a:round/>
-            <a:headEnd type="none" w="med" len="med"/>
-            <a:tailEnd type="triangle" w="med" len="med"/>
-          </a:ln>
-          <a:effectLst/>
-        </p:spPr>
-      </p:cxnSp>
-      <p:cxnSp>
-        <p:nvCxnSpPr>
-          <p:cNvPr id="15" name="Connecteur droit avec flèche 14"/>
-          <p:cNvCxnSpPr/>
-          <p:nvPr/>
-        </p:nvCxnSpPr>
-        <p:spPr bwMode="auto">
-          <a:xfrm>
-            <a:off x="6130637" y="290945"/>
-            <a:ext cx="0" cy="872837"/>
-          </a:xfrm>
-          <a:prstGeom prst="straightConnector1">
-            <a:avLst/>
-          </a:prstGeom>
-          <a:noFill/>
-          <a:ln w="73025" cap="flat" cmpd="sng" algn="ctr">
-            <a:solidFill>
-              <a:schemeClr val="tx1"/>
-            </a:solidFill>
-            <a:prstDash val="solid"/>
-            <a:round/>
-            <a:headEnd type="none" w="med" len="med"/>
-            <a:tailEnd type="triangle" w="med" len="med"/>
-          </a:ln>
-          <a:effectLst/>
-        </p:spPr>
-      </p:cxnSp>
-      <p:sp>
-        <p:nvSpPr>
-          <p:cNvPr id="16" name="ZoneTexte 15"/>
-          <p:cNvSpPr txBox="1"/>
-          <p:nvPr/>
-        </p:nvSpPr>
-        <p:spPr>
-          <a:xfrm>
-            <a:off x="1662545" y="2199672"/>
-            <a:ext cx="6858000" cy="461665"/>
-          </a:xfrm>
-          <a:prstGeom prst="rect">
-            <a:avLst/>
-          </a:prstGeom>
-          <a:noFill/>
-        </p:spPr>
-        <p:txBody>
-          <a:bodyPr wrap="square" rtlCol="0">
-            <a:spAutoFit/>
-          </a:bodyPr>
-          <a:lstStyle/>
-          <a:p>
-            <a:r>
-              <a:rPr lang="fr-FR" dirty="0" smtClean="0">
-                <a:latin typeface="Calibri" panose="020F0502020204030204" pitchFamily="34" charset="0"/>
-              </a:rPr>
-              <a:t>  0        1      2    3   4     5      6      7      8       9        </a:t>
-            </a:r>
-            <a:endParaRPr lang="fr-FR" dirty="0">
-              <a:latin typeface="Calibri" panose="020F0502020204030204" pitchFamily="34" charset="0"/>
-            </a:endParaRPr>
+            <a:pPr marL="0" lvl="0" indent="0">
+              <a:buNone/>
+            </a:pPr>
+            <a:r>
+              <a:rPr lang="fr-FR" sz="2000" dirty="0" smtClean="0">
+                <a:solidFill>
+                  <a:srgbClr val="000000"/>
+                </a:solidFill>
+                <a:latin typeface="Courier New" pitchFamily="49" charset="0"/>
+                <a:cs typeface="Courier New" pitchFamily="49" charset="0"/>
+              </a:rPr>
+              <a:t>&gt;&gt;&gt; L[2:]=[6,7,8,'alice']</a:t>
+            </a:r>
+          </a:p>
+          <a:p>
+            <a:pPr marL="0" lvl="0" indent="0">
+              <a:buNone/>
+            </a:pPr>
+            <a:r>
+              <a:rPr lang="fr-FR" sz="2000" dirty="0" smtClean="0">
+                <a:solidFill>
+                  <a:srgbClr val="000000"/>
+                </a:solidFill>
+                <a:latin typeface="Courier New" pitchFamily="49" charset="0"/>
+                <a:cs typeface="Courier New" pitchFamily="49" charset="0"/>
+              </a:rPr>
+              <a:t>&gt;&gt;&gt; L</a:t>
+            </a:r>
+          </a:p>
+          <a:p>
+            <a:pPr marL="0" lvl="0" indent="0">
+              <a:buNone/>
+            </a:pPr>
+            <a:r>
+              <a:rPr lang="fr-FR" sz="2000" dirty="0" smtClean="0">
+                <a:solidFill>
+                  <a:srgbClr val="000000"/>
+                </a:solidFill>
+                <a:latin typeface="Courier New" pitchFamily="49" charset="0"/>
+                <a:cs typeface="Courier New" pitchFamily="49" charset="0"/>
+              </a:rPr>
+              <a:t>[4, 'bob', 6, 7, 8, '</a:t>
+            </a:r>
+            <a:r>
+              <a:rPr lang="fr-FR" sz="2000" dirty="0" err="1" smtClean="0">
+                <a:solidFill>
+                  <a:srgbClr val="000000"/>
+                </a:solidFill>
+                <a:latin typeface="Courier New" pitchFamily="49" charset="0"/>
+                <a:cs typeface="Courier New" pitchFamily="49" charset="0"/>
+              </a:rPr>
+              <a:t>alice</a:t>
+            </a:r>
+            <a:r>
+              <a:rPr lang="fr-FR" sz="2000" dirty="0" smtClean="0">
+                <a:solidFill>
+                  <a:srgbClr val="000000"/>
+                </a:solidFill>
+                <a:latin typeface="Courier New" pitchFamily="49" charset="0"/>
+                <a:cs typeface="Courier New" pitchFamily="49" charset="0"/>
+              </a:rPr>
+              <a:t>']</a:t>
+            </a:r>
+          </a:p>
+          <a:p>
+            <a:pPr marL="0" lvl="0" indent="0">
+              <a:buNone/>
+            </a:pPr>
+            <a:r>
+              <a:rPr lang="fr-FR" sz="2000" dirty="0" smtClean="0">
+                <a:solidFill>
+                  <a:srgbClr val="000000"/>
+                </a:solidFill>
+                <a:latin typeface="Courier New" pitchFamily="49" charset="0"/>
+                <a:cs typeface="Courier New" pitchFamily="49" charset="0"/>
+              </a:rPr>
+              <a:t>&gt;&gt;&gt; L[1:4]=[]</a:t>
+            </a:r>
+          </a:p>
+          <a:p>
+            <a:pPr marL="0" lvl="0" indent="0">
+              <a:buNone/>
+            </a:pPr>
+            <a:r>
+              <a:rPr lang="fr-FR" sz="2000" dirty="0" smtClean="0">
+                <a:solidFill>
+                  <a:srgbClr val="000000"/>
+                </a:solidFill>
+                <a:latin typeface="Courier New" pitchFamily="49" charset="0"/>
+                <a:cs typeface="Courier New" pitchFamily="49" charset="0"/>
+              </a:rPr>
+              <a:t>&gt;&gt;&gt; L</a:t>
+            </a:r>
+          </a:p>
+          <a:p>
+            <a:pPr marL="0" lvl="0" indent="0">
+              <a:buNone/>
+            </a:pPr>
+            <a:r>
+              <a:rPr lang="fr-FR" sz="2000" dirty="0" smtClean="0">
+                <a:solidFill>
+                  <a:srgbClr val="000000"/>
+                </a:solidFill>
+                <a:latin typeface="Courier New" pitchFamily="49" charset="0"/>
+                <a:cs typeface="Courier New" pitchFamily="49" charset="0"/>
+              </a:rPr>
+              <a:t>[4, 8, '</a:t>
+            </a:r>
+            <a:r>
+              <a:rPr lang="fr-FR" sz="2000" dirty="0" err="1" smtClean="0">
+                <a:solidFill>
+                  <a:srgbClr val="000000"/>
+                </a:solidFill>
+                <a:latin typeface="Courier New" pitchFamily="49" charset="0"/>
+                <a:cs typeface="Courier New" pitchFamily="49" charset="0"/>
+              </a:rPr>
+              <a:t>alice</a:t>
+            </a:r>
+            <a:r>
+              <a:rPr lang="fr-FR" sz="2000" dirty="0" smtClean="0">
+                <a:solidFill>
+                  <a:srgbClr val="000000"/>
+                </a:solidFill>
+                <a:latin typeface="Courier New" pitchFamily="49" charset="0"/>
+                <a:cs typeface="Courier New" pitchFamily="49" charset="0"/>
+              </a:rPr>
+              <a:t>']</a:t>
+            </a:r>
+          </a:p>
+          <a:p>
+            <a:r>
+              <a:rPr lang="fr-FR" sz="2400" dirty="0" smtClean="0">
+                <a:solidFill>
+                  <a:srgbClr val="FF0000"/>
+                </a:solidFill>
+                <a:cs typeface="Courier New" pitchFamily="49" charset="0"/>
+              </a:rPr>
+              <a:t>Attention</a:t>
+            </a:r>
+          </a:p>
+          <a:p>
+            <a:pPr lvl="1"/>
+            <a:r>
+              <a:rPr lang="fr-FR" sz="2000" dirty="0" smtClean="0">
+                <a:solidFill>
+                  <a:srgbClr val="000000"/>
+                </a:solidFill>
+                <a:latin typeface="Courier New" pitchFamily="49" charset="0"/>
+                <a:cs typeface="Courier New" pitchFamily="49" charset="0"/>
+              </a:rPr>
+              <a:t>L[i] = L2 </a:t>
+            </a:r>
+            <a:r>
+              <a:rPr lang="fr-FR" sz="2000" dirty="0" smtClean="0">
+                <a:solidFill>
+                  <a:srgbClr val="000000"/>
+                </a:solidFill>
+                <a:cs typeface="Courier New" pitchFamily="49" charset="0"/>
+              </a:rPr>
+              <a:t>insère la liste L2 à la place de l’élément i de L</a:t>
+            </a:r>
+          </a:p>
+          <a:p>
+            <a:pPr lvl="1"/>
+            <a:r>
+              <a:rPr lang="fr-FR" sz="2000" dirty="0" smtClean="0">
+                <a:solidFill>
+                  <a:srgbClr val="000000"/>
+                </a:solidFill>
+                <a:latin typeface="Courier New" pitchFamily="49" charset="0"/>
+                <a:cs typeface="Courier New" pitchFamily="49" charset="0"/>
+              </a:rPr>
+              <a:t>L[</a:t>
+            </a:r>
+            <a:r>
+              <a:rPr lang="fr-FR" sz="2000" dirty="0" err="1" smtClean="0">
+                <a:solidFill>
+                  <a:srgbClr val="000000"/>
+                </a:solidFill>
+                <a:latin typeface="Courier New" pitchFamily="49" charset="0"/>
+                <a:cs typeface="Courier New" pitchFamily="49" charset="0"/>
+              </a:rPr>
+              <a:t>i:j</a:t>
+            </a:r>
+            <a:r>
+              <a:rPr lang="fr-FR" sz="2000" dirty="0" smtClean="0">
+                <a:solidFill>
+                  <a:srgbClr val="000000"/>
+                </a:solidFill>
+                <a:latin typeface="Courier New" pitchFamily="49" charset="0"/>
+                <a:cs typeface="Courier New" pitchFamily="49" charset="0"/>
+              </a:rPr>
+              <a:t>] = L2 </a:t>
+            </a:r>
+            <a:r>
+              <a:rPr lang="fr-FR" sz="2000" dirty="0" smtClean="0">
+                <a:solidFill>
+                  <a:srgbClr val="000000"/>
+                </a:solidFill>
+                <a:cs typeface="Courier New" pitchFamily="49" charset="0"/>
+              </a:rPr>
+              <a:t>insère tous les éléments de la liste L2 à la position i après avoir supprimé les éléments i jusqu’à j-1 dans L</a:t>
+            </a:r>
           </a:p>
         </p:txBody>
       </p:sp>
     </p:spTree>
     <p:extLst>
       <p:ext uri="{BB962C8B-B14F-4D97-AF65-F5344CB8AC3E}">
-        <p14:creationId xmlns:p14="http://schemas.microsoft.com/office/powerpoint/2010/main" val="2178984542"/>
+        <p14:creationId xmlns:p14="http://schemas.microsoft.com/office/powerpoint/2010/main" val="3834541014"/>
       </p:ext>
     </p:extLst>
   </p:cSld>
@@ -8243,772 +5488,9 @@
   <p:timing>
     <p:tnLst>
       <p:par>
-        <p:cTn id="1" dur="indefinite" restart="never" nodeType="tmRoot">
-          <p:childTnLst>
-            <p:seq concurrent="1" nextAc="seek">
-              <p:cTn id="2" dur="indefinite" nodeType="mainSeq">
-                <p:childTnLst>
-                  <p:par>
-                    <p:cTn id="3" fill="hold">
-                      <p:stCondLst>
-                        <p:cond delay="indefinite"/>
-                      </p:stCondLst>
-                      <p:childTnLst>
-                        <p:par>
-                          <p:cTn id="4" fill="hold">
-                            <p:stCondLst>
-                              <p:cond delay="0"/>
-                            </p:stCondLst>
-                            <p:childTnLst>
-                              <p:par>
-                                <p:cTn id="5" presetID="10" presetClass="entr" presetSubtype="0" fill="hold" nodeType="clickEffect">
-                                  <p:stCondLst>
-                                    <p:cond delay="0"/>
-                                  </p:stCondLst>
-                                  <p:childTnLst>
-                                    <p:set>
-                                      <p:cBhvr>
-                                        <p:cTn id="6" dur="1" fill="hold">
-                                          <p:stCondLst>
-                                            <p:cond delay="0"/>
-                                          </p:stCondLst>
-                                        </p:cTn>
-                                        <p:tgtEl>
-                                          <p:spTgt spid="5">
-                                            <p:txEl>
-                                              <p:pRg st="0" end="0"/>
-                                            </p:txEl>
-                                          </p:spTgt>
-                                        </p:tgtEl>
-                                        <p:attrNameLst>
-                                          <p:attrName>style.visibility</p:attrName>
-                                        </p:attrNameLst>
-                                      </p:cBhvr>
-                                      <p:to>
-                                        <p:strVal val="visible"/>
-                                      </p:to>
-                                    </p:set>
-                                    <p:animEffect transition="in" filter="fade">
-                                      <p:cBhvr>
-                                        <p:cTn id="7" dur="500"/>
-                                        <p:tgtEl>
-                                          <p:spTgt spid="5">
-                                            <p:txEl>
-                                              <p:pRg st="0" end="0"/>
-                                            </p:txEl>
-                                          </p:spTgt>
-                                        </p:tgtEl>
-                                      </p:cBhvr>
-                                    </p:animEffect>
-                                  </p:childTnLst>
-                                </p:cTn>
-                              </p:par>
-                              <p:par>
-                                <p:cTn id="8" presetID="10" presetClass="entr" presetSubtype="0" fill="hold" grpId="0" nodeType="withEffect">
-                                  <p:stCondLst>
-                                    <p:cond delay="0"/>
-                                  </p:stCondLst>
-                                  <p:childTnLst>
-                                    <p:set>
-                                      <p:cBhvr>
-                                        <p:cTn id="9" dur="1" fill="hold">
-                                          <p:stCondLst>
-                                            <p:cond delay="0"/>
-                                          </p:stCondLst>
-                                        </p:cTn>
-                                        <p:tgtEl>
-                                          <p:spTgt spid="4"/>
-                                        </p:tgtEl>
-                                        <p:attrNameLst>
-                                          <p:attrName>style.visibility</p:attrName>
-                                        </p:attrNameLst>
-                                      </p:cBhvr>
-                                      <p:to>
-                                        <p:strVal val="visible"/>
-                                      </p:to>
-                                    </p:set>
-                                    <p:animEffect transition="in" filter="fade">
-                                      <p:cBhvr>
-                                        <p:cTn id="10" dur="500"/>
-                                        <p:tgtEl>
-                                          <p:spTgt spid="4"/>
-                                        </p:tgtEl>
-                                      </p:cBhvr>
-                                    </p:animEffect>
-                                  </p:childTnLst>
-                                </p:cTn>
-                              </p:par>
-                              <p:par>
-                                <p:cTn id="11" presetID="1" presetClass="entr" presetSubtype="0" fill="hold" grpId="0" nodeType="withEffect">
-                                  <p:stCondLst>
-                                    <p:cond delay="0"/>
-                                  </p:stCondLst>
-                                  <p:childTnLst>
-                                    <p:set>
-                                      <p:cBhvr>
-                                        <p:cTn id="12" dur="1" fill="hold">
-                                          <p:stCondLst>
-                                            <p:cond delay="0"/>
-                                          </p:stCondLst>
-                                        </p:cTn>
-                                        <p:tgtEl>
-                                          <p:spTgt spid="16"/>
-                                        </p:tgtEl>
-                                        <p:attrNameLst>
-                                          <p:attrName>style.visibility</p:attrName>
-                                        </p:attrNameLst>
-                                      </p:cBhvr>
-                                      <p:to>
-                                        <p:strVal val="visible"/>
-                                      </p:to>
-                                    </p:set>
-                                  </p:childTnLst>
-                                </p:cTn>
-                              </p:par>
-                            </p:childTnLst>
-                          </p:cTn>
-                        </p:par>
-                      </p:childTnLst>
-                    </p:cTn>
-                  </p:par>
-                  <p:par>
-                    <p:cTn id="13" fill="hold">
-                      <p:stCondLst>
-                        <p:cond delay="indefinite"/>
-                      </p:stCondLst>
-                      <p:childTnLst>
-                        <p:par>
-                          <p:cTn id="14" fill="hold">
-                            <p:stCondLst>
-                              <p:cond delay="0"/>
-                            </p:stCondLst>
-                            <p:childTnLst>
-                              <p:par>
-                                <p:cTn id="15" presetID="10" presetClass="entr" presetSubtype="0" fill="hold" nodeType="clickEffect">
-                                  <p:stCondLst>
-                                    <p:cond delay="0"/>
-                                  </p:stCondLst>
-                                  <p:childTnLst>
-                                    <p:set>
-                                      <p:cBhvr>
-                                        <p:cTn id="16" dur="1" fill="hold">
-                                          <p:stCondLst>
-                                            <p:cond delay="0"/>
-                                          </p:stCondLst>
-                                        </p:cTn>
-                                        <p:tgtEl>
-                                          <p:spTgt spid="5">
-                                            <p:txEl>
-                                              <p:pRg st="1" end="1"/>
-                                            </p:txEl>
-                                          </p:spTgt>
-                                        </p:tgtEl>
-                                        <p:attrNameLst>
-                                          <p:attrName>style.visibility</p:attrName>
-                                        </p:attrNameLst>
-                                      </p:cBhvr>
-                                      <p:to>
-                                        <p:strVal val="visible"/>
-                                      </p:to>
-                                    </p:set>
-                                    <p:animEffect transition="in" filter="fade">
-                                      <p:cBhvr>
-                                        <p:cTn id="17" dur="500"/>
-                                        <p:tgtEl>
-                                          <p:spTgt spid="5">
-                                            <p:txEl>
-                                              <p:pRg st="1" end="1"/>
-                                            </p:txEl>
-                                          </p:spTgt>
-                                        </p:tgtEl>
-                                      </p:cBhvr>
-                                    </p:animEffect>
-                                  </p:childTnLst>
-                                </p:cTn>
-                              </p:par>
-                              <p:par>
-                                <p:cTn id="18" presetID="10" presetClass="entr" presetSubtype="0" fill="hold" nodeType="withEffect">
-                                  <p:stCondLst>
-                                    <p:cond delay="0"/>
-                                  </p:stCondLst>
-                                  <p:childTnLst>
-                                    <p:set>
-                                      <p:cBhvr>
-                                        <p:cTn id="19" dur="1" fill="hold">
-                                          <p:stCondLst>
-                                            <p:cond delay="0"/>
-                                          </p:stCondLst>
-                                        </p:cTn>
-                                        <p:tgtEl>
-                                          <p:spTgt spid="5">
-                                            <p:txEl>
-                                              <p:pRg st="2" end="2"/>
-                                            </p:txEl>
-                                          </p:spTgt>
-                                        </p:tgtEl>
-                                        <p:attrNameLst>
-                                          <p:attrName>style.visibility</p:attrName>
-                                        </p:attrNameLst>
-                                      </p:cBhvr>
-                                      <p:to>
-                                        <p:strVal val="visible"/>
-                                      </p:to>
-                                    </p:set>
-                                    <p:animEffect transition="in" filter="fade">
-                                      <p:cBhvr>
-                                        <p:cTn id="20" dur="500"/>
-                                        <p:tgtEl>
-                                          <p:spTgt spid="5">
-                                            <p:txEl>
-                                              <p:pRg st="2" end="2"/>
-                                            </p:txEl>
-                                          </p:spTgt>
-                                        </p:tgtEl>
-                                      </p:cBhvr>
-                                    </p:animEffect>
-                                  </p:childTnLst>
-                                </p:cTn>
-                              </p:par>
-                            </p:childTnLst>
-                          </p:cTn>
-                        </p:par>
-                      </p:childTnLst>
-                    </p:cTn>
-                  </p:par>
-                  <p:par>
-                    <p:cTn id="21" fill="hold">
-                      <p:stCondLst>
-                        <p:cond delay="indefinite"/>
-                      </p:stCondLst>
-                      <p:childTnLst>
-                        <p:par>
-                          <p:cTn id="22" fill="hold">
-                            <p:stCondLst>
-                              <p:cond delay="0"/>
-                            </p:stCondLst>
-                            <p:childTnLst>
-                              <p:par>
-                                <p:cTn id="23" presetID="10" presetClass="entr" presetSubtype="0" fill="hold" nodeType="clickEffect">
-                                  <p:stCondLst>
-                                    <p:cond delay="0"/>
-                                  </p:stCondLst>
-                                  <p:childTnLst>
-                                    <p:set>
-                                      <p:cBhvr>
-                                        <p:cTn id="24" dur="1" fill="hold">
-                                          <p:stCondLst>
-                                            <p:cond delay="0"/>
-                                          </p:stCondLst>
-                                        </p:cTn>
-                                        <p:tgtEl>
-                                          <p:spTgt spid="11"/>
-                                        </p:tgtEl>
-                                        <p:attrNameLst>
-                                          <p:attrName>style.visibility</p:attrName>
-                                        </p:attrNameLst>
-                                      </p:cBhvr>
-                                      <p:to>
-                                        <p:strVal val="visible"/>
-                                      </p:to>
-                                    </p:set>
-                                    <p:animEffect transition="in" filter="fade">
-                                      <p:cBhvr>
-                                        <p:cTn id="25" dur="500"/>
-                                        <p:tgtEl>
-                                          <p:spTgt spid="11"/>
-                                        </p:tgtEl>
-                                      </p:cBhvr>
-                                    </p:animEffect>
-                                  </p:childTnLst>
-                                </p:cTn>
-                              </p:par>
-                            </p:childTnLst>
-                          </p:cTn>
-                        </p:par>
-                      </p:childTnLst>
-                    </p:cTn>
-                  </p:par>
-                  <p:par>
-                    <p:cTn id="26" fill="hold">
-                      <p:stCondLst>
-                        <p:cond delay="indefinite"/>
-                      </p:stCondLst>
-                      <p:childTnLst>
-                        <p:par>
-                          <p:cTn id="27" fill="hold">
-                            <p:stCondLst>
-                              <p:cond delay="0"/>
-                            </p:stCondLst>
-                            <p:childTnLst>
-                              <p:par>
-                                <p:cTn id="28" presetID="10" presetClass="entr" presetSubtype="0" fill="hold" nodeType="clickEffect">
-                                  <p:stCondLst>
-                                    <p:cond delay="0"/>
-                                  </p:stCondLst>
-                                  <p:childTnLst>
-                                    <p:set>
-                                      <p:cBhvr>
-                                        <p:cTn id="29" dur="1" fill="hold">
-                                          <p:stCondLst>
-                                            <p:cond delay="0"/>
-                                          </p:stCondLst>
-                                        </p:cTn>
-                                        <p:tgtEl>
-                                          <p:spTgt spid="12"/>
-                                        </p:tgtEl>
-                                        <p:attrNameLst>
-                                          <p:attrName>style.visibility</p:attrName>
-                                        </p:attrNameLst>
-                                      </p:cBhvr>
-                                      <p:to>
-                                        <p:strVal val="visible"/>
-                                      </p:to>
-                                    </p:set>
-                                    <p:animEffect transition="in" filter="fade">
-                                      <p:cBhvr>
-                                        <p:cTn id="30" dur="500"/>
-                                        <p:tgtEl>
-                                          <p:spTgt spid="12"/>
-                                        </p:tgtEl>
-                                      </p:cBhvr>
-                                    </p:animEffect>
-                                  </p:childTnLst>
-                                </p:cTn>
-                              </p:par>
-                            </p:childTnLst>
-                          </p:cTn>
-                        </p:par>
-                      </p:childTnLst>
-                    </p:cTn>
-                  </p:par>
-                  <p:par>
-                    <p:cTn id="31" fill="hold">
-                      <p:stCondLst>
-                        <p:cond delay="indefinite"/>
-                      </p:stCondLst>
-                      <p:childTnLst>
-                        <p:par>
-                          <p:cTn id="32" fill="hold">
-                            <p:stCondLst>
-                              <p:cond delay="0"/>
-                            </p:stCondLst>
-                            <p:childTnLst>
-                              <p:par>
-                                <p:cTn id="33" presetID="10" presetClass="entr" presetSubtype="0" fill="hold" nodeType="clickEffect">
-                                  <p:stCondLst>
-                                    <p:cond delay="0"/>
-                                  </p:stCondLst>
-                                  <p:childTnLst>
-                                    <p:set>
-                                      <p:cBhvr>
-                                        <p:cTn id="34" dur="1" fill="hold">
-                                          <p:stCondLst>
-                                            <p:cond delay="0"/>
-                                          </p:stCondLst>
-                                        </p:cTn>
-                                        <p:tgtEl>
-                                          <p:spTgt spid="13"/>
-                                        </p:tgtEl>
-                                        <p:attrNameLst>
-                                          <p:attrName>style.visibility</p:attrName>
-                                        </p:attrNameLst>
-                                      </p:cBhvr>
-                                      <p:to>
-                                        <p:strVal val="visible"/>
-                                      </p:to>
-                                    </p:set>
-                                    <p:animEffect transition="in" filter="fade">
-                                      <p:cBhvr>
-                                        <p:cTn id="35" dur="500"/>
-                                        <p:tgtEl>
-                                          <p:spTgt spid="13"/>
-                                        </p:tgtEl>
-                                      </p:cBhvr>
-                                    </p:animEffect>
-                                  </p:childTnLst>
-                                </p:cTn>
-                              </p:par>
-                            </p:childTnLst>
-                          </p:cTn>
-                        </p:par>
-                      </p:childTnLst>
-                    </p:cTn>
-                  </p:par>
-                  <p:par>
-                    <p:cTn id="36" fill="hold">
-                      <p:stCondLst>
-                        <p:cond delay="indefinite"/>
-                      </p:stCondLst>
-                      <p:childTnLst>
-                        <p:par>
-                          <p:cTn id="37" fill="hold">
-                            <p:stCondLst>
-                              <p:cond delay="0"/>
-                            </p:stCondLst>
-                            <p:childTnLst>
-                              <p:par>
-                                <p:cTn id="38" presetID="10" presetClass="entr" presetSubtype="0" fill="hold" nodeType="clickEffect">
-                                  <p:stCondLst>
-                                    <p:cond delay="0"/>
-                                  </p:stCondLst>
-                                  <p:childTnLst>
-                                    <p:set>
-                                      <p:cBhvr>
-                                        <p:cTn id="39" dur="1" fill="hold">
-                                          <p:stCondLst>
-                                            <p:cond delay="0"/>
-                                          </p:stCondLst>
-                                        </p:cTn>
-                                        <p:tgtEl>
-                                          <p:spTgt spid="14"/>
-                                        </p:tgtEl>
-                                        <p:attrNameLst>
-                                          <p:attrName>style.visibility</p:attrName>
-                                        </p:attrNameLst>
-                                      </p:cBhvr>
-                                      <p:to>
-                                        <p:strVal val="visible"/>
-                                      </p:to>
-                                    </p:set>
-                                    <p:animEffect transition="in" filter="fade">
-                                      <p:cBhvr>
-                                        <p:cTn id="40" dur="500"/>
-                                        <p:tgtEl>
-                                          <p:spTgt spid="14"/>
-                                        </p:tgtEl>
-                                      </p:cBhvr>
-                                    </p:animEffect>
-                                  </p:childTnLst>
-                                </p:cTn>
-                              </p:par>
-                            </p:childTnLst>
-                          </p:cTn>
-                        </p:par>
-                      </p:childTnLst>
-                    </p:cTn>
-                  </p:par>
-                  <p:par>
-                    <p:cTn id="41" fill="hold">
-                      <p:stCondLst>
-                        <p:cond delay="indefinite"/>
-                      </p:stCondLst>
-                      <p:childTnLst>
-                        <p:par>
-                          <p:cTn id="42" fill="hold">
-                            <p:stCondLst>
-                              <p:cond delay="0"/>
-                            </p:stCondLst>
-                            <p:childTnLst>
-                              <p:par>
-                                <p:cTn id="43" presetID="10" presetClass="entr" presetSubtype="0" fill="hold" nodeType="clickEffect">
-                                  <p:stCondLst>
-                                    <p:cond delay="0"/>
-                                  </p:stCondLst>
-                                  <p:childTnLst>
-                                    <p:set>
-                                      <p:cBhvr>
-                                        <p:cTn id="44" dur="1" fill="hold">
-                                          <p:stCondLst>
-                                            <p:cond delay="0"/>
-                                          </p:stCondLst>
-                                        </p:cTn>
-                                        <p:tgtEl>
-                                          <p:spTgt spid="15"/>
-                                        </p:tgtEl>
-                                        <p:attrNameLst>
-                                          <p:attrName>style.visibility</p:attrName>
-                                        </p:attrNameLst>
-                                      </p:cBhvr>
-                                      <p:to>
-                                        <p:strVal val="visible"/>
-                                      </p:to>
-                                    </p:set>
-                                    <p:animEffect transition="in" filter="fade">
-                                      <p:cBhvr>
-                                        <p:cTn id="45" dur="500"/>
-                                        <p:tgtEl>
-                                          <p:spTgt spid="15"/>
-                                        </p:tgtEl>
-                                      </p:cBhvr>
-                                    </p:animEffect>
-                                  </p:childTnLst>
-                                </p:cTn>
-                              </p:par>
-                            </p:childTnLst>
-                          </p:cTn>
-                        </p:par>
-                      </p:childTnLst>
-                    </p:cTn>
-                  </p:par>
-                  <p:par>
-                    <p:cTn id="46" fill="hold">
-                      <p:stCondLst>
-                        <p:cond delay="indefinite"/>
-                      </p:stCondLst>
-                      <p:childTnLst>
-                        <p:par>
-                          <p:cTn id="47" fill="hold">
-                            <p:stCondLst>
-                              <p:cond delay="0"/>
-                            </p:stCondLst>
-                            <p:childTnLst>
-                              <p:par>
-                                <p:cTn id="48" presetID="10" presetClass="entr" presetSubtype="0" fill="hold" nodeType="clickEffect">
-                                  <p:stCondLst>
-                                    <p:cond delay="0"/>
-                                  </p:stCondLst>
-                                  <p:childTnLst>
-                                    <p:set>
-                                      <p:cBhvr>
-                                        <p:cTn id="49" dur="1" fill="hold">
-                                          <p:stCondLst>
-                                            <p:cond delay="0"/>
-                                          </p:stCondLst>
-                                        </p:cTn>
-                                        <p:tgtEl>
-                                          <p:spTgt spid="5">
-                                            <p:txEl>
-                                              <p:pRg st="3" end="3"/>
-                                            </p:txEl>
-                                          </p:spTgt>
-                                        </p:tgtEl>
-                                        <p:attrNameLst>
-                                          <p:attrName>style.visibility</p:attrName>
-                                        </p:attrNameLst>
-                                      </p:cBhvr>
-                                      <p:to>
-                                        <p:strVal val="visible"/>
-                                      </p:to>
-                                    </p:set>
-                                    <p:animEffect transition="in" filter="fade">
-                                      <p:cBhvr>
-                                        <p:cTn id="50" dur="500"/>
-                                        <p:tgtEl>
-                                          <p:spTgt spid="5">
-                                            <p:txEl>
-                                              <p:pRg st="3" end="3"/>
-                                            </p:txEl>
-                                          </p:spTgt>
-                                        </p:tgtEl>
-                                      </p:cBhvr>
-                                    </p:animEffect>
-                                  </p:childTnLst>
-                                </p:cTn>
-                              </p:par>
-                            </p:childTnLst>
-                          </p:cTn>
-                        </p:par>
-                      </p:childTnLst>
-                    </p:cTn>
-                  </p:par>
-                  <p:par>
-                    <p:cTn id="51" fill="hold">
-                      <p:stCondLst>
-                        <p:cond delay="indefinite"/>
-                      </p:stCondLst>
-                      <p:childTnLst>
-                        <p:par>
-                          <p:cTn id="52" fill="hold">
-                            <p:stCondLst>
-                              <p:cond delay="0"/>
-                            </p:stCondLst>
-                            <p:childTnLst>
-                              <p:par>
-                                <p:cTn id="53" presetID="10" presetClass="entr" presetSubtype="0" fill="hold" nodeType="clickEffect">
-                                  <p:stCondLst>
-                                    <p:cond delay="0"/>
-                                  </p:stCondLst>
-                                  <p:childTnLst>
-                                    <p:set>
-                                      <p:cBhvr>
-                                        <p:cTn id="54" dur="1" fill="hold">
-                                          <p:stCondLst>
-                                            <p:cond delay="0"/>
-                                          </p:stCondLst>
-                                        </p:cTn>
-                                        <p:tgtEl>
-                                          <p:spTgt spid="5">
-                                            <p:txEl>
-                                              <p:pRg st="4" end="4"/>
-                                            </p:txEl>
-                                          </p:spTgt>
-                                        </p:tgtEl>
-                                        <p:attrNameLst>
-                                          <p:attrName>style.visibility</p:attrName>
-                                        </p:attrNameLst>
-                                      </p:cBhvr>
-                                      <p:to>
-                                        <p:strVal val="visible"/>
-                                      </p:to>
-                                    </p:set>
-                                    <p:animEffect transition="in" filter="fade">
-                                      <p:cBhvr>
-                                        <p:cTn id="55" dur="500"/>
-                                        <p:tgtEl>
-                                          <p:spTgt spid="5">
-                                            <p:txEl>
-                                              <p:pRg st="4" end="4"/>
-                                            </p:txEl>
-                                          </p:spTgt>
-                                        </p:tgtEl>
-                                      </p:cBhvr>
-                                    </p:animEffect>
-                                  </p:childTnLst>
-                                </p:cTn>
-                              </p:par>
-                            </p:childTnLst>
-                          </p:cTn>
-                        </p:par>
-                      </p:childTnLst>
-                    </p:cTn>
-                  </p:par>
-                  <p:par>
-                    <p:cTn id="56" fill="hold">
-                      <p:stCondLst>
-                        <p:cond delay="indefinite"/>
-                      </p:stCondLst>
-                      <p:childTnLst>
-                        <p:par>
-                          <p:cTn id="57" fill="hold">
-                            <p:stCondLst>
-                              <p:cond delay="0"/>
-                            </p:stCondLst>
-                            <p:childTnLst>
-                              <p:par>
-                                <p:cTn id="58" presetID="10" presetClass="entr" presetSubtype="0" fill="hold" nodeType="clickEffect">
-                                  <p:stCondLst>
-                                    <p:cond delay="0"/>
-                                  </p:stCondLst>
-                                  <p:childTnLst>
-                                    <p:set>
-                                      <p:cBhvr>
-                                        <p:cTn id="59" dur="1" fill="hold">
-                                          <p:stCondLst>
-                                            <p:cond delay="0"/>
-                                          </p:stCondLst>
-                                        </p:cTn>
-                                        <p:tgtEl>
-                                          <p:spTgt spid="5">
-                                            <p:txEl>
-                                              <p:pRg st="5" end="5"/>
-                                            </p:txEl>
-                                          </p:spTgt>
-                                        </p:tgtEl>
-                                        <p:attrNameLst>
-                                          <p:attrName>style.visibility</p:attrName>
-                                        </p:attrNameLst>
-                                      </p:cBhvr>
-                                      <p:to>
-                                        <p:strVal val="visible"/>
-                                      </p:to>
-                                    </p:set>
-                                    <p:animEffect transition="in" filter="fade">
-                                      <p:cBhvr>
-                                        <p:cTn id="60" dur="500"/>
-                                        <p:tgtEl>
-                                          <p:spTgt spid="5">
-                                            <p:txEl>
-                                              <p:pRg st="5" end="5"/>
-                                            </p:txEl>
-                                          </p:spTgt>
-                                        </p:tgtEl>
-                                      </p:cBhvr>
-                                    </p:animEffect>
-                                  </p:childTnLst>
-                                </p:cTn>
-                              </p:par>
-                            </p:childTnLst>
-                          </p:cTn>
-                        </p:par>
-                      </p:childTnLst>
-                    </p:cTn>
-                  </p:par>
-                  <p:par>
-                    <p:cTn id="61" fill="hold">
-                      <p:stCondLst>
-                        <p:cond delay="indefinite"/>
-                      </p:stCondLst>
-                      <p:childTnLst>
-                        <p:par>
-                          <p:cTn id="62" fill="hold">
-                            <p:stCondLst>
-                              <p:cond delay="0"/>
-                            </p:stCondLst>
-                            <p:childTnLst>
-                              <p:par>
-                                <p:cTn id="63" presetID="10" presetClass="entr" presetSubtype="0" fill="hold" nodeType="clickEffect">
-                                  <p:stCondLst>
-                                    <p:cond delay="0"/>
-                                  </p:stCondLst>
-                                  <p:childTnLst>
-                                    <p:set>
-                                      <p:cBhvr>
-                                        <p:cTn id="64" dur="1" fill="hold">
-                                          <p:stCondLst>
-                                            <p:cond delay="0"/>
-                                          </p:stCondLst>
-                                        </p:cTn>
-                                        <p:tgtEl>
-                                          <p:spTgt spid="5">
-                                            <p:txEl>
-                                              <p:pRg st="6" end="6"/>
-                                            </p:txEl>
-                                          </p:spTgt>
-                                        </p:tgtEl>
-                                        <p:attrNameLst>
-                                          <p:attrName>style.visibility</p:attrName>
-                                        </p:attrNameLst>
-                                      </p:cBhvr>
-                                      <p:to>
-                                        <p:strVal val="visible"/>
-                                      </p:to>
-                                    </p:set>
-                                    <p:animEffect transition="in" filter="fade">
-                                      <p:cBhvr>
-                                        <p:cTn id="65" dur="500"/>
-                                        <p:tgtEl>
-                                          <p:spTgt spid="5">
-                                            <p:txEl>
-                                              <p:pRg st="6" end="6"/>
-                                            </p:txEl>
-                                          </p:spTgt>
-                                        </p:tgtEl>
-                                      </p:cBhvr>
-                                    </p:animEffect>
-                                  </p:childTnLst>
-                                </p:cTn>
-                              </p:par>
-                            </p:childTnLst>
-                          </p:cTn>
-                        </p:par>
-                      </p:childTnLst>
-                    </p:cTn>
-                  </p:par>
-                </p:childTnLst>
-              </p:cTn>
-              <p:prevCondLst>
-                <p:cond evt="onPrev" delay="0">
-                  <p:tgtEl>
-                    <p:sldTgt/>
-                  </p:tgtEl>
-                </p:cond>
-              </p:prevCondLst>
-              <p:nextCondLst>
-                <p:cond evt="onNext" delay="0">
-                  <p:tgtEl>
-                    <p:sldTgt/>
-                  </p:tgtEl>
-                </p:cond>
-              </p:nextCondLst>
-            </p:seq>
-          </p:childTnLst>
-        </p:cTn>
+        <p:cTn id="1" dur="indefinite" restart="never" nodeType="tmRoot"/>
       </p:par>
     </p:tnLst>
-    <p:bldLst>
-      <p:bldP spid="4" grpId="0"/>
-      <p:bldP spid="16" grpId="0"/>
-    </p:bldLst>
   </p:timing>
 </p:sld>
 </file>
@@ -9032,449 +5514,226 @@
       </p:grpSpPr>
       <p:sp>
         <p:nvSpPr>
-          <p:cNvPr id="4" name="ZoneTexte 3"/>
-          <p:cNvSpPr txBox="1"/>
-          <p:nvPr/>
-        </p:nvSpPr>
-        <p:spPr>
-          <a:xfrm>
-            <a:off x="1662545" y="768927"/>
-            <a:ext cx="7813964" cy="1569660"/>
-          </a:xfrm>
-          <a:prstGeom prst="rect">
-            <a:avLst/>
-          </a:prstGeom>
-          <a:noFill/>
-        </p:spPr>
-        <p:txBody>
-          <a:bodyPr wrap="square" rtlCol="0">
-            <a:spAutoFit/>
-          </a:bodyPr>
+          <p:cNvPr id="2" name="Titre 1"/>
+          <p:cNvSpPr>
+            <a:spLocks noGrp="1"/>
+          </p:cNvSpPr>
+          <p:nvPr>
+            <p:ph type="title"/>
+          </p:nvPr>
+        </p:nvSpPr>
+        <p:spPr/>
+        <p:txBody>
+          <a:bodyPr/>
           <a:lstStyle/>
           <a:p>
             <a:r>
-              <a:rPr lang="fr-FR" sz="9600" dirty="0" err="1">
-                <a:latin typeface="Calibri" panose="020F0502020204030204" pitchFamily="34" charset="0"/>
-              </a:rPr>
-              <a:t>e</a:t>
-            </a:r>
-            <a:r>
-              <a:rPr lang="fr-FR" sz="9600" dirty="0" err="1" smtClean="0">
-                <a:latin typeface="Calibri" panose="020F0502020204030204" pitchFamily="34" charset="0"/>
-              </a:rPr>
-              <a:t>gg</a:t>
-            </a:r>
-            <a:r>
-              <a:rPr lang="fr-FR" sz="9600" dirty="0" smtClean="0">
-                <a:latin typeface="Calibri" panose="020F0502020204030204" pitchFamily="34" charset="0"/>
-              </a:rPr>
-              <a:t>, bacon</a:t>
-            </a:r>
-            <a:endParaRPr lang="fr-FR" sz="9600" dirty="0">
-              <a:latin typeface="Calibri" panose="020F0502020204030204" pitchFamily="34" charset="0"/>
-            </a:endParaRPr>
-          </a:p>
-        </p:txBody>
-      </p:sp>
-      <p:sp>
-        <p:nvSpPr>
-          <p:cNvPr id="5" name="ZoneTexte 4"/>
-          <p:cNvSpPr txBox="1"/>
-          <p:nvPr/>
-        </p:nvSpPr>
-        <p:spPr>
-          <a:xfrm>
-            <a:off x="0" y="2661337"/>
-            <a:ext cx="8541327" cy="3785652"/>
-          </a:xfrm>
-          <a:prstGeom prst="rect">
-            <a:avLst/>
-          </a:prstGeom>
-          <a:noFill/>
-        </p:spPr>
-        <p:txBody>
-          <a:bodyPr wrap="square" rtlCol="0">
-            <a:spAutoFit/>
-          </a:bodyPr>
+              <a:rPr lang="fr-FR" dirty="0"/>
+              <a:t>Modification des </a:t>
+            </a:r>
+            <a:r>
+              <a:rPr lang="fr-FR" dirty="0" smtClean="0"/>
+              <a:t>listes</a:t>
+            </a:r>
+            <a:endParaRPr lang="fr-FR" dirty="0"/>
+          </a:p>
+        </p:txBody>
+      </p:sp>
+      <p:sp>
+        <p:nvSpPr>
+          <p:cNvPr id="3" name="Espace réservé du contenu 2"/>
+          <p:cNvSpPr>
+            <a:spLocks noGrp="1"/>
+          </p:cNvSpPr>
+          <p:nvPr>
+            <p:ph idx="1"/>
+          </p:nvPr>
+        </p:nvSpPr>
+        <p:spPr/>
+        <p:txBody>
+          <a:bodyPr/>
           <a:lstStyle/>
           <a:p>
-            <a:r>
-              <a:rPr lang="fr-FR" dirty="0" smtClean="0">
-                <a:latin typeface="Courier New" panose="02070309020205020404" pitchFamily="49" charset="0"/>
-                <a:cs typeface="Courier New" panose="02070309020205020404" pitchFamily="49" charset="0"/>
-              </a:rPr>
-              <a:t>&gt;&gt;&gt; s </a:t>
-            </a:r>
-            <a:r>
-              <a:rPr lang="fr-FR" dirty="0">
-                <a:latin typeface="Courier New" panose="02070309020205020404" pitchFamily="49" charset="0"/>
-                <a:cs typeface="Courier New" panose="02070309020205020404" pitchFamily="49" charset="0"/>
-              </a:rPr>
-              <a:t>= '</a:t>
-            </a:r>
-            <a:r>
-              <a:rPr lang="fr-FR" dirty="0" err="1">
-                <a:latin typeface="Courier New" panose="02070309020205020404" pitchFamily="49" charset="0"/>
-                <a:cs typeface="Courier New" panose="02070309020205020404" pitchFamily="49" charset="0"/>
-              </a:rPr>
-              <a:t>egg</a:t>
-            </a:r>
-            <a:r>
-              <a:rPr lang="fr-FR" dirty="0">
-                <a:latin typeface="Courier New" panose="02070309020205020404" pitchFamily="49" charset="0"/>
-                <a:cs typeface="Courier New" panose="02070309020205020404" pitchFamily="49" charset="0"/>
-              </a:rPr>
-              <a:t>, bacon' </a:t>
-            </a:r>
-            <a:endParaRPr lang="fr-FR" dirty="0" smtClean="0">
-              <a:latin typeface="Courier New" panose="02070309020205020404" pitchFamily="49" charset="0"/>
-              <a:cs typeface="Courier New" panose="02070309020205020404" pitchFamily="49" charset="0"/>
-            </a:endParaRPr>
-          </a:p>
-          <a:p>
-            <a:r>
-              <a:rPr lang="fr-FR" dirty="0" smtClean="0">
-                <a:latin typeface="Courier New" panose="02070309020205020404" pitchFamily="49" charset="0"/>
-                <a:cs typeface="Courier New" panose="02070309020205020404" pitchFamily="49" charset="0"/>
-              </a:rPr>
-              <a:t>&gt;&gt;&gt; s[0:10:2]</a:t>
-            </a:r>
-          </a:p>
-          <a:p>
-            <a:r>
-              <a:rPr lang="fr-FR" dirty="0">
-                <a:latin typeface="Courier New" panose="02070309020205020404" pitchFamily="49" charset="0"/>
-                <a:cs typeface="Courier New" panose="02070309020205020404" pitchFamily="49" charset="0"/>
-              </a:rPr>
-              <a:t>'</a:t>
-            </a:r>
-            <a:r>
-              <a:rPr lang="fr-FR" dirty="0" err="1">
-                <a:latin typeface="Courier New" panose="02070309020205020404" pitchFamily="49" charset="0"/>
-                <a:cs typeface="Courier New" panose="02070309020205020404" pitchFamily="49" charset="0"/>
-              </a:rPr>
-              <a:t>eg</a:t>
-            </a:r>
-            <a:r>
-              <a:rPr lang="fr-FR" dirty="0">
-                <a:latin typeface="Courier New" panose="02070309020205020404" pitchFamily="49" charset="0"/>
-                <a:cs typeface="Courier New" panose="02070309020205020404" pitchFamily="49" charset="0"/>
-              </a:rPr>
-              <a:t> </a:t>
-            </a:r>
-            <a:r>
-              <a:rPr lang="fr-FR" dirty="0" err="1" smtClean="0">
-                <a:latin typeface="Courier New" panose="02070309020205020404" pitchFamily="49" charset="0"/>
-                <a:cs typeface="Courier New" panose="02070309020205020404" pitchFamily="49" charset="0"/>
-              </a:rPr>
-              <a:t>ao</a:t>
-            </a:r>
-            <a:r>
-              <a:rPr lang="fr-FR" dirty="0" smtClean="0">
-                <a:latin typeface="Courier New" panose="02070309020205020404" pitchFamily="49" charset="0"/>
-                <a:cs typeface="Courier New" panose="02070309020205020404" pitchFamily="49" charset="0"/>
-              </a:rPr>
-              <a:t>'</a:t>
-            </a:r>
-          </a:p>
-          <a:p>
-            <a:r>
-              <a:rPr lang="fr-FR" dirty="0" smtClean="0">
-                <a:latin typeface="Courier New" panose="02070309020205020404" pitchFamily="49" charset="0"/>
-                <a:cs typeface="Courier New" panose="02070309020205020404" pitchFamily="49" charset="0"/>
-              </a:rPr>
-              <a:t>&gt;&gt;&gt; s[::2]</a:t>
-            </a:r>
-          </a:p>
-          <a:p>
-            <a:r>
-              <a:rPr lang="fr-FR" dirty="0">
-                <a:latin typeface="Courier New" panose="02070309020205020404" pitchFamily="49" charset="0"/>
-                <a:cs typeface="Courier New" panose="02070309020205020404" pitchFamily="49" charset="0"/>
-              </a:rPr>
-              <a:t>'</a:t>
-            </a:r>
-            <a:r>
-              <a:rPr lang="fr-FR" dirty="0" err="1">
-                <a:latin typeface="Courier New" panose="02070309020205020404" pitchFamily="49" charset="0"/>
-                <a:cs typeface="Courier New" panose="02070309020205020404" pitchFamily="49" charset="0"/>
-              </a:rPr>
-              <a:t>eg</a:t>
-            </a:r>
-            <a:r>
-              <a:rPr lang="fr-FR" dirty="0">
-                <a:latin typeface="Courier New" panose="02070309020205020404" pitchFamily="49" charset="0"/>
-                <a:cs typeface="Courier New" panose="02070309020205020404" pitchFamily="49" charset="0"/>
-              </a:rPr>
-              <a:t> </a:t>
-            </a:r>
-            <a:r>
-              <a:rPr lang="fr-FR" dirty="0" err="1">
-                <a:latin typeface="Courier New" panose="02070309020205020404" pitchFamily="49" charset="0"/>
-                <a:cs typeface="Courier New" panose="02070309020205020404" pitchFamily="49" charset="0"/>
-              </a:rPr>
-              <a:t>ao</a:t>
-            </a:r>
-            <a:r>
-              <a:rPr lang="fr-FR" dirty="0">
-                <a:latin typeface="Courier New" panose="02070309020205020404" pitchFamily="49" charset="0"/>
-                <a:cs typeface="Courier New" panose="02070309020205020404" pitchFamily="49" charset="0"/>
-              </a:rPr>
-              <a:t>'</a:t>
-            </a:r>
-          </a:p>
-          <a:p>
-            <a:r>
-              <a:rPr lang="fr-FR" dirty="0" smtClean="0">
-                <a:latin typeface="Courier New" panose="02070309020205020404" pitchFamily="49" charset="0"/>
-                <a:cs typeface="Courier New" panose="02070309020205020404" pitchFamily="49" charset="0"/>
-              </a:rPr>
-              <a:t>&gt;&gt;&gt; s[:8:3]</a:t>
-            </a:r>
-          </a:p>
-          <a:p>
-            <a:r>
-              <a:rPr lang="fr-FR" dirty="0" smtClean="0">
-                <a:latin typeface="Courier New" panose="02070309020205020404" pitchFamily="49" charset="0"/>
-                <a:cs typeface="Courier New" panose="02070309020205020404" pitchFamily="49" charset="0"/>
-              </a:rPr>
-              <a:t>'</a:t>
-            </a:r>
-            <a:r>
-              <a:rPr lang="fr-FR" dirty="0" err="1" smtClean="0">
-                <a:latin typeface="Courier New" panose="02070309020205020404" pitchFamily="49" charset="0"/>
-                <a:cs typeface="Courier New" panose="02070309020205020404" pitchFamily="49" charset="0"/>
-              </a:rPr>
-              <a:t>e,a</a:t>
-            </a:r>
-            <a:r>
-              <a:rPr lang="fr-FR" dirty="0" smtClean="0">
-                <a:latin typeface="Courier New" panose="02070309020205020404" pitchFamily="49" charset="0"/>
-                <a:cs typeface="Courier New" panose="02070309020205020404" pitchFamily="49" charset="0"/>
-              </a:rPr>
-              <a:t>'</a:t>
-            </a:r>
-          </a:p>
-          <a:p>
-            <a:r>
-              <a:rPr lang="fr-FR" dirty="0">
-                <a:latin typeface="Courier New" panose="02070309020205020404" pitchFamily="49" charset="0"/>
-                <a:cs typeface="Courier New" panose="02070309020205020404" pitchFamily="49" charset="0"/>
+            <a:pPr marL="0" lvl="0" indent="0">
+              <a:buNone/>
+            </a:pPr>
+            <a:r>
+              <a:rPr lang="fr-FR" sz="2000" dirty="0">
+                <a:solidFill>
+                  <a:srgbClr val="000000"/>
+                </a:solidFill>
+                <a:latin typeface="Courier New" pitchFamily="49" charset="0"/>
+                <a:cs typeface="Courier New" pitchFamily="49" charset="0"/>
               </a:rPr>
               <a:t>&gt;&gt;&gt; </a:t>
             </a:r>
             <a:r>
-              <a:rPr lang="fr-FR" dirty="0" smtClean="0">
-                <a:latin typeface="Courier New" panose="02070309020205020404" pitchFamily="49" charset="0"/>
-                <a:cs typeface="Courier New" panose="02070309020205020404" pitchFamily="49" charset="0"/>
-              </a:rPr>
-              <a:t>s[2::3]</a:t>
-            </a:r>
-          </a:p>
-          <a:p>
-            <a:r>
-              <a:rPr lang="fr-FR" dirty="0" smtClean="0">
-                <a:latin typeface="Courier New" panose="02070309020205020404" pitchFamily="49" charset="0"/>
-                <a:cs typeface="Courier New" panose="02070309020205020404" pitchFamily="49" charset="0"/>
-              </a:rPr>
-              <a:t>'</a:t>
-            </a:r>
-            <a:r>
-              <a:rPr lang="fr-FR" dirty="0" err="1" smtClean="0">
-                <a:latin typeface="Courier New" panose="02070309020205020404" pitchFamily="49" charset="0"/>
-                <a:cs typeface="Courier New" panose="02070309020205020404" pitchFamily="49" charset="0"/>
-              </a:rPr>
-              <a:t>gbo</a:t>
-            </a:r>
-            <a:r>
-              <a:rPr lang="fr-FR" dirty="0" smtClean="0">
-                <a:latin typeface="Courier New" panose="02070309020205020404" pitchFamily="49" charset="0"/>
-                <a:cs typeface="Courier New" panose="02070309020205020404" pitchFamily="49" charset="0"/>
-              </a:rPr>
-              <a:t>'</a:t>
-            </a:r>
-          </a:p>
-          <a:p>
-            <a:endParaRPr lang="fr-FR" dirty="0">
-              <a:latin typeface="Courier New" panose="02070309020205020404" pitchFamily="49" charset="0"/>
-              <a:cs typeface="Courier New" panose="02070309020205020404" pitchFamily="49" charset="0"/>
-            </a:endParaRPr>
-          </a:p>
-        </p:txBody>
-      </p:sp>
-      <p:cxnSp>
-        <p:nvCxnSpPr>
-          <p:cNvPr id="11" name="Connecteur droit avec flèche 10"/>
-          <p:cNvCxnSpPr/>
-          <p:nvPr/>
-        </p:nvCxnSpPr>
-        <p:spPr bwMode="auto">
-          <a:xfrm>
-            <a:off x="1995055" y="290945"/>
-            <a:ext cx="0" cy="872837"/>
-          </a:xfrm>
-          <a:prstGeom prst="straightConnector1">
-            <a:avLst/>
-          </a:prstGeom>
-          <a:noFill/>
-          <a:ln w="73025" cap="flat" cmpd="sng" algn="ctr">
-            <a:solidFill>
-              <a:schemeClr val="tx1"/>
-            </a:solidFill>
-            <a:prstDash val="solid"/>
-            <a:round/>
-            <a:headEnd type="none" w="med" len="med"/>
-            <a:tailEnd type="triangle" w="med" len="med"/>
-          </a:ln>
-          <a:effectLst/>
-        </p:spPr>
-      </p:cxnSp>
-      <p:cxnSp>
-        <p:nvCxnSpPr>
-          <p:cNvPr id="12" name="Connecteur droit avec flèche 11"/>
-          <p:cNvCxnSpPr/>
-          <p:nvPr/>
-        </p:nvCxnSpPr>
-        <p:spPr bwMode="auto">
-          <a:xfrm>
-            <a:off x="3228110" y="290945"/>
-            <a:ext cx="0" cy="872837"/>
-          </a:xfrm>
-          <a:prstGeom prst="straightConnector1">
-            <a:avLst/>
-          </a:prstGeom>
-          <a:noFill/>
-          <a:ln w="73025" cap="flat" cmpd="sng" algn="ctr">
-            <a:solidFill>
-              <a:schemeClr val="tx1"/>
-            </a:solidFill>
-            <a:prstDash val="solid"/>
-            <a:round/>
-            <a:headEnd type="none" w="med" len="med"/>
-            <a:tailEnd type="triangle" w="med" len="med"/>
-          </a:ln>
-          <a:effectLst/>
-        </p:spPr>
-      </p:cxnSp>
-      <p:cxnSp>
-        <p:nvCxnSpPr>
-          <p:cNvPr id="13" name="Connecteur droit avec flèche 12"/>
-          <p:cNvCxnSpPr/>
-          <p:nvPr/>
-        </p:nvCxnSpPr>
-        <p:spPr bwMode="auto">
-          <a:xfrm>
-            <a:off x="3955473" y="290945"/>
-            <a:ext cx="0" cy="872837"/>
-          </a:xfrm>
-          <a:prstGeom prst="straightConnector1">
-            <a:avLst/>
-          </a:prstGeom>
-          <a:noFill/>
-          <a:ln w="73025" cap="flat" cmpd="sng" algn="ctr">
-            <a:solidFill>
-              <a:schemeClr val="tx1"/>
-            </a:solidFill>
-            <a:prstDash val="solid"/>
-            <a:round/>
-            <a:headEnd type="none" w="med" len="med"/>
-            <a:tailEnd type="triangle" w="med" len="med"/>
-          </a:ln>
-          <a:effectLst/>
-        </p:spPr>
-      </p:cxnSp>
-      <p:cxnSp>
-        <p:nvCxnSpPr>
-          <p:cNvPr id="14" name="Connecteur droit avec flèche 13"/>
-          <p:cNvCxnSpPr/>
-          <p:nvPr/>
-        </p:nvCxnSpPr>
-        <p:spPr bwMode="auto">
-          <a:xfrm>
-            <a:off x="4980709" y="290945"/>
-            <a:ext cx="0" cy="872837"/>
-          </a:xfrm>
-          <a:prstGeom prst="straightConnector1">
-            <a:avLst/>
-          </a:prstGeom>
-          <a:noFill/>
-          <a:ln w="73025" cap="flat" cmpd="sng" algn="ctr">
-            <a:solidFill>
-              <a:schemeClr val="tx1"/>
-            </a:solidFill>
-            <a:prstDash val="solid"/>
-            <a:round/>
-            <a:headEnd type="none" w="med" len="med"/>
-            <a:tailEnd type="triangle" w="med" len="med"/>
-          </a:ln>
-          <a:effectLst/>
-        </p:spPr>
-      </p:cxnSp>
-      <p:cxnSp>
-        <p:nvCxnSpPr>
-          <p:cNvPr id="15" name="Connecteur droit avec flèche 14"/>
-          <p:cNvCxnSpPr/>
-          <p:nvPr/>
-        </p:nvCxnSpPr>
-        <p:spPr bwMode="auto">
-          <a:xfrm>
-            <a:off x="6130637" y="290945"/>
-            <a:ext cx="0" cy="872837"/>
-          </a:xfrm>
-          <a:prstGeom prst="straightConnector1">
-            <a:avLst/>
-          </a:prstGeom>
-          <a:noFill/>
-          <a:ln w="73025" cap="flat" cmpd="sng" algn="ctr">
-            <a:solidFill>
-              <a:schemeClr val="tx1"/>
-            </a:solidFill>
-            <a:prstDash val="solid"/>
-            <a:round/>
-            <a:headEnd type="none" w="med" len="med"/>
-            <a:tailEnd type="triangle" w="med" len="med"/>
-          </a:ln>
-          <a:effectLst/>
-        </p:spPr>
-      </p:cxnSp>
-      <p:sp>
-        <p:nvSpPr>
-          <p:cNvPr id="16" name="ZoneTexte 15"/>
-          <p:cNvSpPr txBox="1"/>
-          <p:nvPr/>
-        </p:nvSpPr>
-        <p:spPr>
-          <a:xfrm>
-            <a:off x="1662545" y="2199672"/>
-            <a:ext cx="6858000" cy="461665"/>
-          </a:xfrm>
-          <a:prstGeom prst="rect">
-            <a:avLst/>
-          </a:prstGeom>
-          <a:noFill/>
-        </p:spPr>
-        <p:txBody>
-          <a:bodyPr wrap="square" rtlCol="0">
-            <a:spAutoFit/>
-          </a:bodyPr>
-          <a:lstStyle/>
-          <a:p>
-            <a:r>
-              <a:rPr lang="fr-FR" dirty="0" smtClean="0">
-                <a:latin typeface="Calibri" panose="020F0502020204030204" pitchFamily="34" charset="0"/>
-              </a:rPr>
-              <a:t>  0        1      2    3   4     5      6      7      8       9        </a:t>
-            </a:r>
-            <a:endParaRPr lang="fr-FR" dirty="0">
-              <a:latin typeface="Calibri" panose="020F0502020204030204" pitchFamily="34" charset="0"/>
-            </a:endParaRPr>
+              <a:rPr lang="fr-FR" sz="2000" dirty="0" smtClean="0">
+                <a:solidFill>
+                  <a:srgbClr val="000000"/>
+                </a:solidFill>
+                <a:latin typeface="Courier New" pitchFamily="49" charset="0"/>
+                <a:cs typeface="Courier New" pitchFamily="49" charset="0"/>
+              </a:rPr>
+              <a:t>L = </a:t>
+            </a:r>
+            <a:r>
+              <a:rPr lang="fr-FR" sz="2000" dirty="0">
+                <a:solidFill>
+                  <a:srgbClr val="000000"/>
+                </a:solidFill>
+                <a:latin typeface="Courier New" pitchFamily="49" charset="0"/>
+                <a:cs typeface="Courier New" pitchFamily="49" charset="0"/>
+              </a:rPr>
+              <a:t>[1, 2, 3, 4, 5</a:t>
+            </a:r>
+            <a:r>
+              <a:rPr lang="fr-FR" sz="2000" dirty="0" smtClean="0">
+                <a:solidFill>
+                  <a:srgbClr val="000000"/>
+                </a:solidFill>
+                <a:latin typeface="Courier New" pitchFamily="49" charset="0"/>
+                <a:cs typeface="Courier New" pitchFamily="49" charset="0"/>
+              </a:rPr>
+              <a:t>]</a:t>
+            </a:r>
+          </a:p>
+          <a:p>
+            <a:pPr marL="0" lvl="0" indent="0">
+              <a:buNone/>
+            </a:pPr>
+            <a:r>
+              <a:rPr lang="fr-FR" sz="2000" dirty="0" smtClean="0">
+                <a:solidFill>
+                  <a:srgbClr val="000000"/>
+                </a:solidFill>
+                <a:latin typeface="Courier New" pitchFamily="49" charset="0"/>
+                <a:cs typeface="Courier New" pitchFamily="49" charset="0"/>
+              </a:rPr>
+              <a:t>&gt;&gt;&gt; </a:t>
+            </a:r>
+            <a:r>
+              <a:rPr lang="fr-FR" sz="2000" dirty="0">
+                <a:solidFill>
+                  <a:srgbClr val="000000"/>
+                </a:solidFill>
+                <a:latin typeface="Courier New" pitchFamily="49" charset="0"/>
+                <a:cs typeface="Courier New" pitchFamily="49" charset="0"/>
+              </a:rPr>
+              <a:t>L</a:t>
+            </a:r>
+          </a:p>
+          <a:p>
+            <a:pPr marL="0" lvl="0" indent="0">
+              <a:buNone/>
+            </a:pPr>
+            <a:r>
+              <a:rPr lang="fr-FR" sz="2000" dirty="0">
+                <a:solidFill>
+                  <a:srgbClr val="000000"/>
+                </a:solidFill>
+                <a:latin typeface="Courier New" pitchFamily="49" charset="0"/>
+                <a:cs typeface="Courier New" pitchFamily="49" charset="0"/>
+              </a:rPr>
+              <a:t>[1, 2, 3, 4, 5]</a:t>
+            </a:r>
+          </a:p>
+          <a:p>
+            <a:pPr marL="0" lvl="0" indent="0">
+              <a:buNone/>
+            </a:pPr>
+            <a:r>
+              <a:rPr lang="fr-FR" sz="2000" dirty="0">
+                <a:solidFill>
+                  <a:srgbClr val="000000"/>
+                </a:solidFill>
+                <a:latin typeface="Courier New" pitchFamily="49" charset="0"/>
+                <a:cs typeface="Courier New" pitchFamily="49" charset="0"/>
+              </a:rPr>
+              <a:t>&gt;&gt;&gt; L[2:4] = [10,11,12,13]</a:t>
+            </a:r>
+          </a:p>
+          <a:p>
+            <a:pPr marL="0" lvl="0" indent="0">
+              <a:buNone/>
+            </a:pPr>
+            <a:r>
+              <a:rPr lang="fr-FR" sz="2000" dirty="0">
+                <a:solidFill>
+                  <a:srgbClr val="000000"/>
+                </a:solidFill>
+                <a:latin typeface="Courier New" pitchFamily="49" charset="0"/>
+                <a:cs typeface="Courier New" pitchFamily="49" charset="0"/>
+              </a:rPr>
+              <a:t>&gt;&gt;&gt; L</a:t>
+            </a:r>
+          </a:p>
+          <a:p>
+            <a:pPr marL="0" lvl="0" indent="0">
+              <a:buNone/>
+            </a:pPr>
+            <a:r>
+              <a:rPr lang="fr-FR" sz="2000" dirty="0">
+                <a:solidFill>
+                  <a:srgbClr val="000000"/>
+                </a:solidFill>
+                <a:latin typeface="Courier New" pitchFamily="49" charset="0"/>
+                <a:cs typeface="Courier New" pitchFamily="49" charset="0"/>
+              </a:rPr>
+              <a:t>[1, 2, 10, 11, 12, 13, 5]</a:t>
+            </a:r>
+          </a:p>
+          <a:p>
+            <a:pPr marL="0" lvl="0" indent="0">
+              <a:buNone/>
+            </a:pPr>
+            <a:r>
+              <a:rPr lang="fr-FR" sz="2000" dirty="0">
+                <a:solidFill>
+                  <a:srgbClr val="000000"/>
+                </a:solidFill>
+                <a:latin typeface="Courier New" pitchFamily="49" charset="0"/>
+                <a:cs typeface="Courier New" pitchFamily="49" charset="0"/>
+              </a:rPr>
+              <a:t>&gt;&gt;&gt; L[3] = [3,4]</a:t>
+            </a:r>
+          </a:p>
+          <a:p>
+            <a:pPr marL="0" lvl="0" indent="0">
+              <a:buNone/>
+            </a:pPr>
+            <a:r>
+              <a:rPr lang="fr-FR" sz="2000" dirty="0">
+                <a:solidFill>
+                  <a:srgbClr val="000000"/>
+                </a:solidFill>
+                <a:latin typeface="Courier New" pitchFamily="49" charset="0"/>
+                <a:cs typeface="Courier New" pitchFamily="49" charset="0"/>
+              </a:rPr>
+              <a:t>&gt;&gt;&gt; L</a:t>
+            </a:r>
+          </a:p>
+          <a:p>
+            <a:pPr marL="0" lvl="0" indent="0">
+              <a:buNone/>
+            </a:pPr>
+            <a:r>
+              <a:rPr lang="fr-FR" sz="2000" dirty="0">
+                <a:solidFill>
+                  <a:srgbClr val="000000"/>
+                </a:solidFill>
+                <a:latin typeface="Courier New" pitchFamily="49" charset="0"/>
+                <a:cs typeface="Courier New" pitchFamily="49" charset="0"/>
+              </a:rPr>
+              <a:t>[1, 2, 10, [3, 4], 12, 13, 5]</a:t>
+            </a:r>
           </a:p>
         </p:txBody>
       </p:sp>
     </p:spTree>
     <p:extLst>
       <p:ext uri="{BB962C8B-B14F-4D97-AF65-F5344CB8AC3E}">
-        <p14:creationId xmlns:p14="http://schemas.microsoft.com/office/powerpoint/2010/main" val="2799135610"/>
+        <p14:creationId xmlns:p14="http://schemas.microsoft.com/office/powerpoint/2010/main" val="3679711706"/>
       </p:ext>
     </p:extLst>
   </p:cSld>
@@ -9484,772 +5743,9 @@
   <p:timing>
     <p:tnLst>
       <p:par>
-        <p:cTn id="1" dur="indefinite" restart="never" nodeType="tmRoot">
-          <p:childTnLst>
-            <p:seq concurrent="1" nextAc="seek">
-              <p:cTn id="2" dur="indefinite" nodeType="mainSeq">
-                <p:childTnLst>
-                  <p:par>
-                    <p:cTn id="3" fill="hold">
-                      <p:stCondLst>
-                        <p:cond delay="indefinite"/>
-                      </p:stCondLst>
-                      <p:childTnLst>
-                        <p:par>
-                          <p:cTn id="4" fill="hold">
-                            <p:stCondLst>
-                              <p:cond delay="0"/>
-                            </p:stCondLst>
-                            <p:childTnLst>
-                              <p:par>
-                                <p:cTn id="5" presetID="10" presetClass="entr" presetSubtype="0" fill="hold" nodeType="clickEffect">
-                                  <p:stCondLst>
-                                    <p:cond delay="0"/>
-                                  </p:stCondLst>
-                                  <p:childTnLst>
-                                    <p:set>
-                                      <p:cBhvr>
-                                        <p:cTn id="6" dur="1" fill="hold">
-                                          <p:stCondLst>
-                                            <p:cond delay="0"/>
-                                          </p:stCondLst>
-                                        </p:cTn>
-                                        <p:tgtEl>
-                                          <p:spTgt spid="5">
-                                            <p:txEl>
-                                              <p:pRg st="0" end="0"/>
-                                            </p:txEl>
-                                          </p:spTgt>
-                                        </p:tgtEl>
-                                        <p:attrNameLst>
-                                          <p:attrName>style.visibility</p:attrName>
-                                        </p:attrNameLst>
-                                      </p:cBhvr>
-                                      <p:to>
-                                        <p:strVal val="visible"/>
-                                      </p:to>
-                                    </p:set>
-                                    <p:animEffect transition="in" filter="fade">
-                                      <p:cBhvr>
-                                        <p:cTn id="7" dur="500"/>
-                                        <p:tgtEl>
-                                          <p:spTgt spid="5">
-                                            <p:txEl>
-                                              <p:pRg st="0" end="0"/>
-                                            </p:txEl>
-                                          </p:spTgt>
-                                        </p:tgtEl>
-                                      </p:cBhvr>
-                                    </p:animEffect>
-                                  </p:childTnLst>
-                                </p:cTn>
-                              </p:par>
-                              <p:par>
-                                <p:cTn id="8" presetID="10" presetClass="entr" presetSubtype="0" fill="hold" grpId="0" nodeType="withEffect">
-                                  <p:stCondLst>
-                                    <p:cond delay="0"/>
-                                  </p:stCondLst>
-                                  <p:childTnLst>
-                                    <p:set>
-                                      <p:cBhvr>
-                                        <p:cTn id="9" dur="1" fill="hold">
-                                          <p:stCondLst>
-                                            <p:cond delay="0"/>
-                                          </p:stCondLst>
-                                        </p:cTn>
-                                        <p:tgtEl>
-                                          <p:spTgt spid="4"/>
-                                        </p:tgtEl>
-                                        <p:attrNameLst>
-                                          <p:attrName>style.visibility</p:attrName>
-                                        </p:attrNameLst>
-                                      </p:cBhvr>
-                                      <p:to>
-                                        <p:strVal val="visible"/>
-                                      </p:to>
-                                    </p:set>
-                                    <p:animEffect transition="in" filter="fade">
-                                      <p:cBhvr>
-                                        <p:cTn id="10" dur="500"/>
-                                        <p:tgtEl>
-                                          <p:spTgt spid="4"/>
-                                        </p:tgtEl>
-                                      </p:cBhvr>
-                                    </p:animEffect>
-                                  </p:childTnLst>
-                                </p:cTn>
-                              </p:par>
-                              <p:par>
-                                <p:cTn id="11" presetID="1" presetClass="entr" presetSubtype="0" fill="hold" grpId="0" nodeType="withEffect">
-                                  <p:stCondLst>
-                                    <p:cond delay="0"/>
-                                  </p:stCondLst>
-                                  <p:childTnLst>
-                                    <p:set>
-                                      <p:cBhvr>
-                                        <p:cTn id="12" dur="1" fill="hold">
-                                          <p:stCondLst>
-                                            <p:cond delay="0"/>
-                                          </p:stCondLst>
-                                        </p:cTn>
-                                        <p:tgtEl>
-                                          <p:spTgt spid="16"/>
-                                        </p:tgtEl>
-                                        <p:attrNameLst>
-                                          <p:attrName>style.visibility</p:attrName>
-                                        </p:attrNameLst>
-                                      </p:cBhvr>
-                                      <p:to>
-                                        <p:strVal val="visible"/>
-                                      </p:to>
-                                    </p:set>
-                                  </p:childTnLst>
-                                </p:cTn>
-                              </p:par>
-                            </p:childTnLst>
-                          </p:cTn>
-                        </p:par>
-                      </p:childTnLst>
-                    </p:cTn>
-                  </p:par>
-                  <p:par>
-                    <p:cTn id="13" fill="hold">
-                      <p:stCondLst>
-                        <p:cond delay="indefinite"/>
-                      </p:stCondLst>
-                      <p:childTnLst>
-                        <p:par>
-                          <p:cTn id="14" fill="hold">
-                            <p:stCondLst>
-                              <p:cond delay="0"/>
-                            </p:stCondLst>
-                            <p:childTnLst>
-                              <p:par>
-                                <p:cTn id="15" presetID="10" presetClass="entr" presetSubtype="0" fill="hold" nodeType="clickEffect">
-                                  <p:stCondLst>
-                                    <p:cond delay="0"/>
-                                  </p:stCondLst>
-                                  <p:childTnLst>
-                                    <p:set>
-                                      <p:cBhvr>
-                                        <p:cTn id="16" dur="1" fill="hold">
-                                          <p:stCondLst>
-                                            <p:cond delay="0"/>
-                                          </p:stCondLst>
-                                        </p:cTn>
-                                        <p:tgtEl>
-                                          <p:spTgt spid="5">
-                                            <p:txEl>
-                                              <p:pRg st="1" end="1"/>
-                                            </p:txEl>
-                                          </p:spTgt>
-                                        </p:tgtEl>
-                                        <p:attrNameLst>
-                                          <p:attrName>style.visibility</p:attrName>
-                                        </p:attrNameLst>
-                                      </p:cBhvr>
-                                      <p:to>
-                                        <p:strVal val="visible"/>
-                                      </p:to>
-                                    </p:set>
-                                    <p:animEffect transition="in" filter="fade">
-                                      <p:cBhvr>
-                                        <p:cTn id="17" dur="500"/>
-                                        <p:tgtEl>
-                                          <p:spTgt spid="5">
-                                            <p:txEl>
-                                              <p:pRg st="1" end="1"/>
-                                            </p:txEl>
-                                          </p:spTgt>
-                                        </p:tgtEl>
-                                      </p:cBhvr>
-                                    </p:animEffect>
-                                  </p:childTnLst>
-                                </p:cTn>
-                              </p:par>
-                              <p:par>
-                                <p:cTn id="18" presetID="10" presetClass="entr" presetSubtype="0" fill="hold" nodeType="withEffect">
-                                  <p:stCondLst>
-                                    <p:cond delay="0"/>
-                                  </p:stCondLst>
-                                  <p:childTnLst>
-                                    <p:set>
-                                      <p:cBhvr>
-                                        <p:cTn id="19" dur="1" fill="hold">
-                                          <p:stCondLst>
-                                            <p:cond delay="0"/>
-                                          </p:stCondLst>
-                                        </p:cTn>
-                                        <p:tgtEl>
-                                          <p:spTgt spid="5">
-                                            <p:txEl>
-                                              <p:pRg st="2" end="2"/>
-                                            </p:txEl>
-                                          </p:spTgt>
-                                        </p:tgtEl>
-                                        <p:attrNameLst>
-                                          <p:attrName>style.visibility</p:attrName>
-                                        </p:attrNameLst>
-                                      </p:cBhvr>
-                                      <p:to>
-                                        <p:strVal val="visible"/>
-                                      </p:to>
-                                    </p:set>
-                                    <p:animEffect transition="in" filter="fade">
-                                      <p:cBhvr>
-                                        <p:cTn id="20" dur="500"/>
-                                        <p:tgtEl>
-                                          <p:spTgt spid="5">
-                                            <p:txEl>
-                                              <p:pRg st="2" end="2"/>
-                                            </p:txEl>
-                                          </p:spTgt>
-                                        </p:tgtEl>
-                                      </p:cBhvr>
-                                    </p:animEffect>
-                                  </p:childTnLst>
-                                </p:cTn>
-                              </p:par>
-                            </p:childTnLst>
-                          </p:cTn>
-                        </p:par>
-                      </p:childTnLst>
-                    </p:cTn>
-                  </p:par>
-                  <p:par>
-                    <p:cTn id="21" fill="hold">
-                      <p:stCondLst>
-                        <p:cond delay="indefinite"/>
-                      </p:stCondLst>
-                      <p:childTnLst>
-                        <p:par>
-                          <p:cTn id="22" fill="hold">
-                            <p:stCondLst>
-                              <p:cond delay="0"/>
-                            </p:stCondLst>
-                            <p:childTnLst>
-                              <p:par>
-                                <p:cTn id="23" presetID="10" presetClass="entr" presetSubtype="0" fill="hold" nodeType="clickEffect">
-                                  <p:stCondLst>
-                                    <p:cond delay="0"/>
-                                  </p:stCondLst>
-                                  <p:childTnLst>
-                                    <p:set>
-                                      <p:cBhvr>
-                                        <p:cTn id="24" dur="1" fill="hold">
-                                          <p:stCondLst>
-                                            <p:cond delay="0"/>
-                                          </p:stCondLst>
-                                        </p:cTn>
-                                        <p:tgtEl>
-                                          <p:spTgt spid="11"/>
-                                        </p:tgtEl>
-                                        <p:attrNameLst>
-                                          <p:attrName>style.visibility</p:attrName>
-                                        </p:attrNameLst>
-                                      </p:cBhvr>
-                                      <p:to>
-                                        <p:strVal val="visible"/>
-                                      </p:to>
-                                    </p:set>
-                                    <p:animEffect transition="in" filter="fade">
-                                      <p:cBhvr>
-                                        <p:cTn id="25" dur="500"/>
-                                        <p:tgtEl>
-                                          <p:spTgt spid="11"/>
-                                        </p:tgtEl>
-                                      </p:cBhvr>
-                                    </p:animEffect>
-                                  </p:childTnLst>
-                                </p:cTn>
-                              </p:par>
-                            </p:childTnLst>
-                          </p:cTn>
-                        </p:par>
-                      </p:childTnLst>
-                    </p:cTn>
-                  </p:par>
-                  <p:par>
-                    <p:cTn id="26" fill="hold">
-                      <p:stCondLst>
-                        <p:cond delay="indefinite"/>
-                      </p:stCondLst>
-                      <p:childTnLst>
-                        <p:par>
-                          <p:cTn id="27" fill="hold">
-                            <p:stCondLst>
-                              <p:cond delay="0"/>
-                            </p:stCondLst>
-                            <p:childTnLst>
-                              <p:par>
-                                <p:cTn id="28" presetID="10" presetClass="entr" presetSubtype="0" fill="hold" nodeType="clickEffect">
-                                  <p:stCondLst>
-                                    <p:cond delay="0"/>
-                                  </p:stCondLst>
-                                  <p:childTnLst>
-                                    <p:set>
-                                      <p:cBhvr>
-                                        <p:cTn id="29" dur="1" fill="hold">
-                                          <p:stCondLst>
-                                            <p:cond delay="0"/>
-                                          </p:stCondLst>
-                                        </p:cTn>
-                                        <p:tgtEl>
-                                          <p:spTgt spid="12"/>
-                                        </p:tgtEl>
-                                        <p:attrNameLst>
-                                          <p:attrName>style.visibility</p:attrName>
-                                        </p:attrNameLst>
-                                      </p:cBhvr>
-                                      <p:to>
-                                        <p:strVal val="visible"/>
-                                      </p:to>
-                                    </p:set>
-                                    <p:animEffect transition="in" filter="fade">
-                                      <p:cBhvr>
-                                        <p:cTn id="30" dur="500"/>
-                                        <p:tgtEl>
-                                          <p:spTgt spid="12"/>
-                                        </p:tgtEl>
-                                      </p:cBhvr>
-                                    </p:animEffect>
-                                  </p:childTnLst>
-                                </p:cTn>
-                              </p:par>
-                            </p:childTnLst>
-                          </p:cTn>
-                        </p:par>
-                      </p:childTnLst>
-                    </p:cTn>
-                  </p:par>
-                  <p:par>
-                    <p:cTn id="31" fill="hold">
-                      <p:stCondLst>
-                        <p:cond delay="indefinite"/>
-                      </p:stCondLst>
-                      <p:childTnLst>
-                        <p:par>
-                          <p:cTn id="32" fill="hold">
-                            <p:stCondLst>
-                              <p:cond delay="0"/>
-                            </p:stCondLst>
-                            <p:childTnLst>
-                              <p:par>
-                                <p:cTn id="33" presetID="10" presetClass="entr" presetSubtype="0" fill="hold" nodeType="clickEffect">
-                                  <p:stCondLst>
-                                    <p:cond delay="0"/>
-                                  </p:stCondLst>
-                                  <p:childTnLst>
-                                    <p:set>
-                                      <p:cBhvr>
-                                        <p:cTn id="34" dur="1" fill="hold">
-                                          <p:stCondLst>
-                                            <p:cond delay="0"/>
-                                          </p:stCondLst>
-                                        </p:cTn>
-                                        <p:tgtEl>
-                                          <p:spTgt spid="13"/>
-                                        </p:tgtEl>
-                                        <p:attrNameLst>
-                                          <p:attrName>style.visibility</p:attrName>
-                                        </p:attrNameLst>
-                                      </p:cBhvr>
-                                      <p:to>
-                                        <p:strVal val="visible"/>
-                                      </p:to>
-                                    </p:set>
-                                    <p:animEffect transition="in" filter="fade">
-                                      <p:cBhvr>
-                                        <p:cTn id="35" dur="500"/>
-                                        <p:tgtEl>
-                                          <p:spTgt spid="13"/>
-                                        </p:tgtEl>
-                                      </p:cBhvr>
-                                    </p:animEffect>
-                                  </p:childTnLst>
-                                </p:cTn>
-                              </p:par>
-                            </p:childTnLst>
-                          </p:cTn>
-                        </p:par>
-                      </p:childTnLst>
-                    </p:cTn>
-                  </p:par>
-                  <p:par>
-                    <p:cTn id="36" fill="hold">
-                      <p:stCondLst>
-                        <p:cond delay="indefinite"/>
-                      </p:stCondLst>
-                      <p:childTnLst>
-                        <p:par>
-                          <p:cTn id="37" fill="hold">
-                            <p:stCondLst>
-                              <p:cond delay="0"/>
-                            </p:stCondLst>
-                            <p:childTnLst>
-                              <p:par>
-                                <p:cTn id="38" presetID="10" presetClass="entr" presetSubtype="0" fill="hold" nodeType="clickEffect">
-                                  <p:stCondLst>
-                                    <p:cond delay="0"/>
-                                  </p:stCondLst>
-                                  <p:childTnLst>
-                                    <p:set>
-                                      <p:cBhvr>
-                                        <p:cTn id="39" dur="1" fill="hold">
-                                          <p:stCondLst>
-                                            <p:cond delay="0"/>
-                                          </p:stCondLst>
-                                        </p:cTn>
-                                        <p:tgtEl>
-                                          <p:spTgt spid="14"/>
-                                        </p:tgtEl>
-                                        <p:attrNameLst>
-                                          <p:attrName>style.visibility</p:attrName>
-                                        </p:attrNameLst>
-                                      </p:cBhvr>
-                                      <p:to>
-                                        <p:strVal val="visible"/>
-                                      </p:to>
-                                    </p:set>
-                                    <p:animEffect transition="in" filter="fade">
-                                      <p:cBhvr>
-                                        <p:cTn id="40" dur="500"/>
-                                        <p:tgtEl>
-                                          <p:spTgt spid="14"/>
-                                        </p:tgtEl>
-                                      </p:cBhvr>
-                                    </p:animEffect>
-                                  </p:childTnLst>
-                                </p:cTn>
-                              </p:par>
-                            </p:childTnLst>
-                          </p:cTn>
-                        </p:par>
-                      </p:childTnLst>
-                    </p:cTn>
-                  </p:par>
-                  <p:par>
-                    <p:cTn id="41" fill="hold">
-                      <p:stCondLst>
-                        <p:cond delay="indefinite"/>
-                      </p:stCondLst>
-                      <p:childTnLst>
-                        <p:par>
-                          <p:cTn id="42" fill="hold">
-                            <p:stCondLst>
-                              <p:cond delay="0"/>
-                            </p:stCondLst>
-                            <p:childTnLst>
-                              <p:par>
-                                <p:cTn id="43" presetID="10" presetClass="entr" presetSubtype="0" fill="hold" nodeType="clickEffect">
-                                  <p:stCondLst>
-                                    <p:cond delay="0"/>
-                                  </p:stCondLst>
-                                  <p:childTnLst>
-                                    <p:set>
-                                      <p:cBhvr>
-                                        <p:cTn id="44" dur="1" fill="hold">
-                                          <p:stCondLst>
-                                            <p:cond delay="0"/>
-                                          </p:stCondLst>
-                                        </p:cTn>
-                                        <p:tgtEl>
-                                          <p:spTgt spid="15"/>
-                                        </p:tgtEl>
-                                        <p:attrNameLst>
-                                          <p:attrName>style.visibility</p:attrName>
-                                        </p:attrNameLst>
-                                      </p:cBhvr>
-                                      <p:to>
-                                        <p:strVal val="visible"/>
-                                      </p:to>
-                                    </p:set>
-                                    <p:animEffect transition="in" filter="fade">
-                                      <p:cBhvr>
-                                        <p:cTn id="45" dur="500"/>
-                                        <p:tgtEl>
-                                          <p:spTgt spid="15"/>
-                                        </p:tgtEl>
-                                      </p:cBhvr>
-                                    </p:animEffect>
-                                  </p:childTnLst>
-                                </p:cTn>
-                              </p:par>
-                            </p:childTnLst>
-                          </p:cTn>
-                        </p:par>
-                      </p:childTnLst>
-                    </p:cTn>
-                  </p:par>
-                  <p:par>
-                    <p:cTn id="46" fill="hold">
-                      <p:stCondLst>
-                        <p:cond delay="indefinite"/>
-                      </p:stCondLst>
-                      <p:childTnLst>
-                        <p:par>
-                          <p:cTn id="47" fill="hold">
-                            <p:stCondLst>
-                              <p:cond delay="0"/>
-                            </p:stCondLst>
-                            <p:childTnLst>
-                              <p:par>
-                                <p:cTn id="48" presetID="10" presetClass="entr" presetSubtype="0" fill="hold" nodeType="clickEffect">
-                                  <p:stCondLst>
-                                    <p:cond delay="0"/>
-                                  </p:stCondLst>
-                                  <p:childTnLst>
-                                    <p:set>
-                                      <p:cBhvr>
-                                        <p:cTn id="49" dur="1" fill="hold">
-                                          <p:stCondLst>
-                                            <p:cond delay="0"/>
-                                          </p:stCondLst>
-                                        </p:cTn>
-                                        <p:tgtEl>
-                                          <p:spTgt spid="5">
-                                            <p:txEl>
-                                              <p:pRg st="3" end="3"/>
-                                            </p:txEl>
-                                          </p:spTgt>
-                                        </p:tgtEl>
-                                        <p:attrNameLst>
-                                          <p:attrName>style.visibility</p:attrName>
-                                        </p:attrNameLst>
-                                      </p:cBhvr>
-                                      <p:to>
-                                        <p:strVal val="visible"/>
-                                      </p:to>
-                                    </p:set>
-                                    <p:animEffect transition="in" filter="fade">
-                                      <p:cBhvr>
-                                        <p:cTn id="50" dur="500"/>
-                                        <p:tgtEl>
-                                          <p:spTgt spid="5">
-                                            <p:txEl>
-                                              <p:pRg st="3" end="3"/>
-                                            </p:txEl>
-                                          </p:spTgt>
-                                        </p:tgtEl>
-                                      </p:cBhvr>
-                                    </p:animEffect>
-                                  </p:childTnLst>
-                                </p:cTn>
-                              </p:par>
-                            </p:childTnLst>
-                          </p:cTn>
-                        </p:par>
-                      </p:childTnLst>
-                    </p:cTn>
-                  </p:par>
-                  <p:par>
-                    <p:cTn id="51" fill="hold">
-                      <p:stCondLst>
-                        <p:cond delay="indefinite"/>
-                      </p:stCondLst>
-                      <p:childTnLst>
-                        <p:par>
-                          <p:cTn id="52" fill="hold">
-                            <p:stCondLst>
-                              <p:cond delay="0"/>
-                            </p:stCondLst>
-                            <p:childTnLst>
-                              <p:par>
-                                <p:cTn id="53" presetID="10" presetClass="entr" presetSubtype="0" fill="hold" nodeType="clickEffect">
-                                  <p:stCondLst>
-                                    <p:cond delay="0"/>
-                                  </p:stCondLst>
-                                  <p:childTnLst>
-                                    <p:set>
-                                      <p:cBhvr>
-                                        <p:cTn id="54" dur="1" fill="hold">
-                                          <p:stCondLst>
-                                            <p:cond delay="0"/>
-                                          </p:stCondLst>
-                                        </p:cTn>
-                                        <p:tgtEl>
-                                          <p:spTgt spid="5">
-                                            <p:txEl>
-                                              <p:pRg st="4" end="4"/>
-                                            </p:txEl>
-                                          </p:spTgt>
-                                        </p:tgtEl>
-                                        <p:attrNameLst>
-                                          <p:attrName>style.visibility</p:attrName>
-                                        </p:attrNameLst>
-                                      </p:cBhvr>
-                                      <p:to>
-                                        <p:strVal val="visible"/>
-                                      </p:to>
-                                    </p:set>
-                                    <p:animEffect transition="in" filter="fade">
-                                      <p:cBhvr>
-                                        <p:cTn id="55" dur="500"/>
-                                        <p:tgtEl>
-                                          <p:spTgt spid="5">
-                                            <p:txEl>
-                                              <p:pRg st="4" end="4"/>
-                                            </p:txEl>
-                                          </p:spTgt>
-                                        </p:tgtEl>
-                                      </p:cBhvr>
-                                    </p:animEffect>
-                                  </p:childTnLst>
-                                </p:cTn>
-                              </p:par>
-                            </p:childTnLst>
-                          </p:cTn>
-                        </p:par>
-                      </p:childTnLst>
-                    </p:cTn>
-                  </p:par>
-                  <p:par>
-                    <p:cTn id="56" fill="hold">
-                      <p:stCondLst>
-                        <p:cond delay="indefinite"/>
-                      </p:stCondLst>
-                      <p:childTnLst>
-                        <p:par>
-                          <p:cTn id="57" fill="hold">
-                            <p:stCondLst>
-                              <p:cond delay="0"/>
-                            </p:stCondLst>
-                            <p:childTnLst>
-                              <p:par>
-                                <p:cTn id="58" presetID="10" presetClass="entr" presetSubtype="0" fill="hold" nodeType="clickEffect">
-                                  <p:stCondLst>
-                                    <p:cond delay="0"/>
-                                  </p:stCondLst>
-                                  <p:childTnLst>
-                                    <p:set>
-                                      <p:cBhvr>
-                                        <p:cTn id="59" dur="1" fill="hold">
-                                          <p:stCondLst>
-                                            <p:cond delay="0"/>
-                                          </p:stCondLst>
-                                        </p:cTn>
-                                        <p:tgtEl>
-                                          <p:spTgt spid="5">
-                                            <p:txEl>
-                                              <p:pRg st="5" end="5"/>
-                                            </p:txEl>
-                                          </p:spTgt>
-                                        </p:tgtEl>
-                                        <p:attrNameLst>
-                                          <p:attrName>style.visibility</p:attrName>
-                                        </p:attrNameLst>
-                                      </p:cBhvr>
-                                      <p:to>
-                                        <p:strVal val="visible"/>
-                                      </p:to>
-                                    </p:set>
-                                    <p:animEffect transition="in" filter="fade">
-                                      <p:cBhvr>
-                                        <p:cTn id="60" dur="500"/>
-                                        <p:tgtEl>
-                                          <p:spTgt spid="5">
-                                            <p:txEl>
-                                              <p:pRg st="5" end="5"/>
-                                            </p:txEl>
-                                          </p:spTgt>
-                                        </p:tgtEl>
-                                      </p:cBhvr>
-                                    </p:animEffect>
-                                  </p:childTnLst>
-                                </p:cTn>
-                              </p:par>
-                            </p:childTnLst>
-                          </p:cTn>
-                        </p:par>
-                      </p:childTnLst>
-                    </p:cTn>
-                  </p:par>
-                  <p:par>
-                    <p:cTn id="61" fill="hold">
-                      <p:stCondLst>
-                        <p:cond delay="indefinite"/>
-                      </p:stCondLst>
-                      <p:childTnLst>
-                        <p:par>
-                          <p:cTn id="62" fill="hold">
-                            <p:stCondLst>
-                              <p:cond delay="0"/>
-                            </p:stCondLst>
-                            <p:childTnLst>
-                              <p:par>
-                                <p:cTn id="63" presetID="10" presetClass="entr" presetSubtype="0" fill="hold" nodeType="clickEffect">
-                                  <p:stCondLst>
-                                    <p:cond delay="0"/>
-                                  </p:stCondLst>
-                                  <p:childTnLst>
-                                    <p:set>
-                                      <p:cBhvr>
-                                        <p:cTn id="64" dur="1" fill="hold">
-                                          <p:stCondLst>
-                                            <p:cond delay="0"/>
-                                          </p:stCondLst>
-                                        </p:cTn>
-                                        <p:tgtEl>
-                                          <p:spTgt spid="5">
-                                            <p:txEl>
-                                              <p:pRg st="6" end="6"/>
-                                            </p:txEl>
-                                          </p:spTgt>
-                                        </p:tgtEl>
-                                        <p:attrNameLst>
-                                          <p:attrName>style.visibility</p:attrName>
-                                        </p:attrNameLst>
-                                      </p:cBhvr>
-                                      <p:to>
-                                        <p:strVal val="visible"/>
-                                      </p:to>
-                                    </p:set>
-                                    <p:animEffect transition="in" filter="fade">
-                                      <p:cBhvr>
-                                        <p:cTn id="65" dur="500"/>
-                                        <p:tgtEl>
-                                          <p:spTgt spid="5">
-                                            <p:txEl>
-                                              <p:pRg st="6" end="6"/>
-                                            </p:txEl>
-                                          </p:spTgt>
-                                        </p:tgtEl>
-                                      </p:cBhvr>
-                                    </p:animEffect>
-                                  </p:childTnLst>
-                                </p:cTn>
-                              </p:par>
-                            </p:childTnLst>
-                          </p:cTn>
-                        </p:par>
-                      </p:childTnLst>
-                    </p:cTn>
-                  </p:par>
-                </p:childTnLst>
-              </p:cTn>
-              <p:prevCondLst>
-                <p:cond evt="onPrev" delay="0">
-                  <p:tgtEl>
-                    <p:sldTgt/>
-                  </p:tgtEl>
-                </p:cond>
-              </p:prevCondLst>
-              <p:nextCondLst>
-                <p:cond evt="onNext" delay="0">
-                  <p:tgtEl>
-                    <p:sldTgt/>
-                  </p:tgtEl>
-                </p:cond>
-              </p:nextCondLst>
-            </p:seq>
-          </p:childTnLst>
-        </p:cTn>
+        <p:cTn id="1" dur="indefinite" restart="never" nodeType="tmRoot"/>
       </p:par>
     </p:tnLst>
-    <p:bldLst>
-      <p:bldP spid="4" grpId="0"/>
-      <p:bldP spid="16" grpId="0"/>
-    </p:bldLst>
   </p:timing>
 </p:sld>
 </file>
@@ -10288,7 +5784,7 @@
           <a:p>
             <a:r>
               <a:rPr lang="fr-FR" dirty="0" smtClean="0"/>
-              <a:t>Les listes</a:t>
+              <a:t>Méthodes sur les listes</a:t>
             </a:r>
             <a:endParaRPr lang="fr-FR" dirty="0"/>
           </a:p>
@@ -10306,8 +5802,8 @@
         </p:nvSpPr>
         <p:spPr>
           <a:xfrm>
-            <a:off x="457200" y="1600200"/>
-            <a:ext cx="8686800" cy="4525963"/>
+            <a:off x="457199" y="1600200"/>
+            <a:ext cx="8686801" cy="4525963"/>
           </a:xfrm>
         </p:spPr>
         <p:txBody>
@@ -10316,28 +5812,160 @@
           <a:p>
             <a:r>
               <a:rPr lang="fr-FR" dirty="0" smtClean="0"/>
-              <a:t>Permet de créer une liste de n’importe quels objets</a:t>
+              <a:t>Toutes les méthodes sur les séquences</a:t>
+            </a:r>
+          </a:p>
+          <a:p>
+            <a:r>
+              <a:rPr lang="fr-FR" dirty="0" smtClean="0"/>
+              <a:t>Des méthodes spécifiques aux types mutables (</a:t>
+            </a:r>
+            <a:r>
+              <a:rPr lang="fr-FR" dirty="0" smtClean="0">
+                <a:solidFill>
+                  <a:srgbClr val="FF0000"/>
+                </a:solidFill>
+              </a:rPr>
+              <a:t>modifications </a:t>
+            </a:r>
+            <a:r>
+              <a:rPr lang="fr-FR" dirty="0" err="1" smtClean="0">
+                <a:solidFill>
+                  <a:srgbClr val="FF0000"/>
+                </a:solidFill>
+              </a:rPr>
+              <a:t>in-place</a:t>
+            </a:r>
+            <a:r>
+              <a:rPr lang="fr-FR" dirty="0" smtClean="0"/>
+              <a:t>)</a:t>
             </a:r>
           </a:p>
           <a:p>
             <a:pPr lvl="1"/>
             <a:r>
+              <a:rPr lang="fr-FR" dirty="0" err="1" smtClean="0">
+                <a:latin typeface="Courier New" pitchFamily="49" charset="0"/>
+                <a:cs typeface="Courier New" pitchFamily="49" charset="0"/>
+              </a:rPr>
+              <a:t>L.append</a:t>
+            </a:r>
+            <a:r>
+              <a:rPr lang="fr-FR" dirty="0" smtClean="0">
+                <a:latin typeface="Courier New" pitchFamily="49" charset="0"/>
+                <a:cs typeface="Courier New" pitchFamily="49" charset="0"/>
+              </a:rPr>
+              <a:t>(x)</a:t>
+            </a:r>
+            <a:r>
               <a:rPr lang="fr-FR" dirty="0" smtClean="0"/>
-              <a:t>Techniquement, c’est un tableau de pointeurs vers les objets</a:t>
+              <a:t> ajoute x à la fin de L</a:t>
             </a:r>
           </a:p>
           <a:p>
             <a:pPr lvl="1"/>
             <a:r>
+              <a:rPr lang="fr-FR" dirty="0" err="1" smtClean="0">
+                <a:latin typeface="Courier New" pitchFamily="49" charset="0"/>
+                <a:cs typeface="Courier New" pitchFamily="49" charset="0"/>
+              </a:rPr>
+              <a:t>L.extend</a:t>
+            </a:r>
+            <a:r>
+              <a:rPr lang="fr-FR" dirty="0" smtClean="0">
+                <a:latin typeface="Courier New" pitchFamily="49" charset="0"/>
+                <a:cs typeface="Courier New" pitchFamily="49" charset="0"/>
+              </a:rPr>
+              <a:t>(L2)</a:t>
+            </a:r>
+            <a:r>
               <a:rPr lang="fr-FR" dirty="0" smtClean="0"/>
-              <a:t>Les listes sont dynamiques, de taille variable</a:t>
+              <a:t>  ajoute chaque élément de la liste L2 à la fin de L</a:t>
             </a:r>
           </a:p>
           <a:p>
             <a:pPr lvl="1"/>
             <a:r>
+              <a:rPr lang="fr-FR" dirty="0" err="1" smtClean="0">
+                <a:latin typeface="Courier New" pitchFamily="49" charset="0"/>
+                <a:cs typeface="Courier New" pitchFamily="49" charset="0"/>
+              </a:rPr>
+              <a:t>L.insert</a:t>
+            </a:r>
+            <a:r>
+              <a:rPr lang="fr-FR" dirty="0" smtClean="0">
+                <a:latin typeface="Courier New" pitchFamily="49" charset="0"/>
+                <a:cs typeface="Courier New" pitchFamily="49" charset="0"/>
+              </a:rPr>
+              <a:t>(</a:t>
+            </a:r>
+            <a:r>
+              <a:rPr lang="fr-FR" dirty="0" err="1" smtClean="0">
+                <a:latin typeface="Courier New" pitchFamily="49" charset="0"/>
+                <a:cs typeface="Courier New" pitchFamily="49" charset="0"/>
+              </a:rPr>
+              <a:t>i,x</a:t>
+            </a:r>
+            <a:r>
+              <a:rPr lang="fr-FR" dirty="0" smtClean="0">
+                <a:latin typeface="Courier New" pitchFamily="49" charset="0"/>
+                <a:cs typeface="Courier New" pitchFamily="49" charset="0"/>
+              </a:rPr>
+              <a:t>)</a:t>
+            </a:r>
+            <a:r>
               <a:rPr lang="fr-FR" dirty="0" smtClean="0"/>
-              <a:t>Comme une liste est un objet, on peut avoir une liste de listes</a:t>
+              <a:t> ajoute x </a:t>
+            </a:r>
+            <a:r>
+              <a:rPr lang="fr-FR" dirty="0"/>
+              <a:t>à</a:t>
+            </a:r>
+            <a:r>
+              <a:rPr lang="fr-FR" dirty="0" smtClean="0"/>
+              <a:t> la position i</a:t>
+            </a:r>
+          </a:p>
+          <a:p>
+            <a:pPr lvl="1"/>
+            <a:r>
+              <a:rPr lang="fr-FR" dirty="0" err="1" smtClean="0">
+                <a:latin typeface="Courier New" pitchFamily="49" charset="0"/>
+                <a:cs typeface="Courier New" pitchFamily="49" charset="0"/>
+              </a:rPr>
+              <a:t>L.sort</a:t>
+            </a:r>
+            <a:r>
+              <a:rPr lang="fr-FR" dirty="0" smtClean="0">
+                <a:latin typeface="Courier New" pitchFamily="49" charset="0"/>
+                <a:cs typeface="Courier New" pitchFamily="49" charset="0"/>
+              </a:rPr>
+              <a:t>()  </a:t>
+            </a:r>
+            <a:r>
+              <a:rPr lang="fr-FR" dirty="0" smtClean="0"/>
+              <a:t>trie L</a:t>
+            </a:r>
+          </a:p>
+          <a:p>
+            <a:pPr lvl="1"/>
+            <a:r>
+              <a:rPr lang="fr-FR" dirty="0" err="1" smtClean="0">
+                <a:latin typeface="Courier New" pitchFamily="49" charset="0"/>
+                <a:cs typeface="Courier New" pitchFamily="49" charset="0"/>
+              </a:rPr>
+              <a:t>L.reverse</a:t>
+            </a:r>
+            <a:r>
+              <a:rPr lang="fr-FR" dirty="0" smtClean="0">
+                <a:latin typeface="Courier New" pitchFamily="49" charset="0"/>
+                <a:cs typeface="Courier New" pitchFamily="49" charset="0"/>
+              </a:rPr>
+              <a:t>() </a:t>
+            </a:r>
+            <a:r>
+              <a:rPr lang="fr-FR" dirty="0" smtClean="0"/>
+              <a:t>renverse les éléments de L</a:t>
             </a:r>
           </a:p>
         </p:txBody>
@@ -10345,7 +5973,7 @@
     </p:spTree>
     <p:extLst>
       <p:ext uri="{BB962C8B-B14F-4D97-AF65-F5344CB8AC3E}">
-        <p14:creationId xmlns:p14="http://schemas.microsoft.com/office/powerpoint/2010/main" val="1153943157"/>
+        <p14:creationId xmlns:p14="http://schemas.microsoft.com/office/powerpoint/2010/main" val="2689533893"/>
       </p:ext>
     </p:extLst>
   </p:cSld>
@@ -10395,9 +6023,10 @@
           <a:lstStyle/>
           <a:p>
             <a:r>
-              <a:rPr lang="fr-FR" dirty="0"/>
-              <a:t>Les listes</a:t>
-            </a:r>
+              <a:rPr lang="fr-FR" dirty="0" smtClean="0"/>
+              <a:t>Méthodes sur les listes</a:t>
+            </a:r>
+            <a:endParaRPr lang="fr-FR" dirty="0"/>
           </a:p>
         </p:txBody>
       </p:sp>
@@ -10411,249 +6040,98 @@
             <p:ph idx="1"/>
           </p:nvPr>
         </p:nvSpPr>
-        <p:spPr/>
+        <p:spPr>
+          <a:xfrm>
+            <a:off x="457199" y="1600200"/>
+            <a:ext cx="8686801" cy="4525963"/>
+          </a:xfrm>
+        </p:spPr>
         <p:txBody>
           <a:bodyPr/>
           <a:lstStyle/>
           <a:p>
-            <a:pPr marL="0" lvl="0" indent="0">
-              <a:buNone/>
-            </a:pPr>
-            <a:r>
-              <a:rPr lang="en-US" sz="2000" dirty="0">
-                <a:solidFill>
-                  <a:srgbClr val="000000"/>
-                </a:solidFill>
-                <a:latin typeface="Courier New" pitchFamily="49" charset="0"/>
-                <a:cs typeface="Courier New" pitchFamily="49" charset="0"/>
-              </a:rPr>
-              <a:t>&gt;&gt;&gt; L=[]</a:t>
-            </a:r>
-          </a:p>
-          <a:p>
-            <a:pPr marL="0" lvl="0" indent="0">
-              <a:buNone/>
-            </a:pPr>
-            <a:r>
-              <a:rPr lang="en-US" sz="2000" dirty="0">
-                <a:solidFill>
-                  <a:srgbClr val="000000"/>
-                </a:solidFill>
-                <a:latin typeface="Courier New" pitchFamily="49" charset="0"/>
-                <a:cs typeface="Courier New" pitchFamily="49" charset="0"/>
-              </a:rPr>
-              <a:t>&gt;&gt;&gt; L=[4, </a:t>
-            </a:r>
-            <a:r>
-              <a:rPr lang="en-US" sz="2000" dirty="0" smtClean="0">
-                <a:solidFill>
-                  <a:srgbClr val="000000"/>
-                </a:solidFill>
-                <a:latin typeface="Courier New" pitchFamily="49" charset="0"/>
-                <a:cs typeface="Courier New" pitchFamily="49" charset="0"/>
-              </a:rPr>
-              <a:t>'bob', </a:t>
-            </a:r>
-            <a:r>
-              <a:rPr lang="en-US" sz="2000" dirty="0">
-                <a:solidFill>
-                  <a:srgbClr val="000000"/>
-                </a:solidFill>
-                <a:latin typeface="Courier New" pitchFamily="49" charset="0"/>
-                <a:cs typeface="Courier New" pitchFamily="49" charset="0"/>
-              </a:rPr>
-              <a:t>4.3, True]</a:t>
-            </a:r>
-          </a:p>
-          <a:p>
-            <a:pPr marL="0" lvl="0" indent="0">
-              <a:buNone/>
-            </a:pPr>
-            <a:r>
-              <a:rPr lang="en-US" sz="2000" dirty="0">
-                <a:solidFill>
-                  <a:srgbClr val="000000"/>
-                </a:solidFill>
-                <a:latin typeface="Courier New" pitchFamily="49" charset="0"/>
-                <a:cs typeface="Courier New" pitchFamily="49" charset="0"/>
-              </a:rPr>
-              <a:t>&gt;&gt;&gt; L</a:t>
-            </a:r>
-          </a:p>
-          <a:p>
-            <a:pPr marL="0" lvl="0" indent="0">
-              <a:buNone/>
-            </a:pPr>
-            <a:r>
-              <a:rPr lang="en-US" sz="2000" dirty="0">
-                <a:solidFill>
-                  <a:srgbClr val="000000"/>
-                </a:solidFill>
-                <a:latin typeface="Courier New" pitchFamily="49" charset="0"/>
-                <a:cs typeface="Courier New" pitchFamily="49" charset="0"/>
-              </a:rPr>
-              <a:t>[4, </a:t>
-            </a:r>
-            <a:r>
-              <a:rPr lang="en-US" sz="2000" dirty="0" smtClean="0">
-                <a:solidFill>
-                  <a:srgbClr val="000000"/>
-                </a:solidFill>
-                <a:latin typeface="Courier New" pitchFamily="49" charset="0"/>
-                <a:cs typeface="Courier New" pitchFamily="49" charset="0"/>
-              </a:rPr>
-              <a:t>'bob', </a:t>
-            </a:r>
-            <a:r>
-              <a:rPr lang="en-US" sz="2000" dirty="0">
-                <a:solidFill>
-                  <a:srgbClr val="000000"/>
-                </a:solidFill>
-                <a:latin typeface="Courier New" pitchFamily="49" charset="0"/>
-                <a:cs typeface="Courier New" pitchFamily="49" charset="0"/>
-              </a:rPr>
-              <a:t>4.3, True</a:t>
-            </a:r>
-            <a:r>
-              <a:rPr lang="en-US" sz="2000" dirty="0" smtClean="0">
-                <a:solidFill>
-                  <a:srgbClr val="000000"/>
-                </a:solidFill>
-                <a:latin typeface="Courier New" pitchFamily="49" charset="0"/>
-                <a:cs typeface="Courier New" pitchFamily="49" charset="0"/>
-              </a:rPr>
-              <a:t>]</a:t>
-            </a:r>
-          </a:p>
-          <a:p>
-            <a:pPr marL="0" lvl="0" indent="0">
-              <a:buNone/>
-            </a:pPr>
-            <a:r>
-              <a:rPr lang="en-US" sz="2000" dirty="0">
-                <a:solidFill>
-                  <a:srgbClr val="000000"/>
-                </a:solidFill>
-                <a:latin typeface="Courier New" pitchFamily="49" charset="0"/>
-                <a:cs typeface="Courier New" pitchFamily="49" charset="0"/>
-              </a:rPr>
-              <a:t>&gt;&gt;&gt; L[2]</a:t>
-            </a:r>
-          </a:p>
-          <a:p>
-            <a:pPr marL="0" lvl="0" indent="0">
-              <a:buNone/>
-            </a:pPr>
-            <a:r>
-              <a:rPr lang="en-US" sz="2000" dirty="0">
-                <a:solidFill>
-                  <a:srgbClr val="000000"/>
-                </a:solidFill>
-                <a:latin typeface="Courier New" pitchFamily="49" charset="0"/>
-                <a:cs typeface="Courier New" pitchFamily="49" charset="0"/>
-              </a:rPr>
-              <a:t>4.3</a:t>
-            </a:r>
-          </a:p>
-          <a:p>
-            <a:pPr marL="0" lvl="0" indent="0">
-              <a:buNone/>
-            </a:pPr>
-            <a:r>
-              <a:rPr lang="en-US" sz="2000" dirty="0">
-                <a:solidFill>
-                  <a:srgbClr val="000000"/>
-                </a:solidFill>
-                <a:latin typeface="Courier New" pitchFamily="49" charset="0"/>
-                <a:cs typeface="Courier New" pitchFamily="49" charset="0"/>
-              </a:rPr>
-              <a:t>&gt;&gt;&gt; L[3]</a:t>
-            </a:r>
-          </a:p>
-          <a:p>
-            <a:pPr marL="0" lvl="0" indent="0">
-              <a:buNone/>
-            </a:pPr>
-            <a:r>
-              <a:rPr lang="en-US" sz="2000" dirty="0">
-                <a:solidFill>
-                  <a:srgbClr val="000000"/>
-                </a:solidFill>
-                <a:latin typeface="Courier New" pitchFamily="49" charset="0"/>
-                <a:cs typeface="Courier New" pitchFamily="49" charset="0"/>
-              </a:rPr>
-              <a:t>True</a:t>
-            </a:r>
-          </a:p>
-          <a:p>
-            <a:pPr marL="0" lvl="0" indent="0">
-              <a:buNone/>
-            </a:pPr>
-            <a:r>
-              <a:rPr lang="en-US" sz="2000" dirty="0">
-                <a:solidFill>
-                  <a:srgbClr val="000000"/>
-                </a:solidFill>
-                <a:latin typeface="Courier New" pitchFamily="49" charset="0"/>
-                <a:cs typeface="Courier New" pitchFamily="49" charset="0"/>
-              </a:rPr>
-              <a:t>&gt;&gt;&gt; L[0] = L[0]+6</a:t>
-            </a:r>
-          </a:p>
-          <a:p>
-            <a:pPr marL="0" lvl="0" indent="0">
-              <a:buNone/>
-            </a:pPr>
-            <a:r>
-              <a:rPr lang="en-US" sz="2000" dirty="0">
-                <a:solidFill>
-                  <a:srgbClr val="000000"/>
-                </a:solidFill>
-                <a:latin typeface="Courier New" pitchFamily="49" charset="0"/>
-                <a:cs typeface="Courier New" pitchFamily="49" charset="0"/>
-              </a:rPr>
-              <a:t>&gt;&gt;&gt; L</a:t>
-            </a:r>
-          </a:p>
-          <a:p>
-            <a:pPr marL="0" lvl="0" indent="0">
-              <a:buNone/>
-            </a:pPr>
-            <a:r>
-              <a:rPr lang="en-US" sz="2000" dirty="0">
-                <a:solidFill>
-                  <a:srgbClr val="000000"/>
-                </a:solidFill>
-                <a:latin typeface="Courier New" pitchFamily="49" charset="0"/>
-                <a:cs typeface="Courier New" pitchFamily="49" charset="0"/>
-              </a:rPr>
-              <a:t>[10, </a:t>
-            </a:r>
-            <a:r>
-              <a:rPr lang="en-US" sz="2000" dirty="0" smtClean="0">
-                <a:solidFill>
-                  <a:srgbClr val="000000"/>
-                </a:solidFill>
-                <a:latin typeface="Courier New" pitchFamily="49" charset="0"/>
-                <a:cs typeface="Courier New" pitchFamily="49" charset="0"/>
-              </a:rPr>
-              <a:t>'bob', </a:t>
-            </a:r>
-            <a:r>
-              <a:rPr lang="en-US" sz="2000" dirty="0">
-                <a:solidFill>
-                  <a:srgbClr val="000000"/>
-                </a:solidFill>
-                <a:latin typeface="Courier New" pitchFamily="49" charset="0"/>
-                <a:cs typeface="Courier New" pitchFamily="49" charset="0"/>
-              </a:rPr>
-              <a:t>4.3, True]</a:t>
-            </a:r>
-          </a:p>
-          <a:p>
-            <a:pPr marL="0" indent="0">
-              <a:buNone/>
-            </a:pPr>
+            <a:pPr lvl="1"/>
+            <a:r>
+              <a:rPr lang="fr-FR" dirty="0" err="1" smtClean="0">
+                <a:latin typeface="Courier New" pitchFamily="49" charset="0"/>
+                <a:cs typeface="Courier New" pitchFamily="49" charset="0"/>
+              </a:rPr>
+              <a:t>L.pop</a:t>
+            </a:r>
+            <a:r>
+              <a:rPr lang="fr-FR" dirty="0" smtClean="0">
+                <a:latin typeface="Courier New" pitchFamily="49" charset="0"/>
+                <a:cs typeface="Courier New" pitchFamily="49" charset="0"/>
+              </a:rPr>
+              <a:t>(i)</a:t>
+            </a:r>
+            <a:r>
+              <a:rPr lang="fr-FR" dirty="0" smtClean="0"/>
+              <a:t> supprime l’élément à la position i, si i n’est pas fourni, supprime le dernier élément. La fonction retourne l’élément supprimé</a:t>
+            </a:r>
+          </a:p>
+          <a:p>
+            <a:pPr lvl="2"/>
+            <a:r>
+              <a:rPr lang="fr-FR" dirty="0" smtClean="0"/>
+              <a:t>Utilisé pour faire une pile d’éléments</a:t>
+            </a:r>
+          </a:p>
+          <a:p>
+            <a:pPr lvl="1"/>
+            <a:r>
+              <a:rPr lang="fr-FR" dirty="0" err="1" smtClean="0">
+                <a:latin typeface="Courier New" pitchFamily="49" charset="0"/>
+                <a:cs typeface="Courier New" pitchFamily="49" charset="0"/>
+              </a:rPr>
+              <a:t>L.remove</a:t>
+            </a:r>
+            <a:r>
+              <a:rPr lang="fr-FR" dirty="0" smtClean="0">
+                <a:latin typeface="Courier New" pitchFamily="49" charset="0"/>
+                <a:cs typeface="Courier New" pitchFamily="49" charset="0"/>
+              </a:rPr>
+              <a:t>(x)</a:t>
+            </a:r>
+            <a:r>
+              <a:rPr lang="fr-FR" dirty="0" smtClean="0"/>
+              <a:t> supprime la première occurrence de x dans L. S’il n’y a pas de x, une exception est retournée</a:t>
+            </a:r>
+          </a:p>
+          <a:p>
+            <a:pPr lvl="1"/>
+            <a:r>
+              <a:rPr lang="fr-FR" dirty="0" err="1" smtClean="0">
+                <a:latin typeface="Courier New" pitchFamily="49" charset="0"/>
+                <a:cs typeface="Courier New" pitchFamily="49" charset="0"/>
+              </a:rPr>
+              <a:t>del</a:t>
+            </a:r>
+            <a:r>
+              <a:rPr lang="fr-FR" dirty="0" smtClean="0">
+                <a:latin typeface="Courier New" pitchFamily="49" charset="0"/>
+                <a:cs typeface="Courier New" pitchFamily="49" charset="0"/>
+              </a:rPr>
+              <a:t> L[</a:t>
+            </a:r>
+            <a:r>
+              <a:rPr lang="fr-FR" dirty="0" err="1" smtClean="0">
+                <a:latin typeface="Courier New" pitchFamily="49" charset="0"/>
+                <a:cs typeface="Courier New" pitchFamily="49" charset="0"/>
+              </a:rPr>
+              <a:t>i:j:k</a:t>
+            </a:r>
+            <a:r>
+              <a:rPr lang="fr-FR" dirty="0" smtClean="0">
+                <a:latin typeface="Courier New" pitchFamily="49" charset="0"/>
+                <a:cs typeface="Courier New" pitchFamily="49" charset="0"/>
+              </a:rPr>
+              <a:t>] </a:t>
+            </a:r>
+            <a:r>
+              <a:rPr lang="fr-FR" dirty="0" smtClean="0"/>
+              <a:t>supprime tous les éléments entre i et j-1 par pas de k éléments, si i=j supprime l’élément i</a:t>
+            </a:r>
             <a:endParaRPr lang="fr-FR" dirty="0"/>
           </a:p>
         </p:txBody>
@@ -10661,7 +6139,7 @@
     </p:spTree>
     <p:extLst>
       <p:ext uri="{BB962C8B-B14F-4D97-AF65-F5344CB8AC3E}">
-        <p14:creationId xmlns:p14="http://schemas.microsoft.com/office/powerpoint/2010/main" val="519210513"/>
+        <p14:creationId xmlns:p14="http://schemas.microsoft.com/office/powerpoint/2010/main" val="374515545"/>
       </p:ext>
     </p:extLst>
   </p:cSld>
@@ -10711,10 +6189,9 @@
           <a:lstStyle/>
           <a:p>
             <a:r>
-              <a:rPr lang="fr-FR" dirty="0" smtClean="0"/>
-              <a:t>Modification des listes</a:t>
-            </a:r>
-            <a:endParaRPr lang="fr-FR" dirty="0"/>
+              <a:rPr lang="fr-FR" dirty="0"/>
+              <a:t>Méthodes sur les listes</a:t>
+            </a:r>
           </a:p>
         </p:txBody>
       </p:sp>
@@ -10728,226 +6205,201 @@
             <p:ph idx="1"/>
           </p:nvPr>
         </p:nvSpPr>
-        <p:spPr>
-          <a:xfrm>
-            <a:off x="457200" y="1600200"/>
-            <a:ext cx="8432800" cy="4525963"/>
-          </a:xfrm>
-        </p:spPr>
+        <p:spPr/>
         <p:txBody>
           <a:bodyPr/>
           <a:lstStyle/>
           <a:p>
-            <a:pPr marL="0" lvl="0" indent="0">
-              <a:buNone/>
-            </a:pPr>
+            <a:pPr marL="0" indent="0">
+              <a:buNone/>
+            </a:pPr>
+            <a:r>
+              <a:rPr lang="fr-FR" sz="2000" dirty="0">
+                <a:latin typeface="Courier New" pitchFamily="49" charset="0"/>
+                <a:cs typeface="Courier New" pitchFamily="49" charset="0"/>
+              </a:rPr>
+              <a:t>&gt;&gt;&gt; L=[2,4,1,6,3]</a:t>
+            </a:r>
+          </a:p>
+          <a:p>
+            <a:pPr marL="0" indent="0">
+              <a:buNone/>
+            </a:pPr>
+            <a:r>
+              <a:rPr lang="fr-FR" sz="2000" dirty="0">
+                <a:latin typeface="Courier New" pitchFamily="49" charset="0"/>
+                <a:cs typeface="Courier New" pitchFamily="49" charset="0"/>
+              </a:rPr>
+              <a:t>&gt;&gt;&gt; </a:t>
+            </a:r>
+            <a:r>
+              <a:rPr lang="fr-FR" sz="2000" dirty="0" err="1">
+                <a:latin typeface="Courier New" pitchFamily="49" charset="0"/>
+                <a:cs typeface="Courier New" pitchFamily="49" charset="0"/>
+              </a:rPr>
+              <a:t>L.append</a:t>
+            </a:r>
+            <a:r>
+              <a:rPr lang="fr-FR" sz="2000" dirty="0">
+                <a:latin typeface="Courier New" pitchFamily="49" charset="0"/>
+                <a:cs typeface="Courier New" pitchFamily="49" charset="0"/>
+              </a:rPr>
+              <a:t>(9)</a:t>
+            </a:r>
+          </a:p>
+          <a:p>
+            <a:pPr marL="0" indent="0">
+              <a:buNone/>
+            </a:pPr>
+            <a:r>
+              <a:rPr lang="fr-FR" sz="2000" dirty="0">
+                <a:latin typeface="Courier New" pitchFamily="49" charset="0"/>
+                <a:cs typeface="Courier New" pitchFamily="49" charset="0"/>
+              </a:rPr>
+              <a:t>&gt;&gt;&gt; L</a:t>
+            </a:r>
+          </a:p>
+          <a:p>
+            <a:pPr marL="0" indent="0">
+              <a:buNone/>
+            </a:pPr>
+            <a:r>
+              <a:rPr lang="fr-FR" sz="2000" dirty="0">
+                <a:latin typeface="Courier New" pitchFamily="49" charset="0"/>
+                <a:cs typeface="Courier New" pitchFamily="49" charset="0"/>
+              </a:rPr>
+              <a:t>[2, 4, 1, 6, 3, 9]</a:t>
+            </a:r>
+          </a:p>
+          <a:p>
+            <a:pPr marL="0" indent="0">
+              <a:buNone/>
+            </a:pPr>
+            <a:r>
+              <a:rPr lang="fr-FR" sz="2000" dirty="0">
+                <a:latin typeface="Courier New" pitchFamily="49" charset="0"/>
+                <a:cs typeface="Courier New" pitchFamily="49" charset="0"/>
+              </a:rPr>
+              <a:t>&gt;&gt;&gt; </a:t>
+            </a:r>
+            <a:r>
+              <a:rPr lang="fr-FR" sz="2000" dirty="0" err="1">
+                <a:latin typeface="Courier New" pitchFamily="49" charset="0"/>
+                <a:cs typeface="Courier New" pitchFamily="49" charset="0"/>
+              </a:rPr>
+              <a:t>L.extend</a:t>
+            </a:r>
+            <a:r>
+              <a:rPr lang="fr-FR" sz="2000" dirty="0">
+                <a:latin typeface="Courier New" pitchFamily="49" charset="0"/>
+                <a:cs typeface="Courier New" pitchFamily="49" charset="0"/>
+              </a:rPr>
+              <a:t>([1,2])</a:t>
+            </a:r>
+          </a:p>
+          <a:p>
+            <a:pPr marL="0" indent="0">
+              <a:buNone/>
+            </a:pPr>
+            <a:r>
+              <a:rPr lang="fr-FR" sz="2000" dirty="0">
+                <a:latin typeface="Courier New" pitchFamily="49" charset="0"/>
+                <a:cs typeface="Courier New" pitchFamily="49" charset="0"/>
+              </a:rPr>
+              <a:t>&gt;&gt;&gt; L</a:t>
+            </a:r>
+          </a:p>
+          <a:p>
+            <a:pPr marL="0" indent="0">
+              <a:buNone/>
+            </a:pPr>
+            <a:r>
+              <a:rPr lang="fr-FR" sz="2000" dirty="0">
+                <a:latin typeface="Courier New" pitchFamily="49" charset="0"/>
+                <a:cs typeface="Courier New" pitchFamily="49" charset="0"/>
+              </a:rPr>
+              <a:t>[2, 4, 1, 6, 3, 9, 1, 2]</a:t>
+            </a:r>
+          </a:p>
+          <a:p>
+            <a:pPr marL="0" indent="0">
+              <a:buNone/>
+            </a:pPr>
+            <a:r>
+              <a:rPr lang="fr-FR" sz="2000" dirty="0">
+                <a:latin typeface="Courier New" pitchFamily="49" charset="0"/>
+                <a:cs typeface="Courier New" pitchFamily="49" charset="0"/>
+              </a:rPr>
+              <a:t>&gt;&gt;&gt; </a:t>
+            </a:r>
+            <a:r>
+              <a:rPr lang="fr-FR" sz="2000" dirty="0" err="1">
+                <a:latin typeface="Courier New" pitchFamily="49" charset="0"/>
+                <a:cs typeface="Courier New" pitchFamily="49" charset="0"/>
+              </a:rPr>
+              <a:t>L.pop</a:t>
+            </a:r>
+            <a:r>
+              <a:rPr lang="fr-FR" sz="2000" dirty="0">
+                <a:latin typeface="Courier New" pitchFamily="49" charset="0"/>
+                <a:cs typeface="Courier New" pitchFamily="49" charset="0"/>
+              </a:rPr>
+              <a:t>()</a:t>
+            </a:r>
+          </a:p>
+          <a:p>
+            <a:pPr marL="0" indent="0">
+              <a:buNone/>
+            </a:pPr>
+            <a:r>
+              <a:rPr lang="fr-FR" sz="2000" dirty="0">
+                <a:latin typeface="Courier New" pitchFamily="49" charset="0"/>
+                <a:cs typeface="Courier New" pitchFamily="49" charset="0"/>
+              </a:rPr>
+              <a:t>2</a:t>
+            </a:r>
+          </a:p>
+          <a:p>
+            <a:pPr marL="0" indent="0">
+              <a:buNone/>
+            </a:pPr>
+            <a:r>
+              <a:rPr lang="fr-FR" sz="2000" dirty="0">
+                <a:latin typeface="Courier New" pitchFamily="49" charset="0"/>
+                <a:cs typeface="Courier New" pitchFamily="49" charset="0"/>
+              </a:rPr>
+              <a:t>&gt;&gt;&gt; L</a:t>
+            </a:r>
+          </a:p>
+          <a:p>
+            <a:pPr marL="0" indent="0">
+              <a:buNone/>
+            </a:pPr>
+            <a:r>
+              <a:rPr lang="fr-FR" sz="2000" dirty="0">
+                <a:latin typeface="Courier New" pitchFamily="49" charset="0"/>
+                <a:cs typeface="Courier New" pitchFamily="49" charset="0"/>
+              </a:rPr>
+              <a:t>[2, 4, 1, 6, 3, 9, 1</a:t>
+            </a:r>
             <a:r>
               <a:rPr lang="fr-FR" sz="2000" dirty="0" smtClean="0">
-                <a:solidFill>
-                  <a:srgbClr val="000000"/>
-                </a:solidFill>
-                <a:latin typeface="Courier New" pitchFamily="49" charset="0"/>
-                <a:cs typeface="Courier New" pitchFamily="49" charset="0"/>
-              </a:rPr>
-              <a:t>&gt;&gt;&gt; L[2:]=[6,7,8,'alice']</a:t>
-            </a:r>
-          </a:p>
-          <a:p>
-            <a:pPr marL="0" lvl="0" indent="0">
-              <a:buNone/>
-            </a:pPr>
-            <a:r>
-              <a:rPr lang="fr-FR" sz="2000" dirty="0" smtClean="0">
-                <a:solidFill>
-                  <a:srgbClr val="000000"/>
-                </a:solidFill>
-                <a:latin typeface="Courier New" pitchFamily="49" charset="0"/>
-                <a:cs typeface="Courier New" pitchFamily="49" charset="0"/>
-              </a:rPr>
-              <a:t>&gt;&gt;&gt; L</a:t>
-            </a:r>
-          </a:p>
-          <a:p>
-            <a:pPr marL="0" lvl="0" indent="0">
-              <a:buNone/>
-            </a:pPr>
-            <a:r>
-              <a:rPr lang="fr-FR" sz="2000" dirty="0" smtClean="0">
-                <a:solidFill>
-                  <a:srgbClr val="000000"/>
-                </a:solidFill>
-                <a:latin typeface="Courier New" pitchFamily="49" charset="0"/>
-                <a:cs typeface="Courier New" pitchFamily="49" charset="0"/>
-              </a:rPr>
-              <a:t>[4, 'bob', 6, 7, 8, '</a:t>
-            </a:r>
-            <a:r>
-              <a:rPr lang="fr-FR" sz="2000" dirty="0" err="1" smtClean="0">
-                <a:solidFill>
-                  <a:srgbClr val="000000"/>
-                </a:solidFill>
-                <a:latin typeface="Courier New" pitchFamily="49" charset="0"/>
-                <a:cs typeface="Courier New" pitchFamily="49" charset="0"/>
-              </a:rPr>
-              <a:t>alice</a:t>
-            </a:r>
-            <a:r>
-              <a:rPr lang="fr-FR" sz="2000" dirty="0" smtClean="0">
-                <a:solidFill>
-                  <a:srgbClr val="000000"/>
-                </a:solidFill>
-                <a:latin typeface="Courier New" pitchFamily="49" charset="0"/>
-                <a:cs typeface="Courier New" pitchFamily="49" charset="0"/>
-              </a:rPr>
-              <a:t>']</a:t>
-            </a:r>
-          </a:p>
-          <a:p>
-            <a:pPr marL="0" lvl="0" indent="0">
-              <a:buNone/>
-            </a:pPr>
-            <a:r>
-              <a:rPr lang="fr-FR" sz="2000" dirty="0" smtClean="0">
-                <a:solidFill>
-                  <a:srgbClr val="000000"/>
-                </a:solidFill>
-                <a:latin typeface="Courier New" pitchFamily="49" charset="0"/>
-                <a:cs typeface="Courier New" pitchFamily="49" charset="0"/>
-              </a:rPr>
-              <a:t>&gt;&gt;&gt; L[1:4]=[]</a:t>
-            </a:r>
-          </a:p>
-          <a:p>
-            <a:pPr marL="0" lvl="0" indent="0">
-              <a:buNone/>
-            </a:pPr>
-            <a:r>
-              <a:rPr lang="fr-FR" sz="2000" dirty="0" smtClean="0">
-                <a:solidFill>
-                  <a:srgbClr val="000000"/>
-                </a:solidFill>
-                <a:latin typeface="Courier New" pitchFamily="49" charset="0"/>
-                <a:cs typeface="Courier New" pitchFamily="49" charset="0"/>
-              </a:rPr>
-              <a:t>&gt;&gt;&gt; L</a:t>
-            </a:r>
-          </a:p>
-          <a:p>
-            <a:pPr marL="0" lvl="0" indent="0">
-              <a:buNone/>
-            </a:pPr>
-            <a:r>
-              <a:rPr lang="fr-FR" sz="2000" dirty="0" smtClean="0">
-                <a:solidFill>
-                  <a:srgbClr val="000000"/>
-                </a:solidFill>
-                <a:latin typeface="Courier New" pitchFamily="49" charset="0"/>
-                <a:cs typeface="Courier New" pitchFamily="49" charset="0"/>
-              </a:rPr>
-              <a:t>[4, 8, '</a:t>
-            </a:r>
-            <a:r>
-              <a:rPr lang="fr-FR" sz="2000" dirty="0" err="1" smtClean="0">
-                <a:solidFill>
-                  <a:srgbClr val="000000"/>
-                </a:solidFill>
-                <a:latin typeface="Courier New" pitchFamily="49" charset="0"/>
-                <a:cs typeface="Courier New" pitchFamily="49" charset="0"/>
-              </a:rPr>
-              <a:t>alice</a:t>
-            </a:r>
-            <a:r>
-              <a:rPr lang="fr-FR" sz="2000" dirty="0" smtClean="0">
-                <a:solidFill>
-                  <a:srgbClr val="000000"/>
-                </a:solidFill>
-                <a:latin typeface="Courier New" pitchFamily="49" charset="0"/>
-                <a:cs typeface="Courier New" pitchFamily="49" charset="0"/>
-              </a:rPr>
-              <a:t>']</a:t>
-            </a:r>
-          </a:p>
-          <a:p>
-            <a:r>
-              <a:rPr lang="fr-FR" sz="2400" dirty="0" smtClean="0">
-                <a:solidFill>
-                  <a:srgbClr val="FF0000"/>
-                </a:solidFill>
-                <a:cs typeface="Courier New" pitchFamily="49" charset="0"/>
-              </a:rPr>
-              <a:t>Attention</a:t>
-            </a:r>
-          </a:p>
-          <a:p>
-            <a:pPr lvl="1"/>
-            <a:r>
-              <a:rPr lang="fr-FR" sz="2000" dirty="0" smtClean="0">
-                <a:solidFill>
-                  <a:srgbClr val="000000"/>
-                </a:solidFill>
-                <a:latin typeface="Courier New" pitchFamily="49" charset="0"/>
-                <a:cs typeface="Courier New" pitchFamily="49" charset="0"/>
-              </a:rPr>
-              <a:t>L[i] = L2 </a:t>
-            </a:r>
-            <a:r>
-              <a:rPr lang="fr-FR" sz="2000" dirty="0" smtClean="0">
-                <a:solidFill>
-                  <a:srgbClr val="000000"/>
-                </a:solidFill>
-                <a:cs typeface="Courier New" pitchFamily="49" charset="0"/>
-              </a:rPr>
-              <a:t>insère la liste L2 à la place de l’élément i de L</a:t>
-            </a:r>
-          </a:p>
-          <a:p>
-            <a:pPr lvl="1"/>
-            <a:r>
-              <a:rPr lang="fr-FR" sz="2000" dirty="0" smtClean="0">
-                <a:solidFill>
-                  <a:srgbClr val="000000"/>
-                </a:solidFill>
-                <a:latin typeface="Courier New" pitchFamily="49" charset="0"/>
-                <a:cs typeface="Courier New" pitchFamily="49" charset="0"/>
-              </a:rPr>
-              <a:t>L[</a:t>
-            </a:r>
-            <a:r>
-              <a:rPr lang="fr-FR" sz="2000" dirty="0" err="1" smtClean="0">
-                <a:solidFill>
-                  <a:srgbClr val="000000"/>
-                </a:solidFill>
-                <a:latin typeface="Courier New" pitchFamily="49" charset="0"/>
-                <a:cs typeface="Courier New" pitchFamily="49" charset="0"/>
-              </a:rPr>
-              <a:t>i:j</a:t>
-            </a:r>
-            <a:r>
-              <a:rPr lang="fr-FR" sz="2000" dirty="0" smtClean="0">
-                <a:solidFill>
-                  <a:srgbClr val="000000"/>
-                </a:solidFill>
-                <a:latin typeface="Courier New" pitchFamily="49" charset="0"/>
-                <a:cs typeface="Courier New" pitchFamily="49" charset="0"/>
-              </a:rPr>
-              <a:t>] = L2 </a:t>
-            </a:r>
-            <a:r>
-              <a:rPr lang="fr-FR" sz="2000" dirty="0" smtClean="0">
-                <a:solidFill>
-                  <a:srgbClr val="000000"/>
-                </a:solidFill>
-                <a:cs typeface="Courier New" pitchFamily="49" charset="0"/>
-              </a:rPr>
-              <a:t>insère tous les éléments de la liste L2 à la position i après avoir supprimé les éléments i jusqu’à j-1 dans L</a:t>
-            </a:r>
+                <a:latin typeface="Courier New" pitchFamily="49" charset="0"/>
+                <a:cs typeface="Courier New" pitchFamily="49" charset="0"/>
+              </a:rPr>
+              <a:t>]</a:t>
+            </a:r>
+            <a:endParaRPr lang="fr-FR" sz="2000" dirty="0">
+              <a:latin typeface="Courier New" pitchFamily="49" charset="0"/>
+              <a:cs typeface="Courier New" pitchFamily="49" charset="0"/>
+            </a:endParaRPr>
           </a:p>
         </p:txBody>
       </p:sp>
     </p:spTree>
     <p:extLst>
       <p:ext uri="{BB962C8B-B14F-4D97-AF65-F5344CB8AC3E}">
-        <p14:creationId xmlns:p14="http://schemas.microsoft.com/office/powerpoint/2010/main" val="3834541014"/>
+        <p14:creationId xmlns:p14="http://schemas.microsoft.com/office/powerpoint/2010/main" val="2087602865"/>
       </p:ext>
     </p:extLst>
   </p:cSld>
@@ -10998,13 +6450,8 @@
           <a:p>
             <a:r>
               <a:rPr lang="fr-FR" dirty="0"/>
-              <a:t>Modification des </a:t>
-            </a:r>
-            <a:r>
-              <a:rPr lang="fr-FR" dirty="0" smtClean="0"/>
-              <a:t>listes</a:t>
-            </a:r>
-            <a:endParaRPr lang="fr-FR" dirty="0"/>
+              <a:t>Méthodes sur les listes</a:t>
+            </a:r>
           </a:p>
         </p:txBody>
       </p:sp>
@@ -11037,14 +6484,14 @@
               <a:t>&gt;&gt;&gt; </a:t>
             </a:r>
             <a:r>
-              <a:rPr lang="fr-FR" sz="2000" dirty="0" smtClean="0">
+              <a:rPr lang="fr-FR" sz="2000" dirty="0" err="1">
                 <a:solidFill>
                   <a:srgbClr val="000000"/>
                 </a:solidFill>
                 <a:latin typeface="Courier New" pitchFamily="49" charset="0"/>
                 <a:cs typeface="Courier New" pitchFamily="49" charset="0"/>
               </a:rPr>
-              <a:t>L = </a:t>
+              <a:t>L.remove</a:t>
             </a:r>
             <a:r>
               <a:rPr lang="fr-FR" sz="2000" dirty="0">
@@ -11054,33 +6501,13 @@
                 <a:latin typeface="Courier New" pitchFamily="49" charset="0"/>
                 <a:cs typeface="Courier New" pitchFamily="49" charset="0"/>
               </a:rPr>
-              <a:t>[1, 2, 3, 4, 5</a:t>
-            </a:r>
-            <a:r>
-              <a:rPr lang="fr-FR" sz="2000" dirty="0" smtClean="0">
-                <a:solidFill>
-                  <a:srgbClr val="000000"/>
-                </a:solidFill>
-                <a:latin typeface="Courier New" pitchFamily="49" charset="0"/>
-                <a:cs typeface="Courier New" pitchFamily="49" charset="0"/>
-              </a:rPr>
-              <a:t>]</a:t>
+              <a:t>(1)</a:t>
             </a:r>
           </a:p>
           <a:p>
             <a:pPr marL="0" lvl="0" indent="0">
               <a:buNone/>
             </a:pPr>
-            <a:r>
-              <a:rPr lang="fr-FR" sz="2000" dirty="0" smtClean="0">
-                <a:solidFill>
-                  <a:srgbClr val="000000"/>
-                </a:solidFill>
-                <a:latin typeface="Courier New" pitchFamily="49" charset="0"/>
-                <a:cs typeface="Courier New" pitchFamily="49" charset="0"/>
-              </a:rPr>
-              <a:t>&gt;&gt;&gt; </a:t>
-            </a:r>
             <a:r>
               <a:rPr lang="fr-FR" sz="2000" dirty="0">
                 <a:solidFill>
@@ -11089,7 +6516,7 @@
                 <a:latin typeface="Courier New" pitchFamily="49" charset="0"/>
                 <a:cs typeface="Courier New" pitchFamily="49" charset="0"/>
               </a:rPr>
-              <a:t>L</a:t>
+              <a:t>&gt;&gt;&gt; L</a:t>
             </a:r>
           </a:p>
           <a:p>
@@ -11104,7 +6531,7 @@
                 <a:latin typeface="Courier New" pitchFamily="49" charset="0"/>
                 <a:cs typeface="Courier New" pitchFamily="49" charset="0"/>
               </a:rPr>
-              <a:t>[1, 2, 3, 4, 5]</a:t>
+              <a:t>[2, 4, 6, 3, 9, 1]</a:t>
             </a:r>
           </a:p>
           <a:p>
@@ -11119,13 +6546,18 @@
                 <a:latin typeface="Courier New" pitchFamily="49" charset="0"/>
                 <a:cs typeface="Courier New" pitchFamily="49" charset="0"/>
               </a:rPr>
-              <a:t>&gt;&gt;&gt; L[2:4] = [10,11,12,13]</a:t>
-            </a:r>
-          </a:p>
-          <a:p>
-            <a:pPr marL="0" lvl="0" indent="0">
-              <a:buNone/>
-            </a:pPr>
+              <a:t>&gt;&gt;&gt; </a:t>
+            </a:r>
+            <a:r>
+              <a:rPr lang="fr-FR" sz="2000" dirty="0" err="1">
+                <a:solidFill>
+                  <a:srgbClr val="000000"/>
+                </a:solidFill>
+                <a:latin typeface="Courier New" pitchFamily="49" charset="0"/>
+                <a:cs typeface="Courier New" pitchFamily="49" charset="0"/>
+              </a:rPr>
+              <a:t>L.sort</a:t>
+            </a:r>
             <a:r>
               <a:rPr lang="fr-FR" sz="2000" dirty="0">
                 <a:solidFill>
@@ -11134,7 +6566,7 @@
                 <a:latin typeface="Courier New" pitchFamily="49" charset="0"/>
                 <a:cs typeface="Courier New" pitchFamily="49" charset="0"/>
               </a:rPr>
-              <a:t>&gt;&gt;&gt; L</a:t>
+              <a:t>()</a:t>
             </a:r>
           </a:p>
           <a:p>
@@ -11149,7 +6581,7 @@
                 <a:latin typeface="Courier New" pitchFamily="49" charset="0"/>
                 <a:cs typeface="Courier New" pitchFamily="49" charset="0"/>
               </a:rPr>
-              <a:t>[1, 2, 10, 11, 12, 13, 5]</a:t>
+              <a:t>&gt;&gt;&gt; L</a:t>
             </a:r>
           </a:p>
           <a:p>
@@ -11164,7 +6596,7 @@
                 <a:latin typeface="Courier New" pitchFamily="49" charset="0"/>
                 <a:cs typeface="Courier New" pitchFamily="49" charset="0"/>
               </a:rPr>
-              <a:t>&gt;&gt;&gt; L[3] = [3,4]</a:t>
+              <a:t>[1, 2, 3, 4, 6, 9]</a:t>
             </a:r>
           </a:p>
           <a:p>
@@ -11179,13 +6611,18 @@
                 <a:latin typeface="Courier New" pitchFamily="49" charset="0"/>
                 <a:cs typeface="Courier New" pitchFamily="49" charset="0"/>
               </a:rPr>
-              <a:t>&gt;&gt;&gt; L</a:t>
-            </a:r>
-          </a:p>
-          <a:p>
-            <a:pPr marL="0" lvl="0" indent="0">
-              <a:buNone/>
-            </a:pPr>
+              <a:t>&gt;&gt;&gt; </a:t>
+            </a:r>
+            <a:r>
+              <a:rPr lang="fr-FR" sz="2000" dirty="0" err="1">
+                <a:solidFill>
+                  <a:srgbClr val="000000"/>
+                </a:solidFill>
+                <a:latin typeface="Courier New" pitchFamily="49" charset="0"/>
+                <a:cs typeface="Courier New" pitchFamily="49" charset="0"/>
+              </a:rPr>
+              <a:t>L.reverse</a:t>
+            </a:r>
             <a:r>
               <a:rPr lang="fr-FR" sz="2000" dirty="0">
                 <a:solidFill>
@@ -11194,15 +6631,119 @@
                 <a:latin typeface="Courier New" pitchFamily="49" charset="0"/>
                 <a:cs typeface="Courier New" pitchFamily="49" charset="0"/>
               </a:rPr>
-              <a:t>[1, 2, 10, [3, 4], 12, 13, 5]</a:t>
-            </a:r>
+              <a:t>()</a:t>
+            </a:r>
+          </a:p>
+          <a:p>
+            <a:pPr marL="0" lvl="0" indent="0">
+              <a:buNone/>
+            </a:pPr>
+            <a:r>
+              <a:rPr lang="fr-FR" sz="2000" dirty="0">
+                <a:solidFill>
+                  <a:srgbClr val="000000"/>
+                </a:solidFill>
+                <a:latin typeface="Courier New" pitchFamily="49" charset="0"/>
+                <a:cs typeface="Courier New" pitchFamily="49" charset="0"/>
+              </a:rPr>
+              <a:t>&gt;&gt;&gt; L</a:t>
+            </a:r>
+          </a:p>
+          <a:p>
+            <a:pPr marL="0" lvl="0" indent="0">
+              <a:buNone/>
+            </a:pPr>
+            <a:r>
+              <a:rPr lang="fr-FR" sz="2000" dirty="0">
+                <a:solidFill>
+                  <a:srgbClr val="000000"/>
+                </a:solidFill>
+                <a:latin typeface="Courier New" pitchFamily="49" charset="0"/>
+                <a:cs typeface="Courier New" pitchFamily="49" charset="0"/>
+              </a:rPr>
+              <a:t>[9, 6, 4, 3, 2, 1]</a:t>
+            </a:r>
+          </a:p>
+          <a:p>
+            <a:r>
+              <a:rPr lang="fr-FR" dirty="0" smtClean="0"/>
+              <a:t>Sujets avancés que l’on verra plus tard</a:t>
+            </a:r>
+          </a:p>
+          <a:p>
+            <a:pPr lvl="1"/>
+            <a:r>
+              <a:rPr lang="fr-FR" dirty="0" err="1">
+                <a:latin typeface="Courier New" pitchFamily="49" charset="0"/>
+                <a:cs typeface="Courier New" pitchFamily="49" charset="0"/>
+              </a:rPr>
+              <a:t>f</a:t>
+            </a:r>
+            <a:r>
+              <a:rPr lang="fr-FR" dirty="0" err="1" smtClean="0">
+                <a:latin typeface="Courier New" pitchFamily="49" charset="0"/>
+                <a:cs typeface="Courier New" pitchFamily="49" charset="0"/>
+              </a:rPr>
+              <a:t>ilter</a:t>
+            </a:r>
+            <a:r>
+              <a:rPr lang="fr-FR" dirty="0" smtClean="0">
+                <a:latin typeface="Courier New" pitchFamily="49" charset="0"/>
+                <a:cs typeface="Courier New" pitchFamily="49" charset="0"/>
+              </a:rPr>
+              <a:t>()</a:t>
+            </a:r>
+            <a:r>
+              <a:rPr lang="fr-FR" dirty="0" smtClean="0"/>
+              <a:t>, </a:t>
+            </a:r>
+            <a:r>
+              <a:rPr lang="fr-FR" dirty="0" err="1" smtClean="0">
+                <a:latin typeface="Courier New" pitchFamily="49" charset="0"/>
+                <a:cs typeface="Courier New" pitchFamily="49" charset="0"/>
+              </a:rPr>
+              <a:t>map</a:t>
+            </a:r>
+            <a:r>
+              <a:rPr lang="fr-FR" dirty="0" smtClean="0">
+                <a:latin typeface="Courier New" pitchFamily="49" charset="0"/>
+                <a:cs typeface="Courier New" pitchFamily="49" charset="0"/>
+              </a:rPr>
+              <a:t>()</a:t>
+            </a:r>
+            <a:r>
+              <a:rPr lang="fr-FR" dirty="0" smtClean="0"/>
+              <a:t>, </a:t>
+            </a:r>
+            <a:r>
+              <a:rPr lang="fr-FR" dirty="0" err="1" smtClean="0">
+                <a:latin typeface="Courier New" pitchFamily="49" charset="0"/>
+                <a:cs typeface="Courier New" pitchFamily="49" charset="0"/>
+              </a:rPr>
+              <a:t>reduce</a:t>
+            </a:r>
+            <a:r>
+              <a:rPr lang="fr-FR" dirty="0" smtClean="0">
+                <a:latin typeface="Courier New" pitchFamily="49" charset="0"/>
+                <a:cs typeface="Courier New" pitchFamily="49" charset="0"/>
+              </a:rPr>
+              <a:t>()</a:t>
+            </a:r>
+          </a:p>
+          <a:p>
+            <a:pPr lvl="1"/>
+            <a:r>
+              <a:rPr lang="fr-FR" dirty="0" smtClean="0"/>
+              <a:t>Compréhension de listes</a:t>
+            </a:r>
+            <a:endParaRPr lang="fr-FR" dirty="0"/>
           </a:p>
         </p:txBody>
       </p:sp>
     </p:spTree>
     <p:extLst>
       <p:ext uri="{BB962C8B-B14F-4D97-AF65-F5344CB8AC3E}">
-        <p14:creationId xmlns:p14="http://schemas.microsoft.com/office/powerpoint/2010/main" val="3679711706"/>
+        <p14:creationId xmlns:p14="http://schemas.microsoft.com/office/powerpoint/2010/main" val="2205137351"/>
       </p:ext>
     </p:extLst>
   </p:cSld>
@@ -11253,7 +6794,11 @@
           <a:p>
             <a:r>
               <a:rPr lang="fr-FR" dirty="0" smtClean="0"/>
-              <a:t>Méthodes sur les listes</a:t>
+              <a:t>Les </a:t>
+            </a:r>
+            <a:r>
+              <a:rPr lang="fr-FR" dirty="0" err="1" smtClean="0"/>
+              <a:t>tuples</a:t>
             </a:r>
             <a:endParaRPr lang="fr-FR" dirty="0"/>
           </a:p>
@@ -11271,8 +6816,8 @@
         </p:nvSpPr>
         <p:spPr>
           <a:xfrm>
-            <a:off x="457199" y="1600200"/>
-            <a:ext cx="8686801" cy="4525963"/>
+            <a:off x="457200" y="1491016"/>
+            <a:ext cx="8686800" cy="4525963"/>
           </a:xfrm>
         </p:spPr>
         <p:txBody>
@@ -11281,13 +6826,7 @@
           <a:p>
             <a:r>
               <a:rPr lang="fr-FR" dirty="0" smtClean="0"/>
-              <a:t>Toutes les méthodes sur les séquences</a:t>
-            </a:r>
-          </a:p>
-          <a:p>
-            <a:r>
-              <a:rPr lang="fr-FR" dirty="0" smtClean="0"/>
-              <a:t>Des méthodes spécifiques aux types mutables (</a:t>
+              <a:t>Comme des listes, mais </a:t>
             </a:r>
             <a:r>
               <a:rPr lang="fr-FR" dirty="0" smtClean="0">
@@ -11295,146 +6834,227 @@
                   <a:srgbClr val="FF0000"/>
                 </a:solidFill>
               </a:rPr>
-              <a:t>modifications </a:t>
-            </a:r>
-            <a:r>
-              <a:rPr lang="fr-FR" dirty="0" err="1" smtClean="0">
+              <a:t>immutables</a:t>
+            </a:r>
+          </a:p>
+          <a:p>
+            <a:pPr lvl="1"/>
+            <a:r>
+              <a:rPr lang="fr-FR" dirty="0" smtClean="0"/>
+              <a:t>Les fonctions faisant des modifications </a:t>
+            </a:r>
+            <a:r>
+              <a:rPr lang="fr-FR" dirty="0" err="1" smtClean="0"/>
+              <a:t>in-place</a:t>
+            </a:r>
+            <a:r>
+              <a:rPr lang="fr-FR" dirty="0" smtClean="0"/>
+              <a:t> ne s’appliquent donc pas aux </a:t>
+            </a:r>
+            <a:r>
+              <a:rPr lang="fr-FR" dirty="0" err="1" smtClean="0"/>
+              <a:t>tuples</a:t>
+            </a:r>
+            <a:endParaRPr lang="fr-FR" dirty="0" smtClean="0"/>
+          </a:p>
+          <a:p>
+            <a:pPr lvl="1"/>
+            <a:r>
+              <a:rPr lang="fr-FR" dirty="0" smtClean="0"/>
+              <a:t>Syntaxe pour un </a:t>
+            </a:r>
+            <a:r>
+              <a:rPr lang="fr-FR" dirty="0" err="1" smtClean="0"/>
+              <a:t>tuple</a:t>
+            </a:r>
+            <a:r>
+              <a:rPr lang="fr-FR" dirty="0" smtClean="0"/>
+              <a:t> vide</a:t>
+            </a:r>
+          </a:p>
+          <a:p>
+            <a:pPr lvl="2"/>
+            <a:r>
+              <a:rPr lang="fr-FR" dirty="0" smtClean="0">
+                <a:latin typeface="Courier New" pitchFamily="49" charset="0"/>
+                <a:cs typeface="Courier New" pitchFamily="49" charset="0"/>
+              </a:rPr>
+              <a:t>T = ()</a:t>
+            </a:r>
+          </a:p>
+          <a:p>
+            <a:pPr lvl="1"/>
+            <a:r>
+              <a:rPr lang="fr-FR" dirty="0" smtClean="0"/>
+              <a:t>Syntaxe pour un singleton</a:t>
+            </a:r>
+          </a:p>
+          <a:p>
+            <a:pPr lvl="2"/>
+            <a:r>
+              <a:rPr lang="fr-FR" dirty="0" smtClean="0">
+                <a:latin typeface="Courier New" pitchFamily="49" charset="0"/>
+                <a:cs typeface="Courier New" pitchFamily="49" charset="0"/>
+              </a:rPr>
+              <a:t>T = (4</a:t>
+            </a:r>
+            <a:r>
+              <a:rPr lang="fr-FR" dirty="0" smtClean="0">
                 <a:solidFill>
                   <a:srgbClr val="FF0000"/>
                 </a:solidFill>
-              </a:rPr>
-              <a:t>in-place</a:t>
+                <a:latin typeface="Courier New" pitchFamily="49" charset="0"/>
+                <a:cs typeface="Courier New" pitchFamily="49" charset="0"/>
+              </a:rPr>
+              <a:t>,</a:t>
+            </a:r>
+            <a:r>
+              <a:rPr lang="fr-FR" dirty="0" smtClean="0">
+                <a:latin typeface="Courier New" pitchFamily="49" charset="0"/>
+                <a:cs typeface="Courier New" pitchFamily="49" charset="0"/>
+              </a:rPr>
+              <a:t>)  </a:t>
             </a:r>
             <a:r>
               <a:rPr lang="fr-FR" dirty="0" smtClean="0"/>
-              <a:t>)</a:t>
-            </a:r>
+              <a:t>ou </a:t>
+            </a:r>
+            <a:r>
+              <a:rPr lang="fr-FR" dirty="0" smtClean="0">
+                <a:latin typeface="Courier New" pitchFamily="49" charset="0"/>
+                <a:cs typeface="Courier New" pitchFamily="49" charset="0"/>
+              </a:rPr>
+              <a:t>T = 4</a:t>
+            </a:r>
+            <a:r>
+              <a:rPr lang="fr-FR" dirty="0" smtClean="0">
+                <a:solidFill>
+                  <a:srgbClr val="FF0000"/>
+                </a:solidFill>
+                <a:latin typeface="Courier New" pitchFamily="49" charset="0"/>
+                <a:cs typeface="Courier New" pitchFamily="49" charset="0"/>
+              </a:rPr>
+              <a:t>,</a:t>
+            </a:r>
+            <a:r>
+              <a:rPr lang="fr-FR" dirty="0" smtClean="0">
+                <a:latin typeface="Courier New" pitchFamily="49" charset="0"/>
+                <a:cs typeface="Courier New" pitchFamily="49" charset="0"/>
+              </a:rPr>
+              <a:t> </a:t>
+            </a:r>
+            <a:r>
+              <a:rPr lang="fr-FR" dirty="0" smtClean="0"/>
+              <a:t>Attention (4) est un entier et (4,) est un </a:t>
+            </a:r>
+            <a:r>
+              <a:rPr lang="fr-FR" dirty="0" err="1" smtClean="0"/>
+              <a:t>tuple</a:t>
+            </a:r>
+            <a:endParaRPr lang="fr-FR" dirty="0" smtClean="0"/>
           </a:p>
           <a:p>
             <a:pPr lvl="1"/>
             <a:r>
+              <a:rPr lang="fr-FR" dirty="0" smtClean="0"/>
+              <a:t>Syntaxe pour plusieurs éléments</a:t>
+            </a:r>
+          </a:p>
+          <a:p>
+            <a:pPr lvl="2"/>
+            <a:r>
+              <a:rPr lang="fr-FR" dirty="0" smtClean="0">
+                <a:latin typeface="Courier New" pitchFamily="49" charset="0"/>
+                <a:cs typeface="Courier New" pitchFamily="49" charset="0"/>
+              </a:rPr>
+              <a:t>T = (3,5,</a:t>
+            </a:r>
+            <a:r>
+              <a:rPr lang="fr-FR" dirty="0" smtClean="0">
+                <a:solidFill>
+                  <a:srgbClr val="000000"/>
+                </a:solidFill>
+                <a:latin typeface="Courier New" pitchFamily="49" charset="0"/>
+                <a:cs typeface="Courier New" pitchFamily="49" charset="0"/>
+              </a:rPr>
+              <a:t>'</a:t>
+            </a:r>
+            <a:r>
+              <a:rPr lang="fr-FR" dirty="0" smtClean="0">
+                <a:latin typeface="Courier New" pitchFamily="49" charset="0"/>
+                <a:cs typeface="Courier New" pitchFamily="49" charset="0"/>
+              </a:rPr>
+              <a:t>alice</a:t>
+            </a:r>
+            <a:r>
+              <a:rPr lang="fr-FR" dirty="0" smtClean="0">
+                <a:solidFill>
+                  <a:srgbClr val="000000"/>
+                </a:solidFill>
+                <a:latin typeface="Courier New" pitchFamily="49" charset="0"/>
+                <a:cs typeface="Courier New" pitchFamily="49" charset="0"/>
+              </a:rPr>
+              <a:t>'</a:t>
+            </a:r>
+            <a:r>
+              <a:rPr lang="fr-FR" dirty="0" smtClean="0">
+                <a:latin typeface="Courier New" pitchFamily="49" charset="0"/>
+                <a:cs typeface="Courier New" pitchFamily="49" charset="0"/>
+              </a:rPr>
+              <a:t>) </a:t>
+            </a:r>
+            <a:r>
+              <a:rPr lang="fr-FR" dirty="0" smtClean="0"/>
+              <a:t>ou </a:t>
+            </a:r>
+            <a:r>
+              <a:rPr lang="fr-FR" dirty="0" smtClean="0">
+                <a:latin typeface="Courier New" pitchFamily="49" charset="0"/>
+                <a:cs typeface="Courier New" pitchFamily="49" charset="0"/>
+              </a:rPr>
+              <a:t>T =  3, 5, </a:t>
+            </a:r>
+            <a:r>
+              <a:rPr lang="fr-FR" dirty="0" smtClean="0">
+                <a:solidFill>
+                  <a:srgbClr val="000000"/>
+                </a:solidFill>
+                <a:latin typeface="Courier New" pitchFamily="49" charset="0"/>
+                <a:cs typeface="Courier New" pitchFamily="49" charset="0"/>
+              </a:rPr>
+              <a:t>'</a:t>
+            </a:r>
+            <a:r>
               <a:rPr lang="fr-FR" dirty="0" err="1" smtClean="0">
                 <a:latin typeface="Courier New" pitchFamily="49" charset="0"/>
                 <a:cs typeface="Courier New" pitchFamily="49" charset="0"/>
               </a:rPr>
-              <a:t>L.append</a:t>
+              <a:t>alice</a:t>
             </a:r>
             <a:r>
               <a:rPr lang="fr-FR" dirty="0" smtClean="0">
-                <a:latin typeface="Courier New" pitchFamily="49" charset="0"/>
-                <a:cs typeface="Courier New" pitchFamily="49" charset="0"/>
-              </a:rPr>
-              <a:t>(x)</a:t>
+                <a:solidFill>
+                  <a:srgbClr val="000000"/>
+                </a:solidFill>
+                <a:latin typeface="Courier New" pitchFamily="49" charset="0"/>
+                <a:cs typeface="Courier New" pitchFamily="49" charset="0"/>
+              </a:rPr>
+              <a:t>'</a:t>
             </a:r>
             <a:r>
               <a:rPr lang="fr-FR" dirty="0" smtClean="0"/>
-              <a:t> ajoute x à la fin de L</a:t>
-            </a:r>
-          </a:p>
-          <a:p>
-            <a:pPr lvl="1"/>
-            <a:r>
-              <a:rPr lang="fr-FR" dirty="0" err="1" smtClean="0">
-                <a:latin typeface="Courier New" pitchFamily="49" charset="0"/>
-                <a:cs typeface="Courier New" pitchFamily="49" charset="0"/>
-              </a:rPr>
-              <a:t>L.extend</a:t>
-            </a:r>
+              <a:t> </a:t>
+            </a:r>
+          </a:p>
+          <a:p>
+            <a:pPr lvl="2"/>
             <a:r>
               <a:rPr lang="fr-FR" dirty="0" smtClean="0">
-                <a:latin typeface="Courier New" pitchFamily="49" charset="0"/>
-                <a:cs typeface="Courier New" pitchFamily="49" charset="0"/>
-              </a:rPr>
-              <a:t>(L2)</a:t>
-            </a:r>
-            <a:r>
-              <a:rPr lang="fr-FR" dirty="0" smtClean="0"/>
-              <a:t>  ajoute chaque élément de la liste L2 à la fin de L</a:t>
-            </a:r>
-          </a:p>
-          <a:p>
-            <a:pPr lvl="1"/>
-            <a:r>
-              <a:rPr lang="fr-FR" dirty="0" err="1" smtClean="0">
-                <a:latin typeface="Courier New" pitchFamily="49" charset="0"/>
-                <a:cs typeface="Courier New" pitchFamily="49" charset="0"/>
-              </a:rPr>
-              <a:t>L.insert</a:t>
-            </a:r>
-            <a:r>
-              <a:rPr lang="fr-FR" dirty="0" smtClean="0">
-                <a:latin typeface="Courier New" pitchFamily="49" charset="0"/>
-                <a:cs typeface="Courier New" pitchFamily="49" charset="0"/>
-              </a:rPr>
-              <a:t>(</a:t>
-            </a:r>
-            <a:r>
-              <a:rPr lang="fr-FR" dirty="0" err="1" smtClean="0">
-                <a:latin typeface="Courier New" pitchFamily="49" charset="0"/>
-                <a:cs typeface="Courier New" pitchFamily="49" charset="0"/>
-              </a:rPr>
-              <a:t>i,x</a:t>
-            </a:r>
-            <a:r>
-              <a:rPr lang="fr-FR" dirty="0" smtClean="0">
-                <a:latin typeface="Courier New" pitchFamily="49" charset="0"/>
-                <a:cs typeface="Courier New" pitchFamily="49" charset="0"/>
-              </a:rPr>
-              <a:t>)</a:t>
-            </a:r>
-            <a:r>
-              <a:rPr lang="fr-FR" dirty="0" smtClean="0"/>
-              <a:t> ajoute x </a:t>
-            </a:r>
-            <a:r>
-              <a:rPr lang="fr-FR" dirty="0"/>
-              <a:t>à</a:t>
-            </a:r>
-            <a:r>
-              <a:rPr lang="fr-FR" dirty="0" smtClean="0"/>
-              <a:t> la position i</a:t>
-            </a:r>
-          </a:p>
-          <a:p>
-            <a:pPr lvl="1"/>
-            <a:r>
-              <a:rPr lang="fr-FR" dirty="0" err="1" smtClean="0">
-                <a:latin typeface="Courier New" pitchFamily="49" charset="0"/>
-                <a:cs typeface="Courier New" pitchFamily="49" charset="0"/>
-              </a:rPr>
-              <a:t>L.sort</a:t>
-            </a:r>
-            <a:r>
-              <a:rPr lang="fr-FR" dirty="0" smtClean="0">
-                <a:latin typeface="Courier New" pitchFamily="49" charset="0"/>
-                <a:cs typeface="Courier New" pitchFamily="49" charset="0"/>
-              </a:rPr>
-              <a:t>()  </a:t>
-            </a:r>
-            <a:r>
-              <a:rPr lang="fr-FR" dirty="0" smtClean="0"/>
-              <a:t>trie L</a:t>
-            </a:r>
-          </a:p>
-          <a:p>
-            <a:pPr lvl="1"/>
-            <a:r>
-              <a:rPr lang="fr-FR" dirty="0" err="1" smtClean="0">
-                <a:latin typeface="Courier New" pitchFamily="49" charset="0"/>
-                <a:cs typeface="Courier New" pitchFamily="49" charset="0"/>
-              </a:rPr>
-              <a:t>L.reverse</a:t>
-            </a:r>
-            <a:r>
-              <a:rPr lang="fr-FR" dirty="0" smtClean="0">
-                <a:latin typeface="Courier New" pitchFamily="49" charset="0"/>
-                <a:cs typeface="Courier New" pitchFamily="49" charset="0"/>
-              </a:rPr>
-              <a:t>() </a:t>
-            </a:r>
-            <a:r>
-              <a:rPr lang="fr-FR" dirty="0" smtClean="0"/>
-              <a:t>renverse les éléments de L</a:t>
+                <a:solidFill>
+                  <a:srgbClr val="FF0000"/>
+                </a:solidFill>
+              </a:rPr>
+              <a:t>On peut omettre les ()</a:t>
             </a:r>
           </a:p>
         </p:txBody>
@@ -11442,7 +7062,7 @@
     </p:spTree>
     <p:extLst>
       <p:ext uri="{BB962C8B-B14F-4D97-AF65-F5344CB8AC3E}">
-        <p14:creationId xmlns:p14="http://schemas.microsoft.com/office/powerpoint/2010/main" val="2689533893"/>
+        <p14:creationId xmlns:p14="http://schemas.microsoft.com/office/powerpoint/2010/main" val="831146555"/>
       </p:ext>
     </p:extLst>
   </p:cSld>
